--- a/saturn/personal-payment-terminal.pptx
+++ b/saturn/personal-payment-terminal.pptx
@@ -288,7 +288,7 @@
           <a:p>
             <a:fld id="{FC080E38-6FF2-48B3-BDAB-4FA23B840E92}" type="datetimeFigureOut">
               <a:rPr lang="en-US" smtClean="0"/>
-              <a:t>2018-12-12</a:t>
+              <a:t>2019-05-12</a:t>
             </a:fld>
             <a:endParaRPr lang="en-US"/>
           </a:p>
@@ -458,7 +458,7 @@
           <a:p>
             <a:fld id="{FC080E38-6FF2-48B3-BDAB-4FA23B840E92}" type="datetimeFigureOut">
               <a:rPr lang="en-US" smtClean="0"/>
-              <a:t>2018-12-12</a:t>
+              <a:t>2019-05-12</a:t>
             </a:fld>
             <a:endParaRPr lang="en-US"/>
           </a:p>
@@ -638,7 +638,7 @@
           <a:p>
             <a:fld id="{FC080E38-6FF2-48B3-BDAB-4FA23B840E92}" type="datetimeFigureOut">
               <a:rPr lang="en-US" smtClean="0"/>
-              <a:t>2018-12-12</a:t>
+              <a:t>2019-05-12</a:t>
             </a:fld>
             <a:endParaRPr lang="en-US"/>
           </a:p>
@@ -808,7 +808,7 @@
           <a:p>
             <a:fld id="{FC080E38-6FF2-48B3-BDAB-4FA23B840E92}" type="datetimeFigureOut">
               <a:rPr lang="en-US" smtClean="0"/>
-              <a:t>2018-12-12</a:t>
+              <a:t>2019-05-12</a:t>
             </a:fld>
             <a:endParaRPr lang="en-US"/>
           </a:p>
@@ -1054,7 +1054,7 @@
           <a:p>
             <a:fld id="{FC080E38-6FF2-48B3-BDAB-4FA23B840E92}" type="datetimeFigureOut">
               <a:rPr lang="en-US" smtClean="0"/>
-              <a:t>2018-12-12</a:t>
+              <a:t>2019-05-12</a:t>
             </a:fld>
             <a:endParaRPr lang="en-US"/>
           </a:p>
@@ -1342,7 +1342,7 @@
           <a:p>
             <a:fld id="{FC080E38-6FF2-48B3-BDAB-4FA23B840E92}" type="datetimeFigureOut">
               <a:rPr lang="en-US" smtClean="0"/>
-              <a:t>2018-12-12</a:t>
+              <a:t>2019-05-12</a:t>
             </a:fld>
             <a:endParaRPr lang="en-US"/>
           </a:p>
@@ -1764,7 +1764,7 @@
           <a:p>
             <a:fld id="{FC080E38-6FF2-48B3-BDAB-4FA23B840E92}" type="datetimeFigureOut">
               <a:rPr lang="en-US" smtClean="0"/>
-              <a:t>2018-12-12</a:t>
+              <a:t>2019-05-12</a:t>
             </a:fld>
             <a:endParaRPr lang="en-US"/>
           </a:p>
@@ -1882,7 +1882,7 @@
           <a:p>
             <a:fld id="{FC080E38-6FF2-48B3-BDAB-4FA23B840E92}" type="datetimeFigureOut">
               <a:rPr lang="en-US" smtClean="0"/>
-              <a:t>2018-12-12</a:t>
+              <a:t>2019-05-12</a:t>
             </a:fld>
             <a:endParaRPr lang="en-US"/>
           </a:p>
@@ -1977,7 +1977,7 @@
           <a:p>
             <a:fld id="{FC080E38-6FF2-48B3-BDAB-4FA23B840E92}" type="datetimeFigureOut">
               <a:rPr lang="en-US" smtClean="0"/>
-              <a:t>2018-12-12</a:t>
+              <a:t>2019-05-12</a:t>
             </a:fld>
             <a:endParaRPr lang="en-US"/>
           </a:p>
@@ -2254,7 +2254,7 @@
           <a:p>
             <a:fld id="{FC080E38-6FF2-48B3-BDAB-4FA23B840E92}" type="datetimeFigureOut">
               <a:rPr lang="en-US" smtClean="0"/>
-              <a:t>2018-12-12</a:t>
+              <a:t>2019-05-12</a:t>
             </a:fld>
             <a:endParaRPr lang="en-US"/>
           </a:p>
@@ -2507,7 +2507,7 @@
           <a:p>
             <a:fld id="{FC080E38-6FF2-48B3-BDAB-4FA23B840E92}" type="datetimeFigureOut">
               <a:rPr lang="en-US" smtClean="0"/>
-              <a:t>2018-12-12</a:t>
+              <a:t>2019-05-12</a:t>
             </a:fld>
             <a:endParaRPr lang="en-US"/>
           </a:p>
@@ -2720,7 +2720,7 @@
           <a:p>
             <a:fld id="{FC080E38-6FF2-48B3-BDAB-4FA23B840E92}" type="datetimeFigureOut">
               <a:rPr lang="en-US" smtClean="0"/>
-              <a:t>2018-12-12</a:t>
+              <a:t>2019-05-12</a:t>
             </a:fld>
             <a:endParaRPr lang="en-US"/>
           </a:p>
@@ -3668,9 +3668,53 @@
           </a:p>
         </p:txBody>
       </p:sp>
+      <p:sp>
+        <p:nvSpPr>
+          <p:cNvPr id="13" name="TextBox 12"/>
+          <p:cNvSpPr txBox="1"/>
+          <p:nvPr/>
+        </p:nvSpPr>
+        <p:spPr>
+          <a:xfrm>
+            <a:off x="7853726" y="6662094"/>
+            <a:ext cx="1293944" cy="215444"/>
+          </a:xfrm>
+          <a:prstGeom prst="rect">
+            <a:avLst/>
+          </a:prstGeom>
+          <a:noFill/>
+        </p:spPr>
+        <p:txBody>
+          <a:bodyPr wrap="none" rtlCol="0">
+            <a:spAutoFit/>
+          </a:bodyPr>
+          <a:lstStyle/>
+          <a:p>
+            <a:pPr algn="r"/>
+            <a:r>
+              <a:rPr lang="en-US" sz="800" dirty="0" err="1" smtClean="0">
+                <a:latin typeface="Arial" panose="020B0604020202020204" pitchFamily="34" charset="0"/>
+                <a:cs typeface="Arial" panose="020B0604020202020204" pitchFamily="34" charset="0"/>
+              </a:rPr>
+              <a:t>A.Rundgren</a:t>
+            </a:r>
+            <a:r>
+              <a:rPr lang="en-US" sz="800" smtClean="0">
+                <a:latin typeface="Arial" panose="020B0604020202020204" pitchFamily="34" charset="0"/>
+                <a:cs typeface="Arial" panose="020B0604020202020204" pitchFamily="34" charset="0"/>
+              </a:rPr>
+              <a:t> 2019-05-05</a:t>
+            </a:r>
+            <a:endParaRPr lang="en-US" sz="800" dirty="0">
+              <a:latin typeface="Arial" panose="020B0604020202020204" pitchFamily="34" charset="0"/>
+              <a:cs typeface="Arial" panose="020B0604020202020204" pitchFamily="34" charset="0"/>
+            </a:endParaRPr>
+          </a:p>
+        </p:txBody>
+      </p:sp>
       <p:grpSp>
         <p:nvGrpSpPr>
-          <p:cNvPr id="75" name="Group 74"/>
+          <p:cNvPr id="28" name="Group 27"/>
           <p:cNvGrpSpPr/>
           <p:nvPr/>
         </p:nvGrpSpPr>
@@ -3678,63 +3722,63 @@
           <a:xfrm>
             <a:off x="4067944" y="159023"/>
             <a:ext cx="3572003" cy="6006281"/>
-            <a:chOff x="4067944" y="201414"/>
+            <a:chOff x="4067944" y="159023"/>
             <a:chExt cx="3572003" cy="6006281"/>
           </a:xfrm>
         </p:grpSpPr>
-        <p:sp>
-          <p:nvSpPr>
-            <p:cNvPr id="25" name="TextBox 24"/>
-            <p:cNvSpPr txBox="1"/>
-            <p:nvPr/>
-          </p:nvSpPr>
-          <p:spPr>
-            <a:xfrm>
-              <a:off x="4067944" y="201414"/>
-              <a:ext cx="3572003" cy="461665"/>
-            </a:xfrm>
-            <a:prstGeom prst="rect">
-              <a:avLst/>
-            </a:prstGeom>
-            <a:noFill/>
-          </p:spPr>
-          <p:txBody>
-            <a:bodyPr wrap="none" rtlCol="0">
-              <a:spAutoFit/>
-            </a:bodyPr>
-            <a:lstStyle/>
-            <a:p>
-              <a:r>
-                <a:rPr lang="en-US" sz="2400" dirty="0" smtClean="0">
-                  <a:latin typeface="Times New Roman" panose="02020603050405020304" pitchFamily="18" charset="0"/>
-                  <a:cs typeface="Times New Roman" panose="02020603050405020304" pitchFamily="18" charset="0"/>
-                </a:rPr>
-                <a:t>Personal Payment Terminal</a:t>
-              </a:r>
-              <a:endParaRPr lang="en-US" sz="2400" dirty="0">
-                <a:latin typeface="Times New Roman" panose="02020603050405020304" pitchFamily="18" charset="0"/>
-                <a:cs typeface="Times New Roman" panose="02020603050405020304" pitchFamily="18" charset="0"/>
-              </a:endParaRPr>
-            </a:p>
-          </p:txBody>
-        </p:sp>
         <p:grpSp>
           <p:nvGrpSpPr>
-            <p:cNvPr id="74" name="Group 73"/>
+            <p:cNvPr id="75" name="Group 74"/>
             <p:cNvGrpSpPr/>
             <p:nvPr/>
           </p:nvGrpSpPr>
           <p:grpSpPr>
             <a:xfrm>
-              <a:off x="4572000" y="1527175"/>
-              <a:ext cx="2511077" cy="4680520"/>
-              <a:chOff x="4572000" y="1527175"/>
-              <a:chExt cx="2511077" cy="4680520"/>
+              <a:off x="4067944" y="159023"/>
+              <a:ext cx="3572003" cy="6006281"/>
+              <a:chOff x="4067944" y="201414"/>
+              <a:chExt cx="3572003" cy="6006281"/>
             </a:xfrm>
           </p:grpSpPr>
+          <p:sp>
+            <p:nvSpPr>
+              <p:cNvPr id="25" name="TextBox 24"/>
+              <p:cNvSpPr txBox="1"/>
+              <p:nvPr/>
+            </p:nvSpPr>
+            <p:spPr>
+              <a:xfrm>
+                <a:off x="4067944" y="201414"/>
+                <a:ext cx="3572003" cy="461665"/>
+              </a:xfrm>
+              <a:prstGeom prst="rect">
+                <a:avLst/>
+              </a:prstGeom>
+              <a:noFill/>
+            </p:spPr>
+            <p:txBody>
+              <a:bodyPr wrap="none" rtlCol="0">
+                <a:spAutoFit/>
+              </a:bodyPr>
+              <a:lstStyle/>
+              <a:p>
+                <a:r>
+                  <a:rPr lang="en-US" sz="2400" dirty="0" smtClean="0">
+                    <a:latin typeface="Times New Roman" panose="02020603050405020304" pitchFamily="18" charset="0"/>
+                    <a:cs typeface="Times New Roman" panose="02020603050405020304" pitchFamily="18" charset="0"/>
+                  </a:rPr>
+                  <a:t>Personal Payment Terminal</a:t>
+                </a:r>
+                <a:endParaRPr lang="en-US" sz="2400" dirty="0">
+                  <a:latin typeface="Times New Roman" panose="02020603050405020304" pitchFamily="18" charset="0"/>
+                  <a:cs typeface="Times New Roman" panose="02020603050405020304" pitchFamily="18" charset="0"/>
+                </a:endParaRPr>
+              </a:p>
+            </p:txBody>
+          </p:sp>
           <p:grpSp>
             <p:nvGrpSpPr>
-              <p:cNvPr id="67" name="Group 66"/>
+              <p:cNvPr id="4" name="Group 3"/>
               <p:cNvGrpSpPr/>
               <p:nvPr/>
             </p:nvGrpSpPr>
@@ -3742,900 +3786,292 @@
               <a:xfrm>
                 <a:off x="4572000" y="1527175"/>
                 <a:ext cx="2511077" cy="4680520"/>
-                <a:chOff x="4572000" y="1527175"/>
-                <a:chExt cx="2511077" cy="4680520"/>
+                <a:chOff x="796639" y="950200"/>
+                <a:chExt cx="2839257" cy="4824536"/>
               </a:xfrm>
             </p:grpSpPr>
-            <p:grpSp>
-              <p:nvGrpSpPr>
-                <p:cNvPr id="4" name="Group 3"/>
-                <p:cNvGrpSpPr/>
+            <p:sp>
+              <p:nvSpPr>
+                <p:cNvPr id="5" name="Rounded Rectangle 4"/>
+                <p:cNvSpPr/>
                 <p:nvPr/>
-              </p:nvGrpSpPr>
-              <p:grpSpPr>
+              </p:nvSpPr>
+              <p:spPr>
                 <a:xfrm>
-                  <a:off x="4572000" y="1527175"/>
-                  <a:ext cx="2511077" cy="4680520"/>
-                  <a:chOff x="796639" y="950200"/>
-                  <a:chExt cx="2839257" cy="4824536"/>
+                  <a:off x="796639" y="950200"/>
+                  <a:ext cx="2839257" cy="4824536"/>
                 </a:xfrm>
-              </p:grpSpPr>
-              <p:sp>
-                <p:nvSpPr>
-                  <p:cNvPr id="5" name="Rounded Rectangle 4"/>
-                  <p:cNvSpPr/>
-                  <p:nvPr/>
-                </p:nvSpPr>
-                <p:spPr>
-                  <a:xfrm>
-                    <a:off x="796639" y="950200"/>
-                    <a:ext cx="2839257" cy="4824536"/>
-                  </a:xfrm>
-                  <a:prstGeom prst="roundRect">
-                    <a:avLst>
-                      <a:gd name="adj" fmla="val 5335"/>
-                    </a:avLst>
-                  </a:prstGeom>
-                  <a:solidFill>
-                    <a:schemeClr val="bg2"/>
-                  </a:solidFill>
-                  <a:ln w="12700"/>
-                  <a:effectLst/>
-                  <a:scene3d>
-                    <a:camera prst="orthographicFront"/>
-                    <a:lightRig rig="threePt" dir="t"/>
-                  </a:scene3d>
-                  <a:sp3d>
-                    <a:bevelT/>
-                  </a:sp3d>
-                </p:spPr>
-                <p:style>
-                  <a:lnRef idx="2">
-                    <a:schemeClr val="accent1">
-                      <a:shade val="50000"/>
+                <a:prstGeom prst="roundRect">
+                  <a:avLst>
+                    <a:gd name="adj" fmla="val 5335"/>
+                  </a:avLst>
+                </a:prstGeom>
+                <a:solidFill>
+                  <a:schemeClr val="bg2"/>
+                </a:solidFill>
+                <a:ln w="12700"/>
+                <a:effectLst/>
+                <a:scene3d>
+                  <a:camera prst="orthographicFront"/>
+                  <a:lightRig rig="threePt" dir="t"/>
+                </a:scene3d>
+                <a:sp3d>
+                  <a:bevelT/>
+                </a:sp3d>
+              </p:spPr>
+              <p:style>
+                <a:lnRef idx="2">
+                  <a:schemeClr val="accent1">
+                    <a:shade val="50000"/>
+                  </a:schemeClr>
+                </a:lnRef>
+                <a:fillRef idx="1">
+                  <a:schemeClr val="accent1"/>
+                </a:fillRef>
+                <a:effectRef idx="0">
+                  <a:schemeClr val="accent1"/>
+                </a:effectRef>
+                <a:fontRef idx="minor">
+                  <a:schemeClr val="lt1"/>
+                </a:fontRef>
+              </p:style>
+              <p:txBody>
+                <a:bodyPr rtlCol="0" anchor="ctr"/>
+                <a:lstStyle/>
+                <a:p>
+                  <a:pPr algn="ctr"/>
+                  <a:endParaRPr lang="en-US"/>
+                </a:p>
+              </p:txBody>
+            </p:sp>
+            <p:sp>
+              <p:nvSpPr>
+                <p:cNvPr id="6" name="Rounded Rectangle 5"/>
+                <p:cNvSpPr/>
+                <p:nvPr/>
+              </p:nvSpPr>
+              <p:spPr>
+                <a:xfrm>
+                  <a:off x="1928235" y="1142740"/>
+                  <a:ext cx="555533" cy="72008"/>
+                </a:xfrm>
+                <a:prstGeom prst="roundRect">
+                  <a:avLst/>
+                </a:prstGeom>
+                <a:pattFill prst="pct25">
+                  <a:fgClr>
+                    <a:schemeClr val="bg1">
+                      <a:lumMod val="65000"/>
                     </a:schemeClr>
-                  </a:lnRef>
-                  <a:fillRef idx="1">
-                    <a:schemeClr val="accent1"/>
-                  </a:fillRef>
-                  <a:effectRef idx="0">
-                    <a:schemeClr val="accent1"/>
-                  </a:effectRef>
-                  <a:fontRef idx="minor">
-                    <a:schemeClr val="lt1"/>
-                  </a:fontRef>
-                </p:style>
-                <p:txBody>
-                  <a:bodyPr rtlCol="0" anchor="ctr"/>
-                  <a:lstStyle/>
-                  <a:p>
-                    <a:pPr algn="ctr"/>
-                    <a:endParaRPr lang="en-US"/>
-                  </a:p>
-                </p:txBody>
-              </p:sp>
-              <p:sp>
-                <p:nvSpPr>
-                  <p:cNvPr id="6" name="Rounded Rectangle 5"/>
-                  <p:cNvSpPr/>
-                  <p:nvPr/>
-                </p:nvSpPr>
-                <p:spPr>
-                  <a:xfrm>
-                    <a:off x="1928235" y="1142740"/>
-                    <a:ext cx="555533" cy="72008"/>
-                  </a:xfrm>
-                  <a:prstGeom prst="roundRect">
-                    <a:avLst/>
-                  </a:prstGeom>
-                  <a:pattFill prst="pct25">
-                    <a:fgClr>
-                      <a:schemeClr val="bg1">
-                        <a:lumMod val="65000"/>
-                      </a:schemeClr>
-                    </a:fgClr>
-                    <a:bgClr>
-                      <a:schemeClr val="bg1">
-                        <a:lumMod val="95000"/>
-                      </a:schemeClr>
-                    </a:bgClr>
-                  </a:pattFill>
-                  <a:ln w="6350">
-                    <a:solidFill>
-                      <a:schemeClr val="bg1">
-                        <a:lumMod val="50000"/>
-                      </a:schemeClr>
-                    </a:solidFill>
-                  </a:ln>
-                </p:spPr>
-                <p:style>
-                  <a:lnRef idx="2">
-                    <a:schemeClr val="accent1">
-                      <a:shade val="50000"/>
-                    </a:schemeClr>
-                  </a:lnRef>
-                  <a:fillRef idx="1">
-                    <a:schemeClr val="accent1"/>
-                  </a:fillRef>
-                  <a:effectRef idx="0">
-                    <a:schemeClr val="accent1"/>
-                  </a:effectRef>
-                  <a:fontRef idx="minor">
-                    <a:schemeClr val="lt1"/>
-                  </a:fontRef>
-                </p:style>
-                <p:txBody>
-                  <a:bodyPr rtlCol="0" anchor="ctr"/>
-                  <a:lstStyle/>
-                  <a:p>
-                    <a:pPr algn="ctr"/>
-                    <a:endParaRPr lang="en-US"/>
-                  </a:p>
-                </p:txBody>
-              </p:sp>
-              <p:sp>
-                <p:nvSpPr>
-                  <p:cNvPr id="7" name="Oval 6"/>
-                  <p:cNvSpPr/>
-                  <p:nvPr/>
-                </p:nvSpPr>
-                <p:spPr>
-                  <a:xfrm>
-                    <a:off x="1259632" y="1124744"/>
-                    <a:ext cx="108000" cy="108000"/>
-                  </a:xfrm>
-                  <a:prstGeom prst="ellipse">
-                    <a:avLst/>
-                  </a:prstGeom>
-                  <a:gradFill flip="none" rotWithShape="1">
-                    <a:gsLst>
-                      <a:gs pos="100000">
-                        <a:schemeClr val="accent1">
-                          <a:lumMod val="75000"/>
-                        </a:schemeClr>
-                      </a:gs>
-                      <a:gs pos="1875">
-                        <a:schemeClr val="accent1">
-                          <a:lumMod val="75000"/>
-                        </a:schemeClr>
-                      </a:gs>
-                      <a:gs pos="50000">
-                        <a:schemeClr val="accent1">
-                          <a:lumMod val="40000"/>
-                          <a:lumOff val="60000"/>
-                        </a:schemeClr>
-                      </a:gs>
-                    </a:gsLst>
-                    <a:path path="circle">
-                      <a:fillToRect l="100000" t="100000"/>
-                    </a:path>
-                    <a:tileRect r="-100000" b="-100000"/>
-                  </a:gradFill>
-                  <a:ln w="6350">
-                    <a:solidFill>
-                      <a:schemeClr val="bg1">
-                        <a:lumMod val="50000"/>
-                      </a:schemeClr>
-                    </a:solidFill>
-                  </a:ln>
-                </p:spPr>
-                <p:style>
-                  <a:lnRef idx="2">
-                    <a:schemeClr val="accent1">
-                      <a:shade val="50000"/>
-                    </a:schemeClr>
-                  </a:lnRef>
-                  <a:fillRef idx="1">
-                    <a:schemeClr val="accent1"/>
-                  </a:fillRef>
-                  <a:effectRef idx="0">
-                    <a:schemeClr val="accent1"/>
-                  </a:effectRef>
-                  <a:fontRef idx="minor">
-                    <a:schemeClr val="lt1"/>
-                  </a:fontRef>
-                </p:style>
-                <p:txBody>
-                  <a:bodyPr rtlCol="0" anchor="ctr"/>
-                  <a:lstStyle/>
-                  <a:p>
-                    <a:pPr algn="ctr"/>
-                    <a:endParaRPr lang="en-US"/>
-                  </a:p>
-                </p:txBody>
-              </p:sp>
-              <p:sp>
-                <p:nvSpPr>
-                  <p:cNvPr id="8" name="Oval 7"/>
-                  <p:cNvSpPr/>
-                  <p:nvPr/>
-                </p:nvSpPr>
-                <p:spPr>
-                  <a:xfrm>
-                    <a:off x="1763696" y="1142740"/>
-                    <a:ext cx="72000" cy="72008"/>
-                  </a:xfrm>
-                  <a:prstGeom prst="ellipse">
-                    <a:avLst/>
-                  </a:prstGeom>
-                  <a:solidFill>
+                  </a:fgClr>
+                  <a:bgClr>
                     <a:schemeClr val="bg1">
                       <a:lumMod val="95000"/>
                     </a:schemeClr>
-                  </a:solidFill>
-                  <a:ln w="6350">
-                    <a:solidFill>
-                      <a:schemeClr val="bg1">
-                        <a:lumMod val="50000"/>
-                      </a:schemeClr>
-                    </a:solidFill>
-                  </a:ln>
-                </p:spPr>
-                <p:style>
-                  <a:lnRef idx="2">
-                    <a:schemeClr val="accent1">
-                      <a:shade val="50000"/>
-                    </a:schemeClr>
-                  </a:lnRef>
-                  <a:fillRef idx="1">
-                    <a:schemeClr val="accent1"/>
-                  </a:fillRef>
-                  <a:effectRef idx="0">
-                    <a:schemeClr val="accent1"/>
-                  </a:effectRef>
-                  <a:fontRef idx="minor">
-                    <a:schemeClr val="lt1"/>
-                  </a:fontRef>
-                </p:style>
-                <p:txBody>
-                  <a:bodyPr rtlCol="0" anchor="ctr"/>
-                  <a:lstStyle/>
-                  <a:p>
-                    <a:pPr algn="ctr"/>
-                    <a:endParaRPr lang="en-US"/>
-                  </a:p>
-                </p:txBody>
-              </p:sp>
-            </p:grpSp>
-            <p:pic>
-              <p:nvPicPr>
-                <p:cNvPr id="66" name="Picture 65"/>
-                <p:cNvPicPr>
-                  <a:picLocks noChangeAspect="1"/>
-                </p:cNvPicPr>
-                <p:nvPr/>
-              </p:nvPicPr>
-              <p:blipFill>
-                <a:blip r:embed="rId6" cstate="print">
-                  <a:extLst>
-                    <a:ext uri="{28A0092B-C50C-407E-A947-70E740481C1C}">
-                      <a14:useLocalDpi xmlns:a14="http://schemas.microsoft.com/office/drawing/2010/main" val="0"/>
-                    </a:ext>
-                  </a:extLst>
-                </a:blip>
-                <a:stretch>
-                  <a:fillRect/>
-                </a:stretch>
-              </p:blipFill>
-              <p:spPr>
-                <a:xfrm>
-                  <a:off x="4680576" y="1909744"/>
-                  <a:ext cx="2315998" cy="4035256"/>
-                </a:xfrm>
-                <a:prstGeom prst="rect">
-                  <a:avLst/>
-                </a:prstGeom>
-                <a:ln w="3175">
+                  </a:bgClr>
+                </a:pattFill>
+                <a:ln w="6350">
                   <a:solidFill>
-                    <a:schemeClr val="tx2">
-                      <a:lumMod val="60000"/>
-                      <a:lumOff val="40000"/>
+                    <a:schemeClr val="bg1">
+                      <a:lumMod val="50000"/>
                     </a:schemeClr>
                   </a:solidFill>
                 </a:ln>
               </p:spPr>
-            </p:pic>
+              <p:style>
+                <a:lnRef idx="2">
+                  <a:schemeClr val="accent1">
+                    <a:shade val="50000"/>
+                  </a:schemeClr>
+                </a:lnRef>
+                <a:fillRef idx="1">
+                  <a:schemeClr val="accent1"/>
+                </a:fillRef>
+                <a:effectRef idx="0">
+                  <a:schemeClr val="accent1"/>
+                </a:effectRef>
+                <a:fontRef idx="minor">
+                  <a:schemeClr val="lt1"/>
+                </a:fontRef>
+              </p:style>
+              <p:txBody>
+                <a:bodyPr rtlCol="0" anchor="ctr"/>
+                <a:lstStyle/>
+                <a:p>
+                  <a:pPr algn="ctr"/>
+                  <a:endParaRPr lang="en-US"/>
+                </a:p>
+              </p:txBody>
+            </p:sp>
+            <p:sp>
+              <p:nvSpPr>
+                <p:cNvPr id="7" name="Oval 6"/>
+                <p:cNvSpPr/>
+                <p:nvPr/>
+              </p:nvSpPr>
+              <p:spPr>
+                <a:xfrm>
+                  <a:off x="1259632" y="1124744"/>
+                  <a:ext cx="108000" cy="108000"/>
+                </a:xfrm>
+                <a:prstGeom prst="ellipse">
+                  <a:avLst/>
+                </a:prstGeom>
+                <a:gradFill flip="none" rotWithShape="1">
+                  <a:gsLst>
+                    <a:gs pos="100000">
+                      <a:schemeClr val="accent1">
+                        <a:lumMod val="75000"/>
+                      </a:schemeClr>
+                    </a:gs>
+                    <a:gs pos="1875">
+                      <a:schemeClr val="accent1">
+                        <a:lumMod val="75000"/>
+                      </a:schemeClr>
+                    </a:gs>
+                    <a:gs pos="50000">
+                      <a:schemeClr val="accent1">
+                        <a:lumMod val="40000"/>
+                        <a:lumOff val="60000"/>
+                      </a:schemeClr>
+                    </a:gs>
+                  </a:gsLst>
+                  <a:path path="circle">
+                    <a:fillToRect l="100000" t="100000"/>
+                  </a:path>
+                  <a:tileRect r="-100000" b="-100000"/>
+                </a:gradFill>
+                <a:ln w="6350">
+                  <a:solidFill>
+                    <a:schemeClr val="bg1">
+                      <a:lumMod val="50000"/>
+                    </a:schemeClr>
+                  </a:solidFill>
+                </a:ln>
+              </p:spPr>
+              <p:style>
+                <a:lnRef idx="2">
+                  <a:schemeClr val="accent1">
+                    <a:shade val="50000"/>
+                  </a:schemeClr>
+                </a:lnRef>
+                <a:fillRef idx="1">
+                  <a:schemeClr val="accent1"/>
+                </a:fillRef>
+                <a:effectRef idx="0">
+                  <a:schemeClr val="accent1"/>
+                </a:effectRef>
+                <a:fontRef idx="minor">
+                  <a:schemeClr val="lt1"/>
+                </a:fontRef>
+              </p:style>
+              <p:txBody>
+                <a:bodyPr rtlCol="0" anchor="ctr"/>
+                <a:lstStyle/>
+                <a:p>
+                  <a:pPr algn="ctr"/>
+                  <a:endParaRPr lang="en-US"/>
+                </a:p>
+              </p:txBody>
+            </p:sp>
+            <p:sp>
+              <p:nvSpPr>
+                <p:cNvPr id="8" name="Oval 7"/>
+                <p:cNvSpPr/>
+                <p:nvPr/>
+              </p:nvSpPr>
+              <p:spPr>
+                <a:xfrm>
+                  <a:off x="1763696" y="1142740"/>
+                  <a:ext cx="72000" cy="72008"/>
+                </a:xfrm>
+                <a:prstGeom prst="ellipse">
+                  <a:avLst/>
+                </a:prstGeom>
+                <a:solidFill>
+                  <a:schemeClr val="bg1">
+                    <a:lumMod val="95000"/>
+                  </a:schemeClr>
+                </a:solidFill>
+                <a:ln w="6350">
+                  <a:solidFill>
+                    <a:schemeClr val="bg1">
+                      <a:lumMod val="50000"/>
+                    </a:schemeClr>
+                  </a:solidFill>
+                </a:ln>
+              </p:spPr>
+              <p:style>
+                <a:lnRef idx="2">
+                  <a:schemeClr val="accent1">
+                    <a:shade val="50000"/>
+                  </a:schemeClr>
+                </a:lnRef>
+                <a:fillRef idx="1">
+                  <a:schemeClr val="accent1"/>
+                </a:fillRef>
+                <a:effectRef idx="0">
+                  <a:schemeClr val="accent1"/>
+                </a:effectRef>
+                <a:fontRef idx="minor">
+                  <a:schemeClr val="lt1"/>
+                </a:fontRef>
+              </p:style>
+              <p:txBody>
+                <a:bodyPr rtlCol="0" anchor="ctr"/>
+                <a:lstStyle/>
+                <a:p>
+                  <a:pPr algn="ctr"/>
+                  <a:endParaRPr lang="en-US"/>
+                </a:p>
+              </p:txBody>
+            </p:sp>
           </p:grpSp>
-          <p:sp>
-            <p:nvSpPr>
-              <p:cNvPr id="71" name="Isosceles Triangle 70"/>
-              <p:cNvSpPr/>
-              <p:nvPr/>
-            </p:nvSpPr>
-            <p:spPr>
-              <a:xfrm rot="16200000">
-                <a:off x="5090472" y="6012936"/>
-                <a:ext cx="108000" cy="108000"/>
-              </a:xfrm>
-              <a:prstGeom prst="triangle">
-                <a:avLst/>
-              </a:prstGeom>
-              <a:noFill/>
-              <a:ln w="12700"/>
-            </p:spPr>
-            <p:style>
-              <a:lnRef idx="2">
-                <a:schemeClr val="accent1">
-                  <a:shade val="50000"/>
-                </a:schemeClr>
-              </a:lnRef>
-              <a:fillRef idx="1">
-                <a:schemeClr val="accent1"/>
-              </a:fillRef>
-              <a:effectRef idx="0">
-                <a:schemeClr val="accent1"/>
-              </a:effectRef>
-              <a:fontRef idx="minor">
-                <a:schemeClr val="lt1"/>
-              </a:fontRef>
-            </p:style>
-            <p:txBody>
-              <a:bodyPr rtlCol="0" anchor="ctr"/>
-              <a:lstStyle/>
-              <a:p>
-                <a:pPr algn="ctr"/>
-                <a:endParaRPr lang="en-US"/>
-              </a:p>
-            </p:txBody>
-          </p:sp>
-          <p:sp>
-            <p:nvSpPr>
-              <p:cNvPr id="72" name="Oval 71"/>
-              <p:cNvSpPr/>
-              <p:nvPr/>
-            </p:nvSpPr>
-            <p:spPr>
-              <a:xfrm>
-                <a:off x="5749344" y="6012935"/>
-                <a:ext cx="108000" cy="108000"/>
-              </a:xfrm>
-              <a:prstGeom prst="ellipse">
-                <a:avLst/>
-              </a:prstGeom>
-              <a:noFill/>
-              <a:ln w="12700"/>
-            </p:spPr>
-            <p:style>
-              <a:lnRef idx="2">
-                <a:schemeClr val="accent1">
-                  <a:shade val="50000"/>
-                </a:schemeClr>
-              </a:lnRef>
-              <a:fillRef idx="1">
-                <a:schemeClr val="accent1"/>
-              </a:fillRef>
-              <a:effectRef idx="0">
-                <a:schemeClr val="accent1"/>
-              </a:effectRef>
-              <a:fontRef idx="minor">
-                <a:schemeClr val="lt1"/>
-              </a:fontRef>
-            </p:style>
-            <p:txBody>
-              <a:bodyPr rtlCol="0" anchor="ctr"/>
-              <a:lstStyle/>
-              <a:p>
-                <a:pPr algn="ctr"/>
-                <a:endParaRPr lang="en-US"/>
-              </a:p>
-            </p:txBody>
-          </p:sp>
-          <p:sp>
-            <p:nvSpPr>
-              <p:cNvPr id="73" name="Rectangle 72"/>
-              <p:cNvSpPr/>
-              <p:nvPr/>
-            </p:nvSpPr>
-            <p:spPr>
-              <a:xfrm>
-                <a:off x="6408216" y="6012935"/>
-                <a:ext cx="108000" cy="108000"/>
-              </a:xfrm>
-              <a:prstGeom prst="rect">
-                <a:avLst/>
-              </a:prstGeom>
-              <a:noFill/>
-              <a:ln w="12700"/>
-            </p:spPr>
-            <p:style>
-              <a:lnRef idx="2">
-                <a:schemeClr val="accent1">
-                  <a:shade val="50000"/>
-                </a:schemeClr>
-              </a:lnRef>
-              <a:fillRef idx="1">
-                <a:schemeClr val="accent1"/>
-              </a:fillRef>
-              <a:effectRef idx="0">
-                <a:schemeClr val="accent1"/>
-              </a:effectRef>
-              <a:fontRef idx="minor">
-                <a:schemeClr val="lt1"/>
-              </a:fontRef>
-            </p:style>
-            <p:txBody>
-              <a:bodyPr rtlCol="0" anchor="ctr"/>
-              <a:lstStyle/>
-              <a:p>
-                <a:pPr algn="ctr"/>
-                <a:endParaRPr lang="en-US"/>
-              </a:p>
-            </p:txBody>
-          </p:sp>
         </p:grpSp>
-      </p:grpSp>
-      <p:grpSp>
-        <p:nvGrpSpPr>
-          <p:cNvPr id="60" name="Group 59"/>
-          <p:cNvGrpSpPr/>
-          <p:nvPr/>
-        </p:nvGrpSpPr>
-        <p:grpSpPr>
-          <a:xfrm>
-            <a:off x="6372200" y="2780928"/>
-            <a:ext cx="2506957" cy="307777"/>
-            <a:chOff x="6372200" y="2833191"/>
-            <a:chExt cx="2506957" cy="307777"/>
-          </a:xfrm>
-        </p:grpSpPr>
-        <p:cxnSp>
-          <p:nvCxnSpPr>
-            <p:cNvPr id="27" name="Straight Arrow Connector 26"/>
-            <p:cNvCxnSpPr/>
+        <p:pic>
+          <p:nvPicPr>
+            <p:cNvPr id="26" name="Picture 25"/>
+            <p:cNvPicPr>
+              <a:picLocks noChangeAspect="1"/>
+            </p:cNvPicPr>
             <p:nvPr/>
-          </p:nvCxnSpPr>
-          <p:spPr>
-            <a:xfrm flipH="1">
-              <a:off x="6372200" y="2981627"/>
-              <a:ext cx="907706" cy="0"/>
-            </a:xfrm>
-            <a:prstGeom prst="straightConnector1">
-              <a:avLst/>
-            </a:prstGeom>
-            <a:ln w="12700">
-              <a:solidFill>
-                <a:schemeClr val="accent6">
-                  <a:lumMod val="75000"/>
-                </a:schemeClr>
-              </a:solidFill>
-              <a:tailEnd type="triangle" w="sm" len="sm"/>
-            </a:ln>
-          </p:spPr>
-          <p:style>
-            <a:lnRef idx="1">
-              <a:schemeClr val="accent1"/>
-            </a:lnRef>
-            <a:fillRef idx="0">
-              <a:schemeClr val="accent1"/>
-            </a:fillRef>
-            <a:effectRef idx="0">
-              <a:schemeClr val="accent1"/>
-            </a:effectRef>
-            <a:fontRef idx="minor">
-              <a:schemeClr val="tx1"/>
-            </a:fontRef>
-          </p:style>
-        </p:cxnSp>
-        <p:sp>
-          <p:nvSpPr>
-            <p:cNvPr id="30" name="TextBox 29"/>
-            <p:cNvSpPr txBox="1"/>
-            <p:nvPr/>
-          </p:nvSpPr>
+          </p:nvPicPr>
+          <p:blipFill>
+            <a:blip r:embed="rId6" cstate="print">
+              <a:extLst>
+                <a:ext uri="{28A0092B-C50C-407E-A947-70E740481C1C}">
+                  <a14:useLocalDpi xmlns:a14="http://schemas.microsoft.com/office/drawing/2010/main" val="0"/>
+                </a:ext>
+              </a:extLst>
+            </a:blip>
+            <a:stretch>
+              <a:fillRect/>
+            </a:stretch>
+          </p:blipFill>
           <p:spPr>
             <a:xfrm>
-              <a:off x="7255059" y="2833191"/>
-              <a:ext cx="1624098" cy="307777"/>
+              <a:off x="4666775" y="1840595"/>
+              <a:ext cx="2312916" cy="4111851"/>
             </a:xfrm>
             <a:prstGeom prst="rect">
               <a:avLst/>
             </a:prstGeom>
-            <a:noFill/>
-          </p:spPr>
-          <p:txBody>
-            <a:bodyPr wrap="none" rtlCol="0">
-              <a:spAutoFit/>
-            </a:bodyPr>
-            <a:lstStyle/>
-            <a:p>
-              <a:pPr algn="ctr"/>
-              <a:r>
-                <a:rPr lang="en-US" sz="1400" dirty="0" smtClean="0">
-                  <a:latin typeface="Arial" panose="020B0604020202020204" pitchFamily="34" charset="0"/>
-                  <a:cs typeface="Arial" panose="020B0604020202020204" pitchFamily="34" charset="0"/>
-                </a:rPr>
-                <a:t>Virtual Card Logo</a:t>
-              </a:r>
-              <a:endParaRPr lang="en-US" sz="1400" dirty="0">
-                <a:latin typeface="Arial" panose="020B0604020202020204" pitchFamily="34" charset="0"/>
-                <a:cs typeface="Arial" panose="020B0604020202020204" pitchFamily="34" charset="0"/>
-              </a:endParaRPr>
-            </a:p>
-          </p:txBody>
-        </p:sp>
-      </p:grpSp>
-      <p:grpSp>
-        <p:nvGrpSpPr>
-          <p:cNvPr id="61" name="Group 60"/>
-          <p:cNvGrpSpPr/>
-          <p:nvPr/>
-        </p:nvGrpSpPr>
-        <p:grpSpPr>
-          <a:xfrm>
-            <a:off x="6372200" y="3251644"/>
-            <a:ext cx="2622709" cy="523220"/>
-            <a:chOff x="6372200" y="3245142"/>
-            <a:chExt cx="2622709" cy="523220"/>
-          </a:xfrm>
-        </p:grpSpPr>
-        <p:cxnSp>
-          <p:nvCxnSpPr>
-            <p:cNvPr id="32" name="Straight Arrow Connector 31"/>
-            <p:cNvCxnSpPr/>
-            <p:nvPr/>
-          </p:nvCxnSpPr>
-          <p:spPr>
-            <a:xfrm flipH="1">
-              <a:off x="6372200" y="3506752"/>
-              <a:ext cx="803181" cy="0"/>
-            </a:xfrm>
-            <a:prstGeom prst="straightConnector1">
-              <a:avLst/>
-            </a:prstGeom>
-            <a:ln w="12700">
+            <a:ln>
               <a:solidFill>
-                <a:schemeClr val="accent6">
-                  <a:lumMod val="75000"/>
+                <a:schemeClr val="bg1">
+                  <a:lumMod val="65000"/>
                 </a:schemeClr>
               </a:solidFill>
-              <a:tailEnd type="triangle" w="sm" len="sm"/>
             </a:ln>
+            <a:effectLst>
+              <a:outerShdw blurRad="50800" dist="38100" dir="2700000" sx="1000" sy="1000" algn="tl" rotWithShape="0">
+                <a:prstClr val="black">
+                  <a:alpha val="40000"/>
+                </a:prstClr>
+              </a:outerShdw>
+            </a:effectLst>
           </p:spPr>
-          <p:style>
-            <a:lnRef idx="1">
-              <a:schemeClr val="accent1"/>
-            </a:lnRef>
-            <a:fillRef idx="0">
-              <a:schemeClr val="accent1"/>
-            </a:fillRef>
-            <a:effectRef idx="0">
-              <a:schemeClr val="accent1"/>
-            </a:effectRef>
-            <a:fontRef idx="minor">
-              <a:schemeClr val="tx1"/>
-            </a:fontRef>
-          </p:style>
-        </p:cxnSp>
-        <p:sp>
-          <p:nvSpPr>
-            <p:cNvPr id="33" name="TextBox 32"/>
-            <p:cNvSpPr txBox="1"/>
-            <p:nvPr/>
-          </p:nvSpPr>
-          <p:spPr>
-            <a:xfrm>
-              <a:off x="7167165" y="3245142"/>
-              <a:ext cx="1827744" cy="523220"/>
-            </a:xfrm>
-            <a:prstGeom prst="rect">
-              <a:avLst/>
-            </a:prstGeom>
-            <a:noFill/>
-          </p:spPr>
-          <p:txBody>
-            <a:bodyPr wrap="none" rtlCol="0">
-              <a:spAutoFit/>
-            </a:bodyPr>
-            <a:lstStyle/>
-            <a:p>
-              <a:r>
-                <a:rPr lang="en-US" sz="1400" i="1" dirty="0" smtClean="0">
-                  <a:latin typeface="Arial" panose="020B0604020202020204" pitchFamily="34" charset="0"/>
-                  <a:cs typeface="Arial" panose="020B0604020202020204" pitchFamily="34" charset="0"/>
-                </a:rPr>
-                <a:t>Optional</a:t>
-              </a:r>
-              <a:r>
-                <a:rPr lang="en-US" sz="1400" dirty="0" smtClean="0">
-                  <a:latin typeface="Arial" panose="020B0604020202020204" pitchFamily="34" charset="0"/>
-                  <a:cs typeface="Arial" panose="020B0604020202020204" pitchFamily="34" charset="0"/>
-                </a:rPr>
-                <a:t>: Real-Time</a:t>
-              </a:r>
-              <a:br>
-                <a:rPr lang="en-US" sz="1400" dirty="0" smtClean="0">
-                  <a:latin typeface="Arial" panose="020B0604020202020204" pitchFamily="34" charset="0"/>
-                  <a:cs typeface="Arial" panose="020B0604020202020204" pitchFamily="34" charset="0"/>
-                </a:rPr>
-              </a:br>
-              <a:r>
-                <a:rPr lang="en-US" sz="1400" dirty="0" smtClean="0">
-                  <a:latin typeface="Arial" panose="020B0604020202020204" pitchFamily="34" charset="0"/>
-                  <a:cs typeface="Arial" panose="020B0604020202020204" pitchFamily="34" charset="0"/>
-                </a:rPr>
-                <a:t>Account Balance</a:t>
-              </a:r>
-              <a:endParaRPr lang="en-US" sz="1400" dirty="0">
-                <a:latin typeface="Arial" panose="020B0604020202020204" pitchFamily="34" charset="0"/>
-                <a:cs typeface="Arial" panose="020B0604020202020204" pitchFamily="34" charset="0"/>
-              </a:endParaRPr>
-            </a:p>
-          </p:txBody>
-        </p:sp>
-      </p:grpSp>
-      <p:grpSp>
-        <p:nvGrpSpPr>
-          <p:cNvPr id="59" name="Group 58"/>
-          <p:cNvGrpSpPr/>
-          <p:nvPr/>
-        </p:nvGrpSpPr>
-        <p:grpSpPr>
-          <a:xfrm>
-            <a:off x="6732240" y="1988840"/>
-            <a:ext cx="2109637" cy="738664"/>
-            <a:chOff x="6777729" y="2060848"/>
-            <a:chExt cx="2109637" cy="738664"/>
-          </a:xfrm>
-        </p:grpSpPr>
-        <p:cxnSp>
-          <p:nvCxnSpPr>
-            <p:cNvPr id="43" name="Straight Arrow Connector 42"/>
-            <p:cNvCxnSpPr/>
-            <p:nvPr/>
-          </p:nvCxnSpPr>
-          <p:spPr>
-            <a:xfrm flipH="1" flipV="1">
-              <a:off x="6777729" y="2417461"/>
-              <a:ext cx="553992" cy="4229"/>
-            </a:xfrm>
-            <a:prstGeom prst="straightConnector1">
-              <a:avLst/>
-            </a:prstGeom>
-            <a:ln w="12700">
-              <a:solidFill>
-                <a:schemeClr val="accent6">
-                  <a:lumMod val="75000"/>
-                </a:schemeClr>
-              </a:solidFill>
-              <a:tailEnd type="triangle" w="sm" len="sm"/>
-            </a:ln>
-          </p:spPr>
-          <p:style>
-            <a:lnRef idx="1">
-              <a:schemeClr val="accent1"/>
-            </a:lnRef>
-            <a:fillRef idx="0">
-              <a:schemeClr val="accent1"/>
-            </a:fillRef>
-            <a:effectRef idx="0">
-              <a:schemeClr val="accent1"/>
-            </a:effectRef>
-            <a:fontRef idx="minor">
-              <a:schemeClr val="tx1"/>
-            </a:fontRef>
-          </p:style>
-        </p:cxnSp>
-        <p:sp>
-          <p:nvSpPr>
-            <p:cNvPr id="44" name="TextBox 43"/>
-            <p:cNvSpPr txBox="1"/>
-            <p:nvPr/>
-          </p:nvSpPr>
-          <p:spPr>
-            <a:xfrm>
-              <a:off x="7319565" y="2060848"/>
-              <a:ext cx="1567801" cy="738664"/>
-            </a:xfrm>
-            <a:prstGeom prst="rect">
-              <a:avLst/>
-            </a:prstGeom>
-            <a:noFill/>
-          </p:spPr>
-          <p:txBody>
-            <a:bodyPr wrap="none" rtlCol="0">
-              <a:spAutoFit/>
-            </a:bodyPr>
-            <a:lstStyle/>
-            <a:p>
-              <a:r>
-                <a:rPr lang="en-US" sz="1400" dirty="0" smtClean="0">
-                  <a:latin typeface="Arial" panose="020B0604020202020204" pitchFamily="34" charset="0"/>
-                  <a:cs typeface="Arial" panose="020B0604020202020204" pitchFamily="34" charset="0"/>
-                </a:rPr>
-                <a:t>Adapted to:</a:t>
-              </a:r>
-              <a:br>
-                <a:rPr lang="en-US" sz="1400" dirty="0" smtClean="0">
-                  <a:latin typeface="Arial" panose="020B0604020202020204" pitchFamily="34" charset="0"/>
-                  <a:cs typeface="Arial" panose="020B0604020202020204" pitchFamily="34" charset="0"/>
-                </a:rPr>
-              </a:br>
-              <a:r>
-                <a:rPr lang="en-US" sz="1400" i="1" dirty="0" smtClean="0">
-                  <a:latin typeface="Arial" panose="020B0604020202020204" pitchFamily="34" charset="0"/>
-                  <a:cs typeface="Arial" panose="020B0604020202020204" pitchFamily="34" charset="0"/>
-                </a:rPr>
-                <a:t>Your </a:t>
-              </a:r>
-              <a:r>
-                <a:rPr lang="en-US" sz="1400" dirty="0" smtClean="0">
-                  <a:latin typeface="Arial" panose="020B0604020202020204" pitchFamily="34" charset="0"/>
-                  <a:cs typeface="Arial" panose="020B0604020202020204" pitchFamily="34" charset="0"/>
-                </a:rPr>
-                <a:t>Language &amp;</a:t>
-              </a:r>
-              <a:br>
-                <a:rPr lang="en-US" sz="1400" dirty="0" smtClean="0">
-                  <a:latin typeface="Arial" panose="020B0604020202020204" pitchFamily="34" charset="0"/>
-                  <a:cs typeface="Arial" panose="020B0604020202020204" pitchFamily="34" charset="0"/>
-                </a:rPr>
-              </a:br>
-              <a:r>
-                <a:rPr lang="en-US" sz="1400" i="1" dirty="0" smtClean="0">
-                  <a:latin typeface="Arial" panose="020B0604020202020204" pitchFamily="34" charset="0"/>
-                  <a:cs typeface="Arial" panose="020B0604020202020204" pitchFamily="34" charset="0"/>
-                </a:rPr>
-                <a:t>Your</a:t>
-              </a:r>
-              <a:r>
-                <a:rPr lang="en-US" sz="1400" dirty="0" smtClean="0">
-                  <a:latin typeface="Arial" panose="020B0604020202020204" pitchFamily="34" charset="0"/>
-                  <a:cs typeface="Arial" panose="020B0604020202020204" pitchFamily="34" charset="0"/>
-                </a:rPr>
-                <a:t> Disability</a:t>
-              </a:r>
-              <a:endParaRPr lang="en-US" sz="1400" dirty="0">
-                <a:latin typeface="Arial" panose="020B0604020202020204" pitchFamily="34" charset="0"/>
-                <a:cs typeface="Arial" panose="020B0604020202020204" pitchFamily="34" charset="0"/>
-              </a:endParaRPr>
-            </a:p>
-          </p:txBody>
-        </p:sp>
-      </p:grpSp>
-      <p:grpSp>
-        <p:nvGrpSpPr>
-          <p:cNvPr id="62" name="Group 61"/>
-          <p:cNvGrpSpPr/>
-          <p:nvPr/>
-        </p:nvGrpSpPr>
-        <p:grpSpPr>
-          <a:xfrm>
-            <a:off x="6489162" y="3824480"/>
-            <a:ext cx="2300591" cy="1169551"/>
-            <a:chOff x="6489162" y="3841882"/>
-            <a:chExt cx="2300591" cy="1148021"/>
-          </a:xfrm>
-        </p:grpSpPr>
-        <p:cxnSp>
-          <p:nvCxnSpPr>
-            <p:cNvPr id="46" name="Straight Arrow Connector 45"/>
-            <p:cNvCxnSpPr/>
-            <p:nvPr/>
-          </p:nvCxnSpPr>
-          <p:spPr>
-            <a:xfrm flipH="1">
-              <a:off x="6489162" y="4308719"/>
-              <a:ext cx="720000" cy="0"/>
-            </a:xfrm>
-            <a:prstGeom prst="straightConnector1">
-              <a:avLst/>
-            </a:prstGeom>
-            <a:ln w="12700">
-              <a:solidFill>
-                <a:schemeClr val="accent6">
-                  <a:lumMod val="75000"/>
-                </a:schemeClr>
-              </a:solidFill>
-              <a:tailEnd type="triangle" w="sm" len="sm"/>
-            </a:ln>
-          </p:spPr>
-          <p:style>
-            <a:lnRef idx="1">
-              <a:schemeClr val="accent1"/>
-            </a:lnRef>
-            <a:fillRef idx="0">
-              <a:schemeClr val="accent1"/>
-            </a:fillRef>
-            <a:effectRef idx="0">
-              <a:schemeClr val="accent1"/>
-            </a:effectRef>
-            <a:fontRef idx="minor">
-              <a:schemeClr val="tx1"/>
-            </a:fontRef>
-          </p:style>
-        </p:cxnSp>
-        <p:sp>
-          <p:nvSpPr>
-            <p:cNvPr id="47" name="TextBox 46"/>
-            <p:cNvSpPr txBox="1"/>
-            <p:nvPr/>
-          </p:nvSpPr>
-          <p:spPr>
-            <a:xfrm>
-              <a:off x="7200856" y="3841882"/>
-              <a:ext cx="1588897" cy="1148021"/>
-            </a:xfrm>
-            <a:prstGeom prst="rect">
-              <a:avLst/>
-            </a:prstGeom>
-            <a:noFill/>
-          </p:spPr>
-          <p:txBody>
-            <a:bodyPr wrap="none" rtlCol="0">
-              <a:spAutoFit/>
-            </a:bodyPr>
-            <a:lstStyle/>
-            <a:p>
-              <a:r>
-                <a:rPr lang="en-US" sz="1400" dirty="0" smtClean="0">
-                  <a:latin typeface="Arial" panose="020B0604020202020204" pitchFamily="34" charset="0"/>
-                  <a:cs typeface="Arial" panose="020B0604020202020204" pitchFamily="34" charset="0"/>
-                </a:rPr>
-                <a:t>UI Showing:</a:t>
-              </a:r>
-            </a:p>
-            <a:p>
-              <a:pPr marL="177800" indent="-177800">
-                <a:buFont typeface="Arial" panose="020B0604020202020204" pitchFamily="34" charset="0"/>
-                <a:buChar char="•"/>
-              </a:pPr>
-              <a:r>
-                <a:rPr lang="en-US" sz="1400" dirty="0" smtClean="0">
-                  <a:latin typeface="Arial" panose="020B0604020202020204" pitchFamily="34" charset="0"/>
-                  <a:cs typeface="Arial" panose="020B0604020202020204" pitchFamily="34" charset="0"/>
-                </a:rPr>
-                <a:t>Direct Payment</a:t>
-              </a:r>
-            </a:p>
-            <a:p>
-              <a:pPr marL="177800" indent="-177800">
-                <a:buFont typeface="Arial" panose="020B0604020202020204" pitchFamily="34" charset="0"/>
-                <a:buChar char="•"/>
-              </a:pPr>
-              <a:r>
-                <a:rPr lang="en-US" sz="1400" dirty="0" smtClean="0">
-                  <a:latin typeface="Arial" panose="020B0604020202020204" pitchFamily="34" charset="0"/>
-                  <a:cs typeface="Arial" panose="020B0604020202020204" pitchFamily="34" charset="0"/>
-                </a:rPr>
-                <a:t>Booking</a:t>
-              </a:r>
-              <a:endParaRPr lang="en-US" sz="1400" dirty="0">
-                <a:latin typeface="Arial" panose="020B0604020202020204" pitchFamily="34" charset="0"/>
-                <a:cs typeface="Arial" panose="020B0604020202020204" pitchFamily="34" charset="0"/>
-              </a:endParaRPr>
-            </a:p>
-            <a:p>
-              <a:pPr marL="177800" indent="-177800">
-                <a:buFont typeface="Arial" panose="020B0604020202020204" pitchFamily="34" charset="0"/>
-                <a:buChar char="•"/>
-              </a:pPr>
-              <a:r>
-                <a:rPr lang="en-US" sz="1400" dirty="0" smtClean="0">
-                  <a:latin typeface="Arial" panose="020B0604020202020204" pitchFamily="34" charset="0"/>
-                  <a:cs typeface="Arial" panose="020B0604020202020204" pitchFamily="34" charset="0"/>
-                </a:rPr>
-                <a:t>Gas Station</a:t>
-              </a:r>
-            </a:p>
-            <a:p>
-              <a:pPr marL="177800" indent="-177800">
-                <a:buFont typeface="Arial" panose="020B0604020202020204" pitchFamily="34" charset="0"/>
-                <a:buChar char="•"/>
-              </a:pPr>
-              <a:r>
-                <a:rPr lang="en-US" sz="1400" dirty="0" smtClean="0">
-                  <a:latin typeface="Arial" panose="020B0604020202020204" pitchFamily="34" charset="0"/>
-                  <a:cs typeface="Arial" panose="020B0604020202020204" pitchFamily="34" charset="0"/>
-                </a:rPr>
-                <a:t>Etc.</a:t>
-              </a:r>
-              <a:endParaRPr lang="en-US" sz="1400" dirty="0">
-                <a:latin typeface="Arial" panose="020B0604020202020204" pitchFamily="34" charset="0"/>
-                <a:cs typeface="Arial" panose="020B0604020202020204" pitchFamily="34" charset="0"/>
-              </a:endParaRPr>
-            </a:p>
-          </p:txBody>
-        </p:sp>
+        </p:pic>
       </p:grpSp>
       <p:grpSp>
         <p:nvGrpSpPr>
@@ -4933,13 +4369,486 @@
       </p:grpSp>
       <p:grpSp>
         <p:nvGrpSpPr>
+          <p:cNvPr id="60" name="Group 59"/>
+          <p:cNvGrpSpPr/>
+          <p:nvPr/>
+        </p:nvGrpSpPr>
+        <p:grpSpPr>
+          <a:xfrm>
+            <a:off x="6372200" y="2924944"/>
+            <a:ext cx="2506957" cy="307777"/>
+            <a:chOff x="6372200" y="2833191"/>
+            <a:chExt cx="2506957" cy="307777"/>
+          </a:xfrm>
+        </p:grpSpPr>
+        <p:cxnSp>
+          <p:nvCxnSpPr>
+            <p:cNvPr id="27" name="Straight Arrow Connector 26"/>
+            <p:cNvCxnSpPr/>
+            <p:nvPr/>
+          </p:nvCxnSpPr>
+          <p:spPr>
+            <a:xfrm flipH="1">
+              <a:off x="6372200" y="2981627"/>
+              <a:ext cx="907706" cy="0"/>
+            </a:xfrm>
+            <a:prstGeom prst="straightConnector1">
+              <a:avLst/>
+            </a:prstGeom>
+            <a:ln w="12700">
+              <a:solidFill>
+                <a:schemeClr val="accent6">
+                  <a:lumMod val="75000"/>
+                </a:schemeClr>
+              </a:solidFill>
+              <a:tailEnd type="triangle" w="sm" len="sm"/>
+            </a:ln>
+          </p:spPr>
+          <p:style>
+            <a:lnRef idx="1">
+              <a:schemeClr val="accent1"/>
+            </a:lnRef>
+            <a:fillRef idx="0">
+              <a:schemeClr val="accent1"/>
+            </a:fillRef>
+            <a:effectRef idx="0">
+              <a:schemeClr val="accent1"/>
+            </a:effectRef>
+            <a:fontRef idx="minor">
+              <a:schemeClr val="tx1"/>
+            </a:fontRef>
+          </p:style>
+        </p:cxnSp>
+        <p:sp>
+          <p:nvSpPr>
+            <p:cNvPr id="30" name="TextBox 29"/>
+            <p:cNvSpPr txBox="1"/>
+            <p:nvPr/>
+          </p:nvSpPr>
+          <p:spPr>
+            <a:xfrm>
+              <a:off x="7255059" y="2833191"/>
+              <a:ext cx="1624098" cy="307777"/>
+            </a:xfrm>
+            <a:prstGeom prst="rect">
+              <a:avLst/>
+            </a:prstGeom>
+            <a:noFill/>
+          </p:spPr>
+          <p:txBody>
+            <a:bodyPr wrap="none" rtlCol="0">
+              <a:spAutoFit/>
+            </a:bodyPr>
+            <a:lstStyle/>
+            <a:p>
+              <a:pPr algn="ctr"/>
+              <a:r>
+                <a:rPr lang="en-US" sz="1400" dirty="0" smtClean="0">
+                  <a:latin typeface="Arial" panose="020B0604020202020204" pitchFamily="34" charset="0"/>
+                  <a:cs typeface="Arial" panose="020B0604020202020204" pitchFamily="34" charset="0"/>
+                </a:rPr>
+                <a:t>Virtual Card Logo</a:t>
+              </a:r>
+              <a:endParaRPr lang="en-US" sz="1400" dirty="0">
+                <a:latin typeface="Arial" panose="020B0604020202020204" pitchFamily="34" charset="0"/>
+                <a:cs typeface="Arial" panose="020B0604020202020204" pitchFamily="34" charset="0"/>
+              </a:endParaRPr>
+            </a:p>
+          </p:txBody>
+        </p:sp>
+      </p:grpSp>
+      <p:grpSp>
+        <p:nvGrpSpPr>
+          <p:cNvPr id="61" name="Group 60"/>
+          <p:cNvGrpSpPr/>
+          <p:nvPr/>
+        </p:nvGrpSpPr>
+        <p:grpSpPr>
+          <a:xfrm>
+            <a:off x="6372200" y="3307748"/>
+            <a:ext cx="2622709" cy="523220"/>
+            <a:chOff x="6372200" y="3245142"/>
+            <a:chExt cx="2622709" cy="523220"/>
+          </a:xfrm>
+        </p:grpSpPr>
+        <p:cxnSp>
+          <p:nvCxnSpPr>
+            <p:cNvPr id="32" name="Straight Arrow Connector 31"/>
+            <p:cNvCxnSpPr/>
+            <p:nvPr/>
+          </p:nvCxnSpPr>
+          <p:spPr>
+            <a:xfrm flipH="1">
+              <a:off x="6372200" y="3506752"/>
+              <a:ext cx="803181" cy="0"/>
+            </a:xfrm>
+            <a:prstGeom prst="straightConnector1">
+              <a:avLst/>
+            </a:prstGeom>
+            <a:ln w="12700">
+              <a:solidFill>
+                <a:schemeClr val="accent6">
+                  <a:lumMod val="75000"/>
+                </a:schemeClr>
+              </a:solidFill>
+              <a:tailEnd type="triangle" w="sm" len="sm"/>
+            </a:ln>
+          </p:spPr>
+          <p:style>
+            <a:lnRef idx="1">
+              <a:schemeClr val="accent1"/>
+            </a:lnRef>
+            <a:fillRef idx="0">
+              <a:schemeClr val="accent1"/>
+            </a:fillRef>
+            <a:effectRef idx="0">
+              <a:schemeClr val="accent1"/>
+            </a:effectRef>
+            <a:fontRef idx="minor">
+              <a:schemeClr val="tx1"/>
+            </a:fontRef>
+          </p:style>
+        </p:cxnSp>
+        <p:sp>
+          <p:nvSpPr>
+            <p:cNvPr id="33" name="TextBox 32"/>
+            <p:cNvSpPr txBox="1"/>
+            <p:nvPr/>
+          </p:nvSpPr>
+          <p:spPr>
+            <a:xfrm>
+              <a:off x="7167165" y="3245142"/>
+              <a:ext cx="1827744" cy="523220"/>
+            </a:xfrm>
+            <a:prstGeom prst="rect">
+              <a:avLst/>
+            </a:prstGeom>
+            <a:noFill/>
+          </p:spPr>
+          <p:txBody>
+            <a:bodyPr wrap="none" rtlCol="0">
+              <a:spAutoFit/>
+            </a:bodyPr>
+            <a:lstStyle/>
+            <a:p>
+              <a:r>
+                <a:rPr lang="en-US" sz="1400" i="1" dirty="0" smtClean="0">
+                  <a:latin typeface="Arial" panose="020B0604020202020204" pitchFamily="34" charset="0"/>
+                  <a:cs typeface="Arial" panose="020B0604020202020204" pitchFamily="34" charset="0"/>
+                </a:rPr>
+                <a:t>Optional</a:t>
+              </a:r>
+              <a:r>
+                <a:rPr lang="en-US" sz="1400" dirty="0" smtClean="0">
+                  <a:latin typeface="Arial" panose="020B0604020202020204" pitchFamily="34" charset="0"/>
+                  <a:cs typeface="Arial" panose="020B0604020202020204" pitchFamily="34" charset="0"/>
+                </a:rPr>
+                <a:t>: Real-Time</a:t>
+              </a:r>
+              <a:br>
+                <a:rPr lang="en-US" sz="1400" dirty="0" smtClean="0">
+                  <a:latin typeface="Arial" panose="020B0604020202020204" pitchFamily="34" charset="0"/>
+                  <a:cs typeface="Arial" panose="020B0604020202020204" pitchFamily="34" charset="0"/>
+                </a:rPr>
+              </a:br>
+              <a:r>
+                <a:rPr lang="en-US" sz="1400" dirty="0" smtClean="0">
+                  <a:latin typeface="Arial" panose="020B0604020202020204" pitchFamily="34" charset="0"/>
+                  <a:cs typeface="Arial" panose="020B0604020202020204" pitchFamily="34" charset="0"/>
+                </a:rPr>
+                <a:t>Account Balance</a:t>
+              </a:r>
+              <a:endParaRPr lang="en-US" sz="1400" dirty="0">
+                <a:latin typeface="Arial" panose="020B0604020202020204" pitchFamily="34" charset="0"/>
+                <a:cs typeface="Arial" panose="020B0604020202020204" pitchFamily="34" charset="0"/>
+              </a:endParaRPr>
+            </a:p>
+          </p:txBody>
+        </p:sp>
+      </p:grpSp>
+      <p:grpSp>
+        <p:nvGrpSpPr>
+          <p:cNvPr id="59" name="Group 58"/>
+          <p:cNvGrpSpPr/>
+          <p:nvPr/>
+        </p:nvGrpSpPr>
+        <p:grpSpPr>
+          <a:xfrm>
+            <a:off x="6660232" y="1988840"/>
+            <a:ext cx="2109637" cy="738664"/>
+            <a:chOff x="6777729" y="2060848"/>
+            <a:chExt cx="2109637" cy="738664"/>
+          </a:xfrm>
+        </p:grpSpPr>
+        <p:cxnSp>
+          <p:nvCxnSpPr>
+            <p:cNvPr id="43" name="Straight Arrow Connector 42"/>
+            <p:cNvCxnSpPr/>
+            <p:nvPr/>
+          </p:nvCxnSpPr>
+          <p:spPr>
+            <a:xfrm flipH="1" flipV="1">
+              <a:off x="6777729" y="2417461"/>
+              <a:ext cx="553992" cy="4229"/>
+            </a:xfrm>
+            <a:prstGeom prst="straightConnector1">
+              <a:avLst/>
+            </a:prstGeom>
+            <a:ln w="12700">
+              <a:solidFill>
+                <a:schemeClr val="accent6">
+                  <a:lumMod val="75000"/>
+                </a:schemeClr>
+              </a:solidFill>
+              <a:tailEnd type="triangle" w="sm" len="sm"/>
+            </a:ln>
+          </p:spPr>
+          <p:style>
+            <a:lnRef idx="1">
+              <a:schemeClr val="accent1"/>
+            </a:lnRef>
+            <a:fillRef idx="0">
+              <a:schemeClr val="accent1"/>
+            </a:fillRef>
+            <a:effectRef idx="0">
+              <a:schemeClr val="accent1"/>
+            </a:effectRef>
+            <a:fontRef idx="minor">
+              <a:schemeClr val="tx1"/>
+            </a:fontRef>
+          </p:style>
+        </p:cxnSp>
+        <p:sp>
+          <p:nvSpPr>
+            <p:cNvPr id="44" name="TextBox 43"/>
+            <p:cNvSpPr txBox="1"/>
+            <p:nvPr/>
+          </p:nvSpPr>
+          <p:spPr>
+            <a:xfrm>
+              <a:off x="7319565" y="2060848"/>
+              <a:ext cx="1567801" cy="738664"/>
+            </a:xfrm>
+            <a:prstGeom prst="rect">
+              <a:avLst/>
+            </a:prstGeom>
+            <a:noFill/>
+          </p:spPr>
+          <p:txBody>
+            <a:bodyPr wrap="none" rtlCol="0">
+              <a:spAutoFit/>
+            </a:bodyPr>
+            <a:lstStyle/>
+            <a:p>
+              <a:r>
+                <a:rPr lang="en-US" sz="1400" dirty="0" smtClean="0">
+                  <a:latin typeface="Arial" panose="020B0604020202020204" pitchFamily="34" charset="0"/>
+                  <a:cs typeface="Arial" panose="020B0604020202020204" pitchFamily="34" charset="0"/>
+                </a:rPr>
+                <a:t>Adapted to:</a:t>
+              </a:r>
+              <a:br>
+                <a:rPr lang="en-US" sz="1400" dirty="0" smtClean="0">
+                  <a:latin typeface="Arial" panose="020B0604020202020204" pitchFamily="34" charset="0"/>
+                  <a:cs typeface="Arial" panose="020B0604020202020204" pitchFamily="34" charset="0"/>
+                </a:rPr>
+              </a:br>
+              <a:r>
+                <a:rPr lang="en-US" sz="1400" i="1" dirty="0" smtClean="0">
+                  <a:latin typeface="Arial" panose="020B0604020202020204" pitchFamily="34" charset="0"/>
+                  <a:cs typeface="Arial" panose="020B0604020202020204" pitchFamily="34" charset="0"/>
+                </a:rPr>
+                <a:t>Your </a:t>
+              </a:r>
+              <a:r>
+                <a:rPr lang="en-US" sz="1400" dirty="0" smtClean="0">
+                  <a:latin typeface="Arial" panose="020B0604020202020204" pitchFamily="34" charset="0"/>
+                  <a:cs typeface="Arial" panose="020B0604020202020204" pitchFamily="34" charset="0"/>
+                </a:rPr>
+                <a:t>Language &amp;</a:t>
+              </a:r>
+              <a:br>
+                <a:rPr lang="en-US" sz="1400" dirty="0" smtClean="0">
+                  <a:latin typeface="Arial" panose="020B0604020202020204" pitchFamily="34" charset="0"/>
+                  <a:cs typeface="Arial" panose="020B0604020202020204" pitchFamily="34" charset="0"/>
+                </a:rPr>
+              </a:br>
+              <a:r>
+                <a:rPr lang="en-US" sz="1400" i="1" dirty="0" smtClean="0">
+                  <a:latin typeface="Arial" panose="020B0604020202020204" pitchFamily="34" charset="0"/>
+                  <a:cs typeface="Arial" panose="020B0604020202020204" pitchFamily="34" charset="0"/>
+                </a:rPr>
+                <a:t>Your</a:t>
+              </a:r>
+              <a:r>
+                <a:rPr lang="en-US" sz="1400" dirty="0" smtClean="0">
+                  <a:latin typeface="Arial" panose="020B0604020202020204" pitchFamily="34" charset="0"/>
+                  <a:cs typeface="Arial" panose="020B0604020202020204" pitchFamily="34" charset="0"/>
+                </a:rPr>
+                <a:t> Disability</a:t>
+              </a:r>
+              <a:endParaRPr lang="en-US" sz="1400" dirty="0">
+                <a:latin typeface="Arial" panose="020B0604020202020204" pitchFamily="34" charset="0"/>
+                <a:cs typeface="Arial" panose="020B0604020202020204" pitchFamily="34" charset="0"/>
+              </a:endParaRPr>
+            </a:p>
+          </p:txBody>
+        </p:sp>
+      </p:grpSp>
+      <p:grpSp>
+        <p:nvGrpSpPr>
+          <p:cNvPr id="62" name="Group 61"/>
+          <p:cNvGrpSpPr/>
+          <p:nvPr/>
+        </p:nvGrpSpPr>
+        <p:grpSpPr>
+          <a:xfrm>
+            <a:off x="6489162" y="3853522"/>
+            <a:ext cx="2300591" cy="1169551"/>
+            <a:chOff x="6489162" y="3841882"/>
+            <a:chExt cx="2300591" cy="1148021"/>
+          </a:xfrm>
+        </p:grpSpPr>
+        <p:cxnSp>
+          <p:nvCxnSpPr>
+            <p:cNvPr id="46" name="Straight Arrow Connector 45"/>
+            <p:cNvCxnSpPr/>
+            <p:nvPr/>
+          </p:nvCxnSpPr>
+          <p:spPr>
+            <a:xfrm flipH="1">
+              <a:off x="6489162" y="4205144"/>
+              <a:ext cx="720000" cy="0"/>
+            </a:xfrm>
+            <a:prstGeom prst="straightConnector1">
+              <a:avLst/>
+            </a:prstGeom>
+            <a:ln w="12700">
+              <a:solidFill>
+                <a:schemeClr val="accent6">
+                  <a:lumMod val="75000"/>
+                </a:schemeClr>
+              </a:solidFill>
+              <a:tailEnd type="triangle" w="sm" len="sm"/>
+            </a:ln>
+          </p:spPr>
+          <p:style>
+            <a:lnRef idx="1">
+              <a:schemeClr val="accent1"/>
+            </a:lnRef>
+            <a:fillRef idx="0">
+              <a:schemeClr val="accent1"/>
+            </a:fillRef>
+            <a:effectRef idx="0">
+              <a:schemeClr val="accent1"/>
+            </a:effectRef>
+            <a:fontRef idx="minor">
+              <a:schemeClr val="tx1"/>
+            </a:fontRef>
+          </p:style>
+        </p:cxnSp>
+        <p:sp>
+          <p:nvSpPr>
+            <p:cNvPr id="47" name="TextBox 46"/>
+            <p:cNvSpPr txBox="1"/>
+            <p:nvPr/>
+          </p:nvSpPr>
+          <p:spPr>
+            <a:xfrm>
+              <a:off x="7200856" y="3841882"/>
+              <a:ext cx="1588897" cy="1148021"/>
+            </a:xfrm>
+            <a:prstGeom prst="rect">
+              <a:avLst/>
+            </a:prstGeom>
+            <a:noFill/>
+          </p:spPr>
+          <p:txBody>
+            <a:bodyPr wrap="none" rtlCol="0">
+              <a:spAutoFit/>
+            </a:bodyPr>
+            <a:lstStyle/>
+            <a:p>
+              <a:r>
+                <a:rPr lang="en-US" sz="1400" dirty="0" smtClean="0">
+                  <a:latin typeface="Arial" panose="020B0604020202020204" pitchFamily="34" charset="0"/>
+                  <a:cs typeface="Arial" panose="020B0604020202020204" pitchFamily="34" charset="0"/>
+                </a:rPr>
+                <a:t>UI Showing:</a:t>
+              </a:r>
+            </a:p>
+            <a:p>
+              <a:pPr marL="177800" indent="-177800">
+                <a:buFont typeface="Arial" panose="020B0604020202020204" pitchFamily="34" charset="0"/>
+                <a:buChar char="•"/>
+              </a:pPr>
+              <a:r>
+                <a:rPr lang="en-US" sz="1400" dirty="0" smtClean="0">
+                  <a:latin typeface="Arial" panose="020B0604020202020204" pitchFamily="34" charset="0"/>
+                  <a:cs typeface="Arial" panose="020B0604020202020204" pitchFamily="34" charset="0"/>
+                </a:rPr>
+                <a:t>Direct Payment</a:t>
+              </a:r>
+            </a:p>
+            <a:p>
+              <a:pPr marL="177800" indent="-177800">
+                <a:buFont typeface="Arial" panose="020B0604020202020204" pitchFamily="34" charset="0"/>
+                <a:buChar char="•"/>
+              </a:pPr>
+              <a:r>
+                <a:rPr lang="en-US" sz="1400" dirty="0" smtClean="0">
+                  <a:latin typeface="Arial" panose="020B0604020202020204" pitchFamily="34" charset="0"/>
+                  <a:cs typeface="Arial" panose="020B0604020202020204" pitchFamily="34" charset="0"/>
+                </a:rPr>
+                <a:t>Booking</a:t>
+              </a:r>
+              <a:endParaRPr lang="en-US" sz="1400" dirty="0">
+                <a:latin typeface="Arial" panose="020B0604020202020204" pitchFamily="34" charset="0"/>
+                <a:cs typeface="Arial" panose="020B0604020202020204" pitchFamily="34" charset="0"/>
+              </a:endParaRPr>
+            </a:p>
+            <a:p>
+              <a:pPr marL="177800" indent="-177800">
+                <a:buFont typeface="Arial" panose="020B0604020202020204" pitchFamily="34" charset="0"/>
+                <a:buChar char="•"/>
+              </a:pPr>
+              <a:r>
+                <a:rPr lang="en-US" sz="1400" dirty="0" smtClean="0">
+                  <a:latin typeface="Arial" panose="020B0604020202020204" pitchFamily="34" charset="0"/>
+                  <a:cs typeface="Arial" panose="020B0604020202020204" pitchFamily="34" charset="0"/>
+                </a:rPr>
+                <a:t>Gas Station</a:t>
+              </a:r>
+            </a:p>
+            <a:p>
+              <a:pPr marL="177800" indent="-177800">
+                <a:buFont typeface="Arial" panose="020B0604020202020204" pitchFamily="34" charset="0"/>
+                <a:buChar char="•"/>
+              </a:pPr>
+              <a:r>
+                <a:rPr lang="en-US" sz="1400" dirty="0" smtClean="0">
+                  <a:latin typeface="Arial" panose="020B0604020202020204" pitchFamily="34" charset="0"/>
+                  <a:cs typeface="Arial" panose="020B0604020202020204" pitchFamily="34" charset="0"/>
+                </a:rPr>
+                <a:t>Etc.</a:t>
+              </a:r>
+              <a:endParaRPr lang="en-US" sz="1400" dirty="0">
+                <a:latin typeface="Arial" panose="020B0604020202020204" pitchFamily="34" charset="0"/>
+                <a:cs typeface="Arial" panose="020B0604020202020204" pitchFamily="34" charset="0"/>
+              </a:endParaRPr>
+            </a:p>
+          </p:txBody>
+        </p:sp>
+      </p:grpSp>
+      <p:grpSp>
+        <p:nvGrpSpPr>
           <p:cNvPr id="10" name="Group 9"/>
           <p:cNvGrpSpPr/>
           <p:nvPr/>
         </p:nvGrpSpPr>
         <p:grpSpPr>
           <a:xfrm>
-            <a:off x="4257746" y="5387398"/>
+            <a:off x="4257746" y="5301208"/>
             <a:ext cx="4130678" cy="1231516"/>
             <a:chOff x="4257746" y="5387398"/>
             <a:chExt cx="4130678" cy="1231516"/>
@@ -5591,50 +5500,6 @@
           </p:txBody>
         </p:sp>
       </p:grpSp>
-      <p:sp>
-        <p:nvSpPr>
-          <p:cNvPr id="13" name="TextBox 12"/>
-          <p:cNvSpPr txBox="1"/>
-          <p:nvPr/>
-        </p:nvSpPr>
-        <p:spPr>
-          <a:xfrm>
-            <a:off x="7853726" y="6662094"/>
-            <a:ext cx="1293944" cy="215444"/>
-          </a:xfrm>
-          <a:prstGeom prst="rect">
-            <a:avLst/>
-          </a:prstGeom>
-          <a:noFill/>
-        </p:spPr>
-        <p:txBody>
-          <a:bodyPr wrap="none" rtlCol="0">
-            <a:spAutoFit/>
-          </a:bodyPr>
-          <a:lstStyle/>
-          <a:p>
-            <a:pPr algn="r"/>
-            <a:r>
-              <a:rPr lang="en-US" sz="800" dirty="0" err="1" smtClean="0">
-                <a:latin typeface="Arial" panose="020B0604020202020204" pitchFamily="34" charset="0"/>
-                <a:cs typeface="Arial" panose="020B0604020202020204" pitchFamily="34" charset="0"/>
-              </a:rPr>
-              <a:t>A.Rundgren</a:t>
-            </a:r>
-            <a:r>
-              <a:rPr lang="en-US" sz="800" dirty="0" smtClean="0">
-                <a:latin typeface="Arial" panose="020B0604020202020204" pitchFamily="34" charset="0"/>
-                <a:cs typeface="Arial" panose="020B0604020202020204" pitchFamily="34" charset="0"/>
-              </a:rPr>
-              <a:t> 2018-12-12</a:t>
-            </a:r>
-            <a:endParaRPr lang="en-US" sz="800" dirty="0">
-              <a:latin typeface="Arial" panose="020B0604020202020204" pitchFamily="34" charset="0"/>
-              <a:cs typeface="Arial" panose="020B0604020202020204" pitchFamily="34" charset="0"/>
-            </a:endParaRPr>
-          </a:p>
-        </p:txBody>
-      </p:sp>
     </p:spTree>
     <p:extLst>
       <p:ext uri="{BB962C8B-B14F-4D97-AF65-F5344CB8AC3E}">
@@ -5666,7 +5531,7 @@
                             </p:stCondLst>
                             <p:childTnLst>
                               <p:par>
-                                <p:cTn id="5" presetID="16" presetClass="entr" presetSubtype="21" fill="hold" nodeType="clickEffect">
+                                <p:cTn id="5" presetID="6" presetClass="entr" presetSubtype="16" fill="hold" nodeType="clickEffect">
                                   <p:stCondLst>
                                     <p:cond delay="0"/>
                                   </p:stCondLst>
@@ -5679,7 +5544,7 @@
                                           </p:stCondLst>
                                         </p:cTn>
                                         <p:tgtEl>
-                                          <p:spTgt spid="75"/>
+                                          <p:spTgt spid="28"/>
                                         </p:tgtEl>
                                         <p:attrNameLst>
                                           <p:attrName>style.visibility</p:attrName>
@@ -5689,11 +5554,11 @@
                                         <p:strVal val="visible"/>
                                       </p:to>
                                     </p:set>
-                                    <p:animEffect transition="in" filter="barn(inVertical)">
+                                    <p:animEffect transition="in" filter="circle(in)">
                                       <p:cBhvr>
-                                        <p:cTn id="7" dur="500"/>
+                                        <p:cTn id="7" dur="2000"/>
                                         <p:tgtEl>
-                                          <p:spTgt spid="75"/>
+                                          <p:spTgt spid="28"/>
                                         </p:tgtEl>
                                       </p:cBhvr>
                                     </p:animEffect>

--- a/saturn/personal-payment-terminal.pptx
+++ b/saturn/personal-payment-terminal.pptx
@@ -288,7 +288,7 @@
           <a:p>
             <a:fld id="{FC080E38-6FF2-48B3-BDAB-4FA23B840E92}" type="datetimeFigureOut">
               <a:rPr lang="en-US" smtClean="0"/>
-              <a:t>2019-05-12</a:t>
+              <a:t>2019-11-16</a:t>
             </a:fld>
             <a:endParaRPr lang="en-US"/>
           </a:p>
@@ -458,7 +458,7 @@
           <a:p>
             <a:fld id="{FC080E38-6FF2-48B3-BDAB-4FA23B840E92}" type="datetimeFigureOut">
               <a:rPr lang="en-US" smtClean="0"/>
-              <a:t>2019-05-12</a:t>
+              <a:t>2019-11-16</a:t>
             </a:fld>
             <a:endParaRPr lang="en-US"/>
           </a:p>
@@ -638,7 +638,7 @@
           <a:p>
             <a:fld id="{FC080E38-6FF2-48B3-BDAB-4FA23B840E92}" type="datetimeFigureOut">
               <a:rPr lang="en-US" smtClean="0"/>
-              <a:t>2019-05-12</a:t>
+              <a:t>2019-11-16</a:t>
             </a:fld>
             <a:endParaRPr lang="en-US"/>
           </a:p>
@@ -808,7 +808,7 @@
           <a:p>
             <a:fld id="{FC080E38-6FF2-48B3-BDAB-4FA23B840E92}" type="datetimeFigureOut">
               <a:rPr lang="en-US" smtClean="0"/>
-              <a:t>2019-05-12</a:t>
+              <a:t>2019-11-16</a:t>
             </a:fld>
             <a:endParaRPr lang="en-US"/>
           </a:p>
@@ -1054,7 +1054,7 @@
           <a:p>
             <a:fld id="{FC080E38-6FF2-48B3-BDAB-4FA23B840E92}" type="datetimeFigureOut">
               <a:rPr lang="en-US" smtClean="0"/>
-              <a:t>2019-05-12</a:t>
+              <a:t>2019-11-16</a:t>
             </a:fld>
             <a:endParaRPr lang="en-US"/>
           </a:p>
@@ -1342,7 +1342,7 @@
           <a:p>
             <a:fld id="{FC080E38-6FF2-48B3-BDAB-4FA23B840E92}" type="datetimeFigureOut">
               <a:rPr lang="en-US" smtClean="0"/>
-              <a:t>2019-05-12</a:t>
+              <a:t>2019-11-16</a:t>
             </a:fld>
             <a:endParaRPr lang="en-US"/>
           </a:p>
@@ -1764,7 +1764,7 @@
           <a:p>
             <a:fld id="{FC080E38-6FF2-48B3-BDAB-4FA23B840E92}" type="datetimeFigureOut">
               <a:rPr lang="en-US" smtClean="0"/>
-              <a:t>2019-05-12</a:t>
+              <a:t>2019-11-16</a:t>
             </a:fld>
             <a:endParaRPr lang="en-US"/>
           </a:p>
@@ -1882,7 +1882,7 @@
           <a:p>
             <a:fld id="{FC080E38-6FF2-48B3-BDAB-4FA23B840E92}" type="datetimeFigureOut">
               <a:rPr lang="en-US" smtClean="0"/>
-              <a:t>2019-05-12</a:t>
+              <a:t>2019-11-16</a:t>
             </a:fld>
             <a:endParaRPr lang="en-US"/>
           </a:p>
@@ -1977,7 +1977,7 @@
           <a:p>
             <a:fld id="{FC080E38-6FF2-48B3-BDAB-4FA23B840E92}" type="datetimeFigureOut">
               <a:rPr lang="en-US" smtClean="0"/>
-              <a:t>2019-05-12</a:t>
+              <a:t>2019-11-16</a:t>
             </a:fld>
             <a:endParaRPr lang="en-US"/>
           </a:p>
@@ -2254,7 +2254,7 @@
           <a:p>
             <a:fld id="{FC080E38-6FF2-48B3-BDAB-4FA23B840E92}" type="datetimeFigureOut">
               <a:rPr lang="en-US" smtClean="0"/>
-              <a:t>2019-05-12</a:t>
+              <a:t>2019-11-16</a:t>
             </a:fld>
             <a:endParaRPr lang="en-US"/>
           </a:p>
@@ -2507,7 +2507,7 @@
           <a:p>
             <a:fld id="{FC080E38-6FF2-48B3-BDAB-4FA23B840E92}" type="datetimeFigureOut">
               <a:rPr lang="en-US" smtClean="0"/>
-              <a:t>2019-05-12</a:t>
+              <a:t>2019-11-16</a:t>
             </a:fld>
             <a:endParaRPr lang="en-US"/>
           </a:p>
@@ -2720,7 +2720,7 @@
           <a:p>
             <a:fld id="{FC080E38-6FF2-48B3-BDAB-4FA23B840E92}" type="datetimeFigureOut">
               <a:rPr lang="en-US" smtClean="0"/>
-              <a:t>2019-05-12</a:t>
+              <a:t>2019-11-16</a:t>
             </a:fld>
             <a:endParaRPr lang="en-US"/>
           </a:p>
@@ -3104,7 +3104,7 @@
           <p:nvPr/>
         </p:nvPicPr>
         <p:blipFill>
-          <a:blip r:embed="rId4">
+          <a:blip r:embed="rId2">
             <a:extLst>
               <a:ext uri="{28A0092B-C50C-407E-A947-70E740481C1C}">
                 <a14:useLocalDpi xmlns:a14="http://schemas.microsoft.com/office/drawing/2010/main" val="0"/>
@@ -3117,7 +3117,7 @@
         </p:blipFill>
         <p:spPr>
           <a:xfrm>
-            <a:off x="849958" y="1318097"/>
+            <a:off x="849958" y="1277328"/>
             <a:ext cx="2236040" cy="3513778"/>
           </a:xfrm>
           <a:prstGeom prst="rect">
@@ -3133,7 +3133,7 @@
         </p:nvSpPr>
         <p:spPr>
           <a:xfrm>
-            <a:off x="1880607" y="4668438"/>
+            <a:off x="1880607" y="4627669"/>
             <a:ext cx="198210" cy="900000"/>
           </a:xfrm>
           <a:prstGeom prst="upDownArrow">
@@ -3183,7 +3183,7 @@
           <p:nvPr/>
         </p:nvPicPr>
         <p:blipFill>
-          <a:blip r:embed="rId5" cstate="print">
+          <a:blip r:embed="rId3" cstate="print">
             <a:extLst>
               <a:ext uri="{28A0092B-C50C-407E-A947-70E740481C1C}">
                 <a14:useLocalDpi xmlns:a14="http://schemas.microsoft.com/office/drawing/2010/main" val="0"/>
@@ -3196,7 +3196,7 @@
         </p:blipFill>
         <p:spPr>
           <a:xfrm>
-            <a:off x="1174576" y="5584021"/>
+            <a:off x="1174576" y="5543252"/>
             <a:ext cx="1584175" cy="1013331"/>
           </a:xfrm>
           <a:prstGeom prst="rect">
@@ -3204,175 +3204,160 @@
           </a:prstGeom>
         </p:spPr>
       </p:pic>
-      <p:grpSp>
-        <p:nvGrpSpPr>
-          <p:cNvPr id="64" name="Group 63"/>
-          <p:cNvGrpSpPr/>
+      <p:sp>
+        <p:nvSpPr>
+          <p:cNvPr id="14" name="Explosion 1 13"/>
+          <p:cNvSpPr/>
           <p:nvPr/>
-        </p:nvGrpSpPr>
-        <p:grpSpPr>
+        </p:nvSpPr>
+        <p:spPr>
           <a:xfrm>
-            <a:off x="2291229" y="1855530"/>
-            <a:ext cx="1488683" cy="4525798"/>
-            <a:chOff x="2291229" y="1855530"/>
-            <a:chExt cx="1488683" cy="4525798"/>
+            <a:off x="2291229" y="1814761"/>
+            <a:ext cx="1387828" cy="925398"/>
           </a:xfrm>
-        </p:grpSpPr>
-        <p:sp>
-          <p:nvSpPr>
-            <p:cNvPr id="14" name="Explosion 1 13"/>
-            <p:cNvSpPr/>
-            <p:nvPr/>
-          </p:nvSpPr>
-          <p:spPr>
-            <a:xfrm>
-              <a:off x="2291229" y="1855530"/>
-              <a:ext cx="1387828" cy="925398"/>
-            </a:xfrm>
-            <a:prstGeom prst="irregularSeal1">
-              <a:avLst/>
-            </a:prstGeom>
-            <a:gradFill flip="none" rotWithShape="1">
-              <a:gsLst>
-                <a:gs pos="50000">
-                  <a:srgbClr val="FBF7C9"/>
-                </a:gs>
-                <a:gs pos="1000">
-                  <a:srgbClr val="F2E648"/>
-                </a:gs>
-                <a:gs pos="100000">
-                  <a:srgbClr val="EDE437"/>
-                </a:gs>
-              </a:gsLst>
-              <a:path path="circle">
-                <a:fillToRect l="100000" t="100000"/>
-              </a:path>
-              <a:tileRect r="-100000" b="-100000"/>
-            </a:gradFill>
-            <a:ln w="6350"/>
-            <a:effectLst>
-              <a:outerShdw blurRad="50800" dist="38100" dir="2700000" algn="tl" rotWithShape="0">
-                <a:prstClr val="black">
-                  <a:alpha val="40000"/>
-                </a:prstClr>
-              </a:outerShdw>
-            </a:effectLst>
-          </p:spPr>
-          <p:style>
-            <a:lnRef idx="2">
-              <a:schemeClr val="accent1">
-                <a:shade val="50000"/>
-              </a:schemeClr>
-            </a:lnRef>
-            <a:fillRef idx="1">
-              <a:schemeClr val="accent1"/>
-            </a:fillRef>
-            <a:effectRef idx="0">
-              <a:schemeClr val="accent1"/>
-            </a:effectRef>
-            <a:fontRef idx="minor">
-              <a:schemeClr val="lt1"/>
-            </a:fontRef>
-          </p:style>
-          <p:txBody>
-            <a:bodyPr lIns="0" rIns="0" rtlCol="0" anchor="ctr"/>
-            <a:lstStyle/>
-            <a:p>
-              <a:pPr algn="ctr"/>
-              <a:r>
-                <a:rPr lang="en-US" dirty="0" smtClean="0">
-                  <a:solidFill>
-                    <a:schemeClr val="tx1"/>
-                  </a:solidFill>
-                </a:rPr>
-                <a:t>POOF!</a:t>
-              </a:r>
-              <a:endParaRPr lang="en-US" dirty="0">
+          <a:prstGeom prst="irregularSeal1">
+            <a:avLst/>
+          </a:prstGeom>
+          <a:gradFill flip="none" rotWithShape="1">
+            <a:gsLst>
+              <a:gs pos="50000">
+                <a:srgbClr val="FBF7C9"/>
+              </a:gs>
+              <a:gs pos="1000">
+                <a:srgbClr val="F2E648"/>
+              </a:gs>
+              <a:gs pos="100000">
+                <a:srgbClr val="EDE437"/>
+              </a:gs>
+            </a:gsLst>
+            <a:path path="circle">
+              <a:fillToRect l="100000" t="100000"/>
+            </a:path>
+            <a:tileRect r="-100000" b="-100000"/>
+          </a:gradFill>
+          <a:ln w="6350"/>
+          <a:effectLst>
+            <a:outerShdw blurRad="50800" dist="38100" dir="2700000" algn="tl" rotWithShape="0">
+              <a:prstClr val="black">
+                <a:alpha val="40000"/>
+              </a:prstClr>
+            </a:outerShdw>
+          </a:effectLst>
+        </p:spPr>
+        <p:style>
+          <a:lnRef idx="2">
+            <a:schemeClr val="accent1">
+              <a:shade val="50000"/>
+            </a:schemeClr>
+          </a:lnRef>
+          <a:fillRef idx="1">
+            <a:schemeClr val="accent1"/>
+          </a:fillRef>
+          <a:effectRef idx="0">
+            <a:schemeClr val="accent1"/>
+          </a:effectRef>
+          <a:fontRef idx="minor">
+            <a:schemeClr val="lt1"/>
+          </a:fontRef>
+        </p:style>
+        <p:txBody>
+          <a:bodyPr lIns="0" rIns="0" rtlCol="0" anchor="ctr"/>
+          <a:lstStyle/>
+          <a:p>
+            <a:pPr algn="ctr"/>
+            <a:r>
+              <a:rPr lang="en-US" dirty="0" smtClean="0">
                 <a:solidFill>
                   <a:schemeClr val="tx1"/>
                 </a:solidFill>
-              </a:endParaRPr>
-            </a:p>
-          </p:txBody>
-        </p:sp>
-        <p:sp>
-          <p:nvSpPr>
-            <p:cNvPr id="15" name="Explosion 1 14"/>
-            <p:cNvSpPr/>
-            <p:nvPr/>
-          </p:nvSpPr>
-          <p:spPr>
-            <a:xfrm>
-              <a:off x="2392084" y="5455930"/>
-              <a:ext cx="1387828" cy="925398"/>
-            </a:xfrm>
-            <a:prstGeom prst="irregularSeal1">
-              <a:avLst/>
-            </a:prstGeom>
-            <a:gradFill flip="none" rotWithShape="1">
-              <a:gsLst>
-                <a:gs pos="50000">
-                  <a:srgbClr val="FBF7C9"/>
-                </a:gs>
-                <a:gs pos="1000">
-                  <a:srgbClr val="F2E648"/>
-                </a:gs>
-                <a:gs pos="100000">
-                  <a:srgbClr val="EDE437"/>
-                </a:gs>
-              </a:gsLst>
-              <a:path path="circle">
-                <a:fillToRect l="100000" t="100000"/>
-              </a:path>
-              <a:tileRect r="-100000" b="-100000"/>
-            </a:gradFill>
-            <a:ln w="6350"/>
-            <a:effectLst>
-              <a:outerShdw blurRad="50800" dist="38100" dir="2700000" algn="tl" rotWithShape="0">
-                <a:prstClr val="black">
-                  <a:alpha val="40000"/>
-                </a:prstClr>
-              </a:outerShdw>
-            </a:effectLst>
-          </p:spPr>
-          <p:style>
-            <a:lnRef idx="2">
-              <a:schemeClr val="accent1">
-                <a:shade val="50000"/>
-              </a:schemeClr>
-            </a:lnRef>
-            <a:fillRef idx="1">
-              <a:schemeClr val="accent1"/>
-            </a:fillRef>
-            <a:effectRef idx="0">
-              <a:schemeClr val="accent1"/>
-            </a:effectRef>
-            <a:fontRef idx="minor">
-              <a:schemeClr val="lt1"/>
-            </a:fontRef>
-          </p:style>
-          <p:txBody>
-            <a:bodyPr lIns="0" rIns="0" rtlCol="0" anchor="ctr"/>
-            <a:lstStyle/>
-            <a:p>
-              <a:pPr algn="ctr"/>
-              <a:r>
-                <a:rPr lang="en-US" dirty="0" smtClean="0">
-                  <a:solidFill>
-                    <a:schemeClr val="tx1"/>
-                  </a:solidFill>
-                </a:rPr>
-                <a:t>POOF!</a:t>
-              </a:r>
-              <a:endParaRPr lang="en-US" dirty="0">
+              </a:rPr>
+              <a:t>POOF!</a:t>
+            </a:r>
+            <a:endParaRPr lang="en-US" dirty="0">
+              <a:solidFill>
+                <a:schemeClr val="tx1"/>
+              </a:solidFill>
+            </a:endParaRPr>
+          </a:p>
+        </p:txBody>
+      </p:sp>
+      <p:sp>
+        <p:nvSpPr>
+          <p:cNvPr id="15" name="Explosion 1 14"/>
+          <p:cNvSpPr/>
+          <p:nvPr/>
+        </p:nvSpPr>
+        <p:spPr>
+          <a:xfrm>
+            <a:off x="2392084" y="5415161"/>
+            <a:ext cx="1387828" cy="925398"/>
+          </a:xfrm>
+          <a:prstGeom prst="irregularSeal1">
+            <a:avLst/>
+          </a:prstGeom>
+          <a:gradFill flip="none" rotWithShape="1">
+            <a:gsLst>
+              <a:gs pos="50000">
+                <a:srgbClr val="FBF7C9"/>
+              </a:gs>
+              <a:gs pos="1000">
+                <a:srgbClr val="F2E648"/>
+              </a:gs>
+              <a:gs pos="100000">
+                <a:srgbClr val="EDE437"/>
+              </a:gs>
+            </a:gsLst>
+            <a:path path="circle">
+              <a:fillToRect l="100000" t="100000"/>
+            </a:path>
+            <a:tileRect r="-100000" b="-100000"/>
+          </a:gradFill>
+          <a:ln w="6350"/>
+          <a:effectLst>
+            <a:outerShdw blurRad="50800" dist="38100" dir="2700000" algn="tl" rotWithShape="0">
+              <a:prstClr val="black">
+                <a:alpha val="40000"/>
+              </a:prstClr>
+            </a:outerShdw>
+          </a:effectLst>
+        </p:spPr>
+        <p:style>
+          <a:lnRef idx="2">
+            <a:schemeClr val="accent1">
+              <a:shade val="50000"/>
+            </a:schemeClr>
+          </a:lnRef>
+          <a:fillRef idx="1">
+            <a:schemeClr val="accent1"/>
+          </a:fillRef>
+          <a:effectRef idx="0">
+            <a:schemeClr val="accent1"/>
+          </a:effectRef>
+          <a:fontRef idx="minor">
+            <a:schemeClr val="lt1"/>
+          </a:fontRef>
+        </p:style>
+        <p:txBody>
+          <a:bodyPr lIns="0" rIns="0" rtlCol="0" anchor="ctr"/>
+          <a:lstStyle/>
+          <a:p>
+            <a:pPr algn="ctr"/>
+            <a:r>
+              <a:rPr lang="en-US" dirty="0" smtClean="0">
                 <a:solidFill>
                   <a:schemeClr val="tx1"/>
                 </a:solidFill>
-              </a:endParaRPr>
-            </a:p>
-          </p:txBody>
-        </p:sp>
-      </p:grpSp>
+              </a:rPr>
+              <a:t>POOF!</a:t>
+            </a:r>
+            <a:endParaRPr lang="en-US" dirty="0">
+              <a:solidFill>
+                <a:schemeClr val="tx1"/>
+              </a:solidFill>
+            </a:endParaRPr>
+          </a:p>
+        </p:txBody>
+      </p:sp>
       <p:sp>
         <p:nvSpPr>
           <p:cNvPr id="16" name="TextBox 15"/>
@@ -3381,7 +3366,7 @@
         </p:nvSpPr>
         <p:spPr>
           <a:xfrm>
-            <a:off x="555416" y="4941168"/>
+            <a:off x="555416" y="4900399"/>
             <a:ext cx="2848600" cy="307777"/>
           </a:xfrm>
           <a:prstGeom prst="rect">
@@ -3425,7 +3410,7 @@
         </p:nvSpPr>
         <p:spPr>
           <a:xfrm>
-            <a:off x="1889375" y="620688"/>
+            <a:off x="1889375" y="579919"/>
             <a:ext cx="198210" cy="858877"/>
           </a:xfrm>
           <a:prstGeom prst="upDownArrow">
@@ -3474,7 +3459,7 @@
         </p:nvSpPr>
         <p:spPr>
           <a:xfrm>
-            <a:off x="673736" y="908720"/>
+            <a:off x="673736" y="855251"/>
             <a:ext cx="2643672" cy="307777"/>
           </a:xfrm>
           <a:prstGeom prst="rect">
@@ -3510,128 +3495,113 @@
           </a:p>
         </p:txBody>
       </p:sp>
-      <p:grpSp>
-        <p:nvGrpSpPr>
-          <p:cNvPr id="58" name="Group 57"/>
-          <p:cNvGrpSpPr/>
+      <p:sp>
+        <p:nvSpPr>
+          <p:cNvPr id="21" name="Up-Down Arrow 20"/>
+          <p:cNvSpPr/>
           <p:nvPr/>
-        </p:nvGrpSpPr>
-        <p:grpSpPr>
+        </p:nvSpPr>
+        <p:spPr>
           <a:xfrm>
-            <a:off x="3766014" y="620688"/>
-            <a:ext cx="4185698" cy="828000"/>
-            <a:chOff x="3766014" y="620688"/>
-            <a:chExt cx="4185698" cy="828000"/>
+            <a:off x="5724128" y="579919"/>
+            <a:ext cx="198210" cy="860400"/>
           </a:xfrm>
-        </p:grpSpPr>
-        <p:sp>
-          <p:nvSpPr>
-            <p:cNvPr id="21" name="Up-Down Arrow 20"/>
-            <p:cNvSpPr/>
-            <p:nvPr/>
-          </p:nvSpPr>
-          <p:spPr>
-            <a:xfrm>
-              <a:off x="5724128" y="620688"/>
-              <a:ext cx="198210" cy="828000"/>
-            </a:xfrm>
-            <a:prstGeom prst="upDownArrow">
-              <a:avLst/>
-            </a:prstGeom>
+          <a:prstGeom prst="upDownArrow">
+            <a:avLst/>
+          </a:prstGeom>
+          <a:solidFill>
+            <a:schemeClr val="tx2">
+              <a:lumMod val="40000"/>
+              <a:lumOff val="60000"/>
+            </a:schemeClr>
+          </a:solidFill>
+          <a:ln>
+            <a:noFill/>
+          </a:ln>
+        </p:spPr>
+        <p:style>
+          <a:lnRef idx="2">
+            <a:schemeClr val="accent1">
+              <a:shade val="50000"/>
+            </a:schemeClr>
+          </a:lnRef>
+          <a:fillRef idx="1">
+            <a:schemeClr val="accent1"/>
+          </a:fillRef>
+          <a:effectRef idx="0">
+            <a:schemeClr val="accent1"/>
+          </a:effectRef>
+          <a:fontRef idx="minor">
+            <a:schemeClr val="lt1"/>
+          </a:fontRef>
+        </p:style>
+        <p:txBody>
+          <a:bodyPr rtlCol="0" anchor="ctr"/>
+          <a:lstStyle/>
+          <a:p>
+            <a:pPr algn="ctr"/>
+            <a:endParaRPr lang="en-US"/>
+          </a:p>
+        </p:txBody>
+      </p:sp>
+      <p:sp>
+        <p:nvSpPr>
+          <p:cNvPr id="22" name="TextBox 21"/>
+          <p:cNvSpPr txBox="1"/>
+          <p:nvPr/>
+        </p:nvSpPr>
+        <p:spPr>
+          <a:xfrm>
+            <a:off x="3734264" y="855251"/>
+            <a:ext cx="4185698" cy="307777"/>
+          </a:xfrm>
+          <a:prstGeom prst="rect">
+            <a:avLst/>
+          </a:prstGeom>
+          <a:solidFill>
+            <a:srgbClr val="FBF7C9"/>
+          </a:solidFill>
+          <a:ln w="3175">
             <a:solidFill>
-              <a:schemeClr val="tx2">
-                <a:lumMod val="40000"/>
-                <a:lumOff val="60000"/>
-              </a:schemeClr>
+              <a:schemeClr val="tx1"/>
             </a:solidFill>
-            <a:ln>
-              <a:noFill/>
-            </a:ln>
-          </p:spPr>
-          <p:style>
-            <a:lnRef idx="2">
-              <a:schemeClr val="accent1">
-                <a:shade val="50000"/>
-              </a:schemeClr>
-            </a:lnRef>
-            <a:fillRef idx="1">
-              <a:schemeClr val="accent1"/>
-            </a:fillRef>
-            <a:effectRef idx="0">
-              <a:schemeClr val="accent1"/>
-            </a:effectRef>
-            <a:fontRef idx="minor">
-              <a:schemeClr val="lt1"/>
-            </a:fontRef>
-          </p:style>
-          <p:txBody>
-            <a:bodyPr rtlCol="0" anchor="ctr"/>
-            <a:lstStyle/>
-            <a:p>
-              <a:pPr algn="ctr"/>
-              <a:endParaRPr lang="en-US"/>
-            </a:p>
-          </p:txBody>
-        </p:sp>
-        <p:sp>
-          <p:nvSpPr>
-            <p:cNvPr id="22" name="TextBox 21"/>
-            <p:cNvSpPr txBox="1"/>
-            <p:nvPr/>
-          </p:nvSpPr>
-          <p:spPr>
-            <a:xfrm>
-              <a:off x="3766014" y="908720"/>
-              <a:ext cx="4185698" cy="307777"/>
-            </a:xfrm>
-            <a:prstGeom prst="rect">
-              <a:avLst/>
-            </a:prstGeom>
-            <a:solidFill>
-              <a:srgbClr val="FBF7C9"/>
-            </a:solidFill>
-            <a:ln w="3175">
-              <a:solidFill>
-                <a:schemeClr val="tx1"/>
-              </a:solidFill>
-            </a:ln>
-          </p:spPr>
-          <p:txBody>
-            <a:bodyPr wrap="none" rtlCol="0">
-              <a:spAutoFit/>
-            </a:bodyPr>
-            <a:lstStyle/>
-            <a:p>
-              <a:pPr algn="ctr"/>
-              <a:r>
-                <a:rPr lang="en-US" sz="1400" dirty="0" smtClean="0">
-                  <a:latin typeface="Arial" panose="020B0604020202020204" pitchFamily="34" charset="0"/>
-                  <a:cs typeface="Arial" panose="020B0604020202020204" pitchFamily="34" charset="0"/>
-                </a:rPr>
-                <a:t>High level End-to-End Secured </a:t>
-              </a:r>
-              <a:r>
-                <a:rPr lang="en-US" sz="1400" dirty="0">
-                  <a:latin typeface="Arial" panose="020B0604020202020204" pitchFamily="34" charset="0"/>
-                  <a:cs typeface="Arial" panose="020B0604020202020204" pitchFamily="34" charset="0"/>
-                </a:rPr>
-                <a:t>360° Web </a:t>
-              </a:r>
-              <a:r>
-                <a:rPr lang="en-US" sz="1400" dirty="0" smtClean="0">
-                  <a:latin typeface="Arial" panose="020B0604020202020204" pitchFamily="34" charset="0"/>
-                  <a:cs typeface="Arial" panose="020B0604020202020204" pitchFamily="34" charset="0"/>
-                </a:rPr>
-                <a:t>Protocol</a:t>
-              </a:r>
-              <a:endParaRPr lang="en-US" sz="1400" dirty="0">
+          </a:ln>
+        </p:spPr>
+        <p:txBody>
+          <a:bodyPr wrap="none" rtlCol="0">
+            <a:spAutoFit/>
+          </a:bodyPr>
+          <a:lstStyle/>
+          <a:p>
+            <a:pPr algn="ctr"/>
+            <a:r>
+              <a:rPr lang="en-US" sz="1400" dirty="0" smtClean="0">
                 <a:latin typeface="Arial" panose="020B0604020202020204" pitchFamily="34" charset="0"/>
                 <a:cs typeface="Arial" panose="020B0604020202020204" pitchFamily="34" charset="0"/>
-              </a:endParaRPr>
-            </a:p>
-          </p:txBody>
-        </p:sp>
-      </p:grpSp>
+              </a:rPr>
+              <a:t>High level End-to-End Secured </a:t>
+            </a:r>
+            <a:r>
+              <a:rPr lang="en-US" sz="1400" dirty="0">
+                <a:latin typeface="Arial" panose="020B0604020202020204" pitchFamily="34" charset="0"/>
+                <a:cs typeface="Arial" panose="020B0604020202020204" pitchFamily="34" charset="0"/>
+              </a:rPr>
+              <a:t>360° Web </a:t>
+            </a:r>
+            <a:r>
+              <a:rPr lang="en-US" sz="1400" dirty="0" smtClean="0">
+                <a:latin typeface="Arial" panose="020B0604020202020204" pitchFamily="34" charset="0"/>
+                <a:cs typeface="Arial" panose="020B0604020202020204" pitchFamily="34" charset="0"/>
+              </a:rPr>
+              <a:t>Protocol</a:t>
+            </a:r>
+            <a:endParaRPr lang="en-US" sz="1400" dirty="0">
+              <a:latin typeface="Arial" panose="020B0604020202020204" pitchFamily="34" charset="0"/>
+              <a:cs typeface="Arial" panose="020B0604020202020204" pitchFamily="34" charset="0"/>
+            </a:endParaRPr>
+          </a:p>
+        </p:txBody>
+      </p:sp>
       <p:sp>
         <p:nvSpPr>
           <p:cNvPr id="24" name="TextBox 23"/>
@@ -3640,7 +3610,7 @@
         </p:nvSpPr>
         <p:spPr>
           <a:xfrm>
-            <a:off x="251520" y="157401"/>
+            <a:off x="251520" y="116632"/>
             <a:ext cx="3360407" cy="461665"/>
           </a:xfrm>
           <a:prstGeom prst="rect">
@@ -3676,7 +3646,7 @@
         </p:nvSpPr>
         <p:spPr>
           <a:xfrm>
-            <a:off x="7853726" y="6662094"/>
+            <a:off x="-27548" y="6662094"/>
             <a:ext cx="1293944" cy="215444"/>
           </a:xfrm>
           <a:prstGeom prst="rect">
@@ -3690,7 +3660,6 @@
           </a:bodyPr>
           <a:lstStyle/>
           <a:p>
-            <a:pPr algn="r"/>
             <a:r>
               <a:rPr lang="en-US" sz="800" dirty="0" err="1" smtClean="0">
                 <a:latin typeface="Arial" panose="020B0604020202020204" pitchFamily="34" charset="0"/>
@@ -3699,7 +3668,7 @@
               <a:t>A.Rundgren</a:t>
             </a:r>
             <a:r>
-              <a:rPr lang="en-US" sz="800" smtClean="0">
+              <a:rPr lang="en-US" sz="800" dirty="0" smtClean="0">
                 <a:latin typeface="Arial" panose="020B0604020202020204" pitchFamily="34" charset="0"/>
                 <a:cs typeface="Arial" panose="020B0604020202020204" pitchFamily="34" charset="0"/>
               </a:rPr>
@@ -3712,1794 +3681,1656 @@
           </a:p>
         </p:txBody>
       </p:sp>
-      <p:grpSp>
-        <p:nvGrpSpPr>
-          <p:cNvPr id="28" name="Group 27"/>
-          <p:cNvGrpSpPr/>
+      <p:sp>
+        <p:nvSpPr>
+          <p:cNvPr id="25" name="TextBox 24"/>
+          <p:cNvSpPr txBox="1"/>
           <p:nvPr/>
-        </p:nvGrpSpPr>
-        <p:grpSpPr>
+        </p:nvSpPr>
+        <p:spPr>
           <a:xfrm>
-            <a:off x="4067944" y="159023"/>
-            <a:ext cx="3572003" cy="6006281"/>
-            <a:chOff x="4067944" y="159023"/>
-            <a:chExt cx="3572003" cy="6006281"/>
+            <a:off x="4067944" y="118254"/>
+            <a:ext cx="3572003" cy="461665"/>
           </a:xfrm>
-        </p:grpSpPr>
-        <p:grpSp>
-          <p:nvGrpSpPr>
-            <p:cNvPr id="75" name="Group 74"/>
-            <p:cNvGrpSpPr/>
-            <p:nvPr/>
-          </p:nvGrpSpPr>
-          <p:grpSpPr>
-            <a:xfrm>
-              <a:off x="4067944" y="159023"/>
-              <a:ext cx="3572003" cy="6006281"/>
-              <a:chOff x="4067944" y="201414"/>
-              <a:chExt cx="3572003" cy="6006281"/>
-            </a:xfrm>
-          </p:grpSpPr>
-          <p:sp>
-            <p:nvSpPr>
-              <p:cNvPr id="25" name="TextBox 24"/>
-              <p:cNvSpPr txBox="1"/>
-              <p:nvPr/>
-            </p:nvSpPr>
-            <p:spPr>
-              <a:xfrm>
-                <a:off x="4067944" y="201414"/>
-                <a:ext cx="3572003" cy="461665"/>
-              </a:xfrm>
-              <a:prstGeom prst="rect">
-                <a:avLst/>
-              </a:prstGeom>
-              <a:noFill/>
-            </p:spPr>
-            <p:txBody>
-              <a:bodyPr wrap="none" rtlCol="0">
-                <a:spAutoFit/>
-              </a:bodyPr>
-              <a:lstStyle/>
-              <a:p>
-                <a:r>
-                  <a:rPr lang="en-US" sz="2400" dirty="0" smtClean="0">
-                    <a:latin typeface="Times New Roman" panose="02020603050405020304" pitchFamily="18" charset="0"/>
-                    <a:cs typeface="Times New Roman" panose="02020603050405020304" pitchFamily="18" charset="0"/>
-                  </a:rPr>
-                  <a:t>Personal Payment Terminal</a:t>
-                </a:r>
-                <a:endParaRPr lang="en-US" sz="2400" dirty="0">
-                  <a:latin typeface="Times New Roman" panose="02020603050405020304" pitchFamily="18" charset="0"/>
-                  <a:cs typeface="Times New Roman" panose="02020603050405020304" pitchFamily="18" charset="0"/>
-                </a:endParaRPr>
-              </a:p>
-            </p:txBody>
-          </p:sp>
-          <p:grpSp>
-            <p:nvGrpSpPr>
-              <p:cNvPr id="4" name="Group 3"/>
-              <p:cNvGrpSpPr/>
-              <p:nvPr/>
-            </p:nvGrpSpPr>
-            <p:grpSpPr>
-              <a:xfrm>
-                <a:off x="4572000" y="1527175"/>
-                <a:ext cx="2511077" cy="4680520"/>
-                <a:chOff x="796639" y="950200"/>
-                <a:chExt cx="2839257" cy="4824536"/>
-              </a:xfrm>
-            </p:grpSpPr>
-            <p:sp>
-              <p:nvSpPr>
-                <p:cNvPr id="5" name="Rounded Rectangle 4"/>
-                <p:cNvSpPr/>
-                <p:nvPr/>
-              </p:nvSpPr>
-              <p:spPr>
-                <a:xfrm>
-                  <a:off x="796639" y="950200"/>
-                  <a:ext cx="2839257" cy="4824536"/>
-                </a:xfrm>
-                <a:prstGeom prst="roundRect">
-                  <a:avLst>
-                    <a:gd name="adj" fmla="val 5335"/>
-                  </a:avLst>
-                </a:prstGeom>
+          <a:prstGeom prst="rect">
+            <a:avLst/>
+          </a:prstGeom>
+          <a:noFill/>
+        </p:spPr>
+        <p:txBody>
+          <a:bodyPr wrap="none" rtlCol="0">
+            <a:spAutoFit/>
+          </a:bodyPr>
+          <a:lstStyle/>
+          <a:p>
+            <a:r>
+              <a:rPr lang="en-US" sz="2400" dirty="0" smtClean="0">
+                <a:latin typeface="Times New Roman" panose="02020603050405020304" pitchFamily="18" charset="0"/>
+                <a:cs typeface="Times New Roman" panose="02020603050405020304" pitchFamily="18" charset="0"/>
+              </a:rPr>
+              <a:t>Personal Payment Terminal</a:t>
+            </a:r>
+            <a:endParaRPr lang="en-US" sz="2400" dirty="0">
+              <a:latin typeface="Times New Roman" panose="02020603050405020304" pitchFamily="18" charset="0"/>
+              <a:cs typeface="Times New Roman" panose="02020603050405020304" pitchFamily="18" charset="0"/>
+            </a:endParaRPr>
+          </a:p>
+        </p:txBody>
+      </p:sp>
+      <p:sp>
+        <p:nvSpPr>
+          <p:cNvPr id="5" name="Rounded Rectangle 4"/>
+          <p:cNvSpPr/>
+          <p:nvPr/>
+        </p:nvSpPr>
+        <p:spPr>
+          <a:xfrm>
+            <a:off x="4572000" y="1489593"/>
+            <a:ext cx="2511077" cy="4680520"/>
+          </a:xfrm>
+          <a:prstGeom prst="roundRect">
+            <a:avLst>
+              <a:gd name="adj" fmla="val 5335"/>
+            </a:avLst>
+          </a:prstGeom>
+          <a:solidFill>
+            <a:schemeClr val="bg2"/>
+          </a:solidFill>
+          <a:ln w="12700"/>
+          <a:effectLst/>
+          <a:scene3d>
+            <a:camera prst="orthographicFront"/>
+            <a:lightRig rig="threePt" dir="t"/>
+          </a:scene3d>
+          <a:sp3d>
+            <a:bevelT/>
+          </a:sp3d>
+        </p:spPr>
+        <p:style>
+          <a:lnRef idx="2">
+            <a:schemeClr val="accent1">
+              <a:shade val="50000"/>
+            </a:schemeClr>
+          </a:lnRef>
+          <a:fillRef idx="1">
+            <a:schemeClr val="accent1"/>
+          </a:fillRef>
+          <a:effectRef idx="0">
+            <a:schemeClr val="accent1"/>
+          </a:effectRef>
+          <a:fontRef idx="minor">
+            <a:schemeClr val="lt1"/>
+          </a:fontRef>
+        </p:style>
+        <p:txBody>
+          <a:bodyPr rtlCol="0" anchor="ctr"/>
+          <a:lstStyle/>
+          <a:p>
+            <a:pPr algn="ctr"/>
+            <a:endParaRPr lang="en-US"/>
+          </a:p>
+        </p:txBody>
+      </p:sp>
+      <p:sp>
+        <p:nvSpPr>
+          <p:cNvPr id="6" name="Rounded Rectangle 5"/>
+          <p:cNvSpPr/>
+          <p:nvPr/>
+        </p:nvSpPr>
+        <p:spPr>
+          <a:xfrm>
+            <a:off x="5572799" y="1646152"/>
+            <a:ext cx="491321" cy="69859"/>
+          </a:xfrm>
+          <a:prstGeom prst="roundRect">
+            <a:avLst/>
+          </a:prstGeom>
+          <a:pattFill prst="pct25">
+            <a:fgClr>
+              <a:schemeClr val="bg1">
+                <a:lumMod val="65000"/>
+              </a:schemeClr>
+            </a:fgClr>
+            <a:bgClr>
+              <a:schemeClr val="bg1">
+                <a:lumMod val="95000"/>
+              </a:schemeClr>
+            </a:bgClr>
+          </a:pattFill>
+          <a:ln w="6350">
+            <a:solidFill>
+              <a:schemeClr val="bg1">
+                <a:lumMod val="50000"/>
+              </a:schemeClr>
+            </a:solidFill>
+          </a:ln>
+        </p:spPr>
+        <p:style>
+          <a:lnRef idx="2">
+            <a:schemeClr val="accent1">
+              <a:shade val="50000"/>
+            </a:schemeClr>
+          </a:lnRef>
+          <a:fillRef idx="1">
+            <a:schemeClr val="accent1"/>
+          </a:fillRef>
+          <a:effectRef idx="0">
+            <a:schemeClr val="accent1"/>
+          </a:effectRef>
+          <a:fontRef idx="minor">
+            <a:schemeClr val="lt1"/>
+          </a:fontRef>
+        </p:style>
+        <p:txBody>
+          <a:bodyPr rtlCol="0" anchor="ctr"/>
+          <a:lstStyle/>
+          <a:p>
+            <a:pPr algn="ctr"/>
+            <a:endParaRPr lang="en-US"/>
+          </a:p>
+        </p:txBody>
+      </p:sp>
+      <p:sp>
+        <p:nvSpPr>
+          <p:cNvPr id="7" name="Oval 6"/>
+          <p:cNvSpPr/>
+          <p:nvPr/>
+        </p:nvSpPr>
+        <p:spPr>
+          <a:xfrm>
+            <a:off x="4981476" y="1632481"/>
+            <a:ext cx="79200" cy="79200"/>
+          </a:xfrm>
+          <a:prstGeom prst="ellipse">
+            <a:avLst/>
+          </a:prstGeom>
+          <a:gradFill flip="none" rotWithShape="1">
+            <a:gsLst>
+              <a:gs pos="100000">
+                <a:schemeClr val="tx2">
+                  <a:lumMod val="60000"/>
+                  <a:lumOff val="40000"/>
+                </a:schemeClr>
+              </a:gs>
+              <a:gs pos="1875">
+                <a:schemeClr val="tx2">
+                  <a:lumMod val="60000"/>
+                  <a:lumOff val="40000"/>
+                </a:schemeClr>
+              </a:gs>
+              <a:gs pos="50000">
+                <a:schemeClr val="accent1">
+                  <a:lumMod val="40000"/>
+                  <a:lumOff val="60000"/>
+                </a:schemeClr>
+              </a:gs>
+            </a:gsLst>
+            <a:path path="circle">
+              <a:fillToRect l="50000" t="50000" r="50000" b="50000"/>
+            </a:path>
+            <a:tileRect/>
+          </a:gradFill>
+          <a:ln w="6350">
+            <a:solidFill>
+              <a:schemeClr val="bg1">
+                <a:lumMod val="50000"/>
+              </a:schemeClr>
+            </a:solidFill>
+          </a:ln>
+        </p:spPr>
+        <p:style>
+          <a:lnRef idx="2">
+            <a:schemeClr val="accent1">
+              <a:shade val="50000"/>
+            </a:schemeClr>
+          </a:lnRef>
+          <a:fillRef idx="1">
+            <a:schemeClr val="accent1"/>
+          </a:fillRef>
+          <a:effectRef idx="0">
+            <a:schemeClr val="accent1"/>
+          </a:effectRef>
+          <a:fontRef idx="minor">
+            <a:schemeClr val="lt1"/>
+          </a:fontRef>
+        </p:style>
+        <p:txBody>
+          <a:bodyPr rtlCol="0" anchor="ctr"/>
+          <a:lstStyle/>
+          <a:p>
+            <a:pPr algn="ctr"/>
+            <a:endParaRPr lang="en-US"/>
+          </a:p>
+        </p:txBody>
+      </p:sp>
+      <p:pic>
+        <p:nvPicPr>
+          <p:cNvPr id="26" name="Picture 25"/>
+          <p:cNvPicPr>
+            <a:picLocks noChangeAspect="1"/>
+          </p:cNvPicPr>
+          <p:nvPr/>
+        </p:nvPicPr>
+        <p:blipFill>
+          <a:blip r:embed="rId4" cstate="print">
+            <a:extLst>
+              <a:ext uri="{28A0092B-C50C-407E-A947-70E740481C1C}">
+                <a14:useLocalDpi xmlns:a14="http://schemas.microsoft.com/office/drawing/2010/main" val="0"/>
+              </a:ext>
+            </a:extLst>
+          </a:blip>
+          <a:stretch>
+            <a:fillRect/>
+          </a:stretch>
+        </p:blipFill>
+        <p:spPr>
+          <a:xfrm>
+            <a:off x="4666775" y="1845404"/>
+            <a:ext cx="2312916" cy="4111851"/>
+          </a:xfrm>
+          <a:prstGeom prst="rect">
+            <a:avLst/>
+          </a:prstGeom>
+          <a:ln>
+            <a:solidFill>
+              <a:schemeClr val="bg1">
+                <a:lumMod val="65000"/>
+              </a:schemeClr>
+            </a:solidFill>
+          </a:ln>
+          <a:effectLst>
+            <a:outerShdw blurRad="50800" dist="38100" dir="2700000" sx="1000" sy="1000" algn="tl" rotWithShape="0">
+              <a:prstClr val="black">
+                <a:alpha val="40000"/>
+              </a:prstClr>
+            </a:outerShdw>
+          </a:effectLst>
+        </p:spPr>
+      </p:pic>
+      <p:cxnSp>
+        <p:nvCxnSpPr>
+          <p:cNvPr id="52" name="Straight Arrow Connector 51"/>
+          <p:cNvCxnSpPr/>
+          <p:nvPr/>
+        </p:nvCxnSpPr>
+        <p:spPr>
+          <a:xfrm flipH="1">
+            <a:off x="7099369" y="5518418"/>
+            <a:ext cx="547666" cy="0"/>
+          </a:xfrm>
+          <a:prstGeom prst="straightConnector1">
+            <a:avLst/>
+          </a:prstGeom>
+          <a:ln w="12700">
+            <a:solidFill>
+              <a:schemeClr val="accent6">
+                <a:lumMod val="75000"/>
+              </a:schemeClr>
+            </a:solidFill>
+            <a:tailEnd type="triangle" w="sm" len="sm"/>
+          </a:ln>
+        </p:spPr>
+        <p:style>
+          <a:lnRef idx="1">
+            <a:schemeClr val="accent1"/>
+          </a:lnRef>
+          <a:fillRef idx="0">
+            <a:schemeClr val="accent1"/>
+          </a:fillRef>
+          <a:effectRef idx="0">
+            <a:schemeClr val="accent1"/>
+          </a:effectRef>
+          <a:fontRef idx="minor">
+            <a:schemeClr val="tx1"/>
+          </a:fontRef>
+        </p:style>
+      </p:cxnSp>
+      <p:pic>
+        <p:nvPicPr>
+          <p:cNvPr id="51" name="Picture 8" descr="key"/>
+          <p:cNvPicPr>
+            <a:picLocks noChangeAspect="1" noChangeArrowheads="1"/>
+          </p:cNvPicPr>
+          <p:nvPr/>
+        </p:nvPicPr>
+        <p:blipFill>
+          <a:blip r:embed="rId5">
+            <a:extLst>
+              <a:ext uri="{BEBA8EAE-BF5A-486C-A8C5-ECC9F3942E4B}">
+                <a14:imgProps xmlns:a14="http://schemas.microsoft.com/office/drawing/2010/main">
+                  <a14:imgLayer r:embed="rId6">
+                    <a14:imgEffect>
+                      <a14:saturation sat="182000"/>
+                    </a14:imgEffect>
+                  </a14:imgLayer>
+                </a14:imgProps>
+              </a:ext>
+              <a:ext uri="{28A0092B-C50C-407E-A947-70E740481C1C}">
+                <a14:useLocalDpi xmlns:a14="http://schemas.microsoft.com/office/drawing/2010/main" val="0"/>
+              </a:ext>
+            </a:extLst>
+          </a:blip>
+          <a:srcRect/>
+          <a:stretch>
+            <a:fillRect/>
+          </a:stretch>
+        </p:blipFill>
+        <p:spPr bwMode="auto">
+          <a:xfrm rot="20680384">
+            <a:off x="7894419" y="5192837"/>
+            <a:ext cx="360040" cy="356341"/>
+          </a:xfrm>
+          <a:prstGeom prst="rect">
+            <a:avLst/>
+          </a:prstGeom>
+          <a:noFill/>
+          <a:ln>
+            <a:noFill/>
+          </a:ln>
+          <a:extLst>
+            <a:ext uri="{909E8E84-426E-40DD-AFC4-6F175D3DCCD1}">
+              <a14:hiddenFill xmlns:a14="http://schemas.microsoft.com/office/drawing/2010/main">
                 <a:solidFill>
-                  <a:schemeClr val="bg2"/>
+                  <a:srgbClr val="FFFFFF"/>
                 </a:solidFill>
-                <a:ln w="12700"/>
-                <a:effectLst/>
-                <a:scene3d>
-                  <a:camera prst="orthographicFront"/>
-                  <a:lightRig rig="threePt" dir="t"/>
-                </a:scene3d>
-                <a:sp3d>
-                  <a:bevelT/>
-                </a:sp3d>
-              </p:spPr>
-              <p:style>
-                <a:lnRef idx="2">
-                  <a:schemeClr val="accent1">
-                    <a:shade val="50000"/>
-                  </a:schemeClr>
-                </a:lnRef>
-                <a:fillRef idx="1">
-                  <a:schemeClr val="accent1"/>
-                </a:fillRef>
-                <a:effectRef idx="0">
-                  <a:schemeClr val="accent1"/>
-                </a:effectRef>
-                <a:fontRef idx="minor">
-                  <a:schemeClr val="lt1"/>
-                </a:fontRef>
-              </p:style>
-              <p:txBody>
-                <a:bodyPr rtlCol="0" anchor="ctr"/>
-                <a:lstStyle/>
-                <a:p>
-                  <a:pPr algn="ctr"/>
-                  <a:endParaRPr lang="en-US"/>
-                </a:p>
-              </p:txBody>
-            </p:sp>
-            <p:sp>
-              <p:nvSpPr>
-                <p:cNvPr id="6" name="Rounded Rectangle 5"/>
-                <p:cNvSpPr/>
-                <p:nvPr/>
-              </p:nvSpPr>
-              <p:spPr>
-                <a:xfrm>
-                  <a:off x="1928235" y="1142740"/>
-                  <a:ext cx="555533" cy="72008"/>
-                </a:xfrm>
-                <a:prstGeom prst="roundRect">
-                  <a:avLst/>
-                </a:prstGeom>
-                <a:pattFill prst="pct25">
-                  <a:fgClr>
-                    <a:schemeClr val="bg1">
-                      <a:lumMod val="65000"/>
-                    </a:schemeClr>
-                  </a:fgClr>
-                  <a:bgClr>
-                    <a:schemeClr val="bg1">
-                      <a:lumMod val="95000"/>
-                    </a:schemeClr>
-                  </a:bgClr>
-                </a:pattFill>
-                <a:ln w="6350">
-                  <a:solidFill>
-                    <a:schemeClr val="bg1">
-                      <a:lumMod val="50000"/>
-                    </a:schemeClr>
-                  </a:solidFill>
-                </a:ln>
-              </p:spPr>
-              <p:style>
-                <a:lnRef idx="2">
-                  <a:schemeClr val="accent1">
-                    <a:shade val="50000"/>
-                  </a:schemeClr>
-                </a:lnRef>
-                <a:fillRef idx="1">
-                  <a:schemeClr val="accent1"/>
-                </a:fillRef>
-                <a:effectRef idx="0">
-                  <a:schemeClr val="accent1"/>
-                </a:effectRef>
-                <a:fontRef idx="minor">
-                  <a:schemeClr val="lt1"/>
-                </a:fontRef>
-              </p:style>
-              <p:txBody>
-                <a:bodyPr rtlCol="0" anchor="ctr"/>
-                <a:lstStyle/>
-                <a:p>
-                  <a:pPr algn="ctr"/>
-                  <a:endParaRPr lang="en-US"/>
-                </a:p>
-              </p:txBody>
-            </p:sp>
-            <p:sp>
-              <p:nvSpPr>
-                <p:cNvPr id="7" name="Oval 6"/>
-                <p:cNvSpPr/>
-                <p:nvPr/>
-              </p:nvSpPr>
-              <p:spPr>
-                <a:xfrm>
-                  <a:off x="1259632" y="1124744"/>
-                  <a:ext cx="108000" cy="108000"/>
-                </a:xfrm>
-                <a:prstGeom prst="ellipse">
-                  <a:avLst/>
-                </a:prstGeom>
-                <a:gradFill flip="none" rotWithShape="1">
-                  <a:gsLst>
-                    <a:gs pos="100000">
-                      <a:schemeClr val="accent1">
-                        <a:lumMod val="75000"/>
-                      </a:schemeClr>
-                    </a:gs>
-                    <a:gs pos="1875">
-                      <a:schemeClr val="accent1">
-                        <a:lumMod val="75000"/>
-                      </a:schemeClr>
-                    </a:gs>
-                    <a:gs pos="50000">
-                      <a:schemeClr val="accent1">
-                        <a:lumMod val="40000"/>
-                        <a:lumOff val="60000"/>
-                      </a:schemeClr>
-                    </a:gs>
-                  </a:gsLst>
-                  <a:path path="circle">
-                    <a:fillToRect l="100000" t="100000"/>
-                  </a:path>
-                  <a:tileRect r="-100000" b="-100000"/>
-                </a:gradFill>
-                <a:ln w="6350">
-                  <a:solidFill>
-                    <a:schemeClr val="bg1">
-                      <a:lumMod val="50000"/>
-                    </a:schemeClr>
-                  </a:solidFill>
-                </a:ln>
-              </p:spPr>
-              <p:style>
-                <a:lnRef idx="2">
-                  <a:schemeClr val="accent1">
-                    <a:shade val="50000"/>
-                  </a:schemeClr>
-                </a:lnRef>
-                <a:fillRef idx="1">
-                  <a:schemeClr val="accent1"/>
-                </a:fillRef>
-                <a:effectRef idx="0">
-                  <a:schemeClr val="accent1"/>
-                </a:effectRef>
-                <a:fontRef idx="minor">
-                  <a:schemeClr val="lt1"/>
-                </a:fontRef>
-              </p:style>
-              <p:txBody>
-                <a:bodyPr rtlCol="0" anchor="ctr"/>
-                <a:lstStyle/>
-                <a:p>
-                  <a:pPr algn="ctr"/>
-                  <a:endParaRPr lang="en-US"/>
-                </a:p>
-              </p:txBody>
-            </p:sp>
-            <p:sp>
-              <p:nvSpPr>
-                <p:cNvPr id="8" name="Oval 7"/>
-                <p:cNvSpPr/>
-                <p:nvPr/>
-              </p:nvSpPr>
-              <p:spPr>
-                <a:xfrm>
-                  <a:off x="1763696" y="1142740"/>
-                  <a:ext cx="72000" cy="72008"/>
-                </a:xfrm>
-                <a:prstGeom prst="ellipse">
-                  <a:avLst/>
-                </a:prstGeom>
+              </a14:hiddenFill>
+            </a:ext>
+            <a:ext uri="{91240B29-F687-4F45-9708-019B960494DF}">
+              <a14:hiddenLine xmlns:a14="http://schemas.microsoft.com/office/drawing/2010/main" w="9525">
                 <a:solidFill>
-                  <a:schemeClr val="bg1">
-                    <a:lumMod val="95000"/>
-                  </a:schemeClr>
+                  <a:srgbClr val="000000"/>
                 </a:solidFill>
-                <a:ln w="6350">
-                  <a:solidFill>
-                    <a:schemeClr val="bg1">
-                      <a:lumMod val="50000"/>
-                    </a:schemeClr>
-                  </a:solidFill>
-                </a:ln>
-              </p:spPr>
-              <p:style>
-                <a:lnRef idx="2">
-                  <a:schemeClr val="accent1">
-                    <a:shade val="50000"/>
-                  </a:schemeClr>
-                </a:lnRef>
-                <a:fillRef idx="1">
-                  <a:schemeClr val="accent1"/>
-                </a:fillRef>
-                <a:effectRef idx="0">
-                  <a:schemeClr val="accent1"/>
-                </a:effectRef>
-                <a:fontRef idx="minor">
-                  <a:schemeClr val="lt1"/>
-                </a:fontRef>
-              </p:style>
-              <p:txBody>
-                <a:bodyPr rtlCol="0" anchor="ctr"/>
-                <a:lstStyle/>
-                <a:p>
-                  <a:pPr algn="ctr"/>
-                  <a:endParaRPr lang="en-US"/>
-                </a:p>
-              </p:txBody>
-            </p:sp>
-          </p:grpSp>
-        </p:grpSp>
-        <p:pic>
-          <p:nvPicPr>
-            <p:cNvPr id="26" name="Picture 25"/>
-            <p:cNvPicPr>
-              <a:picLocks noChangeAspect="1"/>
-            </p:cNvPicPr>
-            <p:nvPr/>
-          </p:nvPicPr>
-          <p:blipFill>
-            <a:blip r:embed="rId6" cstate="print">
-              <a:extLst>
-                <a:ext uri="{28A0092B-C50C-407E-A947-70E740481C1C}">
-                  <a14:useLocalDpi xmlns:a14="http://schemas.microsoft.com/office/drawing/2010/main" val="0"/>
-                </a:ext>
-              </a:extLst>
-            </a:blip>
-            <a:stretch>
-              <a:fillRect/>
-            </a:stretch>
-          </p:blipFill>
-          <p:spPr>
-            <a:xfrm>
-              <a:off x="4666775" y="1840595"/>
-              <a:ext cx="2312916" cy="4111851"/>
-            </a:xfrm>
-            <a:prstGeom prst="rect">
-              <a:avLst/>
-            </a:prstGeom>
-            <a:ln>
-              <a:solidFill>
-                <a:schemeClr val="bg1">
-                  <a:lumMod val="65000"/>
-                </a:schemeClr>
-              </a:solidFill>
-            </a:ln>
-            <a:effectLst>
-              <a:outerShdw blurRad="50800" dist="38100" dir="2700000" sx="1000" sy="1000" algn="tl" rotWithShape="0">
-                <a:prstClr val="black">
-                  <a:alpha val="40000"/>
-                </a:prstClr>
-              </a:outerShdw>
-            </a:effectLst>
-          </p:spPr>
-        </p:pic>
-      </p:grpSp>
-      <p:grpSp>
-        <p:nvGrpSpPr>
-          <p:cNvPr id="65" name="Group 64"/>
-          <p:cNvGrpSpPr/>
+                <a:miter lim="800000"/>
+                <a:headEnd/>
+                <a:tailEnd/>
+              </a14:hiddenLine>
+            </a:ext>
+          </a:extLst>
+        </p:spPr>
+      </p:pic>
+      <p:pic>
+        <p:nvPicPr>
+          <p:cNvPr id="54" name="Picture 8" descr="key"/>
+          <p:cNvPicPr>
+            <a:picLocks noChangeAspect="1" noChangeArrowheads="1"/>
+          </p:cNvPicPr>
           <p:nvPr/>
-        </p:nvGrpSpPr>
-        <p:grpSpPr>
+        </p:nvPicPr>
+        <p:blipFill>
+          <a:blip r:embed="rId5">
+            <a:extLst>
+              <a:ext uri="{BEBA8EAE-BF5A-486C-A8C5-ECC9F3942E4B}">
+                <a14:imgProps xmlns:a14="http://schemas.microsoft.com/office/drawing/2010/main">
+                  <a14:imgLayer r:embed="rId6">
+                    <a14:imgEffect>
+                      <a14:saturation sat="182000"/>
+                    </a14:imgEffect>
+                  </a14:imgLayer>
+                </a14:imgProps>
+              </a:ext>
+              <a:ext uri="{28A0092B-C50C-407E-A947-70E740481C1C}">
+                <a14:useLocalDpi xmlns:a14="http://schemas.microsoft.com/office/drawing/2010/main" val="0"/>
+              </a:ext>
+            </a:extLst>
+          </a:blip>
+          <a:srcRect/>
+          <a:stretch>
+            <a:fillRect/>
+          </a:stretch>
+        </p:blipFill>
+        <p:spPr bwMode="auto">
+          <a:xfrm rot="20680384">
+            <a:off x="7741026" y="5368432"/>
+            <a:ext cx="360040" cy="356341"/>
+          </a:xfrm>
+          <a:prstGeom prst="rect">
+            <a:avLst/>
+          </a:prstGeom>
+          <a:noFill/>
+          <a:ln>
+            <a:noFill/>
+          </a:ln>
+          <a:extLst>
+            <a:ext uri="{909E8E84-426E-40DD-AFC4-6F175D3DCCD1}">
+              <a14:hiddenFill xmlns:a14="http://schemas.microsoft.com/office/drawing/2010/main">
+                <a:solidFill>
+                  <a:srgbClr val="FFFFFF"/>
+                </a:solidFill>
+              </a14:hiddenFill>
+            </a:ext>
+            <a:ext uri="{91240B29-F687-4F45-9708-019B960494DF}">
+              <a14:hiddenLine xmlns:a14="http://schemas.microsoft.com/office/drawing/2010/main" w="9525">
+                <a:solidFill>
+                  <a:srgbClr val="000000"/>
+                </a:solidFill>
+                <a:miter lim="800000"/>
+                <a:headEnd/>
+                <a:tailEnd/>
+              </a14:hiddenLine>
+            </a:ext>
+          </a:extLst>
+        </p:spPr>
+      </p:pic>
+      <p:pic>
+        <p:nvPicPr>
+          <p:cNvPr id="55" name="Picture 8" descr="key"/>
+          <p:cNvPicPr>
+            <a:picLocks noChangeAspect="1" noChangeArrowheads="1"/>
+          </p:cNvPicPr>
+          <p:nvPr/>
+        </p:nvPicPr>
+        <p:blipFill>
+          <a:blip r:embed="rId5">
+            <a:extLst>
+              <a:ext uri="{BEBA8EAE-BF5A-486C-A8C5-ECC9F3942E4B}">
+                <a14:imgProps xmlns:a14="http://schemas.microsoft.com/office/drawing/2010/main">
+                  <a14:imgLayer r:embed="rId6">
+                    <a14:imgEffect>
+                      <a14:saturation sat="182000"/>
+                    </a14:imgEffect>
+                  </a14:imgLayer>
+                </a14:imgProps>
+              </a:ext>
+              <a:ext uri="{28A0092B-C50C-407E-A947-70E740481C1C}">
+                <a14:useLocalDpi xmlns:a14="http://schemas.microsoft.com/office/drawing/2010/main" val="0"/>
+              </a:ext>
+            </a:extLst>
+          </a:blip>
+          <a:srcRect/>
+          <a:stretch>
+            <a:fillRect/>
+          </a:stretch>
+        </p:blipFill>
+        <p:spPr bwMode="auto">
+          <a:xfrm rot="20680384">
+            <a:off x="7597009" y="5559666"/>
+            <a:ext cx="360040" cy="356341"/>
+          </a:xfrm>
+          <a:prstGeom prst="rect">
+            <a:avLst/>
+          </a:prstGeom>
+          <a:noFill/>
+          <a:ln>
+            <a:noFill/>
+          </a:ln>
+          <a:extLst>
+            <a:ext uri="{909E8E84-426E-40DD-AFC4-6F175D3DCCD1}">
+              <a14:hiddenFill xmlns:a14="http://schemas.microsoft.com/office/drawing/2010/main">
+                <a:solidFill>
+                  <a:srgbClr val="FFFFFF"/>
+                </a:solidFill>
+              </a14:hiddenFill>
+            </a:ext>
+            <a:ext uri="{91240B29-F687-4F45-9708-019B960494DF}">
+              <a14:hiddenLine xmlns:a14="http://schemas.microsoft.com/office/drawing/2010/main" w="9525">
+                <a:solidFill>
+                  <a:srgbClr val="000000"/>
+                </a:solidFill>
+                <a:miter lim="800000"/>
+                <a:headEnd/>
+                <a:tailEnd/>
+              </a14:hiddenLine>
+            </a:ext>
+          </a:extLst>
+        </p:spPr>
+      </p:pic>
+      <p:sp>
+        <p:nvSpPr>
+          <p:cNvPr id="56" name="TextBox 55"/>
+          <p:cNvSpPr txBox="1"/>
+          <p:nvPr/>
+        </p:nvSpPr>
+        <p:spPr>
           <a:xfrm>
-            <a:off x="7099369" y="5188028"/>
-            <a:ext cx="1847045" cy="977276"/>
-            <a:chOff x="7099369" y="5047635"/>
-            <a:chExt cx="1847045" cy="977276"/>
+            <a:off x="7208752" y="5849949"/>
+            <a:ext cx="1798890" cy="307777"/>
           </a:xfrm>
-        </p:grpSpPr>
-        <p:cxnSp>
-          <p:nvCxnSpPr>
-            <p:cNvPr id="52" name="Straight Arrow Connector 51"/>
-            <p:cNvCxnSpPr/>
-            <p:nvPr/>
-          </p:nvCxnSpPr>
-          <p:spPr>
-            <a:xfrm flipH="1">
-              <a:off x="7099369" y="5373216"/>
-              <a:ext cx="547666" cy="0"/>
-            </a:xfrm>
-            <a:prstGeom prst="straightConnector1">
-              <a:avLst/>
-            </a:prstGeom>
-            <a:ln w="12700">
-              <a:solidFill>
-                <a:schemeClr val="accent6">
-                  <a:lumMod val="75000"/>
-                </a:schemeClr>
-              </a:solidFill>
-              <a:tailEnd type="triangle" w="sm" len="sm"/>
-            </a:ln>
-          </p:spPr>
-          <p:style>
-            <a:lnRef idx="1">
-              <a:schemeClr val="accent1"/>
-            </a:lnRef>
-            <a:fillRef idx="0">
-              <a:schemeClr val="accent1"/>
-            </a:fillRef>
-            <a:effectRef idx="0">
-              <a:schemeClr val="accent1"/>
-            </a:effectRef>
-            <a:fontRef idx="minor">
-              <a:schemeClr val="tx1"/>
-            </a:fontRef>
-          </p:style>
-        </p:cxnSp>
-        <p:grpSp>
-          <p:nvGrpSpPr>
-            <p:cNvPr id="63" name="Group 62"/>
-            <p:cNvGrpSpPr/>
-            <p:nvPr/>
-          </p:nvGrpSpPr>
-          <p:grpSpPr>
-            <a:xfrm>
-              <a:off x="7147524" y="5047635"/>
-              <a:ext cx="1798890" cy="977276"/>
-              <a:chOff x="7147524" y="5047635"/>
-              <a:chExt cx="1798890" cy="977276"/>
-            </a:xfrm>
-          </p:grpSpPr>
-          <p:pic>
-            <p:nvPicPr>
-              <p:cNvPr id="51" name="Picture 8" descr="key"/>
-              <p:cNvPicPr>
-                <a:picLocks noChangeAspect="1" noChangeArrowheads="1"/>
-              </p:cNvPicPr>
-              <p:nvPr/>
-            </p:nvPicPr>
-            <p:blipFill>
-              <a:blip r:embed="rId7">
-                <a:extLst>
-                  <a:ext uri="{BEBA8EAE-BF5A-486C-A8C5-ECC9F3942E4B}">
-                    <a14:imgProps xmlns:a14="http://schemas.microsoft.com/office/drawing/2010/main">
-                      <a14:imgLayer r:embed="rId8">
-                        <a14:imgEffect>
-                          <a14:saturation sat="182000"/>
-                        </a14:imgEffect>
-                      </a14:imgLayer>
-                    </a14:imgProps>
-                  </a:ext>
-                  <a:ext uri="{28A0092B-C50C-407E-A947-70E740481C1C}">
-                    <a14:useLocalDpi xmlns:a14="http://schemas.microsoft.com/office/drawing/2010/main" val="0"/>
-                  </a:ext>
-                </a:extLst>
-              </a:blip>
-              <a:srcRect/>
-              <a:stretch>
-                <a:fillRect/>
-              </a:stretch>
-            </p:blipFill>
-            <p:spPr bwMode="auto">
-              <a:xfrm rot="20680384">
-                <a:off x="7894419" y="5047635"/>
-                <a:ext cx="360040" cy="356341"/>
-              </a:xfrm>
-              <a:prstGeom prst="rect">
-                <a:avLst/>
-              </a:prstGeom>
-              <a:noFill/>
-              <a:ln>
-                <a:noFill/>
-              </a:ln>
-              <a:extLst>
-                <a:ext uri="{909E8E84-426E-40DD-AFC4-6F175D3DCCD1}">
-                  <a14:hiddenFill xmlns:a14="http://schemas.microsoft.com/office/drawing/2010/main">
-                    <a:solidFill>
-                      <a:srgbClr val="FFFFFF"/>
-                    </a:solidFill>
-                  </a14:hiddenFill>
-                </a:ext>
-                <a:ext uri="{91240B29-F687-4F45-9708-019B960494DF}">
-                  <a14:hiddenLine xmlns:a14="http://schemas.microsoft.com/office/drawing/2010/main" w="9525">
-                    <a:solidFill>
-                      <a:srgbClr val="000000"/>
-                    </a:solidFill>
-                    <a:miter lim="800000"/>
-                    <a:headEnd/>
-                    <a:tailEnd/>
-                  </a14:hiddenLine>
-                </a:ext>
-              </a:extLst>
-            </p:spPr>
-          </p:pic>
-          <p:pic>
-            <p:nvPicPr>
-              <p:cNvPr id="54" name="Picture 8" descr="key"/>
-              <p:cNvPicPr>
-                <a:picLocks noChangeAspect="1" noChangeArrowheads="1"/>
-              </p:cNvPicPr>
-              <p:nvPr/>
-            </p:nvPicPr>
-            <p:blipFill>
-              <a:blip r:embed="rId7">
-                <a:extLst>
-                  <a:ext uri="{BEBA8EAE-BF5A-486C-A8C5-ECC9F3942E4B}">
-                    <a14:imgProps xmlns:a14="http://schemas.microsoft.com/office/drawing/2010/main">
-                      <a14:imgLayer r:embed="rId8">
-                        <a14:imgEffect>
-                          <a14:saturation sat="182000"/>
-                        </a14:imgEffect>
-                      </a14:imgLayer>
-                    </a14:imgProps>
-                  </a:ext>
-                  <a:ext uri="{28A0092B-C50C-407E-A947-70E740481C1C}">
-                    <a14:useLocalDpi xmlns:a14="http://schemas.microsoft.com/office/drawing/2010/main" val="0"/>
-                  </a:ext>
-                </a:extLst>
-              </a:blip>
-              <a:srcRect/>
-              <a:stretch>
-                <a:fillRect/>
-              </a:stretch>
-            </p:blipFill>
-            <p:spPr bwMode="auto">
-              <a:xfrm rot="20680384">
-                <a:off x="7741026" y="5223230"/>
-                <a:ext cx="360040" cy="356341"/>
-              </a:xfrm>
-              <a:prstGeom prst="rect">
-                <a:avLst/>
-              </a:prstGeom>
-              <a:noFill/>
-              <a:ln>
-                <a:noFill/>
-              </a:ln>
-              <a:extLst>
-                <a:ext uri="{909E8E84-426E-40DD-AFC4-6F175D3DCCD1}">
-                  <a14:hiddenFill xmlns:a14="http://schemas.microsoft.com/office/drawing/2010/main">
-                    <a:solidFill>
-                      <a:srgbClr val="FFFFFF"/>
-                    </a:solidFill>
-                  </a14:hiddenFill>
-                </a:ext>
-                <a:ext uri="{91240B29-F687-4F45-9708-019B960494DF}">
-                  <a14:hiddenLine xmlns:a14="http://schemas.microsoft.com/office/drawing/2010/main" w="9525">
-                    <a:solidFill>
-                      <a:srgbClr val="000000"/>
-                    </a:solidFill>
-                    <a:miter lim="800000"/>
-                    <a:headEnd/>
-                    <a:tailEnd/>
-                  </a14:hiddenLine>
-                </a:ext>
-              </a:extLst>
-            </p:spPr>
-          </p:pic>
-          <p:pic>
-            <p:nvPicPr>
-              <p:cNvPr id="55" name="Picture 8" descr="key"/>
-              <p:cNvPicPr>
-                <a:picLocks noChangeAspect="1" noChangeArrowheads="1"/>
-              </p:cNvPicPr>
-              <p:nvPr/>
-            </p:nvPicPr>
-            <p:blipFill>
-              <a:blip r:embed="rId7">
-                <a:extLst>
-                  <a:ext uri="{BEBA8EAE-BF5A-486C-A8C5-ECC9F3942E4B}">
-                    <a14:imgProps xmlns:a14="http://schemas.microsoft.com/office/drawing/2010/main">
-                      <a14:imgLayer r:embed="rId8">
-                        <a14:imgEffect>
-                          <a14:saturation sat="182000"/>
-                        </a14:imgEffect>
-                      </a14:imgLayer>
-                    </a14:imgProps>
-                  </a:ext>
-                  <a:ext uri="{28A0092B-C50C-407E-A947-70E740481C1C}">
-                    <a14:useLocalDpi xmlns:a14="http://schemas.microsoft.com/office/drawing/2010/main" val="0"/>
-                  </a:ext>
-                </a:extLst>
-              </a:blip>
-              <a:srcRect/>
-              <a:stretch>
-                <a:fillRect/>
-              </a:stretch>
-            </p:blipFill>
-            <p:spPr bwMode="auto">
-              <a:xfrm rot="20680384">
-                <a:off x="7597009" y="5414464"/>
-                <a:ext cx="360040" cy="356341"/>
-              </a:xfrm>
-              <a:prstGeom prst="rect">
-                <a:avLst/>
-              </a:prstGeom>
-              <a:noFill/>
-              <a:ln>
-                <a:noFill/>
-              </a:ln>
-              <a:extLst>
-                <a:ext uri="{909E8E84-426E-40DD-AFC4-6F175D3DCCD1}">
-                  <a14:hiddenFill xmlns:a14="http://schemas.microsoft.com/office/drawing/2010/main">
-                    <a:solidFill>
-                      <a:srgbClr val="FFFFFF"/>
-                    </a:solidFill>
-                  </a14:hiddenFill>
-                </a:ext>
-                <a:ext uri="{91240B29-F687-4F45-9708-019B960494DF}">
-                  <a14:hiddenLine xmlns:a14="http://schemas.microsoft.com/office/drawing/2010/main" w="9525">
-                    <a:solidFill>
-                      <a:srgbClr val="000000"/>
-                    </a:solidFill>
-                    <a:miter lim="800000"/>
-                    <a:headEnd/>
-                    <a:tailEnd/>
-                  </a14:hiddenLine>
-                </a:ext>
-              </a:extLst>
-            </p:spPr>
-          </p:pic>
-          <p:sp>
-            <p:nvSpPr>
-              <p:cNvPr id="56" name="TextBox 55"/>
-              <p:cNvSpPr txBox="1"/>
-              <p:nvPr/>
-            </p:nvSpPr>
-            <p:spPr>
-              <a:xfrm>
-                <a:off x="7147524" y="5717134"/>
-                <a:ext cx="1798890" cy="307777"/>
-              </a:xfrm>
-              <a:prstGeom prst="rect">
-                <a:avLst/>
-              </a:prstGeom>
-              <a:noFill/>
-            </p:spPr>
-            <p:txBody>
-              <a:bodyPr wrap="none" rtlCol="0">
-                <a:spAutoFit/>
-              </a:bodyPr>
-              <a:lstStyle/>
-              <a:p>
-                <a:pPr algn="ctr"/>
-                <a:r>
-                  <a:rPr lang="en-US" sz="1400" dirty="0" smtClean="0">
-                    <a:latin typeface="Arial" panose="020B0604020202020204" pitchFamily="34" charset="0"/>
-                    <a:cs typeface="Arial" panose="020B0604020202020204" pitchFamily="34" charset="0"/>
-                  </a:rPr>
-                  <a:t>TEE Protected Keys</a:t>
-                </a:r>
-                <a:endParaRPr lang="en-US" sz="1400" dirty="0">
-                  <a:latin typeface="Arial" panose="020B0604020202020204" pitchFamily="34" charset="0"/>
-                  <a:cs typeface="Arial" panose="020B0604020202020204" pitchFamily="34" charset="0"/>
-                </a:endParaRPr>
-              </a:p>
-            </p:txBody>
-          </p:sp>
-        </p:grpSp>
-      </p:grpSp>
-      <p:grpSp>
-        <p:nvGrpSpPr>
-          <p:cNvPr id="60" name="Group 59"/>
-          <p:cNvGrpSpPr/>
-          <p:nvPr/>
-        </p:nvGrpSpPr>
-        <p:grpSpPr>
-          <a:xfrm>
-            <a:off x="6372200" y="2924944"/>
-            <a:ext cx="2506957" cy="307777"/>
-            <a:chOff x="6372200" y="2833191"/>
-            <a:chExt cx="2506957" cy="307777"/>
-          </a:xfrm>
-        </p:grpSpPr>
-        <p:cxnSp>
-          <p:nvCxnSpPr>
-            <p:cNvPr id="27" name="Straight Arrow Connector 26"/>
-            <p:cNvCxnSpPr/>
-            <p:nvPr/>
-          </p:nvCxnSpPr>
-          <p:spPr>
-            <a:xfrm flipH="1">
-              <a:off x="6372200" y="2981627"/>
-              <a:ext cx="907706" cy="0"/>
-            </a:xfrm>
-            <a:prstGeom prst="straightConnector1">
-              <a:avLst/>
-            </a:prstGeom>
-            <a:ln w="12700">
-              <a:solidFill>
-                <a:schemeClr val="accent6">
-                  <a:lumMod val="75000"/>
-                </a:schemeClr>
-              </a:solidFill>
-              <a:tailEnd type="triangle" w="sm" len="sm"/>
-            </a:ln>
-          </p:spPr>
-          <p:style>
-            <a:lnRef idx="1">
-              <a:schemeClr val="accent1"/>
-            </a:lnRef>
-            <a:fillRef idx="0">
-              <a:schemeClr val="accent1"/>
-            </a:fillRef>
-            <a:effectRef idx="0">
-              <a:schemeClr val="accent1"/>
-            </a:effectRef>
-            <a:fontRef idx="minor">
-              <a:schemeClr val="tx1"/>
-            </a:fontRef>
-          </p:style>
-        </p:cxnSp>
-        <p:sp>
-          <p:nvSpPr>
-            <p:cNvPr id="30" name="TextBox 29"/>
-            <p:cNvSpPr txBox="1"/>
-            <p:nvPr/>
-          </p:nvSpPr>
-          <p:spPr>
-            <a:xfrm>
-              <a:off x="7255059" y="2833191"/>
-              <a:ext cx="1624098" cy="307777"/>
-            </a:xfrm>
-            <a:prstGeom prst="rect">
-              <a:avLst/>
-            </a:prstGeom>
-            <a:noFill/>
-          </p:spPr>
-          <p:txBody>
-            <a:bodyPr wrap="none" rtlCol="0">
-              <a:spAutoFit/>
-            </a:bodyPr>
-            <a:lstStyle/>
-            <a:p>
-              <a:pPr algn="ctr"/>
-              <a:r>
-                <a:rPr lang="en-US" sz="1400" dirty="0" smtClean="0">
-                  <a:latin typeface="Arial" panose="020B0604020202020204" pitchFamily="34" charset="0"/>
-                  <a:cs typeface="Arial" panose="020B0604020202020204" pitchFamily="34" charset="0"/>
-                </a:rPr>
-                <a:t>Virtual Card Logo</a:t>
-              </a:r>
-              <a:endParaRPr lang="en-US" sz="1400" dirty="0">
+          <a:prstGeom prst="rect">
+            <a:avLst/>
+          </a:prstGeom>
+          <a:noFill/>
+        </p:spPr>
+        <p:txBody>
+          <a:bodyPr wrap="none" rtlCol="0">
+            <a:spAutoFit/>
+          </a:bodyPr>
+          <a:lstStyle/>
+          <a:p>
+            <a:pPr algn="ctr"/>
+            <a:r>
+              <a:rPr lang="en-US" sz="1400" dirty="0" smtClean="0">
                 <a:latin typeface="Arial" panose="020B0604020202020204" pitchFamily="34" charset="0"/>
                 <a:cs typeface="Arial" panose="020B0604020202020204" pitchFamily="34" charset="0"/>
-              </a:endParaRPr>
-            </a:p>
-          </p:txBody>
-        </p:sp>
-      </p:grpSp>
-      <p:grpSp>
-        <p:nvGrpSpPr>
-          <p:cNvPr id="61" name="Group 60"/>
-          <p:cNvGrpSpPr/>
+              </a:rPr>
+              <a:t>TEE Protected Keys</a:t>
+            </a:r>
+            <a:endParaRPr lang="en-US" sz="1400" dirty="0">
+              <a:latin typeface="Arial" panose="020B0604020202020204" pitchFamily="34" charset="0"/>
+              <a:cs typeface="Arial" panose="020B0604020202020204" pitchFamily="34" charset="0"/>
+            </a:endParaRPr>
+          </a:p>
+        </p:txBody>
+      </p:sp>
+      <p:cxnSp>
+        <p:nvCxnSpPr>
+          <p:cNvPr id="27" name="Straight Arrow Connector 26"/>
+          <p:cNvCxnSpPr/>
           <p:nvPr/>
-        </p:nvGrpSpPr>
-        <p:grpSpPr>
+        </p:nvCxnSpPr>
+        <p:spPr>
+          <a:xfrm flipH="1" flipV="1">
+            <a:off x="6377673" y="3078189"/>
+            <a:ext cx="836551" cy="5453"/>
+          </a:xfrm>
+          <a:prstGeom prst="straightConnector1">
+            <a:avLst/>
+          </a:prstGeom>
+          <a:ln w="12700">
+            <a:solidFill>
+              <a:schemeClr val="accent6">
+                <a:lumMod val="75000"/>
+              </a:schemeClr>
+            </a:solidFill>
+            <a:tailEnd type="triangle" w="sm" len="sm"/>
+          </a:ln>
+        </p:spPr>
+        <p:style>
+          <a:lnRef idx="1">
+            <a:schemeClr val="accent1"/>
+          </a:lnRef>
+          <a:fillRef idx="0">
+            <a:schemeClr val="accent1"/>
+          </a:fillRef>
+          <a:effectRef idx="0">
+            <a:schemeClr val="accent1"/>
+          </a:effectRef>
+          <a:fontRef idx="minor">
+            <a:schemeClr val="tx1"/>
+          </a:fontRef>
+        </p:style>
+      </p:cxnSp>
+      <p:sp>
+        <p:nvSpPr>
+          <p:cNvPr id="30" name="TextBox 29"/>
+          <p:cNvSpPr txBox="1"/>
+          <p:nvPr/>
+        </p:nvSpPr>
+        <p:spPr>
           <a:xfrm>
-            <a:off x="6372200" y="3307748"/>
-            <a:ext cx="2622709" cy="523220"/>
-            <a:chOff x="6372200" y="3245142"/>
-            <a:chExt cx="2622709" cy="523220"/>
+            <a:off x="7208752" y="2929753"/>
+            <a:ext cx="1624098" cy="307777"/>
           </a:xfrm>
-        </p:grpSpPr>
-        <p:cxnSp>
-          <p:nvCxnSpPr>
-            <p:cNvPr id="32" name="Straight Arrow Connector 31"/>
-            <p:cNvCxnSpPr/>
-            <p:nvPr/>
-          </p:nvCxnSpPr>
-          <p:spPr>
-            <a:xfrm flipH="1">
-              <a:off x="6372200" y="3506752"/>
-              <a:ext cx="803181" cy="0"/>
-            </a:xfrm>
-            <a:prstGeom prst="straightConnector1">
-              <a:avLst/>
-            </a:prstGeom>
-            <a:ln w="12700">
-              <a:solidFill>
-                <a:schemeClr val="accent6">
-                  <a:lumMod val="75000"/>
-                </a:schemeClr>
-              </a:solidFill>
-              <a:tailEnd type="triangle" w="sm" len="sm"/>
-            </a:ln>
-          </p:spPr>
-          <p:style>
-            <a:lnRef idx="1">
-              <a:schemeClr val="accent1"/>
-            </a:lnRef>
-            <a:fillRef idx="0">
-              <a:schemeClr val="accent1"/>
-            </a:fillRef>
-            <a:effectRef idx="0">
-              <a:schemeClr val="accent1"/>
-            </a:effectRef>
-            <a:fontRef idx="minor">
-              <a:schemeClr val="tx1"/>
-            </a:fontRef>
-          </p:style>
-        </p:cxnSp>
-        <p:sp>
-          <p:nvSpPr>
-            <p:cNvPr id="33" name="TextBox 32"/>
-            <p:cNvSpPr txBox="1"/>
-            <p:nvPr/>
-          </p:nvSpPr>
-          <p:spPr>
-            <a:xfrm>
-              <a:off x="7167165" y="3245142"/>
-              <a:ext cx="1827744" cy="523220"/>
-            </a:xfrm>
-            <a:prstGeom prst="rect">
-              <a:avLst/>
-            </a:prstGeom>
-            <a:noFill/>
-          </p:spPr>
-          <p:txBody>
-            <a:bodyPr wrap="none" rtlCol="0">
-              <a:spAutoFit/>
-            </a:bodyPr>
-            <a:lstStyle/>
-            <a:p>
-              <a:r>
-                <a:rPr lang="en-US" sz="1400" i="1" dirty="0" smtClean="0">
-                  <a:latin typeface="Arial" panose="020B0604020202020204" pitchFamily="34" charset="0"/>
-                  <a:cs typeface="Arial" panose="020B0604020202020204" pitchFamily="34" charset="0"/>
-                </a:rPr>
-                <a:t>Optional</a:t>
-              </a:r>
-              <a:r>
-                <a:rPr lang="en-US" sz="1400" dirty="0" smtClean="0">
-                  <a:latin typeface="Arial" panose="020B0604020202020204" pitchFamily="34" charset="0"/>
-                  <a:cs typeface="Arial" panose="020B0604020202020204" pitchFamily="34" charset="0"/>
-                </a:rPr>
-                <a:t>: Real-Time</a:t>
-              </a:r>
-              <a:br>
-                <a:rPr lang="en-US" sz="1400" dirty="0" smtClean="0">
-                  <a:latin typeface="Arial" panose="020B0604020202020204" pitchFamily="34" charset="0"/>
-                  <a:cs typeface="Arial" panose="020B0604020202020204" pitchFamily="34" charset="0"/>
-                </a:rPr>
-              </a:br>
-              <a:r>
-                <a:rPr lang="en-US" sz="1400" dirty="0" smtClean="0">
-                  <a:latin typeface="Arial" panose="020B0604020202020204" pitchFamily="34" charset="0"/>
-                  <a:cs typeface="Arial" panose="020B0604020202020204" pitchFamily="34" charset="0"/>
-                </a:rPr>
-                <a:t>Account Balance</a:t>
-              </a:r>
-              <a:endParaRPr lang="en-US" sz="1400" dirty="0">
+          <a:prstGeom prst="rect">
+            <a:avLst/>
+          </a:prstGeom>
+          <a:noFill/>
+        </p:spPr>
+        <p:txBody>
+          <a:bodyPr wrap="none" rtlCol="0">
+            <a:spAutoFit/>
+          </a:bodyPr>
+          <a:lstStyle/>
+          <a:p>
+            <a:pPr algn="ctr"/>
+            <a:r>
+              <a:rPr lang="en-US" sz="1400" dirty="0" smtClean="0">
                 <a:latin typeface="Arial" panose="020B0604020202020204" pitchFamily="34" charset="0"/>
                 <a:cs typeface="Arial" panose="020B0604020202020204" pitchFamily="34" charset="0"/>
-              </a:endParaRPr>
-            </a:p>
-          </p:txBody>
-        </p:sp>
-      </p:grpSp>
-      <p:grpSp>
-        <p:nvGrpSpPr>
-          <p:cNvPr id="59" name="Group 58"/>
-          <p:cNvGrpSpPr/>
+              </a:rPr>
+              <a:t>Virtual Card Logo</a:t>
+            </a:r>
+            <a:endParaRPr lang="en-US" sz="1400" dirty="0">
+              <a:latin typeface="Arial" panose="020B0604020202020204" pitchFamily="34" charset="0"/>
+              <a:cs typeface="Arial" panose="020B0604020202020204" pitchFamily="34" charset="0"/>
+            </a:endParaRPr>
+          </a:p>
+        </p:txBody>
+      </p:sp>
+      <p:cxnSp>
+        <p:nvCxnSpPr>
+          <p:cNvPr id="32" name="Straight Arrow Connector 31"/>
+          <p:cNvCxnSpPr/>
           <p:nvPr/>
-        </p:nvGrpSpPr>
-        <p:grpSpPr>
+        </p:nvCxnSpPr>
+        <p:spPr>
+          <a:xfrm flipH="1" flipV="1">
+            <a:off x="6377673" y="3574167"/>
+            <a:ext cx="836551" cy="2040"/>
+          </a:xfrm>
+          <a:prstGeom prst="straightConnector1">
+            <a:avLst/>
+          </a:prstGeom>
+          <a:ln w="12700">
+            <a:solidFill>
+              <a:schemeClr val="accent6">
+                <a:lumMod val="75000"/>
+              </a:schemeClr>
+            </a:solidFill>
+            <a:tailEnd type="triangle" w="sm" len="sm"/>
+          </a:ln>
+        </p:spPr>
+        <p:style>
+          <a:lnRef idx="1">
+            <a:schemeClr val="accent1"/>
+          </a:lnRef>
+          <a:fillRef idx="0">
+            <a:schemeClr val="accent1"/>
+          </a:fillRef>
+          <a:effectRef idx="0">
+            <a:schemeClr val="accent1"/>
+          </a:effectRef>
+          <a:fontRef idx="minor">
+            <a:schemeClr val="tx1"/>
+          </a:fontRef>
+        </p:style>
+      </p:cxnSp>
+      <p:sp>
+        <p:nvSpPr>
+          <p:cNvPr id="33" name="TextBox 32"/>
+          <p:cNvSpPr txBox="1"/>
+          <p:nvPr/>
+        </p:nvSpPr>
+        <p:spPr>
           <a:xfrm>
-            <a:off x="6660232" y="1988840"/>
-            <a:ext cx="2109637" cy="738664"/>
-            <a:chOff x="6777729" y="2060848"/>
-            <a:chExt cx="2109637" cy="738664"/>
+            <a:off x="7208752" y="3314597"/>
+            <a:ext cx="1827744" cy="523220"/>
           </a:xfrm>
-        </p:grpSpPr>
-        <p:cxnSp>
-          <p:nvCxnSpPr>
-            <p:cNvPr id="43" name="Straight Arrow Connector 42"/>
-            <p:cNvCxnSpPr/>
-            <p:nvPr/>
-          </p:nvCxnSpPr>
-          <p:spPr>
-            <a:xfrm flipH="1" flipV="1">
-              <a:off x="6777729" y="2417461"/>
-              <a:ext cx="553992" cy="4229"/>
-            </a:xfrm>
-            <a:prstGeom prst="straightConnector1">
-              <a:avLst/>
-            </a:prstGeom>
-            <a:ln w="12700">
-              <a:solidFill>
-                <a:schemeClr val="accent6">
-                  <a:lumMod val="75000"/>
-                </a:schemeClr>
-              </a:solidFill>
-              <a:tailEnd type="triangle" w="sm" len="sm"/>
-            </a:ln>
-          </p:spPr>
-          <p:style>
-            <a:lnRef idx="1">
-              <a:schemeClr val="accent1"/>
-            </a:lnRef>
-            <a:fillRef idx="0">
-              <a:schemeClr val="accent1"/>
-            </a:fillRef>
-            <a:effectRef idx="0">
-              <a:schemeClr val="accent1"/>
-            </a:effectRef>
-            <a:fontRef idx="minor">
-              <a:schemeClr val="tx1"/>
-            </a:fontRef>
-          </p:style>
-        </p:cxnSp>
-        <p:sp>
-          <p:nvSpPr>
-            <p:cNvPr id="44" name="TextBox 43"/>
-            <p:cNvSpPr txBox="1"/>
-            <p:nvPr/>
-          </p:nvSpPr>
-          <p:spPr>
-            <a:xfrm>
-              <a:off x="7319565" y="2060848"/>
-              <a:ext cx="1567801" cy="738664"/>
-            </a:xfrm>
-            <a:prstGeom prst="rect">
-              <a:avLst/>
-            </a:prstGeom>
-            <a:noFill/>
-          </p:spPr>
-          <p:txBody>
-            <a:bodyPr wrap="none" rtlCol="0">
-              <a:spAutoFit/>
-            </a:bodyPr>
-            <a:lstStyle/>
-            <a:p>
-              <a:r>
-                <a:rPr lang="en-US" sz="1400" dirty="0" smtClean="0">
-                  <a:latin typeface="Arial" panose="020B0604020202020204" pitchFamily="34" charset="0"/>
-                  <a:cs typeface="Arial" panose="020B0604020202020204" pitchFamily="34" charset="0"/>
-                </a:rPr>
-                <a:t>Adapted to:</a:t>
-              </a:r>
-              <a:br>
-                <a:rPr lang="en-US" sz="1400" dirty="0" smtClean="0">
-                  <a:latin typeface="Arial" panose="020B0604020202020204" pitchFamily="34" charset="0"/>
-                  <a:cs typeface="Arial" panose="020B0604020202020204" pitchFamily="34" charset="0"/>
-                </a:rPr>
-              </a:br>
-              <a:r>
-                <a:rPr lang="en-US" sz="1400" i="1" dirty="0" smtClean="0">
-                  <a:latin typeface="Arial" panose="020B0604020202020204" pitchFamily="34" charset="0"/>
-                  <a:cs typeface="Arial" panose="020B0604020202020204" pitchFamily="34" charset="0"/>
-                </a:rPr>
-                <a:t>Your </a:t>
-              </a:r>
-              <a:r>
-                <a:rPr lang="en-US" sz="1400" dirty="0" smtClean="0">
-                  <a:latin typeface="Arial" panose="020B0604020202020204" pitchFamily="34" charset="0"/>
-                  <a:cs typeface="Arial" panose="020B0604020202020204" pitchFamily="34" charset="0"/>
-                </a:rPr>
-                <a:t>Language &amp;</a:t>
-              </a:r>
-              <a:br>
-                <a:rPr lang="en-US" sz="1400" dirty="0" smtClean="0">
-                  <a:latin typeface="Arial" panose="020B0604020202020204" pitchFamily="34" charset="0"/>
-                  <a:cs typeface="Arial" panose="020B0604020202020204" pitchFamily="34" charset="0"/>
-                </a:rPr>
-              </a:br>
-              <a:r>
-                <a:rPr lang="en-US" sz="1400" i="1" dirty="0" smtClean="0">
-                  <a:latin typeface="Arial" panose="020B0604020202020204" pitchFamily="34" charset="0"/>
-                  <a:cs typeface="Arial" panose="020B0604020202020204" pitchFamily="34" charset="0"/>
-                </a:rPr>
-                <a:t>Your</a:t>
-              </a:r>
-              <a:r>
-                <a:rPr lang="en-US" sz="1400" dirty="0" smtClean="0">
-                  <a:latin typeface="Arial" panose="020B0604020202020204" pitchFamily="34" charset="0"/>
-                  <a:cs typeface="Arial" panose="020B0604020202020204" pitchFamily="34" charset="0"/>
-                </a:rPr>
-                <a:t> Disability</a:t>
-              </a:r>
-              <a:endParaRPr lang="en-US" sz="1400" dirty="0">
+          <a:prstGeom prst="rect">
+            <a:avLst/>
+          </a:prstGeom>
+          <a:noFill/>
+        </p:spPr>
+        <p:txBody>
+          <a:bodyPr wrap="none" rtlCol="0">
+            <a:spAutoFit/>
+          </a:bodyPr>
+          <a:lstStyle/>
+          <a:p>
+            <a:r>
+              <a:rPr lang="en-US" sz="1400" i="1" dirty="0" smtClean="0">
                 <a:latin typeface="Arial" panose="020B0604020202020204" pitchFamily="34" charset="0"/>
                 <a:cs typeface="Arial" panose="020B0604020202020204" pitchFamily="34" charset="0"/>
-              </a:endParaRPr>
-            </a:p>
-          </p:txBody>
-        </p:sp>
-      </p:grpSp>
-      <p:grpSp>
-        <p:nvGrpSpPr>
-          <p:cNvPr id="62" name="Group 61"/>
-          <p:cNvGrpSpPr/>
-          <p:nvPr/>
-        </p:nvGrpSpPr>
-        <p:grpSpPr>
-          <a:xfrm>
-            <a:off x="6489162" y="3853522"/>
-            <a:ext cx="2300591" cy="1169551"/>
-            <a:chOff x="6489162" y="3841882"/>
-            <a:chExt cx="2300591" cy="1148021"/>
-          </a:xfrm>
-        </p:grpSpPr>
-        <p:cxnSp>
-          <p:nvCxnSpPr>
-            <p:cNvPr id="46" name="Straight Arrow Connector 45"/>
-            <p:cNvCxnSpPr/>
-            <p:nvPr/>
-          </p:nvCxnSpPr>
-          <p:spPr>
-            <a:xfrm flipH="1">
-              <a:off x="6489162" y="4205144"/>
-              <a:ext cx="720000" cy="0"/>
-            </a:xfrm>
-            <a:prstGeom prst="straightConnector1">
-              <a:avLst/>
-            </a:prstGeom>
-            <a:ln w="12700">
-              <a:solidFill>
-                <a:schemeClr val="accent6">
-                  <a:lumMod val="75000"/>
-                </a:schemeClr>
-              </a:solidFill>
-              <a:tailEnd type="triangle" w="sm" len="sm"/>
-            </a:ln>
-          </p:spPr>
-          <p:style>
-            <a:lnRef idx="1">
-              <a:schemeClr val="accent1"/>
-            </a:lnRef>
-            <a:fillRef idx="0">
-              <a:schemeClr val="accent1"/>
-            </a:fillRef>
-            <a:effectRef idx="0">
-              <a:schemeClr val="accent1"/>
-            </a:effectRef>
-            <a:fontRef idx="minor">
-              <a:schemeClr val="tx1"/>
-            </a:fontRef>
-          </p:style>
-        </p:cxnSp>
-        <p:sp>
-          <p:nvSpPr>
-            <p:cNvPr id="47" name="TextBox 46"/>
-            <p:cNvSpPr txBox="1"/>
-            <p:nvPr/>
-          </p:nvSpPr>
-          <p:spPr>
-            <a:xfrm>
-              <a:off x="7200856" y="3841882"/>
-              <a:ext cx="1588897" cy="1148021"/>
-            </a:xfrm>
-            <a:prstGeom prst="rect">
-              <a:avLst/>
-            </a:prstGeom>
-            <a:noFill/>
-          </p:spPr>
-          <p:txBody>
-            <a:bodyPr wrap="none" rtlCol="0">
-              <a:spAutoFit/>
-            </a:bodyPr>
-            <a:lstStyle/>
-            <a:p>
-              <a:r>
-                <a:rPr lang="en-US" sz="1400" dirty="0" smtClean="0">
-                  <a:latin typeface="Arial" panose="020B0604020202020204" pitchFamily="34" charset="0"/>
-                  <a:cs typeface="Arial" panose="020B0604020202020204" pitchFamily="34" charset="0"/>
-                </a:rPr>
-                <a:t>UI Showing:</a:t>
-              </a:r>
-            </a:p>
-            <a:p>
-              <a:pPr marL="177800" indent="-177800">
-                <a:buFont typeface="Arial" panose="020B0604020202020204" pitchFamily="34" charset="0"/>
-                <a:buChar char="•"/>
-              </a:pPr>
-              <a:r>
-                <a:rPr lang="en-US" sz="1400" dirty="0" smtClean="0">
-                  <a:latin typeface="Arial" panose="020B0604020202020204" pitchFamily="34" charset="0"/>
-                  <a:cs typeface="Arial" panose="020B0604020202020204" pitchFamily="34" charset="0"/>
-                </a:rPr>
-                <a:t>Direct Payment</a:t>
-              </a:r>
-            </a:p>
-            <a:p>
-              <a:pPr marL="177800" indent="-177800">
-                <a:buFont typeface="Arial" panose="020B0604020202020204" pitchFamily="34" charset="0"/>
-                <a:buChar char="•"/>
-              </a:pPr>
-              <a:r>
-                <a:rPr lang="en-US" sz="1400" dirty="0" smtClean="0">
-                  <a:latin typeface="Arial" panose="020B0604020202020204" pitchFamily="34" charset="0"/>
-                  <a:cs typeface="Arial" panose="020B0604020202020204" pitchFamily="34" charset="0"/>
-                </a:rPr>
-                <a:t>Booking</a:t>
-              </a:r>
-              <a:endParaRPr lang="en-US" sz="1400" dirty="0">
+              </a:rPr>
+              <a:t>Optional</a:t>
+            </a:r>
+            <a:r>
+              <a:rPr lang="en-US" sz="1400" dirty="0" smtClean="0">
                 <a:latin typeface="Arial" panose="020B0604020202020204" pitchFamily="34" charset="0"/>
                 <a:cs typeface="Arial" panose="020B0604020202020204" pitchFamily="34" charset="0"/>
-              </a:endParaRPr>
-            </a:p>
-            <a:p>
-              <a:pPr marL="177800" indent="-177800">
-                <a:buFont typeface="Arial" panose="020B0604020202020204" pitchFamily="34" charset="0"/>
-                <a:buChar char="•"/>
-              </a:pPr>
-              <a:r>
-                <a:rPr lang="en-US" sz="1400" dirty="0" smtClean="0">
-                  <a:latin typeface="Arial" panose="020B0604020202020204" pitchFamily="34" charset="0"/>
-                  <a:cs typeface="Arial" panose="020B0604020202020204" pitchFamily="34" charset="0"/>
-                </a:rPr>
-                <a:t>Gas Station</a:t>
-              </a:r>
-            </a:p>
-            <a:p>
-              <a:pPr marL="177800" indent="-177800">
-                <a:buFont typeface="Arial" panose="020B0604020202020204" pitchFamily="34" charset="0"/>
-                <a:buChar char="•"/>
-              </a:pPr>
-              <a:r>
-                <a:rPr lang="en-US" sz="1400" dirty="0" smtClean="0">
-                  <a:latin typeface="Arial" panose="020B0604020202020204" pitchFamily="34" charset="0"/>
-                  <a:cs typeface="Arial" panose="020B0604020202020204" pitchFamily="34" charset="0"/>
-                </a:rPr>
-                <a:t>Etc.</a:t>
-              </a:r>
-              <a:endParaRPr lang="en-US" sz="1400" dirty="0">
+              </a:rPr>
+              <a:t>: Real-Time</a:t>
+            </a:r>
+            <a:br>
+              <a:rPr lang="en-US" sz="1400" dirty="0" smtClean="0">
                 <a:latin typeface="Arial" panose="020B0604020202020204" pitchFamily="34" charset="0"/>
                 <a:cs typeface="Arial" panose="020B0604020202020204" pitchFamily="34" charset="0"/>
-              </a:endParaRPr>
-            </a:p>
-          </p:txBody>
-        </p:sp>
-      </p:grpSp>
-      <p:grpSp>
-        <p:nvGrpSpPr>
-          <p:cNvPr id="10" name="Group 9"/>
-          <p:cNvGrpSpPr/>
-          <p:nvPr/>
-        </p:nvGrpSpPr>
-        <p:grpSpPr>
-          <a:xfrm>
-            <a:off x="4257746" y="5301208"/>
-            <a:ext cx="4130678" cy="1231516"/>
-            <a:chOff x="4257746" y="5387398"/>
-            <a:chExt cx="4130678" cy="1231516"/>
-          </a:xfrm>
-        </p:grpSpPr>
-        <p:sp>
-          <p:nvSpPr>
-            <p:cNvPr id="57" name="TextBox 56"/>
-            <p:cNvSpPr txBox="1"/>
-            <p:nvPr/>
-          </p:nvSpPr>
-          <p:spPr>
-            <a:xfrm>
-              <a:off x="4819319" y="6311137"/>
-              <a:ext cx="3569105" cy="307777"/>
-            </a:xfrm>
-            <a:prstGeom prst="rect">
-              <a:avLst/>
-            </a:prstGeom>
-            <a:noFill/>
-          </p:spPr>
-          <p:txBody>
-            <a:bodyPr wrap="square" rtlCol="0">
-              <a:spAutoFit/>
-            </a:bodyPr>
-            <a:lstStyle/>
-            <a:p>
-              <a:r>
-                <a:rPr lang="en-US" sz="1400" dirty="0" smtClean="0">
-                  <a:latin typeface="Arial" panose="020B0604020202020204" pitchFamily="34" charset="0"/>
-                  <a:cs typeface="Arial" panose="020B0604020202020204" pitchFamily="34" charset="0"/>
-                </a:rPr>
-                <a:t>PIN or Biometric</a:t>
-              </a:r>
-              <a:r>
-                <a:rPr lang="en-US" sz="1400" dirty="0">
-                  <a:latin typeface="Arial" panose="020B0604020202020204" pitchFamily="34" charset="0"/>
-                  <a:cs typeface="Arial" panose="020B0604020202020204" pitchFamily="34" charset="0"/>
-                </a:rPr>
-                <a:t> </a:t>
-              </a:r>
-              <a:r>
-                <a:rPr lang="en-US" sz="1400" dirty="0" smtClean="0">
-                  <a:latin typeface="Arial" panose="020B0604020202020204" pitchFamily="34" charset="0"/>
-                  <a:cs typeface="Arial" panose="020B0604020202020204" pitchFamily="34" charset="0"/>
-                </a:rPr>
-                <a:t>for User Authorization</a:t>
-              </a:r>
-              <a:endParaRPr lang="en-US" sz="1400" dirty="0">
+              </a:rPr>
+            </a:br>
+            <a:r>
+              <a:rPr lang="en-US" sz="1400" dirty="0" smtClean="0">
                 <a:latin typeface="Arial" panose="020B0604020202020204" pitchFamily="34" charset="0"/>
                 <a:cs typeface="Arial" panose="020B0604020202020204" pitchFamily="34" charset="0"/>
-              </a:endParaRPr>
-            </a:p>
-          </p:txBody>
-        </p:sp>
-        <p:sp>
-          <p:nvSpPr>
-            <p:cNvPr id="3" name="Freeform 2"/>
-            <p:cNvSpPr/>
-            <p:nvPr/>
-          </p:nvSpPr>
-          <p:spPr>
-            <a:xfrm>
-              <a:off x="4257746" y="5387398"/>
-              <a:ext cx="588099" cy="1081570"/>
-            </a:xfrm>
-            <a:custGeom>
-              <a:avLst/>
-              <a:gdLst>
-                <a:gd name="connsiteX0" fmla="*/ 0 w 377851"/>
-                <a:gd name="connsiteY0" fmla="*/ 128473 h 128473"/>
-                <a:gd name="connsiteX1" fmla="*/ 83127 w 377851"/>
-                <a:gd name="connsiteY1" fmla="*/ 83131 h 128473"/>
-                <a:gd name="connsiteX2" fmla="*/ 173811 w 377851"/>
-                <a:gd name="connsiteY2" fmla="*/ 60460 h 128473"/>
-                <a:gd name="connsiteX3" fmla="*/ 309838 w 377851"/>
-                <a:gd name="connsiteY3" fmla="*/ 15118 h 128473"/>
-                <a:gd name="connsiteX4" fmla="*/ 377851 w 377851"/>
-                <a:gd name="connsiteY4" fmla="*/ 3 h 128473"/>
-                <a:gd name="connsiteX0" fmla="*/ 0 w 778373"/>
-                <a:gd name="connsiteY0" fmla="*/ 816159 h 816159"/>
-                <a:gd name="connsiteX1" fmla="*/ 83127 w 778373"/>
-                <a:gd name="connsiteY1" fmla="*/ 770817 h 816159"/>
-                <a:gd name="connsiteX2" fmla="*/ 173811 w 778373"/>
-                <a:gd name="connsiteY2" fmla="*/ 748146 h 816159"/>
-                <a:gd name="connsiteX3" fmla="*/ 309838 w 778373"/>
-                <a:gd name="connsiteY3" fmla="*/ 702804 h 816159"/>
-                <a:gd name="connsiteX4" fmla="*/ 778373 w 778373"/>
-                <a:gd name="connsiteY4" fmla="*/ 0 h 816159"/>
-                <a:gd name="connsiteX0" fmla="*/ 0 w 778373"/>
-                <a:gd name="connsiteY0" fmla="*/ 820394 h 820394"/>
-                <a:gd name="connsiteX1" fmla="*/ 83127 w 778373"/>
-                <a:gd name="connsiteY1" fmla="*/ 775052 h 820394"/>
-                <a:gd name="connsiteX2" fmla="*/ 173811 w 778373"/>
-                <a:gd name="connsiteY2" fmla="*/ 752381 h 820394"/>
-                <a:gd name="connsiteX3" fmla="*/ 302281 w 778373"/>
-                <a:gd name="connsiteY3" fmla="*/ 94920 h 820394"/>
-                <a:gd name="connsiteX4" fmla="*/ 778373 w 778373"/>
-                <a:gd name="connsiteY4" fmla="*/ 4235 h 820394"/>
-                <a:gd name="connsiteX0" fmla="*/ 656097 w 724109"/>
-                <a:gd name="connsiteY0" fmla="*/ 752380 h 809393"/>
-                <a:gd name="connsiteX1" fmla="*/ 28863 w 724109"/>
-                <a:gd name="connsiteY1" fmla="*/ 775052 h 809393"/>
-                <a:gd name="connsiteX2" fmla="*/ 119547 w 724109"/>
-                <a:gd name="connsiteY2" fmla="*/ 752381 h 809393"/>
-                <a:gd name="connsiteX3" fmla="*/ 248017 w 724109"/>
-                <a:gd name="connsiteY3" fmla="*/ 94920 h 809393"/>
-                <a:gd name="connsiteX4" fmla="*/ 724109 w 724109"/>
-                <a:gd name="connsiteY4" fmla="*/ 4235 h 809393"/>
-                <a:gd name="connsiteX0" fmla="*/ 642713 w 710725"/>
-                <a:gd name="connsiteY0" fmla="*/ 753327 h 815624"/>
-                <a:gd name="connsiteX1" fmla="*/ 15479 w 710725"/>
-                <a:gd name="connsiteY1" fmla="*/ 775999 h 815624"/>
-                <a:gd name="connsiteX2" fmla="*/ 234633 w 710725"/>
-                <a:gd name="connsiteY2" fmla="*/ 95867 h 815624"/>
-                <a:gd name="connsiteX3" fmla="*/ 710725 w 710725"/>
-                <a:gd name="connsiteY3" fmla="*/ 5182 h 815624"/>
-                <a:gd name="connsiteX0" fmla="*/ 650546 w 718558"/>
-                <a:gd name="connsiteY0" fmla="*/ 764075 h 828252"/>
-                <a:gd name="connsiteX1" fmla="*/ 23312 w 718558"/>
-                <a:gd name="connsiteY1" fmla="*/ 786747 h 828252"/>
-                <a:gd name="connsiteX2" fmla="*/ 190078 w 718558"/>
-                <a:gd name="connsiteY2" fmla="*/ 80421 h 828252"/>
-                <a:gd name="connsiteX3" fmla="*/ 718558 w 718558"/>
-                <a:gd name="connsiteY3" fmla="*/ 15930 h 828252"/>
-                <a:gd name="connsiteX0" fmla="*/ 650546 w 718558"/>
-                <a:gd name="connsiteY0" fmla="*/ 764075 h 828252"/>
-                <a:gd name="connsiteX1" fmla="*/ 23312 w 718558"/>
-                <a:gd name="connsiteY1" fmla="*/ 786747 h 828252"/>
-                <a:gd name="connsiteX2" fmla="*/ 190078 w 718558"/>
-                <a:gd name="connsiteY2" fmla="*/ 80421 h 828252"/>
-                <a:gd name="connsiteX3" fmla="*/ 718558 w 718558"/>
-                <a:gd name="connsiteY3" fmla="*/ 15930 h 828252"/>
-                <a:gd name="connsiteX0" fmla="*/ 650546 w 718558"/>
-                <a:gd name="connsiteY0" fmla="*/ 748145 h 812322"/>
-                <a:gd name="connsiteX1" fmla="*/ 23312 w 718558"/>
-                <a:gd name="connsiteY1" fmla="*/ 770817 h 812322"/>
-                <a:gd name="connsiteX2" fmla="*/ 190078 w 718558"/>
-                <a:gd name="connsiteY2" fmla="*/ 64491 h 812322"/>
-                <a:gd name="connsiteX3" fmla="*/ 718558 w 718558"/>
-                <a:gd name="connsiteY3" fmla="*/ 0 h 812322"/>
-                <a:gd name="connsiteX0" fmla="*/ 650546 w 718558"/>
-                <a:gd name="connsiteY0" fmla="*/ 748145 h 812322"/>
-                <a:gd name="connsiteX1" fmla="*/ 23312 w 718558"/>
-                <a:gd name="connsiteY1" fmla="*/ 770817 h 812322"/>
-                <a:gd name="connsiteX2" fmla="*/ 190078 w 718558"/>
-                <a:gd name="connsiteY2" fmla="*/ 64491 h 812322"/>
-                <a:gd name="connsiteX3" fmla="*/ 718558 w 718558"/>
-                <a:gd name="connsiteY3" fmla="*/ 0 h 812322"/>
-                <a:gd name="connsiteX0" fmla="*/ 641397 w 709409"/>
-                <a:gd name="connsiteY0" fmla="*/ 748145 h 812322"/>
-                <a:gd name="connsiteX1" fmla="*/ 14163 w 709409"/>
-                <a:gd name="connsiteY1" fmla="*/ 770817 h 812322"/>
-                <a:gd name="connsiteX2" fmla="*/ 180929 w 709409"/>
-                <a:gd name="connsiteY2" fmla="*/ 64491 h 812322"/>
-                <a:gd name="connsiteX3" fmla="*/ 709409 w 709409"/>
-                <a:gd name="connsiteY3" fmla="*/ 0 h 812322"/>
-                <a:gd name="connsiteX0" fmla="*/ 657796 w 725808"/>
-                <a:gd name="connsiteY0" fmla="*/ 748145 h 773366"/>
-                <a:gd name="connsiteX1" fmla="*/ 30562 w 725808"/>
-                <a:gd name="connsiteY1" fmla="*/ 770817 h 773366"/>
-                <a:gd name="connsiteX2" fmla="*/ 197328 w 725808"/>
-                <a:gd name="connsiteY2" fmla="*/ 64491 h 773366"/>
-                <a:gd name="connsiteX3" fmla="*/ 725808 w 725808"/>
-                <a:gd name="connsiteY3" fmla="*/ 0 h 773366"/>
-                <a:gd name="connsiteX0" fmla="*/ 627313 w 695325"/>
-                <a:gd name="connsiteY0" fmla="*/ 748145 h 770867"/>
-                <a:gd name="connsiteX1" fmla="*/ 79 w 695325"/>
-                <a:gd name="connsiteY1" fmla="*/ 770817 h 770867"/>
-                <a:gd name="connsiteX2" fmla="*/ 166845 w 695325"/>
-                <a:gd name="connsiteY2" fmla="*/ 64491 h 770867"/>
-                <a:gd name="connsiteX3" fmla="*/ 695325 w 695325"/>
-                <a:gd name="connsiteY3" fmla="*/ 0 h 770867"/>
-                <a:gd name="connsiteX0" fmla="*/ 647487 w 715499"/>
-                <a:gd name="connsiteY0" fmla="*/ 748145 h 770817"/>
-                <a:gd name="connsiteX1" fmla="*/ 20253 w 715499"/>
-                <a:gd name="connsiteY1" fmla="*/ 770817 h 770817"/>
-                <a:gd name="connsiteX2" fmla="*/ 156757 w 715499"/>
-                <a:gd name="connsiteY2" fmla="*/ 218064 h 770817"/>
-                <a:gd name="connsiteX3" fmla="*/ 187019 w 715499"/>
-                <a:gd name="connsiteY3" fmla="*/ 64491 h 770817"/>
-                <a:gd name="connsiteX4" fmla="*/ 715499 w 715499"/>
-                <a:gd name="connsiteY4" fmla="*/ 0 h 770817"/>
-                <a:gd name="connsiteX0" fmla="*/ 647487 w 715499"/>
-                <a:gd name="connsiteY0" fmla="*/ 748145 h 770817"/>
-                <a:gd name="connsiteX1" fmla="*/ 20253 w 715499"/>
-                <a:gd name="connsiteY1" fmla="*/ 770817 h 770817"/>
-                <a:gd name="connsiteX2" fmla="*/ 156757 w 715499"/>
-                <a:gd name="connsiteY2" fmla="*/ 218064 h 770817"/>
-                <a:gd name="connsiteX3" fmla="*/ 187019 w 715499"/>
-                <a:gd name="connsiteY3" fmla="*/ 64491 h 770817"/>
-                <a:gd name="connsiteX4" fmla="*/ 715499 w 715499"/>
-                <a:gd name="connsiteY4" fmla="*/ 0 h 770817"/>
-                <a:gd name="connsiteX0" fmla="*/ 650546 w 718558"/>
-                <a:gd name="connsiteY0" fmla="*/ 748145 h 812322"/>
-                <a:gd name="connsiteX1" fmla="*/ 23312 w 718558"/>
-                <a:gd name="connsiteY1" fmla="*/ 770817 h 812322"/>
-                <a:gd name="connsiteX2" fmla="*/ 190078 w 718558"/>
-                <a:gd name="connsiteY2" fmla="*/ 64491 h 812322"/>
-                <a:gd name="connsiteX3" fmla="*/ 718558 w 718558"/>
-                <a:gd name="connsiteY3" fmla="*/ 0 h 812322"/>
-                <a:gd name="connsiteX0" fmla="*/ 641987 w 709999"/>
-                <a:gd name="connsiteY0" fmla="*/ 748145 h 812322"/>
-                <a:gd name="connsiteX1" fmla="*/ 14753 w 709999"/>
-                <a:gd name="connsiteY1" fmla="*/ 770817 h 812322"/>
-                <a:gd name="connsiteX2" fmla="*/ 181519 w 709999"/>
-                <a:gd name="connsiteY2" fmla="*/ 64491 h 812322"/>
-                <a:gd name="connsiteX3" fmla="*/ 709999 w 709999"/>
-                <a:gd name="connsiteY3" fmla="*/ 0 h 812322"/>
-                <a:gd name="connsiteX0" fmla="*/ 641801 w 709813"/>
-                <a:gd name="connsiteY0" fmla="*/ 748145 h 772383"/>
-                <a:gd name="connsiteX1" fmla="*/ 14567 w 709813"/>
-                <a:gd name="connsiteY1" fmla="*/ 770817 h 772383"/>
-                <a:gd name="connsiteX2" fmla="*/ 181333 w 709813"/>
-                <a:gd name="connsiteY2" fmla="*/ 64491 h 772383"/>
-                <a:gd name="connsiteX3" fmla="*/ 709813 w 709813"/>
-                <a:gd name="connsiteY3" fmla="*/ 0 h 772383"/>
-                <a:gd name="connsiteX0" fmla="*/ 627328 w 695340"/>
-                <a:gd name="connsiteY0" fmla="*/ 748145 h 771993"/>
-                <a:gd name="connsiteX1" fmla="*/ 94 w 695340"/>
-                <a:gd name="connsiteY1" fmla="*/ 770817 h 771993"/>
-                <a:gd name="connsiteX2" fmla="*/ 166860 w 695340"/>
-                <a:gd name="connsiteY2" fmla="*/ 64491 h 771993"/>
-                <a:gd name="connsiteX3" fmla="*/ 695340 w 695340"/>
-                <a:gd name="connsiteY3" fmla="*/ 0 h 771993"/>
-                <a:gd name="connsiteX0" fmla="*/ 627277 w 695289"/>
-                <a:gd name="connsiteY0" fmla="*/ 748145 h 770819"/>
-                <a:gd name="connsiteX1" fmla="*/ 43 w 695289"/>
-                <a:gd name="connsiteY1" fmla="*/ 770817 h 770819"/>
-                <a:gd name="connsiteX2" fmla="*/ 166809 w 695289"/>
-                <a:gd name="connsiteY2" fmla="*/ 64491 h 770819"/>
-                <a:gd name="connsiteX3" fmla="*/ 695289 w 695289"/>
-                <a:gd name="connsiteY3" fmla="*/ 0 h 770819"/>
-                <a:gd name="connsiteX0" fmla="*/ 644267 w 712279"/>
-                <a:gd name="connsiteY0" fmla="*/ 748145 h 816007"/>
-                <a:gd name="connsiteX1" fmla="*/ 17033 w 712279"/>
-                <a:gd name="connsiteY1" fmla="*/ 770817 h 816007"/>
-                <a:gd name="connsiteX2" fmla="*/ 162367 w 712279"/>
-                <a:gd name="connsiteY2" fmla="*/ 13294 h 816007"/>
-                <a:gd name="connsiteX3" fmla="*/ 712279 w 712279"/>
-                <a:gd name="connsiteY3" fmla="*/ 0 h 816007"/>
-                <a:gd name="connsiteX0" fmla="*/ 630695 w 698707"/>
-                <a:gd name="connsiteY0" fmla="*/ 748145 h 771675"/>
-                <a:gd name="connsiteX1" fmla="*/ 3461 w 698707"/>
-                <a:gd name="connsiteY1" fmla="*/ 770817 h 771675"/>
-                <a:gd name="connsiteX2" fmla="*/ 148795 w 698707"/>
-                <a:gd name="connsiteY2" fmla="*/ 13294 h 771675"/>
-                <a:gd name="connsiteX3" fmla="*/ 698707 w 698707"/>
-                <a:gd name="connsiteY3" fmla="*/ 0 h 771675"/>
-                <a:gd name="connsiteX0" fmla="*/ 627301 w 695313"/>
-                <a:gd name="connsiteY0" fmla="*/ 748145 h 770838"/>
-                <a:gd name="connsiteX1" fmla="*/ 67 w 695313"/>
-                <a:gd name="connsiteY1" fmla="*/ 770817 h 770838"/>
-                <a:gd name="connsiteX2" fmla="*/ 145401 w 695313"/>
-                <a:gd name="connsiteY2" fmla="*/ 13294 h 770838"/>
-                <a:gd name="connsiteX3" fmla="*/ 695313 w 695313"/>
-                <a:gd name="connsiteY3" fmla="*/ 0 h 770838"/>
-                <a:gd name="connsiteX0" fmla="*/ 627301 w 695313"/>
-                <a:gd name="connsiteY0" fmla="*/ 748145 h 770838"/>
-                <a:gd name="connsiteX1" fmla="*/ 67 w 695313"/>
-                <a:gd name="connsiteY1" fmla="*/ 770817 h 770838"/>
-                <a:gd name="connsiteX2" fmla="*/ 145401 w 695313"/>
-                <a:gd name="connsiteY2" fmla="*/ 13294 h 770838"/>
-                <a:gd name="connsiteX3" fmla="*/ 695313 w 695313"/>
-                <a:gd name="connsiteY3" fmla="*/ 0 h 770838"/>
-                <a:gd name="connsiteX0" fmla="*/ 627301 w 695313"/>
-                <a:gd name="connsiteY0" fmla="*/ 748145 h 770838"/>
-                <a:gd name="connsiteX1" fmla="*/ 67 w 695313"/>
-                <a:gd name="connsiteY1" fmla="*/ 770817 h 770838"/>
-                <a:gd name="connsiteX2" fmla="*/ 145401 w 695313"/>
-                <a:gd name="connsiteY2" fmla="*/ 13294 h 770838"/>
-                <a:gd name="connsiteX3" fmla="*/ 695313 w 695313"/>
-                <a:gd name="connsiteY3" fmla="*/ 0 h 770838"/>
-                <a:gd name="connsiteX0" fmla="*/ 627301 w 695313"/>
-                <a:gd name="connsiteY0" fmla="*/ 748145 h 770838"/>
-                <a:gd name="connsiteX1" fmla="*/ 67 w 695313"/>
-                <a:gd name="connsiteY1" fmla="*/ 770817 h 770838"/>
-                <a:gd name="connsiteX2" fmla="*/ 145401 w 695313"/>
-                <a:gd name="connsiteY2" fmla="*/ 13294 h 770838"/>
-                <a:gd name="connsiteX3" fmla="*/ 695313 w 695313"/>
-                <a:gd name="connsiteY3" fmla="*/ 0 h 770838"/>
-                <a:gd name="connsiteX0" fmla="*/ 627301 w 695313"/>
-                <a:gd name="connsiteY0" fmla="*/ 748145 h 770838"/>
-                <a:gd name="connsiteX1" fmla="*/ 67 w 695313"/>
-                <a:gd name="connsiteY1" fmla="*/ 770817 h 770838"/>
-                <a:gd name="connsiteX2" fmla="*/ 145401 w 695313"/>
-                <a:gd name="connsiteY2" fmla="*/ 13294 h 770838"/>
-                <a:gd name="connsiteX3" fmla="*/ 695313 w 695313"/>
-                <a:gd name="connsiteY3" fmla="*/ 0 h 770838"/>
-                <a:gd name="connsiteX0" fmla="*/ 627301 w 695313"/>
-                <a:gd name="connsiteY0" fmla="*/ 748145 h 770838"/>
-                <a:gd name="connsiteX1" fmla="*/ 67 w 695313"/>
-                <a:gd name="connsiteY1" fmla="*/ 770817 h 770838"/>
-                <a:gd name="connsiteX2" fmla="*/ 145401 w 695313"/>
-                <a:gd name="connsiteY2" fmla="*/ 13294 h 770838"/>
-                <a:gd name="connsiteX3" fmla="*/ 695313 w 695313"/>
-                <a:gd name="connsiteY3" fmla="*/ 0 h 770838"/>
-                <a:gd name="connsiteX0" fmla="*/ 627355 w 695367"/>
-                <a:gd name="connsiteY0" fmla="*/ 748145 h 770856"/>
-                <a:gd name="connsiteX1" fmla="*/ 121 w 695367"/>
-                <a:gd name="connsiteY1" fmla="*/ 770817 h 770856"/>
-                <a:gd name="connsiteX2" fmla="*/ 145455 w 695367"/>
-                <a:gd name="connsiteY2" fmla="*/ 13294 h 770856"/>
-                <a:gd name="connsiteX3" fmla="*/ 695367 w 695367"/>
-                <a:gd name="connsiteY3" fmla="*/ 0 h 770856"/>
-                <a:gd name="connsiteX0" fmla="*/ 627355 w 695367"/>
-                <a:gd name="connsiteY0" fmla="*/ 748145 h 770856"/>
-                <a:gd name="connsiteX1" fmla="*/ 121 w 695367"/>
-                <a:gd name="connsiteY1" fmla="*/ 770817 h 770856"/>
-                <a:gd name="connsiteX2" fmla="*/ 145455 w 695367"/>
-                <a:gd name="connsiteY2" fmla="*/ 13294 h 770856"/>
-                <a:gd name="connsiteX3" fmla="*/ 695367 w 695367"/>
-                <a:gd name="connsiteY3" fmla="*/ 0 h 770856"/>
-                <a:gd name="connsiteX0" fmla="*/ 627235 w 695247"/>
-                <a:gd name="connsiteY0" fmla="*/ 748145 h 772339"/>
-                <a:gd name="connsiteX1" fmla="*/ 1 w 695247"/>
-                <a:gd name="connsiteY1" fmla="*/ 770817 h 772339"/>
-                <a:gd name="connsiteX2" fmla="*/ 145335 w 695247"/>
-                <a:gd name="connsiteY2" fmla="*/ 13294 h 772339"/>
-                <a:gd name="connsiteX3" fmla="*/ 695247 w 695247"/>
-                <a:gd name="connsiteY3" fmla="*/ 0 h 772339"/>
-                <a:gd name="connsiteX0" fmla="*/ 627235 w 695247"/>
-                <a:gd name="connsiteY0" fmla="*/ 748145 h 772339"/>
-                <a:gd name="connsiteX1" fmla="*/ 1 w 695247"/>
-                <a:gd name="connsiteY1" fmla="*/ 770817 h 772339"/>
-                <a:gd name="connsiteX2" fmla="*/ 145335 w 695247"/>
-                <a:gd name="connsiteY2" fmla="*/ 13294 h 772339"/>
-                <a:gd name="connsiteX3" fmla="*/ 695247 w 695247"/>
-                <a:gd name="connsiteY3" fmla="*/ 0 h 772339"/>
-                <a:gd name="connsiteX0" fmla="*/ 627234 w 695246"/>
-                <a:gd name="connsiteY0" fmla="*/ 748145 h 770817"/>
-                <a:gd name="connsiteX1" fmla="*/ 0 w 695246"/>
-                <a:gd name="connsiteY1" fmla="*/ 770817 h 770817"/>
-                <a:gd name="connsiteX2" fmla="*/ 145334 w 695246"/>
-                <a:gd name="connsiteY2" fmla="*/ 13294 h 770817"/>
-                <a:gd name="connsiteX3" fmla="*/ 695246 w 695246"/>
-                <a:gd name="connsiteY3" fmla="*/ 0 h 770817"/>
-                <a:gd name="connsiteX0" fmla="*/ 627234 w 695246"/>
-                <a:gd name="connsiteY0" fmla="*/ 748145 h 770817"/>
-                <a:gd name="connsiteX1" fmla="*/ 0 w 695246"/>
-                <a:gd name="connsiteY1" fmla="*/ 770817 h 770817"/>
-                <a:gd name="connsiteX2" fmla="*/ 145334 w 695246"/>
-                <a:gd name="connsiteY2" fmla="*/ 13294 h 770817"/>
-                <a:gd name="connsiteX3" fmla="*/ 695246 w 695246"/>
-                <a:gd name="connsiteY3" fmla="*/ 0 h 770817"/>
-                <a:gd name="connsiteX0" fmla="*/ 627234 w 695246"/>
-                <a:gd name="connsiteY0" fmla="*/ 748145 h 770817"/>
-                <a:gd name="connsiteX1" fmla="*/ 0 w 695246"/>
-                <a:gd name="connsiteY1" fmla="*/ 770817 h 770817"/>
-                <a:gd name="connsiteX2" fmla="*/ 145334 w 695246"/>
-                <a:gd name="connsiteY2" fmla="*/ 13294 h 770817"/>
-                <a:gd name="connsiteX3" fmla="*/ 695246 w 695246"/>
-                <a:gd name="connsiteY3" fmla="*/ 0 h 770817"/>
-                <a:gd name="connsiteX0" fmla="*/ 486740 w 554752"/>
-                <a:gd name="connsiteY0" fmla="*/ 748145 h 748195"/>
-                <a:gd name="connsiteX1" fmla="*/ 0 w 554752"/>
-                <a:gd name="connsiteY1" fmla="*/ 748195 h 748195"/>
-                <a:gd name="connsiteX2" fmla="*/ 4840 w 554752"/>
-                <a:gd name="connsiteY2" fmla="*/ 13294 h 748195"/>
-                <a:gd name="connsiteX3" fmla="*/ 554752 w 554752"/>
-                <a:gd name="connsiteY3" fmla="*/ 0 h 748195"/>
-                <a:gd name="connsiteX0" fmla="*/ 484359 w 552371"/>
-                <a:gd name="connsiteY0" fmla="*/ 748145 h 820823"/>
-                <a:gd name="connsiteX1" fmla="*/ 0 w 552371"/>
-                <a:gd name="connsiteY1" fmla="*/ 820823 h 820823"/>
-                <a:gd name="connsiteX2" fmla="*/ 2459 w 552371"/>
-                <a:gd name="connsiteY2" fmla="*/ 13294 h 820823"/>
-                <a:gd name="connsiteX3" fmla="*/ 552371 w 552371"/>
-                <a:gd name="connsiteY3" fmla="*/ 0 h 820823"/>
-                <a:gd name="connsiteX0" fmla="*/ 484359 w 552371"/>
-                <a:gd name="connsiteY0" fmla="*/ 748145 h 881293"/>
-                <a:gd name="connsiteX1" fmla="*/ 486546 w 552371"/>
-                <a:gd name="connsiteY1" fmla="*/ 831236 h 881293"/>
-                <a:gd name="connsiteX2" fmla="*/ 0 w 552371"/>
-                <a:gd name="connsiteY2" fmla="*/ 820823 h 881293"/>
-                <a:gd name="connsiteX3" fmla="*/ 2459 w 552371"/>
-                <a:gd name="connsiteY3" fmla="*/ 13294 h 881293"/>
-                <a:gd name="connsiteX4" fmla="*/ 552371 w 552371"/>
-                <a:gd name="connsiteY4" fmla="*/ 0 h 881293"/>
-                <a:gd name="connsiteX0" fmla="*/ 486546 w 552371"/>
-                <a:gd name="connsiteY0" fmla="*/ 831236 h 881293"/>
-                <a:gd name="connsiteX1" fmla="*/ 0 w 552371"/>
-                <a:gd name="connsiteY1" fmla="*/ 820823 h 881293"/>
-                <a:gd name="connsiteX2" fmla="*/ 2459 w 552371"/>
-                <a:gd name="connsiteY2" fmla="*/ 13294 h 881293"/>
-                <a:gd name="connsiteX3" fmla="*/ 552371 w 552371"/>
-                <a:gd name="connsiteY3" fmla="*/ 0 h 881293"/>
-                <a:gd name="connsiteX0" fmla="*/ 505596 w 552371"/>
-                <a:gd name="connsiteY0" fmla="*/ 866954 h 894719"/>
-                <a:gd name="connsiteX1" fmla="*/ 0 w 552371"/>
-                <a:gd name="connsiteY1" fmla="*/ 820823 h 894719"/>
-                <a:gd name="connsiteX2" fmla="*/ 2459 w 552371"/>
-                <a:gd name="connsiteY2" fmla="*/ 13294 h 894719"/>
-                <a:gd name="connsiteX3" fmla="*/ 552371 w 552371"/>
-                <a:gd name="connsiteY3" fmla="*/ 0 h 894719"/>
-                <a:gd name="connsiteX0" fmla="*/ 594893 w 594893"/>
-                <a:gd name="connsiteY0" fmla="*/ 1087220 h 1087885"/>
-                <a:gd name="connsiteX1" fmla="*/ 0 w 594893"/>
-                <a:gd name="connsiteY1" fmla="*/ 820823 h 1087885"/>
-                <a:gd name="connsiteX2" fmla="*/ 2459 w 594893"/>
-                <a:gd name="connsiteY2" fmla="*/ 13294 h 1087885"/>
-                <a:gd name="connsiteX3" fmla="*/ 552371 w 594893"/>
-                <a:gd name="connsiteY3" fmla="*/ 0 h 1087885"/>
-                <a:gd name="connsiteX0" fmla="*/ 593694 w 593694"/>
-                <a:gd name="connsiteY0" fmla="*/ 1087220 h 1139755"/>
-                <a:gd name="connsiteX1" fmla="*/ 9517 w 593694"/>
-                <a:gd name="connsiteY1" fmla="*/ 1080379 h 1139755"/>
-                <a:gd name="connsiteX2" fmla="*/ 1260 w 593694"/>
-                <a:gd name="connsiteY2" fmla="*/ 13294 h 1139755"/>
-                <a:gd name="connsiteX3" fmla="*/ 551172 w 593694"/>
-                <a:gd name="connsiteY3" fmla="*/ 0 h 1139755"/>
-                <a:gd name="connsiteX0" fmla="*/ 593694 w 593694"/>
-                <a:gd name="connsiteY0" fmla="*/ 1087220 h 1092028"/>
-                <a:gd name="connsiteX1" fmla="*/ 9517 w 593694"/>
-                <a:gd name="connsiteY1" fmla="*/ 1080379 h 1092028"/>
-                <a:gd name="connsiteX2" fmla="*/ 1260 w 593694"/>
-                <a:gd name="connsiteY2" fmla="*/ 13294 h 1092028"/>
-                <a:gd name="connsiteX3" fmla="*/ 551172 w 593694"/>
-                <a:gd name="connsiteY3" fmla="*/ 0 h 1092028"/>
-                <a:gd name="connsiteX0" fmla="*/ 593694 w 593694"/>
-                <a:gd name="connsiteY0" fmla="*/ 1087220 h 1099405"/>
-                <a:gd name="connsiteX1" fmla="*/ 9517 w 593694"/>
-                <a:gd name="connsiteY1" fmla="*/ 1097048 h 1099405"/>
-                <a:gd name="connsiteX2" fmla="*/ 1260 w 593694"/>
-                <a:gd name="connsiteY2" fmla="*/ 13294 h 1099405"/>
-                <a:gd name="connsiteX3" fmla="*/ 551172 w 593694"/>
-                <a:gd name="connsiteY3" fmla="*/ 0 h 1099405"/>
-                <a:gd name="connsiteX0" fmla="*/ 593694 w 593694"/>
-                <a:gd name="connsiteY0" fmla="*/ 1087220 h 1098408"/>
-                <a:gd name="connsiteX1" fmla="*/ 9517 w 593694"/>
-                <a:gd name="connsiteY1" fmla="*/ 1097048 h 1098408"/>
-                <a:gd name="connsiteX2" fmla="*/ 1260 w 593694"/>
-                <a:gd name="connsiteY2" fmla="*/ 13294 h 1098408"/>
-                <a:gd name="connsiteX3" fmla="*/ 551172 w 593694"/>
-                <a:gd name="connsiteY3" fmla="*/ 0 h 1098408"/>
-                <a:gd name="connsiteX0" fmla="*/ 591313 w 591313"/>
-                <a:gd name="connsiteY0" fmla="*/ 1095554 h 1100106"/>
-                <a:gd name="connsiteX1" fmla="*/ 9517 w 591313"/>
-                <a:gd name="connsiteY1" fmla="*/ 1097048 h 1100106"/>
-                <a:gd name="connsiteX2" fmla="*/ 1260 w 591313"/>
-                <a:gd name="connsiteY2" fmla="*/ 13294 h 1100106"/>
-                <a:gd name="connsiteX3" fmla="*/ 551172 w 591313"/>
-                <a:gd name="connsiteY3" fmla="*/ 0 h 1100106"/>
-                <a:gd name="connsiteX0" fmla="*/ 591313 w 591313"/>
-                <a:gd name="connsiteY0" fmla="*/ 1095554 h 1099753"/>
-                <a:gd name="connsiteX1" fmla="*/ 9517 w 591313"/>
-                <a:gd name="connsiteY1" fmla="*/ 1097048 h 1099753"/>
-                <a:gd name="connsiteX2" fmla="*/ 1260 w 591313"/>
-                <a:gd name="connsiteY2" fmla="*/ 13294 h 1099753"/>
-                <a:gd name="connsiteX3" fmla="*/ 551172 w 591313"/>
-                <a:gd name="connsiteY3" fmla="*/ 0 h 1099753"/>
-                <a:gd name="connsiteX0" fmla="*/ 591313 w 591313"/>
-                <a:gd name="connsiteY0" fmla="*/ 1095554 h 1099753"/>
-                <a:gd name="connsiteX1" fmla="*/ 9517 w 591313"/>
-                <a:gd name="connsiteY1" fmla="*/ 1097048 h 1099753"/>
-                <a:gd name="connsiteX2" fmla="*/ 1260 w 591313"/>
-                <a:gd name="connsiteY2" fmla="*/ 13294 h 1099753"/>
-                <a:gd name="connsiteX3" fmla="*/ 551172 w 591313"/>
-                <a:gd name="connsiteY3" fmla="*/ 0 h 1099753"/>
-                <a:gd name="connsiteX0" fmla="*/ 591313 w 591313"/>
-                <a:gd name="connsiteY0" fmla="*/ 1082260 h 1086459"/>
-                <a:gd name="connsiteX1" fmla="*/ 9517 w 591313"/>
-                <a:gd name="connsiteY1" fmla="*/ 1083754 h 1086459"/>
-                <a:gd name="connsiteX2" fmla="*/ 1260 w 591313"/>
-                <a:gd name="connsiteY2" fmla="*/ 0 h 1086459"/>
-                <a:gd name="connsiteX3" fmla="*/ 551172 w 591313"/>
-                <a:gd name="connsiteY3" fmla="*/ 994 h 1086459"/>
-                <a:gd name="connsiteX0" fmla="*/ 586870 w 586870"/>
-                <a:gd name="connsiteY0" fmla="*/ 1081266 h 1085465"/>
-                <a:gd name="connsiteX1" fmla="*/ 5074 w 586870"/>
-                <a:gd name="connsiteY1" fmla="*/ 1082760 h 1085465"/>
-                <a:gd name="connsiteX2" fmla="*/ 1579 w 586870"/>
-                <a:gd name="connsiteY2" fmla="*/ 15674 h 1085465"/>
-                <a:gd name="connsiteX3" fmla="*/ 546729 w 586870"/>
-                <a:gd name="connsiteY3" fmla="*/ 0 h 1085465"/>
-                <a:gd name="connsiteX0" fmla="*/ 590188 w 590188"/>
-                <a:gd name="connsiteY0" fmla="*/ 1081266 h 1085465"/>
-                <a:gd name="connsiteX1" fmla="*/ 8392 w 590188"/>
-                <a:gd name="connsiteY1" fmla="*/ 1082760 h 1085465"/>
-                <a:gd name="connsiteX2" fmla="*/ 1326 w 590188"/>
-                <a:gd name="connsiteY2" fmla="*/ 10911 h 1085465"/>
-                <a:gd name="connsiteX3" fmla="*/ 550047 w 590188"/>
-                <a:gd name="connsiteY3" fmla="*/ 0 h 1085465"/>
-                <a:gd name="connsiteX0" fmla="*/ 592442 w 592442"/>
-                <a:gd name="connsiteY0" fmla="*/ 1081266 h 1085465"/>
-                <a:gd name="connsiteX1" fmla="*/ 10646 w 592442"/>
-                <a:gd name="connsiteY1" fmla="*/ 1082760 h 1085465"/>
-                <a:gd name="connsiteX2" fmla="*/ 1199 w 592442"/>
-                <a:gd name="connsiteY2" fmla="*/ 2577 h 1085465"/>
-                <a:gd name="connsiteX3" fmla="*/ 552301 w 592442"/>
-                <a:gd name="connsiteY3" fmla="*/ 0 h 1085465"/>
-                <a:gd name="connsiteX0" fmla="*/ 591351 w 591351"/>
-                <a:gd name="connsiteY0" fmla="*/ 1081266 h 1085465"/>
-                <a:gd name="connsiteX1" fmla="*/ 9555 w 591351"/>
-                <a:gd name="connsiteY1" fmla="*/ 1082760 h 1085465"/>
-                <a:gd name="connsiteX2" fmla="*/ 108 w 591351"/>
-                <a:gd name="connsiteY2" fmla="*/ 2577 h 1085465"/>
-                <a:gd name="connsiteX3" fmla="*/ 551210 w 591351"/>
-                <a:gd name="connsiteY3" fmla="*/ 0 h 1085465"/>
-                <a:gd name="connsiteX0" fmla="*/ 591405 w 591405"/>
-                <a:gd name="connsiteY0" fmla="*/ 1081266 h 1085465"/>
-                <a:gd name="connsiteX1" fmla="*/ 9609 w 591405"/>
-                <a:gd name="connsiteY1" fmla="*/ 1082760 h 1085465"/>
-                <a:gd name="connsiteX2" fmla="*/ 162 w 591405"/>
-                <a:gd name="connsiteY2" fmla="*/ 2577 h 1085465"/>
-                <a:gd name="connsiteX3" fmla="*/ 551264 w 591405"/>
-                <a:gd name="connsiteY3" fmla="*/ 0 h 1085465"/>
-                <a:gd name="connsiteX0" fmla="*/ 591405 w 591405"/>
-                <a:gd name="connsiteY0" fmla="*/ 1081266 h 1084480"/>
-                <a:gd name="connsiteX1" fmla="*/ 9609 w 591405"/>
-                <a:gd name="connsiteY1" fmla="*/ 1082760 h 1084480"/>
-                <a:gd name="connsiteX2" fmla="*/ 162 w 591405"/>
-                <a:gd name="connsiteY2" fmla="*/ 2577 h 1084480"/>
-                <a:gd name="connsiteX3" fmla="*/ 551264 w 591405"/>
-                <a:gd name="connsiteY3" fmla="*/ 0 h 1084480"/>
-                <a:gd name="connsiteX0" fmla="*/ 586642 w 586642"/>
-                <a:gd name="connsiteY0" fmla="*/ 1081266 h 1084480"/>
-                <a:gd name="connsiteX1" fmla="*/ 9609 w 586642"/>
-                <a:gd name="connsiteY1" fmla="*/ 1082760 h 1084480"/>
-                <a:gd name="connsiteX2" fmla="*/ 162 w 586642"/>
-                <a:gd name="connsiteY2" fmla="*/ 2577 h 1084480"/>
-                <a:gd name="connsiteX3" fmla="*/ 551264 w 586642"/>
-                <a:gd name="connsiteY3" fmla="*/ 0 h 1084480"/>
-                <a:gd name="connsiteX0" fmla="*/ 587818 w 587818"/>
-                <a:gd name="connsiteY0" fmla="*/ 1089405 h 1092619"/>
-                <a:gd name="connsiteX1" fmla="*/ 10785 w 587818"/>
-                <a:gd name="connsiteY1" fmla="*/ 1090899 h 1092619"/>
-                <a:gd name="connsiteX2" fmla="*/ 147 w 587818"/>
-                <a:gd name="connsiteY2" fmla="*/ 0 h 1092619"/>
-                <a:gd name="connsiteX3" fmla="*/ 552440 w 587818"/>
-                <a:gd name="connsiteY3" fmla="*/ 8139 h 1092619"/>
-                <a:gd name="connsiteX0" fmla="*/ 587818 w 587818"/>
-                <a:gd name="connsiteY0" fmla="*/ 1081266 h 1084480"/>
-                <a:gd name="connsiteX1" fmla="*/ 10785 w 587818"/>
-                <a:gd name="connsiteY1" fmla="*/ 1082760 h 1084480"/>
-                <a:gd name="connsiteX2" fmla="*/ 147 w 587818"/>
-                <a:gd name="connsiteY2" fmla="*/ 196 h 1084480"/>
-                <a:gd name="connsiteX3" fmla="*/ 552440 w 587818"/>
-                <a:gd name="connsiteY3" fmla="*/ 0 h 1084480"/>
-                <a:gd name="connsiteX0" fmla="*/ 591416 w 591416"/>
-                <a:gd name="connsiteY0" fmla="*/ 1081266 h 1084480"/>
-                <a:gd name="connsiteX1" fmla="*/ 96 w 591416"/>
-                <a:gd name="connsiteY1" fmla="*/ 1082760 h 1084480"/>
-                <a:gd name="connsiteX2" fmla="*/ 3745 w 591416"/>
-                <a:gd name="connsiteY2" fmla="*/ 196 h 1084480"/>
-                <a:gd name="connsiteX3" fmla="*/ 556038 w 591416"/>
-                <a:gd name="connsiteY3" fmla="*/ 0 h 1084480"/>
-                <a:gd name="connsiteX0" fmla="*/ 591416 w 591416"/>
-                <a:gd name="connsiteY0" fmla="*/ 1081266 h 1084480"/>
-                <a:gd name="connsiteX1" fmla="*/ 96 w 591416"/>
-                <a:gd name="connsiteY1" fmla="*/ 1082760 h 1084480"/>
-                <a:gd name="connsiteX2" fmla="*/ 3745 w 591416"/>
-                <a:gd name="connsiteY2" fmla="*/ 196 h 1084480"/>
-                <a:gd name="connsiteX3" fmla="*/ 556038 w 591416"/>
-                <a:gd name="connsiteY3" fmla="*/ 0 h 1084480"/>
-                <a:gd name="connsiteX0" fmla="*/ 591416 w 591416"/>
-                <a:gd name="connsiteY0" fmla="*/ 1081266 h 1082760"/>
-                <a:gd name="connsiteX1" fmla="*/ 96 w 591416"/>
-                <a:gd name="connsiteY1" fmla="*/ 1082760 h 1082760"/>
-                <a:gd name="connsiteX2" fmla="*/ 3745 w 591416"/>
-                <a:gd name="connsiteY2" fmla="*/ 196 h 1082760"/>
-                <a:gd name="connsiteX3" fmla="*/ 556038 w 591416"/>
-                <a:gd name="connsiteY3" fmla="*/ 0 h 1082760"/>
-                <a:gd name="connsiteX0" fmla="*/ 588565 w 588565"/>
-                <a:gd name="connsiteY0" fmla="*/ 1081266 h 1081266"/>
-                <a:gd name="connsiteX1" fmla="*/ 817 w 588565"/>
-                <a:gd name="connsiteY1" fmla="*/ 1077998 h 1081266"/>
-                <a:gd name="connsiteX2" fmla="*/ 894 w 588565"/>
-                <a:gd name="connsiteY2" fmla="*/ 196 h 1081266"/>
-                <a:gd name="connsiteX3" fmla="*/ 553187 w 588565"/>
-                <a:gd name="connsiteY3" fmla="*/ 0 h 1081266"/>
-                <a:gd name="connsiteX0" fmla="*/ 588099 w 588099"/>
-                <a:gd name="connsiteY0" fmla="*/ 1081266 h 1081570"/>
-                <a:gd name="connsiteX1" fmla="*/ 2732 w 588099"/>
-                <a:gd name="connsiteY1" fmla="*/ 1081570 h 1081570"/>
-                <a:gd name="connsiteX2" fmla="*/ 428 w 588099"/>
-                <a:gd name="connsiteY2" fmla="*/ 196 h 1081570"/>
-                <a:gd name="connsiteX3" fmla="*/ 552721 w 588099"/>
-                <a:gd name="connsiteY3" fmla="*/ 0 h 1081570"/>
-              </a:gdLst>
-              <a:ahLst/>
-              <a:cxnLst>
-                <a:cxn ang="0">
-                  <a:pos x="connsiteX0" y="connsiteY0"/>
-                </a:cxn>
-                <a:cxn ang="0">
-                  <a:pos x="connsiteX1" y="connsiteY1"/>
-                </a:cxn>
-                <a:cxn ang="0">
-                  <a:pos x="connsiteX2" y="connsiteY2"/>
-                </a:cxn>
-                <a:cxn ang="0">
-                  <a:pos x="connsiteX3" y="connsiteY3"/>
-                </a:cxn>
-              </a:cxnLst>
-              <a:rect l="l" t="t" r="r" b="b"/>
-              <a:pathLst>
-                <a:path w="588099" h="1081570">
-                  <a:moveTo>
-                    <a:pt x="588099" y="1081266"/>
-                  </a:moveTo>
-                  <a:lnTo>
-                    <a:pt x="2732" y="1081570"/>
-                  </a:lnTo>
-                  <a:cubicBezTo>
-                    <a:pt x="2090" y="977592"/>
-                    <a:pt x="-1146" y="267969"/>
-                    <a:pt x="428" y="196"/>
-                  </a:cubicBezTo>
-                  <a:lnTo>
-                    <a:pt x="552721" y="0"/>
-                  </a:lnTo>
-                </a:path>
-              </a:pathLst>
-            </a:custGeom>
-            <a:noFill/>
-            <a:ln w="12700">
-              <a:solidFill>
-                <a:schemeClr val="accent6">
-                  <a:lumMod val="75000"/>
-                </a:schemeClr>
-              </a:solidFill>
-              <a:tailEnd type="triangle" w="sm" len="sm"/>
-            </a:ln>
-          </p:spPr>
-          <p:style>
-            <a:lnRef idx="2">
-              <a:schemeClr val="accent1">
-                <a:shade val="50000"/>
+              </a:rPr>
+              <a:t>Account Balance</a:t>
+            </a:r>
+            <a:endParaRPr lang="en-US" sz="1400" dirty="0">
+              <a:latin typeface="Arial" panose="020B0604020202020204" pitchFamily="34" charset="0"/>
+              <a:cs typeface="Arial" panose="020B0604020202020204" pitchFamily="34" charset="0"/>
+            </a:endParaRPr>
+          </a:p>
+        </p:txBody>
+      </p:sp>
+      <p:cxnSp>
+        <p:nvCxnSpPr>
+          <p:cNvPr id="43" name="Straight Arrow Connector 42"/>
+          <p:cNvCxnSpPr/>
+          <p:nvPr/>
+        </p:nvCxnSpPr>
+        <p:spPr>
+          <a:xfrm flipH="1" flipV="1">
+            <a:off x="6660232" y="2355024"/>
+            <a:ext cx="553992" cy="4229"/>
+          </a:xfrm>
+          <a:prstGeom prst="straightConnector1">
+            <a:avLst/>
+          </a:prstGeom>
+          <a:ln w="12700">
+            <a:solidFill>
+              <a:schemeClr val="accent6">
+                <a:lumMod val="75000"/>
               </a:schemeClr>
-            </a:lnRef>
-            <a:fillRef idx="1">
-              <a:schemeClr val="accent1"/>
-            </a:fillRef>
-            <a:effectRef idx="0">
-              <a:schemeClr val="accent1"/>
-            </a:effectRef>
-            <a:fontRef idx="minor">
-              <a:schemeClr val="lt1"/>
-            </a:fontRef>
-          </p:style>
-          <p:txBody>
-            <a:bodyPr rtlCol="0" anchor="ctr"/>
-            <a:lstStyle/>
-            <a:p>
-              <a:pPr algn="ctr"/>
-              <a:endParaRPr lang="en-US"/>
-            </a:p>
-          </p:txBody>
-        </p:sp>
-      </p:grpSp>
+            </a:solidFill>
+            <a:tailEnd type="triangle" w="sm" len="sm"/>
+          </a:ln>
+        </p:spPr>
+        <p:style>
+          <a:lnRef idx="1">
+            <a:schemeClr val="accent1"/>
+          </a:lnRef>
+          <a:fillRef idx="0">
+            <a:schemeClr val="accent1"/>
+          </a:fillRef>
+          <a:effectRef idx="0">
+            <a:schemeClr val="accent1"/>
+          </a:effectRef>
+          <a:fontRef idx="minor">
+            <a:schemeClr val="tx1"/>
+          </a:fontRef>
+        </p:style>
+      </p:cxnSp>
+      <p:sp>
+        <p:nvSpPr>
+          <p:cNvPr id="44" name="TextBox 43"/>
+          <p:cNvSpPr txBox="1"/>
+          <p:nvPr/>
+        </p:nvSpPr>
+        <p:spPr>
+          <a:xfrm>
+            <a:off x="7208752" y="1987299"/>
+            <a:ext cx="1543436" cy="738664"/>
+          </a:xfrm>
+          <a:prstGeom prst="rect">
+            <a:avLst/>
+          </a:prstGeom>
+          <a:noFill/>
+        </p:spPr>
+        <p:txBody>
+          <a:bodyPr wrap="none" rtlCol="0">
+            <a:spAutoFit/>
+          </a:bodyPr>
+          <a:lstStyle/>
+          <a:p>
+            <a:r>
+              <a:rPr lang="en-US" sz="1400" dirty="0" smtClean="0">
+                <a:latin typeface="Arial" panose="020B0604020202020204" pitchFamily="34" charset="0"/>
+                <a:cs typeface="Arial" panose="020B0604020202020204" pitchFamily="34" charset="0"/>
+              </a:rPr>
+              <a:t>Adapted to</a:t>
+            </a:r>
+            <a:r>
+              <a:rPr lang="en-US" sz="1400" dirty="0" smtClean="0">
+                <a:latin typeface="Arial" panose="020B0604020202020204" pitchFamily="34" charset="0"/>
+                <a:cs typeface="Arial" panose="020B0604020202020204" pitchFamily="34" charset="0"/>
+              </a:rPr>
+              <a:t>:</a:t>
+            </a:r>
+          </a:p>
+          <a:p>
+            <a:pPr marL="144000" indent="-144000">
+              <a:buFont typeface="Arial" panose="020B0604020202020204" pitchFamily="34" charset="0"/>
+              <a:buChar char="•"/>
+            </a:pPr>
+            <a:r>
+              <a:rPr lang="en-US" sz="1400" i="1" dirty="0" smtClean="0">
+                <a:latin typeface="Arial" panose="020B0604020202020204" pitchFamily="34" charset="0"/>
+                <a:cs typeface="Arial" panose="020B0604020202020204" pitchFamily="34" charset="0"/>
+              </a:rPr>
+              <a:t>Your </a:t>
+            </a:r>
+            <a:r>
+              <a:rPr lang="en-US" sz="1400" dirty="0" smtClean="0">
+                <a:latin typeface="Arial" panose="020B0604020202020204" pitchFamily="34" charset="0"/>
+                <a:cs typeface="Arial" panose="020B0604020202020204" pitchFamily="34" charset="0"/>
+              </a:rPr>
+              <a:t>Language</a:t>
+            </a:r>
+          </a:p>
+          <a:p>
+            <a:pPr marL="144000" indent="-144000">
+              <a:buFont typeface="Arial" panose="020B0604020202020204" pitchFamily="34" charset="0"/>
+              <a:buChar char="•"/>
+            </a:pPr>
+            <a:r>
+              <a:rPr lang="en-US" sz="1400" i="1" dirty="0" smtClean="0">
+                <a:latin typeface="Arial" panose="020B0604020202020204" pitchFamily="34" charset="0"/>
+                <a:cs typeface="Arial" panose="020B0604020202020204" pitchFamily="34" charset="0"/>
+              </a:rPr>
+              <a:t>Your</a:t>
+            </a:r>
+            <a:r>
+              <a:rPr lang="en-US" sz="1400" dirty="0" smtClean="0">
+                <a:latin typeface="Arial" panose="020B0604020202020204" pitchFamily="34" charset="0"/>
+                <a:cs typeface="Arial" panose="020B0604020202020204" pitchFamily="34" charset="0"/>
+              </a:rPr>
+              <a:t> </a:t>
+            </a:r>
+            <a:r>
+              <a:rPr lang="en-US" sz="1400" dirty="0" smtClean="0">
+                <a:latin typeface="Arial" panose="020B0604020202020204" pitchFamily="34" charset="0"/>
+                <a:cs typeface="Arial" panose="020B0604020202020204" pitchFamily="34" charset="0"/>
+              </a:rPr>
+              <a:t>Disability</a:t>
+            </a:r>
+            <a:endParaRPr lang="en-US" sz="1400" dirty="0">
+              <a:latin typeface="Arial" panose="020B0604020202020204" pitchFamily="34" charset="0"/>
+              <a:cs typeface="Arial" panose="020B0604020202020204" pitchFamily="34" charset="0"/>
+            </a:endParaRPr>
+          </a:p>
+        </p:txBody>
+      </p:sp>
+      <p:cxnSp>
+        <p:nvCxnSpPr>
+          <p:cNvPr id="46" name="Straight Arrow Connector 45"/>
+          <p:cNvCxnSpPr/>
+          <p:nvPr/>
+        </p:nvCxnSpPr>
+        <p:spPr>
+          <a:xfrm flipH="1">
+            <a:off x="6494224" y="4228406"/>
+            <a:ext cx="720000" cy="0"/>
+          </a:xfrm>
+          <a:prstGeom prst="straightConnector1">
+            <a:avLst/>
+          </a:prstGeom>
+          <a:ln w="12700">
+            <a:solidFill>
+              <a:schemeClr val="accent6">
+                <a:lumMod val="75000"/>
+              </a:schemeClr>
+            </a:solidFill>
+            <a:tailEnd type="triangle" w="sm" len="sm"/>
+          </a:ln>
+        </p:spPr>
+        <p:style>
+          <a:lnRef idx="1">
+            <a:schemeClr val="accent1"/>
+          </a:lnRef>
+          <a:fillRef idx="0">
+            <a:schemeClr val="accent1"/>
+          </a:fillRef>
+          <a:effectRef idx="0">
+            <a:schemeClr val="accent1"/>
+          </a:effectRef>
+          <a:fontRef idx="minor">
+            <a:schemeClr val="tx1"/>
+          </a:fontRef>
+        </p:style>
+      </p:cxnSp>
+      <p:sp>
+        <p:nvSpPr>
+          <p:cNvPr id="47" name="TextBox 46"/>
+          <p:cNvSpPr txBox="1"/>
+          <p:nvPr/>
+        </p:nvSpPr>
+        <p:spPr>
+          <a:xfrm>
+            <a:off x="7208752" y="3858331"/>
+            <a:ext cx="1588897" cy="1169551"/>
+          </a:xfrm>
+          <a:prstGeom prst="rect">
+            <a:avLst/>
+          </a:prstGeom>
+          <a:noFill/>
+        </p:spPr>
+        <p:txBody>
+          <a:bodyPr wrap="none" rtlCol="0">
+            <a:spAutoFit/>
+          </a:bodyPr>
+          <a:lstStyle/>
+          <a:p>
+            <a:r>
+              <a:rPr lang="en-US" sz="1400" dirty="0" smtClean="0">
+                <a:latin typeface="Arial" panose="020B0604020202020204" pitchFamily="34" charset="0"/>
+                <a:cs typeface="Arial" panose="020B0604020202020204" pitchFamily="34" charset="0"/>
+              </a:rPr>
+              <a:t>UI Showing:</a:t>
+            </a:r>
+          </a:p>
+          <a:p>
+            <a:pPr marL="177800" indent="-177800">
+              <a:buFont typeface="Arial" panose="020B0604020202020204" pitchFamily="34" charset="0"/>
+              <a:buChar char="•"/>
+            </a:pPr>
+            <a:r>
+              <a:rPr lang="en-US" sz="1400" dirty="0" smtClean="0">
+                <a:latin typeface="Arial" panose="020B0604020202020204" pitchFamily="34" charset="0"/>
+                <a:cs typeface="Arial" panose="020B0604020202020204" pitchFamily="34" charset="0"/>
+              </a:rPr>
+              <a:t>Direct Payment</a:t>
+            </a:r>
+          </a:p>
+          <a:p>
+            <a:pPr marL="177800" indent="-177800">
+              <a:buFont typeface="Arial" panose="020B0604020202020204" pitchFamily="34" charset="0"/>
+              <a:buChar char="•"/>
+            </a:pPr>
+            <a:r>
+              <a:rPr lang="en-US" sz="1400" dirty="0" smtClean="0">
+                <a:latin typeface="Arial" panose="020B0604020202020204" pitchFamily="34" charset="0"/>
+                <a:cs typeface="Arial" panose="020B0604020202020204" pitchFamily="34" charset="0"/>
+              </a:rPr>
+              <a:t>Booking</a:t>
+            </a:r>
+            <a:endParaRPr lang="en-US" sz="1400" dirty="0">
+              <a:latin typeface="Arial" panose="020B0604020202020204" pitchFamily="34" charset="0"/>
+              <a:cs typeface="Arial" panose="020B0604020202020204" pitchFamily="34" charset="0"/>
+            </a:endParaRPr>
+          </a:p>
+          <a:p>
+            <a:pPr marL="177800" indent="-177800">
+              <a:buFont typeface="Arial" panose="020B0604020202020204" pitchFamily="34" charset="0"/>
+              <a:buChar char="•"/>
+            </a:pPr>
+            <a:r>
+              <a:rPr lang="en-US" sz="1400" dirty="0" smtClean="0">
+                <a:latin typeface="Arial" panose="020B0604020202020204" pitchFamily="34" charset="0"/>
+                <a:cs typeface="Arial" panose="020B0604020202020204" pitchFamily="34" charset="0"/>
+              </a:rPr>
+              <a:t>Gas Station</a:t>
+            </a:r>
+          </a:p>
+          <a:p>
+            <a:pPr marL="177800" indent="-177800">
+              <a:buFont typeface="Arial" panose="020B0604020202020204" pitchFamily="34" charset="0"/>
+              <a:buChar char="•"/>
+            </a:pPr>
+            <a:r>
+              <a:rPr lang="en-US" sz="1400" dirty="0" smtClean="0">
+                <a:latin typeface="Arial" panose="020B0604020202020204" pitchFamily="34" charset="0"/>
+                <a:cs typeface="Arial" panose="020B0604020202020204" pitchFamily="34" charset="0"/>
+              </a:rPr>
+              <a:t>Etc.</a:t>
+            </a:r>
+            <a:endParaRPr lang="en-US" sz="1400" dirty="0">
+              <a:latin typeface="Arial" panose="020B0604020202020204" pitchFamily="34" charset="0"/>
+              <a:cs typeface="Arial" panose="020B0604020202020204" pitchFamily="34" charset="0"/>
+            </a:endParaRPr>
+          </a:p>
+        </p:txBody>
+      </p:sp>
+      <p:sp>
+        <p:nvSpPr>
+          <p:cNvPr id="57" name="TextBox 56"/>
+          <p:cNvSpPr txBox="1"/>
+          <p:nvPr/>
+        </p:nvSpPr>
+        <p:spPr>
+          <a:xfrm>
+            <a:off x="4819319" y="6229756"/>
+            <a:ext cx="3857137" cy="461665"/>
+          </a:xfrm>
+          <a:prstGeom prst="rect">
+            <a:avLst/>
+          </a:prstGeom>
+          <a:noFill/>
+        </p:spPr>
+        <p:txBody>
+          <a:bodyPr wrap="square" rtlCol="0">
+            <a:spAutoFit/>
+          </a:bodyPr>
+          <a:lstStyle/>
+          <a:p>
+            <a:r>
+              <a:rPr lang="en-US" sz="1400" dirty="0" smtClean="0">
+                <a:latin typeface="Arial" panose="020B0604020202020204" pitchFamily="34" charset="0"/>
+                <a:cs typeface="Arial" panose="020B0604020202020204" pitchFamily="34" charset="0"/>
+              </a:rPr>
+              <a:t>PIN or Biometric</a:t>
+            </a:r>
+            <a:r>
+              <a:rPr lang="en-US" sz="1400" dirty="0">
+                <a:latin typeface="Arial" panose="020B0604020202020204" pitchFamily="34" charset="0"/>
+                <a:cs typeface="Arial" panose="020B0604020202020204" pitchFamily="34" charset="0"/>
+              </a:rPr>
+              <a:t> </a:t>
+            </a:r>
+            <a:r>
+              <a:rPr lang="en-US" sz="1400" dirty="0" smtClean="0">
+                <a:latin typeface="Arial" panose="020B0604020202020204" pitchFamily="34" charset="0"/>
+                <a:cs typeface="Arial" panose="020B0604020202020204" pitchFamily="34" charset="0"/>
+              </a:rPr>
+              <a:t>for User </a:t>
+            </a:r>
+            <a:r>
+              <a:rPr lang="en-US" sz="1400" dirty="0" smtClean="0">
+                <a:latin typeface="Arial" panose="020B0604020202020204" pitchFamily="34" charset="0"/>
+                <a:cs typeface="Arial" panose="020B0604020202020204" pitchFamily="34" charset="0"/>
+              </a:rPr>
+              <a:t>Authorization</a:t>
+            </a:r>
+            <a:br>
+              <a:rPr lang="en-US" sz="1400" dirty="0" smtClean="0">
+                <a:latin typeface="Arial" panose="020B0604020202020204" pitchFamily="34" charset="0"/>
+                <a:cs typeface="Arial" panose="020B0604020202020204" pitchFamily="34" charset="0"/>
+              </a:rPr>
+            </a:br>
+            <a:r>
+              <a:rPr lang="en-US" sz="1000" dirty="0" smtClean="0">
+                <a:latin typeface="Arial" panose="020B0604020202020204" pitchFamily="34" charset="0"/>
+                <a:cs typeface="Arial" panose="020B0604020202020204" pitchFamily="34" charset="0"/>
+              </a:rPr>
+              <a:t>(as defined by the </a:t>
+            </a:r>
+            <a:r>
+              <a:rPr lang="en-US" sz="1000" i="1" dirty="0" smtClean="0">
+                <a:latin typeface="Arial" panose="020B0604020202020204" pitchFamily="34" charset="0"/>
+                <a:cs typeface="Arial" panose="020B0604020202020204" pitchFamily="34" charset="0"/>
+              </a:rPr>
+              <a:t>virtual card issuer</a:t>
+            </a:r>
+            <a:r>
+              <a:rPr lang="en-US" sz="1000" dirty="0" smtClean="0">
+                <a:latin typeface="Arial" panose="020B0604020202020204" pitchFamily="34" charset="0"/>
+                <a:cs typeface="Arial" panose="020B0604020202020204" pitchFamily="34" charset="0"/>
+              </a:rPr>
+              <a:t>, not t</a:t>
+            </a:r>
+            <a:r>
+              <a:rPr lang="en-US" sz="1000" dirty="0" smtClean="0">
+                <a:latin typeface="Arial" panose="020B0604020202020204" pitchFamily="34" charset="0"/>
+                <a:cs typeface="Arial" panose="020B0604020202020204" pitchFamily="34" charset="0"/>
+              </a:rPr>
+              <a:t>he payment terminal</a:t>
+            </a:r>
+            <a:r>
+              <a:rPr lang="en-US" sz="1000" dirty="0" smtClean="0">
+                <a:latin typeface="Arial" panose="020B0604020202020204" pitchFamily="34" charset="0"/>
+                <a:cs typeface="Arial" panose="020B0604020202020204" pitchFamily="34" charset="0"/>
+              </a:rPr>
+              <a:t>)</a:t>
+            </a:r>
+            <a:endParaRPr lang="en-US" sz="1000" dirty="0">
+              <a:latin typeface="Arial" panose="020B0604020202020204" pitchFamily="34" charset="0"/>
+              <a:cs typeface="Arial" panose="020B0604020202020204" pitchFamily="34" charset="0"/>
+            </a:endParaRPr>
+          </a:p>
+        </p:txBody>
+      </p:sp>
+      <p:sp>
+        <p:nvSpPr>
+          <p:cNvPr id="3" name="Freeform 2"/>
+          <p:cNvSpPr/>
+          <p:nvPr/>
+        </p:nvSpPr>
+        <p:spPr>
+          <a:xfrm>
+            <a:off x="4257746" y="5306017"/>
+            <a:ext cx="588099" cy="1081570"/>
+          </a:xfrm>
+          <a:custGeom>
+            <a:avLst/>
+            <a:gdLst>
+              <a:gd name="connsiteX0" fmla="*/ 0 w 377851"/>
+              <a:gd name="connsiteY0" fmla="*/ 128473 h 128473"/>
+              <a:gd name="connsiteX1" fmla="*/ 83127 w 377851"/>
+              <a:gd name="connsiteY1" fmla="*/ 83131 h 128473"/>
+              <a:gd name="connsiteX2" fmla="*/ 173811 w 377851"/>
+              <a:gd name="connsiteY2" fmla="*/ 60460 h 128473"/>
+              <a:gd name="connsiteX3" fmla="*/ 309838 w 377851"/>
+              <a:gd name="connsiteY3" fmla="*/ 15118 h 128473"/>
+              <a:gd name="connsiteX4" fmla="*/ 377851 w 377851"/>
+              <a:gd name="connsiteY4" fmla="*/ 3 h 128473"/>
+              <a:gd name="connsiteX0" fmla="*/ 0 w 778373"/>
+              <a:gd name="connsiteY0" fmla="*/ 816159 h 816159"/>
+              <a:gd name="connsiteX1" fmla="*/ 83127 w 778373"/>
+              <a:gd name="connsiteY1" fmla="*/ 770817 h 816159"/>
+              <a:gd name="connsiteX2" fmla="*/ 173811 w 778373"/>
+              <a:gd name="connsiteY2" fmla="*/ 748146 h 816159"/>
+              <a:gd name="connsiteX3" fmla="*/ 309838 w 778373"/>
+              <a:gd name="connsiteY3" fmla="*/ 702804 h 816159"/>
+              <a:gd name="connsiteX4" fmla="*/ 778373 w 778373"/>
+              <a:gd name="connsiteY4" fmla="*/ 0 h 816159"/>
+              <a:gd name="connsiteX0" fmla="*/ 0 w 778373"/>
+              <a:gd name="connsiteY0" fmla="*/ 820394 h 820394"/>
+              <a:gd name="connsiteX1" fmla="*/ 83127 w 778373"/>
+              <a:gd name="connsiteY1" fmla="*/ 775052 h 820394"/>
+              <a:gd name="connsiteX2" fmla="*/ 173811 w 778373"/>
+              <a:gd name="connsiteY2" fmla="*/ 752381 h 820394"/>
+              <a:gd name="connsiteX3" fmla="*/ 302281 w 778373"/>
+              <a:gd name="connsiteY3" fmla="*/ 94920 h 820394"/>
+              <a:gd name="connsiteX4" fmla="*/ 778373 w 778373"/>
+              <a:gd name="connsiteY4" fmla="*/ 4235 h 820394"/>
+              <a:gd name="connsiteX0" fmla="*/ 656097 w 724109"/>
+              <a:gd name="connsiteY0" fmla="*/ 752380 h 809393"/>
+              <a:gd name="connsiteX1" fmla="*/ 28863 w 724109"/>
+              <a:gd name="connsiteY1" fmla="*/ 775052 h 809393"/>
+              <a:gd name="connsiteX2" fmla="*/ 119547 w 724109"/>
+              <a:gd name="connsiteY2" fmla="*/ 752381 h 809393"/>
+              <a:gd name="connsiteX3" fmla="*/ 248017 w 724109"/>
+              <a:gd name="connsiteY3" fmla="*/ 94920 h 809393"/>
+              <a:gd name="connsiteX4" fmla="*/ 724109 w 724109"/>
+              <a:gd name="connsiteY4" fmla="*/ 4235 h 809393"/>
+              <a:gd name="connsiteX0" fmla="*/ 642713 w 710725"/>
+              <a:gd name="connsiteY0" fmla="*/ 753327 h 815624"/>
+              <a:gd name="connsiteX1" fmla="*/ 15479 w 710725"/>
+              <a:gd name="connsiteY1" fmla="*/ 775999 h 815624"/>
+              <a:gd name="connsiteX2" fmla="*/ 234633 w 710725"/>
+              <a:gd name="connsiteY2" fmla="*/ 95867 h 815624"/>
+              <a:gd name="connsiteX3" fmla="*/ 710725 w 710725"/>
+              <a:gd name="connsiteY3" fmla="*/ 5182 h 815624"/>
+              <a:gd name="connsiteX0" fmla="*/ 650546 w 718558"/>
+              <a:gd name="connsiteY0" fmla="*/ 764075 h 828252"/>
+              <a:gd name="connsiteX1" fmla="*/ 23312 w 718558"/>
+              <a:gd name="connsiteY1" fmla="*/ 786747 h 828252"/>
+              <a:gd name="connsiteX2" fmla="*/ 190078 w 718558"/>
+              <a:gd name="connsiteY2" fmla="*/ 80421 h 828252"/>
+              <a:gd name="connsiteX3" fmla="*/ 718558 w 718558"/>
+              <a:gd name="connsiteY3" fmla="*/ 15930 h 828252"/>
+              <a:gd name="connsiteX0" fmla="*/ 650546 w 718558"/>
+              <a:gd name="connsiteY0" fmla="*/ 764075 h 828252"/>
+              <a:gd name="connsiteX1" fmla="*/ 23312 w 718558"/>
+              <a:gd name="connsiteY1" fmla="*/ 786747 h 828252"/>
+              <a:gd name="connsiteX2" fmla="*/ 190078 w 718558"/>
+              <a:gd name="connsiteY2" fmla="*/ 80421 h 828252"/>
+              <a:gd name="connsiteX3" fmla="*/ 718558 w 718558"/>
+              <a:gd name="connsiteY3" fmla="*/ 15930 h 828252"/>
+              <a:gd name="connsiteX0" fmla="*/ 650546 w 718558"/>
+              <a:gd name="connsiteY0" fmla="*/ 748145 h 812322"/>
+              <a:gd name="connsiteX1" fmla="*/ 23312 w 718558"/>
+              <a:gd name="connsiteY1" fmla="*/ 770817 h 812322"/>
+              <a:gd name="connsiteX2" fmla="*/ 190078 w 718558"/>
+              <a:gd name="connsiteY2" fmla="*/ 64491 h 812322"/>
+              <a:gd name="connsiteX3" fmla="*/ 718558 w 718558"/>
+              <a:gd name="connsiteY3" fmla="*/ 0 h 812322"/>
+              <a:gd name="connsiteX0" fmla="*/ 650546 w 718558"/>
+              <a:gd name="connsiteY0" fmla="*/ 748145 h 812322"/>
+              <a:gd name="connsiteX1" fmla="*/ 23312 w 718558"/>
+              <a:gd name="connsiteY1" fmla="*/ 770817 h 812322"/>
+              <a:gd name="connsiteX2" fmla="*/ 190078 w 718558"/>
+              <a:gd name="connsiteY2" fmla="*/ 64491 h 812322"/>
+              <a:gd name="connsiteX3" fmla="*/ 718558 w 718558"/>
+              <a:gd name="connsiteY3" fmla="*/ 0 h 812322"/>
+              <a:gd name="connsiteX0" fmla="*/ 641397 w 709409"/>
+              <a:gd name="connsiteY0" fmla="*/ 748145 h 812322"/>
+              <a:gd name="connsiteX1" fmla="*/ 14163 w 709409"/>
+              <a:gd name="connsiteY1" fmla="*/ 770817 h 812322"/>
+              <a:gd name="connsiteX2" fmla="*/ 180929 w 709409"/>
+              <a:gd name="connsiteY2" fmla="*/ 64491 h 812322"/>
+              <a:gd name="connsiteX3" fmla="*/ 709409 w 709409"/>
+              <a:gd name="connsiteY3" fmla="*/ 0 h 812322"/>
+              <a:gd name="connsiteX0" fmla="*/ 657796 w 725808"/>
+              <a:gd name="connsiteY0" fmla="*/ 748145 h 773366"/>
+              <a:gd name="connsiteX1" fmla="*/ 30562 w 725808"/>
+              <a:gd name="connsiteY1" fmla="*/ 770817 h 773366"/>
+              <a:gd name="connsiteX2" fmla="*/ 197328 w 725808"/>
+              <a:gd name="connsiteY2" fmla="*/ 64491 h 773366"/>
+              <a:gd name="connsiteX3" fmla="*/ 725808 w 725808"/>
+              <a:gd name="connsiteY3" fmla="*/ 0 h 773366"/>
+              <a:gd name="connsiteX0" fmla="*/ 627313 w 695325"/>
+              <a:gd name="connsiteY0" fmla="*/ 748145 h 770867"/>
+              <a:gd name="connsiteX1" fmla="*/ 79 w 695325"/>
+              <a:gd name="connsiteY1" fmla="*/ 770817 h 770867"/>
+              <a:gd name="connsiteX2" fmla="*/ 166845 w 695325"/>
+              <a:gd name="connsiteY2" fmla="*/ 64491 h 770867"/>
+              <a:gd name="connsiteX3" fmla="*/ 695325 w 695325"/>
+              <a:gd name="connsiteY3" fmla="*/ 0 h 770867"/>
+              <a:gd name="connsiteX0" fmla="*/ 647487 w 715499"/>
+              <a:gd name="connsiteY0" fmla="*/ 748145 h 770817"/>
+              <a:gd name="connsiteX1" fmla="*/ 20253 w 715499"/>
+              <a:gd name="connsiteY1" fmla="*/ 770817 h 770817"/>
+              <a:gd name="connsiteX2" fmla="*/ 156757 w 715499"/>
+              <a:gd name="connsiteY2" fmla="*/ 218064 h 770817"/>
+              <a:gd name="connsiteX3" fmla="*/ 187019 w 715499"/>
+              <a:gd name="connsiteY3" fmla="*/ 64491 h 770817"/>
+              <a:gd name="connsiteX4" fmla="*/ 715499 w 715499"/>
+              <a:gd name="connsiteY4" fmla="*/ 0 h 770817"/>
+              <a:gd name="connsiteX0" fmla="*/ 647487 w 715499"/>
+              <a:gd name="connsiteY0" fmla="*/ 748145 h 770817"/>
+              <a:gd name="connsiteX1" fmla="*/ 20253 w 715499"/>
+              <a:gd name="connsiteY1" fmla="*/ 770817 h 770817"/>
+              <a:gd name="connsiteX2" fmla="*/ 156757 w 715499"/>
+              <a:gd name="connsiteY2" fmla="*/ 218064 h 770817"/>
+              <a:gd name="connsiteX3" fmla="*/ 187019 w 715499"/>
+              <a:gd name="connsiteY3" fmla="*/ 64491 h 770817"/>
+              <a:gd name="connsiteX4" fmla="*/ 715499 w 715499"/>
+              <a:gd name="connsiteY4" fmla="*/ 0 h 770817"/>
+              <a:gd name="connsiteX0" fmla="*/ 650546 w 718558"/>
+              <a:gd name="connsiteY0" fmla="*/ 748145 h 812322"/>
+              <a:gd name="connsiteX1" fmla="*/ 23312 w 718558"/>
+              <a:gd name="connsiteY1" fmla="*/ 770817 h 812322"/>
+              <a:gd name="connsiteX2" fmla="*/ 190078 w 718558"/>
+              <a:gd name="connsiteY2" fmla="*/ 64491 h 812322"/>
+              <a:gd name="connsiteX3" fmla="*/ 718558 w 718558"/>
+              <a:gd name="connsiteY3" fmla="*/ 0 h 812322"/>
+              <a:gd name="connsiteX0" fmla="*/ 641987 w 709999"/>
+              <a:gd name="connsiteY0" fmla="*/ 748145 h 812322"/>
+              <a:gd name="connsiteX1" fmla="*/ 14753 w 709999"/>
+              <a:gd name="connsiteY1" fmla="*/ 770817 h 812322"/>
+              <a:gd name="connsiteX2" fmla="*/ 181519 w 709999"/>
+              <a:gd name="connsiteY2" fmla="*/ 64491 h 812322"/>
+              <a:gd name="connsiteX3" fmla="*/ 709999 w 709999"/>
+              <a:gd name="connsiteY3" fmla="*/ 0 h 812322"/>
+              <a:gd name="connsiteX0" fmla="*/ 641801 w 709813"/>
+              <a:gd name="connsiteY0" fmla="*/ 748145 h 772383"/>
+              <a:gd name="connsiteX1" fmla="*/ 14567 w 709813"/>
+              <a:gd name="connsiteY1" fmla="*/ 770817 h 772383"/>
+              <a:gd name="connsiteX2" fmla="*/ 181333 w 709813"/>
+              <a:gd name="connsiteY2" fmla="*/ 64491 h 772383"/>
+              <a:gd name="connsiteX3" fmla="*/ 709813 w 709813"/>
+              <a:gd name="connsiteY3" fmla="*/ 0 h 772383"/>
+              <a:gd name="connsiteX0" fmla="*/ 627328 w 695340"/>
+              <a:gd name="connsiteY0" fmla="*/ 748145 h 771993"/>
+              <a:gd name="connsiteX1" fmla="*/ 94 w 695340"/>
+              <a:gd name="connsiteY1" fmla="*/ 770817 h 771993"/>
+              <a:gd name="connsiteX2" fmla="*/ 166860 w 695340"/>
+              <a:gd name="connsiteY2" fmla="*/ 64491 h 771993"/>
+              <a:gd name="connsiteX3" fmla="*/ 695340 w 695340"/>
+              <a:gd name="connsiteY3" fmla="*/ 0 h 771993"/>
+              <a:gd name="connsiteX0" fmla="*/ 627277 w 695289"/>
+              <a:gd name="connsiteY0" fmla="*/ 748145 h 770819"/>
+              <a:gd name="connsiteX1" fmla="*/ 43 w 695289"/>
+              <a:gd name="connsiteY1" fmla="*/ 770817 h 770819"/>
+              <a:gd name="connsiteX2" fmla="*/ 166809 w 695289"/>
+              <a:gd name="connsiteY2" fmla="*/ 64491 h 770819"/>
+              <a:gd name="connsiteX3" fmla="*/ 695289 w 695289"/>
+              <a:gd name="connsiteY3" fmla="*/ 0 h 770819"/>
+              <a:gd name="connsiteX0" fmla="*/ 644267 w 712279"/>
+              <a:gd name="connsiteY0" fmla="*/ 748145 h 816007"/>
+              <a:gd name="connsiteX1" fmla="*/ 17033 w 712279"/>
+              <a:gd name="connsiteY1" fmla="*/ 770817 h 816007"/>
+              <a:gd name="connsiteX2" fmla="*/ 162367 w 712279"/>
+              <a:gd name="connsiteY2" fmla="*/ 13294 h 816007"/>
+              <a:gd name="connsiteX3" fmla="*/ 712279 w 712279"/>
+              <a:gd name="connsiteY3" fmla="*/ 0 h 816007"/>
+              <a:gd name="connsiteX0" fmla="*/ 630695 w 698707"/>
+              <a:gd name="connsiteY0" fmla="*/ 748145 h 771675"/>
+              <a:gd name="connsiteX1" fmla="*/ 3461 w 698707"/>
+              <a:gd name="connsiteY1" fmla="*/ 770817 h 771675"/>
+              <a:gd name="connsiteX2" fmla="*/ 148795 w 698707"/>
+              <a:gd name="connsiteY2" fmla="*/ 13294 h 771675"/>
+              <a:gd name="connsiteX3" fmla="*/ 698707 w 698707"/>
+              <a:gd name="connsiteY3" fmla="*/ 0 h 771675"/>
+              <a:gd name="connsiteX0" fmla="*/ 627301 w 695313"/>
+              <a:gd name="connsiteY0" fmla="*/ 748145 h 770838"/>
+              <a:gd name="connsiteX1" fmla="*/ 67 w 695313"/>
+              <a:gd name="connsiteY1" fmla="*/ 770817 h 770838"/>
+              <a:gd name="connsiteX2" fmla="*/ 145401 w 695313"/>
+              <a:gd name="connsiteY2" fmla="*/ 13294 h 770838"/>
+              <a:gd name="connsiteX3" fmla="*/ 695313 w 695313"/>
+              <a:gd name="connsiteY3" fmla="*/ 0 h 770838"/>
+              <a:gd name="connsiteX0" fmla="*/ 627301 w 695313"/>
+              <a:gd name="connsiteY0" fmla="*/ 748145 h 770838"/>
+              <a:gd name="connsiteX1" fmla="*/ 67 w 695313"/>
+              <a:gd name="connsiteY1" fmla="*/ 770817 h 770838"/>
+              <a:gd name="connsiteX2" fmla="*/ 145401 w 695313"/>
+              <a:gd name="connsiteY2" fmla="*/ 13294 h 770838"/>
+              <a:gd name="connsiteX3" fmla="*/ 695313 w 695313"/>
+              <a:gd name="connsiteY3" fmla="*/ 0 h 770838"/>
+              <a:gd name="connsiteX0" fmla="*/ 627301 w 695313"/>
+              <a:gd name="connsiteY0" fmla="*/ 748145 h 770838"/>
+              <a:gd name="connsiteX1" fmla="*/ 67 w 695313"/>
+              <a:gd name="connsiteY1" fmla="*/ 770817 h 770838"/>
+              <a:gd name="connsiteX2" fmla="*/ 145401 w 695313"/>
+              <a:gd name="connsiteY2" fmla="*/ 13294 h 770838"/>
+              <a:gd name="connsiteX3" fmla="*/ 695313 w 695313"/>
+              <a:gd name="connsiteY3" fmla="*/ 0 h 770838"/>
+              <a:gd name="connsiteX0" fmla="*/ 627301 w 695313"/>
+              <a:gd name="connsiteY0" fmla="*/ 748145 h 770838"/>
+              <a:gd name="connsiteX1" fmla="*/ 67 w 695313"/>
+              <a:gd name="connsiteY1" fmla="*/ 770817 h 770838"/>
+              <a:gd name="connsiteX2" fmla="*/ 145401 w 695313"/>
+              <a:gd name="connsiteY2" fmla="*/ 13294 h 770838"/>
+              <a:gd name="connsiteX3" fmla="*/ 695313 w 695313"/>
+              <a:gd name="connsiteY3" fmla="*/ 0 h 770838"/>
+              <a:gd name="connsiteX0" fmla="*/ 627301 w 695313"/>
+              <a:gd name="connsiteY0" fmla="*/ 748145 h 770838"/>
+              <a:gd name="connsiteX1" fmla="*/ 67 w 695313"/>
+              <a:gd name="connsiteY1" fmla="*/ 770817 h 770838"/>
+              <a:gd name="connsiteX2" fmla="*/ 145401 w 695313"/>
+              <a:gd name="connsiteY2" fmla="*/ 13294 h 770838"/>
+              <a:gd name="connsiteX3" fmla="*/ 695313 w 695313"/>
+              <a:gd name="connsiteY3" fmla="*/ 0 h 770838"/>
+              <a:gd name="connsiteX0" fmla="*/ 627301 w 695313"/>
+              <a:gd name="connsiteY0" fmla="*/ 748145 h 770838"/>
+              <a:gd name="connsiteX1" fmla="*/ 67 w 695313"/>
+              <a:gd name="connsiteY1" fmla="*/ 770817 h 770838"/>
+              <a:gd name="connsiteX2" fmla="*/ 145401 w 695313"/>
+              <a:gd name="connsiteY2" fmla="*/ 13294 h 770838"/>
+              <a:gd name="connsiteX3" fmla="*/ 695313 w 695313"/>
+              <a:gd name="connsiteY3" fmla="*/ 0 h 770838"/>
+              <a:gd name="connsiteX0" fmla="*/ 627355 w 695367"/>
+              <a:gd name="connsiteY0" fmla="*/ 748145 h 770856"/>
+              <a:gd name="connsiteX1" fmla="*/ 121 w 695367"/>
+              <a:gd name="connsiteY1" fmla="*/ 770817 h 770856"/>
+              <a:gd name="connsiteX2" fmla="*/ 145455 w 695367"/>
+              <a:gd name="connsiteY2" fmla="*/ 13294 h 770856"/>
+              <a:gd name="connsiteX3" fmla="*/ 695367 w 695367"/>
+              <a:gd name="connsiteY3" fmla="*/ 0 h 770856"/>
+              <a:gd name="connsiteX0" fmla="*/ 627355 w 695367"/>
+              <a:gd name="connsiteY0" fmla="*/ 748145 h 770856"/>
+              <a:gd name="connsiteX1" fmla="*/ 121 w 695367"/>
+              <a:gd name="connsiteY1" fmla="*/ 770817 h 770856"/>
+              <a:gd name="connsiteX2" fmla="*/ 145455 w 695367"/>
+              <a:gd name="connsiteY2" fmla="*/ 13294 h 770856"/>
+              <a:gd name="connsiteX3" fmla="*/ 695367 w 695367"/>
+              <a:gd name="connsiteY3" fmla="*/ 0 h 770856"/>
+              <a:gd name="connsiteX0" fmla="*/ 627235 w 695247"/>
+              <a:gd name="connsiteY0" fmla="*/ 748145 h 772339"/>
+              <a:gd name="connsiteX1" fmla="*/ 1 w 695247"/>
+              <a:gd name="connsiteY1" fmla="*/ 770817 h 772339"/>
+              <a:gd name="connsiteX2" fmla="*/ 145335 w 695247"/>
+              <a:gd name="connsiteY2" fmla="*/ 13294 h 772339"/>
+              <a:gd name="connsiteX3" fmla="*/ 695247 w 695247"/>
+              <a:gd name="connsiteY3" fmla="*/ 0 h 772339"/>
+              <a:gd name="connsiteX0" fmla="*/ 627235 w 695247"/>
+              <a:gd name="connsiteY0" fmla="*/ 748145 h 772339"/>
+              <a:gd name="connsiteX1" fmla="*/ 1 w 695247"/>
+              <a:gd name="connsiteY1" fmla="*/ 770817 h 772339"/>
+              <a:gd name="connsiteX2" fmla="*/ 145335 w 695247"/>
+              <a:gd name="connsiteY2" fmla="*/ 13294 h 772339"/>
+              <a:gd name="connsiteX3" fmla="*/ 695247 w 695247"/>
+              <a:gd name="connsiteY3" fmla="*/ 0 h 772339"/>
+              <a:gd name="connsiteX0" fmla="*/ 627234 w 695246"/>
+              <a:gd name="connsiteY0" fmla="*/ 748145 h 770817"/>
+              <a:gd name="connsiteX1" fmla="*/ 0 w 695246"/>
+              <a:gd name="connsiteY1" fmla="*/ 770817 h 770817"/>
+              <a:gd name="connsiteX2" fmla="*/ 145334 w 695246"/>
+              <a:gd name="connsiteY2" fmla="*/ 13294 h 770817"/>
+              <a:gd name="connsiteX3" fmla="*/ 695246 w 695246"/>
+              <a:gd name="connsiteY3" fmla="*/ 0 h 770817"/>
+              <a:gd name="connsiteX0" fmla="*/ 627234 w 695246"/>
+              <a:gd name="connsiteY0" fmla="*/ 748145 h 770817"/>
+              <a:gd name="connsiteX1" fmla="*/ 0 w 695246"/>
+              <a:gd name="connsiteY1" fmla="*/ 770817 h 770817"/>
+              <a:gd name="connsiteX2" fmla="*/ 145334 w 695246"/>
+              <a:gd name="connsiteY2" fmla="*/ 13294 h 770817"/>
+              <a:gd name="connsiteX3" fmla="*/ 695246 w 695246"/>
+              <a:gd name="connsiteY3" fmla="*/ 0 h 770817"/>
+              <a:gd name="connsiteX0" fmla="*/ 627234 w 695246"/>
+              <a:gd name="connsiteY0" fmla="*/ 748145 h 770817"/>
+              <a:gd name="connsiteX1" fmla="*/ 0 w 695246"/>
+              <a:gd name="connsiteY1" fmla="*/ 770817 h 770817"/>
+              <a:gd name="connsiteX2" fmla="*/ 145334 w 695246"/>
+              <a:gd name="connsiteY2" fmla="*/ 13294 h 770817"/>
+              <a:gd name="connsiteX3" fmla="*/ 695246 w 695246"/>
+              <a:gd name="connsiteY3" fmla="*/ 0 h 770817"/>
+              <a:gd name="connsiteX0" fmla="*/ 486740 w 554752"/>
+              <a:gd name="connsiteY0" fmla="*/ 748145 h 748195"/>
+              <a:gd name="connsiteX1" fmla="*/ 0 w 554752"/>
+              <a:gd name="connsiteY1" fmla="*/ 748195 h 748195"/>
+              <a:gd name="connsiteX2" fmla="*/ 4840 w 554752"/>
+              <a:gd name="connsiteY2" fmla="*/ 13294 h 748195"/>
+              <a:gd name="connsiteX3" fmla="*/ 554752 w 554752"/>
+              <a:gd name="connsiteY3" fmla="*/ 0 h 748195"/>
+              <a:gd name="connsiteX0" fmla="*/ 484359 w 552371"/>
+              <a:gd name="connsiteY0" fmla="*/ 748145 h 820823"/>
+              <a:gd name="connsiteX1" fmla="*/ 0 w 552371"/>
+              <a:gd name="connsiteY1" fmla="*/ 820823 h 820823"/>
+              <a:gd name="connsiteX2" fmla="*/ 2459 w 552371"/>
+              <a:gd name="connsiteY2" fmla="*/ 13294 h 820823"/>
+              <a:gd name="connsiteX3" fmla="*/ 552371 w 552371"/>
+              <a:gd name="connsiteY3" fmla="*/ 0 h 820823"/>
+              <a:gd name="connsiteX0" fmla="*/ 484359 w 552371"/>
+              <a:gd name="connsiteY0" fmla="*/ 748145 h 881293"/>
+              <a:gd name="connsiteX1" fmla="*/ 486546 w 552371"/>
+              <a:gd name="connsiteY1" fmla="*/ 831236 h 881293"/>
+              <a:gd name="connsiteX2" fmla="*/ 0 w 552371"/>
+              <a:gd name="connsiteY2" fmla="*/ 820823 h 881293"/>
+              <a:gd name="connsiteX3" fmla="*/ 2459 w 552371"/>
+              <a:gd name="connsiteY3" fmla="*/ 13294 h 881293"/>
+              <a:gd name="connsiteX4" fmla="*/ 552371 w 552371"/>
+              <a:gd name="connsiteY4" fmla="*/ 0 h 881293"/>
+              <a:gd name="connsiteX0" fmla="*/ 486546 w 552371"/>
+              <a:gd name="connsiteY0" fmla="*/ 831236 h 881293"/>
+              <a:gd name="connsiteX1" fmla="*/ 0 w 552371"/>
+              <a:gd name="connsiteY1" fmla="*/ 820823 h 881293"/>
+              <a:gd name="connsiteX2" fmla="*/ 2459 w 552371"/>
+              <a:gd name="connsiteY2" fmla="*/ 13294 h 881293"/>
+              <a:gd name="connsiteX3" fmla="*/ 552371 w 552371"/>
+              <a:gd name="connsiteY3" fmla="*/ 0 h 881293"/>
+              <a:gd name="connsiteX0" fmla="*/ 505596 w 552371"/>
+              <a:gd name="connsiteY0" fmla="*/ 866954 h 894719"/>
+              <a:gd name="connsiteX1" fmla="*/ 0 w 552371"/>
+              <a:gd name="connsiteY1" fmla="*/ 820823 h 894719"/>
+              <a:gd name="connsiteX2" fmla="*/ 2459 w 552371"/>
+              <a:gd name="connsiteY2" fmla="*/ 13294 h 894719"/>
+              <a:gd name="connsiteX3" fmla="*/ 552371 w 552371"/>
+              <a:gd name="connsiteY3" fmla="*/ 0 h 894719"/>
+              <a:gd name="connsiteX0" fmla="*/ 594893 w 594893"/>
+              <a:gd name="connsiteY0" fmla="*/ 1087220 h 1087885"/>
+              <a:gd name="connsiteX1" fmla="*/ 0 w 594893"/>
+              <a:gd name="connsiteY1" fmla="*/ 820823 h 1087885"/>
+              <a:gd name="connsiteX2" fmla="*/ 2459 w 594893"/>
+              <a:gd name="connsiteY2" fmla="*/ 13294 h 1087885"/>
+              <a:gd name="connsiteX3" fmla="*/ 552371 w 594893"/>
+              <a:gd name="connsiteY3" fmla="*/ 0 h 1087885"/>
+              <a:gd name="connsiteX0" fmla="*/ 593694 w 593694"/>
+              <a:gd name="connsiteY0" fmla="*/ 1087220 h 1139755"/>
+              <a:gd name="connsiteX1" fmla="*/ 9517 w 593694"/>
+              <a:gd name="connsiteY1" fmla="*/ 1080379 h 1139755"/>
+              <a:gd name="connsiteX2" fmla="*/ 1260 w 593694"/>
+              <a:gd name="connsiteY2" fmla="*/ 13294 h 1139755"/>
+              <a:gd name="connsiteX3" fmla="*/ 551172 w 593694"/>
+              <a:gd name="connsiteY3" fmla="*/ 0 h 1139755"/>
+              <a:gd name="connsiteX0" fmla="*/ 593694 w 593694"/>
+              <a:gd name="connsiteY0" fmla="*/ 1087220 h 1092028"/>
+              <a:gd name="connsiteX1" fmla="*/ 9517 w 593694"/>
+              <a:gd name="connsiteY1" fmla="*/ 1080379 h 1092028"/>
+              <a:gd name="connsiteX2" fmla="*/ 1260 w 593694"/>
+              <a:gd name="connsiteY2" fmla="*/ 13294 h 1092028"/>
+              <a:gd name="connsiteX3" fmla="*/ 551172 w 593694"/>
+              <a:gd name="connsiteY3" fmla="*/ 0 h 1092028"/>
+              <a:gd name="connsiteX0" fmla="*/ 593694 w 593694"/>
+              <a:gd name="connsiteY0" fmla="*/ 1087220 h 1099405"/>
+              <a:gd name="connsiteX1" fmla="*/ 9517 w 593694"/>
+              <a:gd name="connsiteY1" fmla="*/ 1097048 h 1099405"/>
+              <a:gd name="connsiteX2" fmla="*/ 1260 w 593694"/>
+              <a:gd name="connsiteY2" fmla="*/ 13294 h 1099405"/>
+              <a:gd name="connsiteX3" fmla="*/ 551172 w 593694"/>
+              <a:gd name="connsiteY3" fmla="*/ 0 h 1099405"/>
+              <a:gd name="connsiteX0" fmla="*/ 593694 w 593694"/>
+              <a:gd name="connsiteY0" fmla="*/ 1087220 h 1098408"/>
+              <a:gd name="connsiteX1" fmla="*/ 9517 w 593694"/>
+              <a:gd name="connsiteY1" fmla="*/ 1097048 h 1098408"/>
+              <a:gd name="connsiteX2" fmla="*/ 1260 w 593694"/>
+              <a:gd name="connsiteY2" fmla="*/ 13294 h 1098408"/>
+              <a:gd name="connsiteX3" fmla="*/ 551172 w 593694"/>
+              <a:gd name="connsiteY3" fmla="*/ 0 h 1098408"/>
+              <a:gd name="connsiteX0" fmla="*/ 591313 w 591313"/>
+              <a:gd name="connsiteY0" fmla="*/ 1095554 h 1100106"/>
+              <a:gd name="connsiteX1" fmla="*/ 9517 w 591313"/>
+              <a:gd name="connsiteY1" fmla="*/ 1097048 h 1100106"/>
+              <a:gd name="connsiteX2" fmla="*/ 1260 w 591313"/>
+              <a:gd name="connsiteY2" fmla="*/ 13294 h 1100106"/>
+              <a:gd name="connsiteX3" fmla="*/ 551172 w 591313"/>
+              <a:gd name="connsiteY3" fmla="*/ 0 h 1100106"/>
+              <a:gd name="connsiteX0" fmla="*/ 591313 w 591313"/>
+              <a:gd name="connsiteY0" fmla="*/ 1095554 h 1099753"/>
+              <a:gd name="connsiteX1" fmla="*/ 9517 w 591313"/>
+              <a:gd name="connsiteY1" fmla="*/ 1097048 h 1099753"/>
+              <a:gd name="connsiteX2" fmla="*/ 1260 w 591313"/>
+              <a:gd name="connsiteY2" fmla="*/ 13294 h 1099753"/>
+              <a:gd name="connsiteX3" fmla="*/ 551172 w 591313"/>
+              <a:gd name="connsiteY3" fmla="*/ 0 h 1099753"/>
+              <a:gd name="connsiteX0" fmla="*/ 591313 w 591313"/>
+              <a:gd name="connsiteY0" fmla="*/ 1095554 h 1099753"/>
+              <a:gd name="connsiteX1" fmla="*/ 9517 w 591313"/>
+              <a:gd name="connsiteY1" fmla="*/ 1097048 h 1099753"/>
+              <a:gd name="connsiteX2" fmla="*/ 1260 w 591313"/>
+              <a:gd name="connsiteY2" fmla="*/ 13294 h 1099753"/>
+              <a:gd name="connsiteX3" fmla="*/ 551172 w 591313"/>
+              <a:gd name="connsiteY3" fmla="*/ 0 h 1099753"/>
+              <a:gd name="connsiteX0" fmla="*/ 591313 w 591313"/>
+              <a:gd name="connsiteY0" fmla="*/ 1082260 h 1086459"/>
+              <a:gd name="connsiteX1" fmla="*/ 9517 w 591313"/>
+              <a:gd name="connsiteY1" fmla="*/ 1083754 h 1086459"/>
+              <a:gd name="connsiteX2" fmla="*/ 1260 w 591313"/>
+              <a:gd name="connsiteY2" fmla="*/ 0 h 1086459"/>
+              <a:gd name="connsiteX3" fmla="*/ 551172 w 591313"/>
+              <a:gd name="connsiteY3" fmla="*/ 994 h 1086459"/>
+              <a:gd name="connsiteX0" fmla="*/ 586870 w 586870"/>
+              <a:gd name="connsiteY0" fmla="*/ 1081266 h 1085465"/>
+              <a:gd name="connsiteX1" fmla="*/ 5074 w 586870"/>
+              <a:gd name="connsiteY1" fmla="*/ 1082760 h 1085465"/>
+              <a:gd name="connsiteX2" fmla="*/ 1579 w 586870"/>
+              <a:gd name="connsiteY2" fmla="*/ 15674 h 1085465"/>
+              <a:gd name="connsiteX3" fmla="*/ 546729 w 586870"/>
+              <a:gd name="connsiteY3" fmla="*/ 0 h 1085465"/>
+              <a:gd name="connsiteX0" fmla="*/ 590188 w 590188"/>
+              <a:gd name="connsiteY0" fmla="*/ 1081266 h 1085465"/>
+              <a:gd name="connsiteX1" fmla="*/ 8392 w 590188"/>
+              <a:gd name="connsiteY1" fmla="*/ 1082760 h 1085465"/>
+              <a:gd name="connsiteX2" fmla="*/ 1326 w 590188"/>
+              <a:gd name="connsiteY2" fmla="*/ 10911 h 1085465"/>
+              <a:gd name="connsiteX3" fmla="*/ 550047 w 590188"/>
+              <a:gd name="connsiteY3" fmla="*/ 0 h 1085465"/>
+              <a:gd name="connsiteX0" fmla="*/ 592442 w 592442"/>
+              <a:gd name="connsiteY0" fmla="*/ 1081266 h 1085465"/>
+              <a:gd name="connsiteX1" fmla="*/ 10646 w 592442"/>
+              <a:gd name="connsiteY1" fmla="*/ 1082760 h 1085465"/>
+              <a:gd name="connsiteX2" fmla="*/ 1199 w 592442"/>
+              <a:gd name="connsiteY2" fmla="*/ 2577 h 1085465"/>
+              <a:gd name="connsiteX3" fmla="*/ 552301 w 592442"/>
+              <a:gd name="connsiteY3" fmla="*/ 0 h 1085465"/>
+              <a:gd name="connsiteX0" fmla="*/ 591351 w 591351"/>
+              <a:gd name="connsiteY0" fmla="*/ 1081266 h 1085465"/>
+              <a:gd name="connsiteX1" fmla="*/ 9555 w 591351"/>
+              <a:gd name="connsiteY1" fmla="*/ 1082760 h 1085465"/>
+              <a:gd name="connsiteX2" fmla="*/ 108 w 591351"/>
+              <a:gd name="connsiteY2" fmla="*/ 2577 h 1085465"/>
+              <a:gd name="connsiteX3" fmla="*/ 551210 w 591351"/>
+              <a:gd name="connsiteY3" fmla="*/ 0 h 1085465"/>
+              <a:gd name="connsiteX0" fmla="*/ 591405 w 591405"/>
+              <a:gd name="connsiteY0" fmla="*/ 1081266 h 1085465"/>
+              <a:gd name="connsiteX1" fmla="*/ 9609 w 591405"/>
+              <a:gd name="connsiteY1" fmla="*/ 1082760 h 1085465"/>
+              <a:gd name="connsiteX2" fmla="*/ 162 w 591405"/>
+              <a:gd name="connsiteY2" fmla="*/ 2577 h 1085465"/>
+              <a:gd name="connsiteX3" fmla="*/ 551264 w 591405"/>
+              <a:gd name="connsiteY3" fmla="*/ 0 h 1085465"/>
+              <a:gd name="connsiteX0" fmla="*/ 591405 w 591405"/>
+              <a:gd name="connsiteY0" fmla="*/ 1081266 h 1084480"/>
+              <a:gd name="connsiteX1" fmla="*/ 9609 w 591405"/>
+              <a:gd name="connsiteY1" fmla="*/ 1082760 h 1084480"/>
+              <a:gd name="connsiteX2" fmla="*/ 162 w 591405"/>
+              <a:gd name="connsiteY2" fmla="*/ 2577 h 1084480"/>
+              <a:gd name="connsiteX3" fmla="*/ 551264 w 591405"/>
+              <a:gd name="connsiteY3" fmla="*/ 0 h 1084480"/>
+              <a:gd name="connsiteX0" fmla="*/ 586642 w 586642"/>
+              <a:gd name="connsiteY0" fmla="*/ 1081266 h 1084480"/>
+              <a:gd name="connsiteX1" fmla="*/ 9609 w 586642"/>
+              <a:gd name="connsiteY1" fmla="*/ 1082760 h 1084480"/>
+              <a:gd name="connsiteX2" fmla="*/ 162 w 586642"/>
+              <a:gd name="connsiteY2" fmla="*/ 2577 h 1084480"/>
+              <a:gd name="connsiteX3" fmla="*/ 551264 w 586642"/>
+              <a:gd name="connsiteY3" fmla="*/ 0 h 1084480"/>
+              <a:gd name="connsiteX0" fmla="*/ 587818 w 587818"/>
+              <a:gd name="connsiteY0" fmla="*/ 1089405 h 1092619"/>
+              <a:gd name="connsiteX1" fmla="*/ 10785 w 587818"/>
+              <a:gd name="connsiteY1" fmla="*/ 1090899 h 1092619"/>
+              <a:gd name="connsiteX2" fmla="*/ 147 w 587818"/>
+              <a:gd name="connsiteY2" fmla="*/ 0 h 1092619"/>
+              <a:gd name="connsiteX3" fmla="*/ 552440 w 587818"/>
+              <a:gd name="connsiteY3" fmla="*/ 8139 h 1092619"/>
+              <a:gd name="connsiteX0" fmla="*/ 587818 w 587818"/>
+              <a:gd name="connsiteY0" fmla="*/ 1081266 h 1084480"/>
+              <a:gd name="connsiteX1" fmla="*/ 10785 w 587818"/>
+              <a:gd name="connsiteY1" fmla="*/ 1082760 h 1084480"/>
+              <a:gd name="connsiteX2" fmla="*/ 147 w 587818"/>
+              <a:gd name="connsiteY2" fmla="*/ 196 h 1084480"/>
+              <a:gd name="connsiteX3" fmla="*/ 552440 w 587818"/>
+              <a:gd name="connsiteY3" fmla="*/ 0 h 1084480"/>
+              <a:gd name="connsiteX0" fmla="*/ 591416 w 591416"/>
+              <a:gd name="connsiteY0" fmla="*/ 1081266 h 1084480"/>
+              <a:gd name="connsiteX1" fmla="*/ 96 w 591416"/>
+              <a:gd name="connsiteY1" fmla="*/ 1082760 h 1084480"/>
+              <a:gd name="connsiteX2" fmla="*/ 3745 w 591416"/>
+              <a:gd name="connsiteY2" fmla="*/ 196 h 1084480"/>
+              <a:gd name="connsiteX3" fmla="*/ 556038 w 591416"/>
+              <a:gd name="connsiteY3" fmla="*/ 0 h 1084480"/>
+              <a:gd name="connsiteX0" fmla="*/ 591416 w 591416"/>
+              <a:gd name="connsiteY0" fmla="*/ 1081266 h 1084480"/>
+              <a:gd name="connsiteX1" fmla="*/ 96 w 591416"/>
+              <a:gd name="connsiteY1" fmla="*/ 1082760 h 1084480"/>
+              <a:gd name="connsiteX2" fmla="*/ 3745 w 591416"/>
+              <a:gd name="connsiteY2" fmla="*/ 196 h 1084480"/>
+              <a:gd name="connsiteX3" fmla="*/ 556038 w 591416"/>
+              <a:gd name="connsiteY3" fmla="*/ 0 h 1084480"/>
+              <a:gd name="connsiteX0" fmla="*/ 591416 w 591416"/>
+              <a:gd name="connsiteY0" fmla="*/ 1081266 h 1082760"/>
+              <a:gd name="connsiteX1" fmla="*/ 96 w 591416"/>
+              <a:gd name="connsiteY1" fmla="*/ 1082760 h 1082760"/>
+              <a:gd name="connsiteX2" fmla="*/ 3745 w 591416"/>
+              <a:gd name="connsiteY2" fmla="*/ 196 h 1082760"/>
+              <a:gd name="connsiteX3" fmla="*/ 556038 w 591416"/>
+              <a:gd name="connsiteY3" fmla="*/ 0 h 1082760"/>
+              <a:gd name="connsiteX0" fmla="*/ 588565 w 588565"/>
+              <a:gd name="connsiteY0" fmla="*/ 1081266 h 1081266"/>
+              <a:gd name="connsiteX1" fmla="*/ 817 w 588565"/>
+              <a:gd name="connsiteY1" fmla="*/ 1077998 h 1081266"/>
+              <a:gd name="connsiteX2" fmla="*/ 894 w 588565"/>
+              <a:gd name="connsiteY2" fmla="*/ 196 h 1081266"/>
+              <a:gd name="connsiteX3" fmla="*/ 553187 w 588565"/>
+              <a:gd name="connsiteY3" fmla="*/ 0 h 1081266"/>
+              <a:gd name="connsiteX0" fmla="*/ 588099 w 588099"/>
+              <a:gd name="connsiteY0" fmla="*/ 1081266 h 1081570"/>
+              <a:gd name="connsiteX1" fmla="*/ 2732 w 588099"/>
+              <a:gd name="connsiteY1" fmla="*/ 1081570 h 1081570"/>
+              <a:gd name="connsiteX2" fmla="*/ 428 w 588099"/>
+              <a:gd name="connsiteY2" fmla="*/ 196 h 1081570"/>
+              <a:gd name="connsiteX3" fmla="*/ 552721 w 588099"/>
+              <a:gd name="connsiteY3" fmla="*/ 0 h 1081570"/>
+            </a:gdLst>
+            <a:ahLst/>
+            <a:cxnLst>
+              <a:cxn ang="0">
+                <a:pos x="connsiteX0" y="connsiteY0"/>
+              </a:cxn>
+              <a:cxn ang="0">
+                <a:pos x="connsiteX1" y="connsiteY1"/>
+              </a:cxn>
+              <a:cxn ang="0">
+                <a:pos x="connsiteX2" y="connsiteY2"/>
+              </a:cxn>
+              <a:cxn ang="0">
+                <a:pos x="connsiteX3" y="connsiteY3"/>
+              </a:cxn>
+            </a:cxnLst>
+            <a:rect l="l" t="t" r="r" b="b"/>
+            <a:pathLst>
+              <a:path w="588099" h="1081570">
+                <a:moveTo>
+                  <a:pt x="588099" y="1081266"/>
+                </a:moveTo>
+                <a:lnTo>
+                  <a:pt x="2732" y="1081570"/>
+                </a:lnTo>
+                <a:cubicBezTo>
+                  <a:pt x="2090" y="977592"/>
+                  <a:pt x="-1146" y="267969"/>
+                  <a:pt x="428" y="196"/>
+                </a:cubicBezTo>
+                <a:lnTo>
+                  <a:pt x="552721" y="0"/>
+                </a:lnTo>
+              </a:path>
+            </a:pathLst>
+          </a:custGeom>
+          <a:noFill/>
+          <a:ln w="12700">
+            <a:solidFill>
+              <a:schemeClr val="accent6">
+                <a:lumMod val="75000"/>
+              </a:schemeClr>
+            </a:solidFill>
+            <a:tailEnd type="triangle" w="sm" len="sm"/>
+          </a:ln>
+        </p:spPr>
+        <p:style>
+          <a:lnRef idx="2">
+            <a:schemeClr val="accent1">
+              <a:shade val="50000"/>
+            </a:schemeClr>
+          </a:lnRef>
+          <a:fillRef idx="1">
+            <a:schemeClr val="accent1"/>
+          </a:fillRef>
+          <a:effectRef idx="0">
+            <a:schemeClr val="accent1"/>
+          </a:effectRef>
+          <a:fontRef idx="minor">
+            <a:schemeClr val="lt1"/>
+          </a:fontRef>
+        </p:style>
+        <p:txBody>
+          <a:bodyPr rtlCol="0" anchor="ctr"/>
+          <a:lstStyle/>
+          <a:p>
+            <a:pPr algn="ctr"/>
+            <a:endParaRPr lang="en-US"/>
+          </a:p>
+        </p:txBody>
+      </p:sp>
     </p:spTree>
     <p:extLst>
       <p:ext uri="{BB962C8B-B14F-4D97-AF65-F5344CB8AC3E}">
@@ -5513,913 +5344,7 @@
   <p:timing>
     <p:tnLst>
       <p:par>
-        <p:cTn id="1" dur="indefinite" restart="never" nodeType="tmRoot">
-          <p:childTnLst>
-            <p:seq concurrent="1" nextAc="seek">
-              <p:cTn id="2" dur="indefinite" nodeType="mainSeq">
-                <p:childTnLst>
-                  <p:par>
-                    <p:cTn id="3" fill="hold">
-                      <p:stCondLst>
-                        <p:cond delay="indefinite"/>
-                      </p:stCondLst>
-                      <p:childTnLst>
-                        <p:par>
-                          <p:cTn id="4" fill="hold">
-                            <p:stCondLst>
-                              <p:cond delay="0"/>
-                            </p:stCondLst>
-                            <p:childTnLst>
-                              <p:par>
-                                <p:cTn id="5" presetID="6" presetClass="entr" presetSubtype="16" fill="hold" nodeType="clickEffect">
-                                  <p:stCondLst>
-                                    <p:cond delay="0"/>
-                                  </p:stCondLst>
-                                  <p:childTnLst>
-                                    <p:set>
-                                      <p:cBhvr>
-                                        <p:cTn id="6" dur="1" fill="hold">
-                                          <p:stCondLst>
-                                            <p:cond delay="0"/>
-                                          </p:stCondLst>
-                                        </p:cTn>
-                                        <p:tgtEl>
-                                          <p:spTgt spid="28"/>
-                                        </p:tgtEl>
-                                        <p:attrNameLst>
-                                          <p:attrName>style.visibility</p:attrName>
-                                        </p:attrNameLst>
-                                      </p:cBhvr>
-                                      <p:to>
-                                        <p:strVal val="visible"/>
-                                      </p:to>
-                                    </p:set>
-                                    <p:animEffect transition="in" filter="circle(in)">
-                                      <p:cBhvr>
-                                        <p:cTn id="7" dur="2000"/>
-                                        <p:tgtEl>
-                                          <p:spTgt spid="28"/>
-                                        </p:tgtEl>
-                                      </p:cBhvr>
-                                    </p:animEffect>
-                                  </p:childTnLst>
-                                  <p:subTnLst>
-                                    <p:audio>
-                                      <p:cMediaNode>
-                                        <p:cTn display="0" masterRel="sameClick">
-                                          <p:stCondLst>
-                                            <p:cond evt="begin" delay="0">
-                                              <p:tn val="5"/>
-                                            </p:cond>
-                                          </p:stCondLst>
-                                          <p:endCondLst>
-                                            <p:cond evt="onStopAudio" delay="0">
-                                              <p:tgtEl>
-                                                <p:sldTgt/>
-                                              </p:tgtEl>
-                                            </p:cond>
-                                          </p:endCondLst>
-                                        </p:cTn>
-                                        <p:tgtEl>
-                                          <p:sndTgt r:embed="rId2" name="chimes.wav"/>
-                                        </p:tgtEl>
-                                      </p:cMediaNode>
-                                    </p:audio>
-                                  </p:subTnLst>
-                                </p:cTn>
-                              </p:par>
-                            </p:childTnLst>
-                          </p:cTn>
-                        </p:par>
-                      </p:childTnLst>
-                    </p:cTn>
-                  </p:par>
-                  <p:par>
-                    <p:cTn id="8" fill="hold">
-                      <p:stCondLst>
-                        <p:cond delay="indefinite"/>
-                      </p:stCondLst>
-                      <p:childTnLst>
-                        <p:par>
-                          <p:cTn id="9" fill="hold">
-                            <p:stCondLst>
-                              <p:cond delay="0"/>
-                            </p:stCondLst>
-                            <p:childTnLst>
-                              <p:par>
-                                <p:cTn id="10" presetID="6" presetClass="entr" presetSubtype="16" fill="hold" nodeType="clickEffect">
-                                  <p:stCondLst>
-                                    <p:cond delay="0"/>
-                                  </p:stCondLst>
-                                  <p:childTnLst>
-                                    <p:set>
-                                      <p:cBhvr>
-                                        <p:cTn id="11" dur="1" fill="hold">
-                                          <p:stCondLst>
-                                            <p:cond delay="0"/>
-                                          </p:stCondLst>
-                                        </p:cTn>
-                                        <p:tgtEl>
-                                          <p:spTgt spid="59"/>
-                                        </p:tgtEl>
-                                        <p:attrNameLst>
-                                          <p:attrName>style.visibility</p:attrName>
-                                        </p:attrNameLst>
-                                      </p:cBhvr>
-                                      <p:to>
-                                        <p:strVal val="visible"/>
-                                      </p:to>
-                                    </p:set>
-                                    <p:animEffect transition="in" filter="circle(in)">
-                                      <p:cBhvr>
-                                        <p:cTn id="12" dur="2000"/>
-                                        <p:tgtEl>
-                                          <p:spTgt spid="59"/>
-                                        </p:tgtEl>
-                                      </p:cBhvr>
-                                    </p:animEffect>
-                                  </p:childTnLst>
-                                </p:cTn>
-                              </p:par>
-                            </p:childTnLst>
-                          </p:cTn>
-                        </p:par>
-                      </p:childTnLst>
-                    </p:cTn>
-                  </p:par>
-                  <p:par>
-                    <p:cTn id="13" fill="hold">
-                      <p:stCondLst>
-                        <p:cond delay="indefinite"/>
-                      </p:stCondLst>
-                      <p:childTnLst>
-                        <p:par>
-                          <p:cTn id="14" fill="hold">
-                            <p:stCondLst>
-                              <p:cond delay="0"/>
-                            </p:stCondLst>
-                            <p:childTnLst>
-                              <p:par>
-                                <p:cTn id="15" presetID="31" presetClass="entr" presetSubtype="0" fill="hold" nodeType="clickEffect">
-                                  <p:stCondLst>
-                                    <p:cond delay="0"/>
-                                  </p:stCondLst>
-                                  <p:childTnLst>
-                                    <p:set>
-                                      <p:cBhvr>
-                                        <p:cTn id="16" dur="1" fill="hold">
-                                          <p:stCondLst>
-                                            <p:cond delay="0"/>
-                                          </p:stCondLst>
-                                        </p:cTn>
-                                        <p:tgtEl>
-                                          <p:spTgt spid="60"/>
-                                        </p:tgtEl>
-                                        <p:attrNameLst>
-                                          <p:attrName>style.visibility</p:attrName>
-                                        </p:attrNameLst>
-                                      </p:cBhvr>
-                                      <p:to>
-                                        <p:strVal val="visible"/>
-                                      </p:to>
-                                    </p:set>
-                                    <p:anim calcmode="lin" valueType="num">
-                                      <p:cBhvr>
-                                        <p:cTn id="17" dur="1000" fill="hold"/>
-                                        <p:tgtEl>
-                                          <p:spTgt spid="60"/>
-                                        </p:tgtEl>
-                                        <p:attrNameLst>
-                                          <p:attrName>ppt_w</p:attrName>
-                                        </p:attrNameLst>
-                                      </p:cBhvr>
-                                      <p:tavLst>
-                                        <p:tav tm="0">
-                                          <p:val>
-                                            <p:fltVal val="0"/>
-                                          </p:val>
-                                        </p:tav>
-                                        <p:tav tm="100000">
-                                          <p:val>
-                                            <p:strVal val="#ppt_w"/>
-                                          </p:val>
-                                        </p:tav>
-                                      </p:tavLst>
-                                    </p:anim>
-                                    <p:anim calcmode="lin" valueType="num">
-                                      <p:cBhvr>
-                                        <p:cTn id="18" dur="1000" fill="hold"/>
-                                        <p:tgtEl>
-                                          <p:spTgt spid="60"/>
-                                        </p:tgtEl>
-                                        <p:attrNameLst>
-                                          <p:attrName>ppt_h</p:attrName>
-                                        </p:attrNameLst>
-                                      </p:cBhvr>
-                                      <p:tavLst>
-                                        <p:tav tm="0">
-                                          <p:val>
-                                            <p:fltVal val="0"/>
-                                          </p:val>
-                                        </p:tav>
-                                        <p:tav tm="100000">
-                                          <p:val>
-                                            <p:strVal val="#ppt_h"/>
-                                          </p:val>
-                                        </p:tav>
-                                      </p:tavLst>
-                                    </p:anim>
-                                    <p:anim calcmode="lin" valueType="num">
-                                      <p:cBhvr>
-                                        <p:cTn id="19" dur="1000" fill="hold"/>
-                                        <p:tgtEl>
-                                          <p:spTgt spid="60"/>
-                                        </p:tgtEl>
-                                        <p:attrNameLst>
-                                          <p:attrName>style.rotation</p:attrName>
-                                        </p:attrNameLst>
-                                      </p:cBhvr>
-                                      <p:tavLst>
-                                        <p:tav tm="0">
-                                          <p:val>
-                                            <p:fltVal val="90"/>
-                                          </p:val>
-                                        </p:tav>
-                                        <p:tav tm="100000">
-                                          <p:val>
-                                            <p:fltVal val="0"/>
-                                          </p:val>
-                                        </p:tav>
-                                      </p:tavLst>
-                                    </p:anim>
-                                    <p:animEffect transition="in" filter="fade">
-                                      <p:cBhvr>
-                                        <p:cTn id="20" dur="1000"/>
-                                        <p:tgtEl>
-                                          <p:spTgt spid="60"/>
-                                        </p:tgtEl>
-                                      </p:cBhvr>
-                                    </p:animEffect>
-                                  </p:childTnLst>
-                                </p:cTn>
-                              </p:par>
-                            </p:childTnLst>
-                          </p:cTn>
-                        </p:par>
-                      </p:childTnLst>
-                    </p:cTn>
-                  </p:par>
-                  <p:par>
-                    <p:cTn id="21" fill="hold">
-                      <p:stCondLst>
-                        <p:cond delay="indefinite"/>
-                      </p:stCondLst>
-                      <p:childTnLst>
-                        <p:par>
-                          <p:cTn id="22" fill="hold">
-                            <p:stCondLst>
-                              <p:cond delay="0"/>
-                            </p:stCondLst>
-                            <p:childTnLst>
-                              <p:par>
-                                <p:cTn id="23" presetID="31" presetClass="entr" presetSubtype="0" fill="hold" nodeType="clickEffect">
-                                  <p:stCondLst>
-                                    <p:cond delay="0"/>
-                                  </p:stCondLst>
-                                  <p:childTnLst>
-                                    <p:set>
-                                      <p:cBhvr>
-                                        <p:cTn id="24" dur="1" fill="hold">
-                                          <p:stCondLst>
-                                            <p:cond delay="0"/>
-                                          </p:stCondLst>
-                                        </p:cTn>
-                                        <p:tgtEl>
-                                          <p:spTgt spid="61"/>
-                                        </p:tgtEl>
-                                        <p:attrNameLst>
-                                          <p:attrName>style.visibility</p:attrName>
-                                        </p:attrNameLst>
-                                      </p:cBhvr>
-                                      <p:to>
-                                        <p:strVal val="visible"/>
-                                      </p:to>
-                                    </p:set>
-                                    <p:anim calcmode="lin" valueType="num">
-                                      <p:cBhvr>
-                                        <p:cTn id="25" dur="1000" fill="hold"/>
-                                        <p:tgtEl>
-                                          <p:spTgt spid="61"/>
-                                        </p:tgtEl>
-                                        <p:attrNameLst>
-                                          <p:attrName>ppt_w</p:attrName>
-                                        </p:attrNameLst>
-                                      </p:cBhvr>
-                                      <p:tavLst>
-                                        <p:tav tm="0">
-                                          <p:val>
-                                            <p:fltVal val="0"/>
-                                          </p:val>
-                                        </p:tav>
-                                        <p:tav tm="100000">
-                                          <p:val>
-                                            <p:strVal val="#ppt_w"/>
-                                          </p:val>
-                                        </p:tav>
-                                      </p:tavLst>
-                                    </p:anim>
-                                    <p:anim calcmode="lin" valueType="num">
-                                      <p:cBhvr>
-                                        <p:cTn id="26" dur="1000" fill="hold"/>
-                                        <p:tgtEl>
-                                          <p:spTgt spid="61"/>
-                                        </p:tgtEl>
-                                        <p:attrNameLst>
-                                          <p:attrName>ppt_h</p:attrName>
-                                        </p:attrNameLst>
-                                      </p:cBhvr>
-                                      <p:tavLst>
-                                        <p:tav tm="0">
-                                          <p:val>
-                                            <p:fltVal val="0"/>
-                                          </p:val>
-                                        </p:tav>
-                                        <p:tav tm="100000">
-                                          <p:val>
-                                            <p:strVal val="#ppt_h"/>
-                                          </p:val>
-                                        </p:tav>
-                                      </p:tavLst>
-                                    </p:anim>
-                                    <p:anim calcmode="lin" valueType="num">
-                                      <p:cBhvr>
-                                        <p:cTn id="27" dur="1000" fill="hold"/>
-                                        <p:tgtEl>
-                                          <p:spTgt spid="61"/>
-                                        </p:tgtEl>
-                                        <p:attrNameLst>
-                                          <p:attrName>style.rotation</p:attrName>
-                                        </p:attrNameLst>
-                                      </p:cBhvr>
-                                      <p:tavLst>
-                                        <p:tav tm="0">
-                                          <p:val>
-                                            <p:fltVal val="90"/>
-                                          </p:val>
-                                        </p:tav>
-                                        <p:tav tm="100000">
-                                          <p:val>
-                                            <p:fltVal val="0"/>
-                                          </p:val>
-                                        </p:tav>
-                                      </p:tavLst>
-                                    </p:anim>
-                                    <p:animEffect transition="in" filter="fade">
-                                      <p:cBhvr>
-                                        <p:cTn id="28" dur="1000"/>
-                                        <p:tgtEl>
-                                          <p:spTgt spid="61"/>
-                                        </p:tgtEl>
-                                      </p:cBhvr>
-                                    </p:animEffect>
-                                  </p:childTnLst>
-                                </p:cTn>
-                              </p:par>
-                            </p:childTnLst>
-                          </p:cTn>
-                        </p:par>
-                      </p:childTnLst>
-                    </p:cTn>
-                  </p:par>
-                  <p:par>
-                    <p:cTn id="29" fill="hold">
-                      <p:stCondLst>
-                        <p:cond delay="indefinite"/>
-                      </p:stCondLst>
-                      <p:childTnLst>
-                        <p:par>
-                          <p:cTn id="30" fill="hold">
-                            <p:stCondLst>
-                              <p:cond delay="0"/>
-                            </p:stCondLst>
-                            <p:childTnLst>
-                              <p:par>
-                                <p:cTn id="31" presetID="31" presetClass="entr" presetSubtype="0" fill="hold" nodeType="clickEffect">
-                                  <p:stCondLst>
-                                    <p:cond delay="0"/>
-                                  </p:stCondLst>
-                                  <p:childTnLst>
-                                    <p:set>
-                                      <p:cBhvr>
-                                        <p:cTn id="32" dur="1" fill="hold">
-                                          <p:stCondLst>
-                                            <p:cond delay="0"/>
-                                          </p:stCondLst>
-                                        </p:cTn>
-                                        <p:tgtEl>
-                                          <p:spTgt spid="62"/>
-                                        </p:tgtEl>
-                                        <p:attrNameLst>
-                                          <p:attrName>style.visibility</p:attrName>
-                                        </p:attrNameLst>
-                                      </p:cBhvr>
-                                      <p:to>
-                                        <p:strVal val="visible"/>
-                                      </p:to>
-                                    </p:set>
-                                    <p:anim calcmode="lin" valueType="num">
-                                      <p:cBhvr>
-                                        <p:cTn id="33" dur="1000" fill="hold"/>
-                                        <p:tgtEl>
-                                          <p:spTgt spid="62"/>
-                                        </p:tgtEl>
-                                        <p:attrNameLst>
-                                          <p:attrName>ppt_w</p:attrName>
-                                        </p:attrNameLst>
-                                      </p:cBhvr>
-                                      <p:tavLst>
-                                        <p:tav tm="0">
-                                          <p:val>
-                                            <p:fltVal val="0"/>
-                                          </p:val>
-                                        </p:tav>
-                                        <p:tav tm="100000">
-                                          <p:val>
-                                            <p:strVal val="#ppt_w"/>
-                                          </p:val>
-                                        </p:tav>
-                                      </p:tavLst>
-                                    </p:anim>
-                                    <p:anim calcmode="lin" valueType="num">
-                                      <p:cBhvr>
-                                        <p:cTn id="34" dur="1000" fill="hold"/>
-                                        <p:tgtEl>
-                                          <p:spTgt spid="62"/>
-                                        </p:tgtEl>
-                                        <p:attrNameLst>
-                                          <p:attrName>ppt_h</p:attrName>
-                                        </p:attrNameLst>
-                                      </p:cBhvr>
-                                      <p:tavLst>
-                                        <p:tav tm="0">
-                                          <p:val>
-                                            <p:fltVal val="0"/>
-                                          </p:val>
-                                        </p:tav>
-                                        <p:tav tm="100000">
-                                          <p:val>
-                                            <p:strVal val="#ppt_h"/>
-                                          </p:val>
-                                        </p:tav>
-                                      </p:tavLst>
-                                    </p:anim>
-                                    <p:anim calcmode="lin" valueType="num">
-                                      <p:cBhvr>
-                                        <p:cTn id="35" dur="1000" fill="hold"/>
-                                        <p:tgtEl>
-                                          <p:spTgt spid="62"/>
-                                        </p:tgtEl>
-                                        <p:attrNameLst>
-                                          <p:attrName>style.rotation</p:attrName>
-                                        </p:attrNameLst>
-                                      </p:cBhvr>
-                                      <p:tavLst>
-                                        <p:tav tm="0">
-                                          <p:val>
-                                            <p:fltVal val="90"/>
-                                          </p:val>
-                                        </p:tav>
-                                        <p:tav tm="100000">
-                                          <p:val>
-                                            <p:fltVal val="0"/>
-                                          </p:val>
-                                        </p:tav>
-                                      </p:tavLst>
-                                    </p:anim>
-                                    <p:animEffect transition="in" filter="fade">
-                                      <p:cBhvr>
-                                        <p:cTn id="36" dur="1000"/>
-                                        <p:tgtEl>
-                                          <p:spTgt spid="62"/>
-                                        </p:tgtEl>
-                                      </p:cBhvr>
-                                    </p:animEffect>
-                                  </p:childTnLst>
-                                </p:cTn>
-                              </p:par>
-                            </p:childTnLst>
-                          </p:cTn>
-                        </p:par>
-                      </p:childTnLst>
-                    </p:cTn>
-                  </p:par>
-                  <p:par>
-                    <p:cTn id="37" fill="hold">
-                      <p:stCondLst>
-                        <p:cond delay="indefinite"/>
-                      </p:stCondLst>
-                      <p:childTnLst>
-                        <p:par>
-                          <p:cTn id="38" fill="hold">
-                            <p:stCondLst>
-                              <p:cond delay="0"/>
-                            </p:stCondLst>
-                            <p:childTnLst>
-                              <p:par>
-                                <p:cTn id="39" presetID="2" presetClass="entr" presetSubtype="4" fill="hold" nodeType="clickEffect">
-                                  <p:stCondLst>
-                                    <p:cond delay="0"/>
-                                  </p:stCondLst>
-                                  <p:childTnLst>
-                                    <p:set>
-                                      <p:cBhvr>
-                                        <p:cTn id="40" dur="1" fill="hold">
-                                          <p:stCondLst>
-                                            <p:cond delay="0"/>
-                                          </p:stCondLst>
-                                        </p:cTn>
-                                        <p:tgtEl>
-                                          <p:spTgt spid="10"/>
-                                        </p:tgtEl>
-                                        <p:attrNameLst>
-                                          <p:attrName>style.visibility</p:attrName>
-                                        </p:attrNameLst>
-                                      </p:cBhvr>
-                                      <p:to>
-                                        <p:strVal val="visible"/>
-                                      </p:to>
-                                    </p:set>
-                                    <p:anim calcmode="lin" valueType="num">
-                                      <p:cBhvr additive="base">
-                                        <p:cTn id="41" dur="500" fill="hold"/>
-                                        <p:tgtEl>
-                                          <p:spTgt spid="10"/>
-                                        </p:tgtEl>
-                                        <p:attrNameLst>
-                                          <p:attrName>ppt_x</p:attrName>
-                                        </p:attrNameLst>
-                                      </p:cBhvr>
-                                      <p:tavLst>
-                                        <p:tav tm="0">
-                                          <p:val>
-                                            <p:strVal val="#ppt_x"/>
-                                          </p:val>
-                                        </p:tav>
-                                        <p:tav tm="100000">
-                                          <p:val>
-                                            <p:strVal val="#ppt_x"/>
-                                          </p:val>
-                                        </p:tav>
-                                      </p:tavLst>
-                                    </p:anim>
-                                    <p:anim calcmode="lin" valueType="num">
-                                      <p:cBhvr additive="base">
-                                        <p:cTn id="42" dur="500" fill="hold"/>
-                                        <p:tgtEl>
-                                          <p:spTgt spid="10"/>
-                                        </p:tgtEl>
-                                        <p:attrNameLst>
-                                          <p:attrName>ppt_y</p:attrName>
-                                        </p:attrNameLst>
-                                      </p:cBhvr>
-                                      <p:tavLst>
-                                        <p:tav tm="0">
-                                          <p:val>
-                                            <p:strVal val="1+#ppt_h/2"/>
-                                          </p:val>
-                                        </p:tav>
-                                        <p:tav tm="100000">
-                                          <p:val>
-                                            <p:strVal val="#ppt_y"/>
-                                          </p:val>
-                                        </p:tav>
-                                      </p:tavLst>
-                                    </p:anim>
-                                  </p:childTnLst>
-                                </p:cTn>
-                              </p:par>
-                            </p:childTnLst>
-                          </p:cTn>
-                        </p:par>
-                      </p:childTnLst>
-                    </p:cTn>
-                  </p:par>
-                  <p:par>
-                    <p:cTn id="43" fill="hold">
-                      <p:stCondLst>
-                        <p:cond delay="indefinite"/>
-                      </p:stCondLst>
-                      <p:childTnLst>
-                        <p:par>
-                          <p:cTn id="44" fill="hold">
-                            <p:stCondLst>
-                              <p:cond delay="0"/>
-                            </p:stCondLst>
-                            <p:childTnLst>
-                              <p:par>
-                                <p:cTn id="45" presetID="53" presetClass="entr" presetSubtype="16" fill="hold" nodeType="clickEffect">
-                                  <p:stCondLst>
-                                    <p:cond delay="0"/>
-                                  </p:stCondLst>
-                                  <p:childTnLst>
-                                    <p:set>
-                                      <p:cBhvr>
-                                        <p:cTn id="46" dur="1" fill="hold">
-                                          <p:stCondLst>
-                                            <p:cond delay="0"/>
-                                          </p:stCondLst>
-                                        </p:cTn>
-                                        <p:tgtEl>
-                                          <p:spTgt spid="65"/>
-                                        </p:tgtEl>
-                                        <p:attrNameLst>
-                                          <p:attrName>style.visibility</p:attrName>
-                                        </p:attrNameLst>
-                                      </p:cBhvr>
-                                      <p:to>
-                                        <p:strVal val="visible"/>
-                                      </p:to>
-                                    </p:set>
-                                    <p:anim calcmode="lin" valueType="num">
-                                      <p:cBhvr>
-                                        <p:cTn id="47" dur="500" fill="hold"/>
-                                        <p:tgtEl>
-                                          <p:spTgt spid="65"/>
-                                        </p:tgtEl>
-                                        <p:attrNameLst>
-                                          <p:attrName>ppt_w</p:attrName>
-                                        </p:attrNameLst>
-                                      </p:cBhvr>
-                                      <p:tavLst>
-                                        <p:tav tm="0">
-                                          <p:val>
-                                            <p:fltVal val="0"/>
-                                          </p:val>
-                                        </p:tav>
-                                        <p:tav tm="100000">
-                                          <p:val>
-                                            <p:strVal val="#ppt_w"/>
-                                          </p:val>
-                                        </p:tav>
-                                      </p:tavLst>
-                                    </p:anim>
-                                    <p:anim calcmode="lin" valueType="num">
-                                      <p:cBhvr>
-                                        <p:cTn id="48" dur="500" fill="hold"/>
-                                        <p:tgtEl>
-                                          <p:spTgt spid="65"/>
-                                        </p:tgtEl>
-                                        <p:attrNameLst>
-                                          <p:attrName>ppt_h</p:attrName>
-                                        </p:attrNameLst>
-                                      </p:cBhvr>
-                                      <p:tavLst>
-                                        <p:tav tm="0">
-                                          <p:val>
-                                            <p:fltVal val="0"/>
-                                          </p:val>
-                                        </p:tav>
-                                        <p:tav tm="100000">
-                                          <p:val>
-                                            <p:strVal val="#ppt_h"/>
-                                          </p:val>
-                                        </p:tav>
-                                      </p:tavLst>
-                                    </p:anim>
-                                    <p:animEffect transition="in" filter="fade">
-                                      <p:cBhvr>
-                                        <p:cTn id="49" dur="500"/>
-                                        <p:tgtEl>
-                                          <p:spTgt spid="65"/>
-                                        </p:tgtEl>
-                                      </p:cBhvr>
-                                    </p:animEffect>
-                                  </p:childTnLst>
-                                </p:cTn>
-                              </p:par>
-                            </p:childTnLst>
-                          </p:cTn>
-                        </p:par>
-                      </p:childTnLst>
-                    </p:cTn>
-                  </p:par>
-                  <p:par>
-                    <p:cTn id="50" fill="hold">
-                      <p:stCondLst>
-                        <p:cond delay="indefinite"/>
-                      </p:stCondLst>
-                      <p:childTnLst>
-                        <p:par>
-                          <p:cTn id="51" fill="hold">
-                            <p:stCondLst>
-                              <p:cond delay="0"/>
-                            </p:stCondLst>
-                            <p:childTnLst>
-                              <p:par>
-                                <p:cTn id="52" presetID="42" presetClass="entr" presetSubtype="0" fill="hold" nodeType="clickEffect">
-                                  <p:stCondLst>
-                                    <p:cond delay="0"/>
-                                  </p:stCondLst>
-                                  <p:childTnLst>
-                                    <p:set>
-                                      <p:cBhvr>
-                                        <p:cTn id="53" dur="1" fill="hold">
-                                          <p:stCondLst>
-                                            <p:cond delay="0"/>
-                                          </p:stCondLst>
-                                        </p:cTn>
-                                        <p:tgtEl>
-                                          <p:spTgt spid="58"/>
-                                        </p:tgtEl>
-                                        <p:attrNameLst>
-                                          <p:attrName>style.visibility</p:attrName>
-                                        </p:attrNameLst>
-                                      </p:cBhvr>
-                                      <p:to>
-                                        <p:strVal val="visible"/>
-                                      </p:to>
-                                    </p:set>
-                                    <p:animEffect transition="in" filter="fade">
-                                      <p:cBhvr>
-                                        <p:cTn id="54" dur="1000"/>
-                                        <p:tgtEl>
-                                          <p:spTgt spid="58"/>
-                                        </p:tgtEl>
-                                      </p:cBhvr>
-                                    </p:animEffect>
-                                    <p:anim calcmode="lin" valueType="num">
-                                      <p:cBhvr>
-                                        <p:cTn id="55" dur="1000" fill="hold"/>
-                                        <p:tgtEl>
-                                          <p:spTgt spid="58"/>
-                                        </p:tgtEl>
-                                        <p:attrNameLst>
-                                          <p:attrName>ppt_x</p:attrName>
-                                        </p:attrNameLst>
-                                      </p:cBhvr>
-                                      <p:tavLst>
-                                        <p:tav tm="0">
-                                          <p:val>
-                                            <p:strVal val="#ppt_x"/>
-                                          </p:val>
-                                        </p:tav>
-                                        <p:tav tm="100000">
-                                          <p:val>
-                                            <p:strVal val="#ppt_x"/>
-                                          </p:val>
-                                        </p:tav>
-                                      </p:tavLst>
-                                    </p:anim>
-                                    <p:anim calcmode="lin" valueType="num">
-                                      <p:cBhvr>
-                                        <p:cTn id="56" dur="1000" fill="hold"/>
-                                        <p:tgtEl>
-                                          <p:spTgt spid="58"/>
-                                        </p:tgtEl>
-                                        <p:attrNameLst>
-                                          <p:attrName>ppt_y</p:attrName>
-                                        </p:attrNameLst>
-                                      </p:cBhvr>
-                                      <p:tavLst>
-                                        <p:tav tm="0">
-                                          <p:val>
-                                            <p:strVal val="#ppt_y+.1"/>
-                                          </p:val>
-                                        </p:tav>
-                                        <p:tav tm="100000">
-                                          <p:val>
-                                            <p:strVal val="#ppt_y"/>
-                                          </p:val>
-                                        </p:tav>
-                                      </p:tavLst>
-                                    </p:anim>
-                                  </p:childTnLst>
-                                  <p:subTnLst>
-                                    <p:audio>
-                                      <p:cMediaNode>
-                                        <p:cTn display="0" masterRel="sameClick">
-                                          <p:stCondLst>
-                                            <p:cond evt="begin" delay="0">
-                                              <p:tn val="52"/>
-                                            </p:cond>
-                                          </p:stCondLst>
-                                          <p:endCondLst>
-                                            <p:cond evt="onStopAudio" delay="0">
-                                              <p:tgtEl>
-                                                <p:sldTgt/>
-                                              </p:tgtEl>
-                                            </p:cond>
-                                          </p:endCondLst>
-                                        </p:cTn>
-                                        <p:tgtEl>
-                                          <p:sndTgt r:embed="rId2" name="chimes.wav"/>
-                                        </p:tgtEl>
-                                      </p:cMediaNode>
-                                    </p:audio>
-                                  </p:subTnLst>
-                                </p:cTn>
-                              </p:par>
-                            </p:childTnLst>
-                          </p:cTn>
-                        </p:par>
-                      </p:childTnLst>
-                    </p:cTn>
-                  </p:par>
-                  <p:par>
-                    <p:cTn id="57" fill="hold">
-                      <p:stCondLst>
-                        <p:cond delay="indefinite"/>
-                      </p:stCondLst>
-                      <p:childTnLst>
-                        <p:par>
-                          <p:cTn id="58" fill="hold">
-                            <p:stCondLst>
-                              <p:cond delay="0"/>
-                            </p:stCondLst>
-                            <p:childTnLst>
-                              <p:par>
-                                <p:cTn id="59" presetID="6" presetClass="entr" presetSubtype="16" fill="hold" nodeType="clickEffect">
-                                  <p:stCondLst>
-                                    <p:cond delay="0"/>
-                                  </p:stCondLst>
-                                  <p:childTnLst>
-                                    <p:set>
-                                      <p:cBhvr>
-                                        <p:cTn id="60" dur="1" fill="hold">
-                                          <p:stCondLst>
-                                            <p:cond delay="0"/>
-                                          </p:stCondLst>
-                                        </p:cTn>
-                                        <p:tgtEl>
-                                          <p:spTgt spid="64"/>
-                                        </p:tgtEl>
-                                        <p:attrNameLst>
-                                          <p:attrName>style.visibility</p:attrName>
-                                        </p:attrNameLst>
-                                      </p:cBhvr>
-                                      <p:to>
-                                        <p:strVal val="visible"/>
-                                      </p:to>
-                                    </p:set>
-                                    <p:animEffect transition="in" filter="circle(in)">
-                                      <p:cBhvr>
-                                        <p:cTn id="61" dur="2000"/>
-                                        <p:tgtEl>
-                                          <p:spTgt spid="64"/>
-                                        </p:tgtEl>
-                                      </p:cBhvr>
-                                    </p:animEffect>
-                                  </p:childTnLst>
-                                  <p:subTnLst>
-                                    <p:audio>
-                                      <p:cMediaNode>
-                                        <p:cTn display="0" masterRel="sameClick">
-                                          <p:stCondLst>
-                                            <p:cond evt="begin" delay="0">
-                                              <p:tn val="59"/>
-                                            </p:cond>
-                                          </p:stCondLst>
-                                          <p:endCondLst>
-                                            <p:cond evt="onStopAudio" delay="0">
-                                              <p:tgtEl>
-                                                <p:sldTgt/>
-                                              </p:tgtEl>
-                                            </p:cond>
-                                          </p:endCondLst>
-                                        </p:cTn>
-                                        <p:tgtEl>
-                                          <p:sndTgt r:embed="rId3" name="whoosh.wav"/>
-                                        </p:tgtEl>
-                                      </p:cMediaNode>
-                                    </p:audio>
-                                  </p:subTnLst>
-                                </p:cTn>
-                              </p:par>
-                            </p:childTnLst>
-                          </p:cTn>
-                        </p:par>
-                      </p:childTnLst>
-                    </p:cTn>
-                  </p:par>
-                </p:childTnLst>
-              </p:cTn>
-              <p:prevCondLst>
-                <p:cond evt="onPrev" delay="0">
-                  <p:tgtEl>
-                    <p:sldTgt/>
-                  </p:tgtEl>
-                </p:cond>
-              </p:prevCondLst>
-              <p:nextCondLst>
-                <p:cond evt="onNext" delay="0">
-                  <p:tgtEl>
-                    <p:sldTgt/>
-                  </p:tgtEl>
-                </p:cond>
-              </p:nextCondLst>
-            </p:seq>
-          </p:childTnLst>
-        </p:cTn>
+        <p:cTn id="1" dur="indefinite" restart="never" nodeType="tmRoot"/>
       </p:par>
     </p:tnLst>
   </p:timing>

--- a/saturn/personal-payment-terminal.pptx
+++ b/saturn/personal-payment-terminal.pptx
@@ -288,7 +288,7 @@
           <a:p>
             <a:fld id="{FC080E38-6FF2-48B3-BDAB-4FA23B840E92}" type="datetimeFigureOut">
               <a:rPr lang="en-US" smtClean="0"/>
-              <a:t>2019-11-16</a:t>
+              <a:t>2020-04-18</a:t>
             </a:fld>
             <a:endParaRPr lang="en-US"/>
           </a:p>
@@ -458,7 +458,7 @@
           <a:p>
             <a:fld id="{FC080E38-6FF2-48B3-BDAB-4FA23B840E92}" type="datetimeFigureOut">
               <a:rPr lang="en-US" smtClean="0"/>
-              <a:t>2019-11-16</a:t>
+              <a:t>2020-04-18</a:t>
             </a:fld>
             <a:endParaRPr lang="en-US"/>
           </a:p>
@@ -638,7 +638,7 @@
           <a:p>
             <a:fld id="{FC080E38-6FF2-48B3-BDAB-4FA23B840E92}" type="datetimeFigureOut">
               <a:rPr lang="en-US" smtClean="0"/>
-              <a:t>2019-11-16</a:t>
+              <a:t>2020-04-18</a:t>
             </a:fld>
             <a:endParaRPr lang="en-US"/>
           </a:p>
@@ -808,7 +808,7 @@
           <a:p>
             <a:fld id="{FC080E38-6FF2-48B3-BDAB-4FA23B840E92}" type="datetimeFigureOut">
               <a:rPr lang="en-US" smtClean="0"/>
-              <a:t>2019-11-16</a:t>
+              <a:t>2020-04-18</a:t>
             </a:fld>
             <a:endParaRPr lang="en-US"/>
           </a:p>
@@ -1054,7 +1054,7 @@
           <a:p>
             <a:fld id="{FC080E38-6FF2-48B3-BDAB-4FA23B840E92}" type="datetimeFigureOut">
               <a:rPr lang="en-US" smtClean="0"/>
-              <a:t>2019-11-16</a:t>
+              <a:t>2020-04-18</a:t>
             </a:fld>
             <a:endParaRPr lang="en-US"/>
           </a:p>
@@ -1342,7 +1342,7 @@
           <a:p>
             <a:fld id="{FC080E38-6FF2-48B3-BDAB-4FA23B840E92}" type="datetimeFigureOut">
               <a:rPr lang="en-US" smtClean="0"/>
-              <a:t>2019-11-16</a:t>
+              <a:t>2020-04-18</a:t>
             </a:fld>
             <a:endParaRPr lang="en-US"/>
           </a:p>
@@ -1764,7 +1764,7 @@
           <a:p>
             <a:fld id="{FC080E38-6FF2-48B3-BDAB-4FA23B840E92}" type="datetimeFigureOut">
               <a:rPr lang="en-US" smtClean="0"/>
-              <a:t>2019-11-16</a:t>
+              <a:t>2020-04-18</a:t>
             </a:fld>
             <a:endParaRPr lang="en-US"/>
           </a:p>
@@ -1882,7 +1882,7 @@
           <a:p>
             <a:fld id="{FC080E38-6FF2-48B3-BDAB-4FA23B840E92}" type="datetimeFigureOut">
               <a:rPr lang="en-US" smtClean="0"/>
-              <a:t>2019-11-16</a:t>
+              <a:t>2020-04-18</a:t>
             </a:fld>
             <a:endParaRPr lang="en-US"/>
           </a:p>
@@ -1977,7 +1977,7 @@
           <a:p>
             <a:fld id="{FC080E38-6FF2-48B3-BDAB-4FA23B840E92}" type="datetimeFigureOut">
               <a:rPr lang="en-US" smtClean="0"/>
-              <a:t>2019-11-16</a:t>
+              <a:t>2020-04-18</a:t>
             </a:fld>
             <a:endParaRPr lang="en-US"/>
           </a:p>
@@ -2254,7 +2254,7 @@
           <a:p>
             <a:fld id="{FC080E38-6FF2-48B3-BDAB-4FA23B840E92}" type="datetimeFigureOut">
               <a:rPr lang="en-US" smtClean="0"/>
-              <a:t>2019-11-16</a:t>
+              <a:t>2020-04-18</a:t>
             </a:fld>
             <a:endParaRPr lang="en-US"/>
           </a:p>
@@ -2507,7 +2507,7 @@
           <a:p>
             <a:fld id="{FC080E38-6FF2-48B3-BDAB-4FA23B840E92}" type="datetimeFigureOut">
               <a:rPr lang="en-US" smtClean="0"/>
-              <a:t>2019-11-16</a:t>
+              <a:t>2020-04-18</a:t>
             </a:fld>
             <a:endParaRPr lang="en-US"/>
           </a:p>
@@ -2720,7 +2720,7 @@
           <a:p>
             <a:fld id="{FC080E38-6FF2-48B3-BDAB-4FA23B840E92}" type="datetimeFigureOut">
               <a:rPr lang="en-US" smtClean="0"/>
-              <a:t>2019-11-16</a:t>
+              <a:t>2020-04-18</a:t>
             </a:fld>
             <a:endParaRPr lang="en-US"/>
           </a:p>
@@ -3117,7 +3117,7 @@
         </p:blipFill>
         <p:spPr>
           <a:xfrm>
-            <a:off x="849958" y="1277328"/>
+            <a:off x="42006" y="1277328"/>
             <a:ext cx="2236040" cy="3513778"/>
           </a:xfrm>
           <a:prstGeom prst="rect">
@@ -3133,7 +3133,7 @@
         </p:nvSpPr>
         <p:spPr>
           <a:xfrm>
-            <a:off x="1880607" y="4627669"/>
+            <a:off x="1072655" y="4627669"/>
             <a:ext cx="198210" cy="900000"/>
           </a:xfrm>
           <a:prstGeom prst="upDownArrow">
@@ -3196,7 +3196,7 @@
         </p:blipFill>
         <p:spPr>
           <a:xfrm>
-            <a:off x="1174576" y="5543252"/>
+            <a:off x="366624" y="5543252"/>
             <a:ext cx="1584175" cy="1013331"/>
           </a:xfrm>
           <a:prstGeom prst="rect">
@@ -3212,7 +3212,7 @@
         </p:nvSpPr>
         <p:spPr>
           <a:xfrm>
-            <a:off x="2291229" y="1814761"/>
+            <a:off x="1483277" y="1814761"/>
             <a:ext cx="1387828" cy="925398"/>
           </a:xfrm>
           <a:prstGeom prst="irregularSeal1">
@@ -3289,7 +3289,7 @@
         </p:nvSpPr>
         <p:spPr>
           <a:xfrm>
-            <a:off x="2392084" y="5415161"/>
+            <a:off x="1584132" y="5415161"/>
             <a:ext cx="1387828" cy="925398"/>
           </a:xfrm>
           <a:prstGeom prst="irregularSeal1">
@@ -3360,57 +3360,13 @@
       </p:sp>
       <p:sp>
         <p:nvSpPr>
-          <p:cNvPr id="16" name="TextBox 15"/>
-          <p:cNvSpPr txBox="1"/>
-          <p:nvPr/>
-        </p:nvSpPr>
-        <p:spPr>
-          <a:xfrm>
-            <a:off x="555416" y="4900399"/>
-            <a:ext cx="2848600" cy="307777"/>
-          </a:xfrm>
-          <a:prstGeom prst="rect">
-            <a:avLst/>
-          </a:prstGeom>
-          <a:solidFill>
-            <a:srgbClr val="FBF7C9"/>
-          </a:solidFill>
-          <a:ln w="3175">
-            <a:solidFill>
-              <a:schemeClr val="tx1"/>
-            </a:solidFill>
-          </a:ln>
-        </p:spPr>
-        <p:txBody>
-          <a:bodyPr wrap="none" rtlCol="0">
-            <a:spAutoFit/>
-          </a:bodyPr>
-          <a:lstStyle/>
-          <a:p>
-            <a:pPr algn="ctr"/>
-            <a:r>
-              <a:rPr lang="en-US" sz="1400" dirty="0" smtClean="0">
-                <a:latin typeface="Arial" panose="020B0604020202020204" pitchFamily="34" charset="0"/>
-                <a:cs typeface="Arial" panose="020B0604020202020204" pitchFamily="34" charset="0"/>
-              </a:rPr>
-              <a:t>Low level “Trusted” Card Protocol</a:t>
-            </a:r>
-            <a:endParaRPr lang="en-US" sz="1400" dirty="0">
-              <a:latin typeface="Arial" panose="020B0604020202020204" pitchFamily="34" charset="0"/>
-              <a:cs typeface="Arial" panose="020B0604020202020204" pitchFamily="34" charset="0"/>
-            </a:endParaRPr>
-          </a:p>
-        </p:txBody>
-      </p:sp>
-      <p:sp>
-        <p:nvSpPr>
           <p:cNvPr id="19" name="Up-Down Arrow 18"/>
           <p:cNvSpPr/>
           <p:nvPr/>
         </p:nvSpPr>
         <p:spPr>
           <a:xfrm>
-            <a:off x="1889375" y="579919"/>
+            <a:off x="1081423" y="579919"/>
             <a:ext cx="198210" cy="858877"/>
           </a:xfrm>
           <a:prstGeom prst="upDownArrow">
@@ -3453,57 +3409,430 @@
       </p:sp>
       <p:sp>
         <p:nvSpPr>
-          <p:cNvPr id="20" name="TextBox 19"/>
+          <p:cNvPr id="24" name="TextBox 23"/>
           <p:cNvSpPr txBox="1"/>
           <p:nvPr/>
         </p:nvSpPr>
         <p:spPr>
           <a:xfrm>
-            <a:off x="673736" y="855251"/>
-            <a:ext cx="2643672" cy="307777"/>
+            <a:off x="131473" y="117443"/>
+            <a:ext cx="3360407" cy="461665"/>
           </a:xfrm>
           <a:prstGeom prst="rect">
             <a:avLst/>
           </a:prstGeom>
-          <a:solidFill>
-            <a:srgbClr val="FBF7C9"/>
-          </a:solidFill>
-          <a:ln w="3175">
+          <a:noFill/>
+        </p:spPr>
+        <p:txBody>
+          <a:bodyPr wrap="none" rtlCol="0">
+            <a:spAutoFit/>
+          </a:bodyPr>
+          <a:lstStyle/>
+          <a:p>
+            <a:r>
+              <a:rPr lang="en-US" sz="2400" dirty="0" smtClean="0">
+                <a:latin typeface="Times New Roman" panose="02020603050405020304" pitchFamily="18" charset="0"/>
+                <a:cs typeface="Times New Roman" panose="02020603050405020304" pitchFamily="18" charset="0"/>
+              </a:rPr>
+              <a:t>Payment Terminal + Card</a:t>
+            </a:r>
+            <a:endParaRPr lang="en-US" sz="2400" dirty="0">
+              <a:latin typeface="Times New Roman" panose="02020603050405020304" pitchFamily="18" charset="0"/>
+              <a:cs typeface="Times New Roman" panose="02020603050405020304" pitchFamily="18" charset="0"/>
+            </a:endParaRPr>
+          </a:p>
+        </p:txBody>
+      </p:sp>
+      <p:sp>
+        <p:nvSpPr>
+          <p:cNvPr id="13" name="TextBox 12"/>
+          <p:cNvSpPr txBox="1"/>
+          <p:nvPr/>
+        </p:nvSpPr>
+        <p:spPr>
+          <a:xfrm>
+            <a:off x="-27548" y="6662094"/>
+            <a:ext cx="1293944" cy="215444"/>
+          </a:xfrm>
+          <a:prstGeom prst="rect">
+            <a:avLst/>
+          </a:prstGeom>
+          <a:noFill/>
+        </p:spPr>
+        <p:txBody>
+          <a:bodyPr wrap="none" rtlCol="0">
+            <a:spAutoFit/>
+          </a:bodyPr>
+          <a:lstStyle/>
+          <a:p>
+            <a:r>
+              <a:rPr lang="en-US" sz="800" dirty="0" err="1" smtClean="0">
+                <a:latin typeface="Arial" panose="020B0604020202020204" pitchFamily="34" charset="0"/>
+                <a:cs typeface="Arial" panose="020B0604020202020204" pitchFamily="34" charset="0"/>
+              </a:rPr>
+              <a:t>A.Rundgren</a:t>
+            </a:r>
+            <a:r>
+              <a:rPr lang="en-US" sz="800" dirty="0" smtClean="0">
+                <a:latin typeface="Arial" panose="020B0604020202020204" pitchFamily="34" charset="0"/>
+                <a:cs typeface="Arial" panose="020B0604020202020204" pitchFamily="34" charset="0"/>
+              </a:rPr>
+              <a:t> </a:t>
+            </a:r>
+            <a:r>
+              <a:rPr lang="en-US" sz="800" dirty="0" smtClean="0">
+                <a:latin typeface="Arial" panose="020B0604020202020204" pitchFamily="34" charset="0"/>
+                <a:cs typeface="Arial" panose="020B0604020202020204" pitchFamily="34" charset="0"/>
+              </a:rPr>
+              <a:t>2020-04-18</a:t>
+            </a:r>
+            <a:endParaRPr lang="en-US" sz="800" dirty="0">
+              <a:latin typeface="Arial" panose="020B0604020202020204" pitchFamily="34" charset="0"/>
+              <a:cs typeface="Arial" panose="020B0604020202020204" pitchFamily="34" charset="0"/>
+            </a:endParaRPr>
+          </a:p>
+        </p:txBody>
+      </p:sp>
+      <p:sp>
+        <p:nvSpPr>
+          <p:cNvPr id="25" name="TextBox 24"/>
+          <p:cNvSpPr txBox="1"/>
+          <p:nvPr/>
+        </p:nvSpPr>
+        <p:spPr>
+          <a:xfrm>
+            <a:off x="4067944" y="117443"/>
+            <a:ext cx="3572003" cy="461665"/>
+          </a:xfrm>
+          <a:prstGeom prst="rect">
+            <a:avLst/>
+          </a:prstGeom>
+          <a:noFill/>
+        </p:spPr>
+        <p:txBody>
+          <a:bodyPr wrap="none" rtlCol="0">
+            <a:spAutoFit/>
+          </a:bodyPr>
+          <a:lstStyle/>
+          <a:p>
+            <a:r>
+              <a:rPr lang="en-US" sz="2400" dirty="0" smtClean="0">
+                <a:latin typeface="Times New Roman" panose="02020603050405020304" pitchFamily="18" charset="0"/>
+                <a:cs typeface="Times New Roman" panose="02020603050405020304" pitchFamily="18" charset="0"/>
+              </a:rPr>
+              <a:t>Personal Payment Terminal</a:t>
+            </a:r>
+            <a:endParaRPr lang="en-US" sz="2400" dirty="0">
+              <a:latin typeface="Times New Roman" panose="02020603050405020304" pitchFamily="18" charset="0"/>
+              <a:cs typeface="Times New Roman" panose="02020603050405020304" pitchFamily="18" charset="0"/>
+            </a:endParaRPr>
+          </a:p>
+        </p:txBody>
+      </p:sp>
+      <p:grpSp>
+        <p:nvGrpSpPr>
+          <p:cNvPr id="66" name="Group 65"/>
+          <p:cNvGrpSpPr/>
+          <p:nvPr/>
+        </p:nvGrpSpPr>
+        <p:grpSpPr>
+          <a:xfrm>
+            <a:off x="3866683" y="1473861"/>
+            <a:ext cx="2511077" cy="4680520"/>
+            <a:chOff x="796639" y="950200"/>
+            <a:chExt cx="2839257" cy="4824536"/>
+          </a:xfrm>
+          <a:effectLst>
+            <a:outerShdw blurRad="50800" dist="38100" dir="2700000" algn="tl" rotWithShape="0">
+              <a:prstClr val="black">
+                <a:alpha val="40000"/>
+              </a:prstClr>
+            </a:outerShdw>
+          </a:effectLst>
+        </p:grpSpPr>
+        <p:sp>
+          <p:nvSpPr>
+            <p:cNvPr id="67" name="Rounded Rectangle 66"/>
+            <p:cNvSpPr/>
+            <p:nvPr/>
+          </p:nvSpPr>
+          <p:spPr>
+            <a:xfrm>
+              <a:off x="796639" y="950200"/>
+              <a:ext cx="2839257" cy="4824536"/>
+            </a:xfrm>
+            <a:prstGeom prst="roundRect">
+              <a:avLst>
+                <a:gd name="adj" fmla="val 5335"/>
+              </a:avLst>
+            </a:prstGeom>
             <a:solidFill>
-              <a:schemeClr val="tx1"/>
+              <a:schemeClr val="bg2"/>
+            </a:solidFill>
+            <a:ln w="12700"/>
+            <a:effectLst/>
+            <a:scene3d>
+              <a:camera prst="orthographicFront"/>
+              <a:lightRig rig="threePt" dir="t"/>
+            </a:scene3d>
+            <a:sp3d>
+              <a:bevelT/>
+            </a:sp3d>
+          </p:spPr>
+          <p:style>
+            <a:lnRef idx="2">
+              <a:schemeClr val="accent1">
+                <a:shade val="50000"/>
+              </a:schemeClr>
+            </a:lnRef>
+            <a:fillRef idx="1">
+              <a:schemeClr val="accent1"/>
+            </a:fillRef>
+            <a:effectRef idx="0">
+              <a:schemeClr val="accent1"/>
+            </a:effectRef>
+            <a:fontRef idx="minor">
+              <a:schemeClr val="lt1"/>
+            </a:fontRef>
+          </p:style>
+          <p:txBody>
+            <a:bodyPr rtlCol="0" anchor="ctr"/>
+            <a:lstStyle/>
+            <a:p>
+              <a:pPr algn="ctr"/>
+              <a:endParaRPr lang="en-US"/>
+            </a:p>
+          </p:txBody>
+        </p:sp>
+        <p:sp>
+          <p:nvSpPr>
+            <p:cNvPr id="68" name="Rounded Rectangle 67"/>
+            <p:cNvSpPr/>
+            <p:nvPr/>
+          </p:nvSpPr>
+          <p:spPr>
+            <a:xfrm>
+              <a:off x="1928235" y="1142740"/>
+              <a:ext cx="555533" cy="72008"/>
+            </a:xfrm>
+            <a:prstGeom prst="roundRect">
+              <a:avLst/>
+            </a:prstGeom>
+            <a:pattFill prst="pct25">
+              <a:fgClr>
+                <a:schemeClr val="bg1">
+                  <a:lumMod val="65000"/>
+                </a:schemeClr>
+              </a:fgClr>
+              <a:bgClr>
+                <a:schemeClr val="bg1">
+                  <a:lumMod val="95000"/>
+                </a:schemeClr>
+              </a:bgClr>
+            </a:pattFill>
+            <a:ln w="6350">
+              <a:solidFill>
+                <a:schemeClr val="bg1">
+                  <a:lumMod val="50000"/>
+                </a:schemeClr>
+              </a:solidFill>
+            </a:ln>
+          </p:spPr>
+          <p:style>
+            <a:lnRef idx="2">
+              <a:schemeClr val="accent1">
+                <a:shade val="50000"/>
+              </a:schemeClr>
+            </a:lnRef>
+            <a:fillRef idx="1">
+              <a:schemeClr val="accent1"/>
+            </a:fillRef>
+            <a:effectRef idx="0">
+              <a:schemeClr val="accent1"/>
+            </a:effectRef>
+            <a:fontRef idx="minor">
+              <a:schemeClr val="lt1"/>
+            </a:fontRef>
+          </p:style>
+          <p:txBody>
+            <a:bodyPr rtlCol="0" anchor="ctr"/>
+            <a:lstStyle/>
+            <a:p>
+              <a:pPr algn="ctr"/>
+              <a:endParaRPr lang="en-US"/>
+            </a:p>
+          </p:txBody>
+        </p:sp>
+        <p:sp>
+          <p:nvSpPr>
+            <p:cNvPr id="69" name="Oval 68"/>
+            <p:cNvSpPr/>
+            <p:nvPr/>
+          </p:nvSpPr>
+          <p:spPr>
+            <a:xfrm>
+              <a:off x="1259632" y="1124744"/>
+              <a:ext cx="108000" cy="108000"/>
+            </a:xfrm>
+            <a:prstGeom prst="ellipse">
+              <a:avLst/>
+            </a:prstGeom>
+            <a:gradFill flip="none" rotWithShape="1">
+              <a:gsLst>
+                <a:gs pos="100000">
+                  <a:schemeClr val="accent1">
+                    <a:lumMod val="75000"/>
+                  </a:schemeClr>
+                </a:gs>
+                <a:gs pos="1875">
+                  <a:schemeClr val="accent1">
+                    <a:lumMod val="75000"/>
+                  </a:schemeClr>
+                </a:gs>
+                <a:gs pos="50000">
+                  <a:schemeClr val="accent1">
+                    <a:lumMod val="40000"/>
+                    <a:lumOff val="60000"/>
+                  </a:schemeClr>
+                </a:gs>
+              </a:gsLst>
+              <a:path path="circle">
+                <a:fillToRect l="100000" t="100000"/>
+              </a:path>
+              <a:tileRect r="-100000" b="-100000"/>
+            </a:gradFill>
+            <a:ln w="6350">
+              <a:solidFill>
+                <a:schemeClr val="bg1">
+                  <a:lumMod val="50000"/>
+                </a:schemeClr>
+              </a:solidFill>
+            </a:ln>
+          </p:spPr>
+          <p:style>
+            <a:lnRef idx="2">
+              <a:schemeClr val="accent1">
+                <a:shade val="50000"/>
+              </a:schemeClr>
+            </a:lnRef>
+            <a:fillRef idx="1">
+              <a:schemeClr val="accent1"/>
+            </a:fillRef>
+            <a:effectRef idx="0">
+              <a:schemeClr val="accent1"/>
+            </a:effectRef>
+            <a:fontRef idx="minor">
+              <a:schemeClr val="lt1"/>
+            </a:fontRef>
+          </p:style>
+          <p:txBody>
+            <a:bodyPr rtlCol="0" anchor="ctr"/>
+            <a:lstStyle/>
+            <a:p>
+              <a:pPr algn="ctr"/>
+              <a:endParaRPr lang="en-US"/>
+            </a:p>
+          </p:txBody>
+        </p:sp>
+        <p:sp>
+          <p:nvSpPr>
+            <p:cNvPr id="70" name="Oval 69"/>
+            <p:cNvSpPr/>
+            <p:nvPr/>
+          </p:nvSpPr>
+          <p:spPr>
+            <a:xfrm>
+              <a:off x="1763696" y="1142740"/>
+              <a:ext cx="72000" cy="72008"/>
+            </a:xfrm>
+            <a:prstGeom prst="ellipse">
+              <a:avLst/>
+            </a:prstGeom>
+            <a:solidFill>
+              <a:schemeClr val="bg1">
+                <a:lumMod val="95000"/>
+              </a:schemeClr>
+            </a:solidFill>
+            <a:ln w="6350">
+              <a:solidFill>
+                <a:schemeClr val="bg1">
+                  <a:lumMod val="50000"/>
+                </a:schemeClr>
+              </a:solidFill>
+            </a:ln>
+          </p:spPr>
+          <p:style>
+            <a:lnRef idx="2">
+              <a:schemeClr val="accent1">
+                <a:shade val="50000"/>
+              </a:schemeClr>
+            </a:lnRef>
+            <a:fillRef idx="1">
+              <a:schemeClr val="accent1"/>
+            </a:fillRef>
+            <a:effectRef idx="0">
+              <a:schemeClr val="accent1"/>
+            </a:effectRef>
+            <a:fontRef idx="minor">
+              <a:schemeClr val="lt1"/>
+            </a:fontRef>
+          </p:style>
+          <p:txBody>
+            <a:bodyPr rtlCol="0" anchor="ctr"/>
+            <a:lstStyle/>
+            <a:p>
+              <a:pPr algn="ctr"/>
+              <a:endParaRPr lang="en-US"/>
+            </a:p>
+          </p:txBody>
+        </p:sp>
+      </p:grpSp>
+      <p:pic>
+        <p:nvPicPr>
+          <p:cNvPr id="71" name="Picture 70"/>
+          <p:cNvPicPr>
+            <a:picLocks noChangeAspect="1"/>
+          </p:cNvPicPr>
+          <p:nvPr/>
+        </p:nvPicPr>
+        <p:blipFill>
+          <a:blip r:embed="rId4" cstate="print">
+            <a:extLst>
+              <a:ext uri="{28A0092B-C50C-407E-A947-70E740481C1C}">
+                <a14:useLocalDpi xmlns:a14="http://schemas.microsoft.com/office/drawing/2010/main" val="0"/>
+              </a:ext>
+            </a:extLst>
+          </a:blip>
+          <a:stretch>
+            <a:fillRect/>
+          </a:stretch>
+        </p:blipFill>
+        <p:spPr>
+          <a:xfrm>
+            <a:off x="3965949" y="1855102"/>
+            <a:ext cx="2314375" cy="4114999"/>
+          </a:xfrm>
+          <a:prstGeom prst="rect">
+            <a:avLst/>
+          </a:prstGeom>
+          <a:ln>
+            <a:solidFill>
+              <a:schemeClr val="bg1">
+                <a:lumMod val="50000"/>
+              </a:schemeClr>
             </a:solidFill>
           </a:ln>
         </p:spPr>
-        <p:txBody>
-          <a:bodyPr wrap="none" rtlCol="0">
-            <a:spAutoFit/>
-          </a:bodyPr>
-          <a:lstStyle/>
-          <a:p>
-            <a:pPr algn="ctr"/>
-            <a:r>
-              <a:rPr lang="en-US" sz="1400" dirty="0" smtClean="0">
-                <a:latin typeface="Arial" panose="020B0604020202020204" pitchFamily="34" charset="0"/>
-                <a:cs typeface="Arial" panose="020B0604020202020204" pitchFamily="34" charset="0"/>
-              </a:rPr>
-              <a:t>Medium level Security Protocol</a:t>
-            </a:r>
-            <a:endParaRPr lang="en-US" sz="1400" dirty="0">
-              <a:latin typeface="Arial" panose="020B0604020202020204" pitchFamily="34" charset="0"/>
-              <a:cs typeface="Arial" panose="020B0604020202020204" pitchFamily="34" charset="0"/>
-            </a:endParaRPr>
-          </a:p>
-        </p:txBody>
-      </p:sp>
-      <p:sp>
-        <p:nvSpPr>
-          <p:cNvPr id="21" name="Up-Down Arrow 20"/>
+      </p:pic>
+      <p:sp>
+        <p:nvSpPr>
+          <p:cNvPr id="72" name="Up-Down Arrow 71"/>
           <p:cNvSpPr/>
           <p:nvPr/>
         </p:nvSpPr>
         <p:spPr>
           <a:xfrm>
-            <a:off x="5724128" y="579919"/>
+            <a:off x="5018811" y="579919"/>
             <a:ext cx="198210" cy="860400"/>
           </a:xfrm>
           <a:prstGeom prst="upDownArrow">
@@ -3546,416 +3875,91 @@
       </p:sp>
       <p:sp>
         <p:nvSpPr>
-          <p:cNvPr id="22" name="TextBox 21"/>
+          <p:cNvPr id="73" name="TextBox 72"/>
           <p:cNvSpPr txBox="1"/>
           <p:nvPr/>
         </p:nvSpPr>
         <p:spPr>
           <a:xfrm>
-            <a:off x="3734264" y="855251"/>
-            <a:ext cx="4185698" cy="307777"/>
+            <a:off x="3347864" y="843529"/>
+            <a:ext cx="5439246" cy="318801"/>
           </a:xfrm>
-          <a:prstGeom prst="rect">
+          <a:prstGeom prst="roundRect">
             <a:avLst/>
           </a:prstGeom>
-          <a:solidFill>
-            <a:srgbClr val="FBF7C9"/>
-          </a:solidFill>
+          <a:gradFill>
+            <a:gsLst>
+              <a:gs pos="0">
+                <a:schemeClr val="accent6">
+                  <a:lumMod val="60000"/>
+                  <a:lumOff val="40000"/>
+                </a:schemeClr>
+              </a:gs>
+              <a:gs pos="50000">
+                <a:schemeClr val="accent6">
+                  <a:lumMod val="20000"/>
+                  <a:lumOff val="80000"/>
+                </a:schemeClr>
+              </a:gs>
+              <a:gs pos="100000">
+                <a:schemeClr val="accent6">
+                  <a:lumMod val="60000"/>
+                  <a:lumOff val="40000"/>
+                </a:schemeClr>
+              </a:gs>
+            </a:gsLst>
+            <a:lin ang="5400000" scaled="0"/>
+          </a:gradFill>
           <a:ln w="3175">
             <a:solidFill>
               <a:schemeClr val="tx1"/>
             </a:solidFill>
           </a:ln>
-        </p:spPr>
-        <p:txBody>
-          <a:bodyPr wrap="none" rtlCol="0">
-            <a:spAutoFit/>
-          </a:bodyPr>
-          <a:lstStyle/>
-          <a:p>
-            <a:pPr algn="ctr"/>
-            <a:r>
-              <a:rPr lang="en-US" sz="1400" dirty="0" smtClean="0">
-                <a:latin typeface="Arial" panose="020B0604020202020204" pitchFamily="34" charset="0"/>
-                <a:cs typeface="Arial" panose="020B0604020202020204" pitchFamily="34" charset="0"/>
-              </a:rPr>
-              <a:t>High level End-to-End Secured </a:t>
-            </a:r>
-            <a:r>
-              <a:rPr lang="en-US" sz="1400" dirty="0">
-                <a:latin typeface="Arial" panose="020B0604020202020204" pitchFamily="34" charset="0"/>
-                <a:cs typeface="Arial" panose="020B0604020202020204" pitchFamily="34" charset="0"/>
-              </a:rPr>
-              <a:t>360° Web </a:t>
-            </a:r>
-            <a:r>
-              <a:rPr lang="en-US" sz="1400" dirty="0" smtClean="0">
-                <a:latin typeface="Arial" panose="020B0604020202020204" pitchFamily="34" charset="0"/>
-                <a:cs typeface="Arial" panose="020B0604020202020204" pitchFamily="34" charset="0"/>
-              </a:rPr>
-              <a:t>Protocol</a:t>
-            </a:r>
-            <a:endParaRPr lang="en-US" sz="1400" dirty="0">
-              <a:latin typeface="Arial" panose="020B0604020202020204" pitchFamily="34" charset="0"/>
-              <a:cs typeface="Arial" panose="020B0604020202020204" pitchFamily="34" charset="0"/>
-            </a:endParaRPr>
-          </a:p>
-        </p:txBody>
-      </p:sp>
-      <p:sp>
-        <p:nvSpPr>
-          <p:cNvPr id="24" name="TextBox 23"/>
-          <p:cNvSpPr txBox="1"/>
-          <p:nvPr/>
-        </p:nvSpPr>
-        <p:spPr>
-          <a:xfrm>
-            <a:off x="251520" y="116632"/>
-            <a:ext cx="3360407" cy="461665"/>
-          </a:xfrm>
-          <a:prstGeom prst="rect">
-            <a:avLst/>
-          </a:prstGeom>
-          <a:noFill/>
-        </p:spPr>
-        <p:txBody>
-          <a:bodyPr wrap="none" rtlCol="0">
-            <a:spAutoFit/>
-          </a:bodyPr>
-          <a:lstStyle/>
-          <a:p>
-            <a:r>
-              <a:rPr lang="en-US" sz="2400" dirty="0" smtClean="0">
-                <a:latin typeface="Times New Roman" panose="02020603050405020304" pitchFamily="18" charset="0"/>
-                <a:cs typeface="Times New Roman" panose="02020603050405020304" pitchFamily="18" charset="0"/>
-              </a:rPr>
-              <a:t>Payment Terminal + Card</a:t>
-            </a:r>
-            <a:endParaRPr lang="en-US" sz="2400" dirty="0">
-              <a:latin typeface="Times New Roman" panose="02020603050405020304" pitchFamily="18" charset="0"/>
-              <a:cs typeface="Times New Roman" panose="02020603050405020304" pitchFamily="18" charset="0"/>
-            </a:endParaRPr>
-          </a:p>
-        </p:txBody>
-      </p:sp>
-      <p:sp>
-        <p:nvSpPr>
-          <p:cNvPr id="13" name="TextBox 12"/>
-          <p:cNvSpPr txBox="1"/>
-          <p:nvPr/>
-        </p:nvSpPr>
-        <p:spPr>
-          <a:xfrm>
-            <a:off x="-27548" y="6662094"/>
-            <a:ext cx="1293944" cy="215444"/>
-          </a:xfrm>
-          <a:prstGeom prst="rect">
-            <a:avLst/>
-          </a:prstGeom>
-          <a:noFill/>
-        </p:spPr>
-        <p:txBody>
-          <a:bodyPr wrap="none" rtlCol="0">
-            <a:spAutoFit/>
-          </a:bodyPr>
-          <a:lstStyle/>
-          <a:p>
-            <a:r>
-              <a:rPr lang="en-US" sz="800" dirty="0" err="1" smtClean="0">
-                <a:latin typeface="Arial" panose="020B0604020202020204" pitchFamily="34" charset="0"/>
-                <a:cs typeface="Arial" panose="020B0604020202020204" pitchFamily="34" charset="0"/>
-              </a:rPr>
-              <a:t>A.Rundgren</a:t>
-            </a:r>
-            <a:r>
-              <a:rPr lang="en-US" sz="800" dirty="0" smtClean="0">
-                <a:latin typeface="Arial" panose="020B0604020202020204" pitchFamily="34" charset="0"/>
-                <a:cs typeface="Arial" panose="020B0604020202020204" pitchFamily="34" charset="0"/>
-              </a:rPr>
-              <a:t> 2019-05-05</a:t>
-            </a:r>
-            <a:endParaRPr lang="en-US" sz="800" dirty="0">
-              <a:latin typeface="Arial" panose="020B0604020202020204" pitchFamily="34" charset="0"/>
-              <a:cs typeface="Arial" panose="020B0604020202020204" pitchFamily="34" charset="0"/>
-            </a:endParaRPr>
-          </a:p>
-        </p:txBody>
-      </p:sp>
-      <p:sp>
-        <p:nvSpPr>
-          <p:cNvPr id="25" name="TextBox 24"/>
-          <p:cNvSpPr txBox="1"/>
-          <p:nvPr/>
-        </p:nvSpPr>
-        <p:spPr>
-          <a:xfrm>
-            <a:off x="4067944" y="118254"/>
-            <a:ext cx="3572003" cy="461665"/>
-          </a:xfrm>
-          <a:prstGeom prst="rect">
-            <a:avLst/>
-          </a:prstGeom>
-          <a:noFill/>
-        </p:spPr>
-        <p:txBody>
-          <a:bodyPr wrap="none" rtlCol="0">
-            <a:spAutoFit/>
-          </a:bodyPr>
-          <a:lstStyle/>
-          <a:p>
-            <a:r>
-              <a:rPr lang="en-US" sz="2400" dirty="0" smtClean="0">
-                <a:latin typeface="Times New Roman" panose="02020603050405020304" pitchFamily="18" charset="0"/>
-                <a:cs typeface="Times New Roman" panose="02020603050405020304" pitchFamily="18" charset="0"/>
-              </a:rPr>
-              <a:t>Personal Payment Terminal</a:t>
-            </a:r>
-            <a:endParaRPr lang="en-US" sz="2400" dirty="0">
-              <a:latin typeface="Times New Roman" panose="02020603050405020304" pitchFamily="18" charset="0"/>
-              <a:cs typeface="Times New Roman" panose="02020603050405020304" pitchFamily="18" charset="0"/>
-            </a:endParaRPr>
-          </a:p>
-        </p:txBody>
-      </p:sp>
-      <p:sp>
-        <p:nvSpPr>
-          <p:cNvPr id="5" name="Rounded Rectangle 4"/>
-          <p:cNvSpPr/>
-          <p:nvPr/>
-        </p:nvSpPr>
-        <p:spPr>
-          <a:xfrm>
-            <a:off x="4572000" y="1489593"/>
-            <a:ext cx="2511077" cy="4680520"/>
-          </a:xfrm>
-          <a:prstGeom prst="roundRect">
-            <a:avLst>
-              <a:gd name="adj" fmla="val 5335"/>
-            </a:avLst>
-          </a:prstGeom>
-          <a:solidFill>
-            <a:schemeClr val="bg2"/>
-          </a:solidFill>
-          <a:ln w="12700"/>
-          <a:effectLst/>
-          <a:scene3d>
-            <a:camera prst="orthographicFront"/>
-            <a:lightRig rig="threePt" dir="t"/>
-          </a:scene3d>
-          <a:sp3d>
-            <a:bevelT/>
-          </a:sp3d>
-        </p:spPr>
-        <p:style>
-          <a:lnRef idx="2">
-            <a:schemeClr val="accent1">
-              <a:shade val="50000"/>
-            </a:schemeClr>
-          </a:lnRef>
-          <a:fillRef idx="1">
-            <a:schemeClr val="accent1"/>
-          </a:fillRef>
-          <a:effectRef idx="0">
-            <a:schemeClr val="accent1"/>
-          </a:effectRef>
-          <a:fontRef idx="minor">
-            <a:schemeClr val="lt1"/>
-          </a:fontRef>
-        </p:style>
-        <p:txBody>
-          <a:bodyPr rtlCol="0" anchor="ctr"/>
-          <a:lstStyle/>
-          <a:p>
-            <a:pPr algn="ctr"/>
-            <a:endParaRPr lang="en-US"/>
-          </a:p>
-        </p:txBody>
-      </p:sp>
-      <p:sp>
-        <p:nvSpPr>
-          <p:cNvPr id="6" name="Rounded Rectangle 5"/>
-          <p:cNvSpPr/>
-          <p:nvPr/>
-        </p:nvSpPr>
-        <p:spPr>
-          <a:xfrm>
-            <a:off x="5572799" y="1646152"/>
-            <a:ext cx="491321" cy="69859"/>
-          </a:xfrm>
-          <a:prstGeom prst="roundRect">
-            <a:avLst/>
-          </a:prstGeom>
-          <a:pattFill prst="pct25">
-            <a:fgClr>
-              <a:schemeClr val="bg1">
-                <a:lumMod val="65000"/>
-              </a:schemeClr>
-            </a:fgClr>
-            <a:bgClr>
-              <a:schemeClr val="bg1">
-                <a:lumMod val="95000"/>
-              </a:schemeClr>
-            </a:bgClr>
-          </a:pattFill>
-          <a:ln w="6350">
-            <a:solidFill>
-              <a:schemeClr val="bg1">
-                <a:lumMod val="50000"/>
-              </a:schemeClr>
-            </a:solidFill>
-          </a:ln>
-        </p:spPr>
-        <p:style>
-          <a:lnRef idx="2">
-            <a:schemeClr val="accent1">
-              <a:shade val="50000"/>
-            </a:schemeClr>
-          </a:lnRef>
-          <a:fillRef idx="1">
-            <a:schemeClr val="accent1"/>
-          </a:fillRef>
-          <a:effectRef idx="0">
-            <a:schemeClr val="accent1"/>
-          </a:effectRef>
-          <a:fontRef idx="minor">
-            <a:schemeClr val="lt1"/>
-          </a:fontRef>
-        </p:style>
-        <p:txBody>
-          <a:bodyPr rtlCol="0" anchor="ctr"/>
-          <a:lstStyle/>
-          <a:p>
-            <a:pPr algn="ctr"/>
-            <a:endParaRPr lang="en-US"/>
-          </a:p>
-        </p:txBody>
-      </p:sp>
-      <p:sp>
-        <p:nvSpPr>
-          <p:cNvPr id="7" name="Oval 6"/>
-          <p:cNvSpPr/>
-          <p:nvPr/>
-        </p:nvSpPr>
-        <p:spPr>
-          <a:xfrm>
-            <a:off x="4981476" y="1632481"/>
-            <a:ext cx="79200" cy="79200"/>
-          </a:xfrm>
-          <a:prstGeom prst="ellipse">
-            <a:avLst/>
-          </a:prstGeom>
-          <a:gradFill flip="none" rotWithShape="1">
-            <a:gsLst>
-              <a:gs pos="100000">
-                <a:schemeClr val="tx2">
-                  <a:lumMod val="60000"/>
-                  <a:lumOff val="40000"/>
-                </a:schemeClr>
-              </a:gs>
-              <a:gs pos="1875">
-                <a:schemeClr val="tx2">
-                  <a:lumMod val="60000"/>
-                  <a:lumOff val="40000"/>
-                </a:schemeClr>
-              </a:gs>
-              <a:gs pos="50000">
-                <a:schemeClr val="accent1">
-                  <a:lumMod val="40000"/>
-                  <a:lumOff val="60000"/>
-                </a:schemeClr>
-              </a:gs>
-            </a:gsLst>
-            <a:path path="circle">
-              <a:fillToRect l="50000" t="50000" r="50000" b="50000"/>
-            </a:path>
-            <a:tileRect/>
-          </a:gradFill>
-          <a:ln w="6350">
-            <a:solidFill>
-              <a:schemeClr val="bg1">
-                <a:lumMod val="50000"/>
-              </a:schemeClr>
-            </a:solidFill>
-          </a:ln>
-        </p:spPr>
-        <p:style>
-          <a:lnRef idx="2">
-            <a:schemeClr val="accent1">
-              <a:shade val="50000"/>
-            </a:schemeClr>
-          </a:lnRef>
-          <a:fillRef idx="1">
-            <a:schemeClr val="accent1"/>
-          </a:fillRef>
-          <a:effectRef idx="0">
-            <a:schemeClr val="accent1"/>
-          </a:effectRef>
-          <a:fontRef idx="minor">
-            <a:schemeClr val="lt1"/>
-          </a:fontRef>
-        </p:style>
-        <p:txBody>
-          <a:bodyPr rtlCol="0" anchor="ctr"/>
-          <a:lstStyle/>
-          <a:p>
-            <a:pPr algn="ctr"/>
-            <a:endParaRPr lang="en-US"/>
-          </a:p>
-        </p:txBody>
-      </p:sp>
-      <p:pic>
-        <p:nvPicPr>
-          <p:cNvPr id="26" name="Picture 25"/>
-          <p:cNvPicPr>
-            <a:picLocks noChangeAspect="1"/>
-          </p:cNvPicPr>
-          <p:nvPr/>
-        </p:nvPicPr>
-        <p:blipFill>
-          <a:blip r:embed="rId4" cstate="print">
-            <a:extLst>
-              <a:ext uri="{28A0092B-C50C-407E-A947-70E740481C1C}">
-                <a14:useLocalDpi xmlns:a14="http://schemas.microsoft.com/office/drawing/2010/main" val="0"/>
-              </a:ext>
-            </a:extLst>
-          </a:blip>
-          <a:stretch>
-            <a:fillRect/>
-          </a:stretch>
-        </p:blipFill>
-        <p:spPr>
-          <a:xfrm>
-            <a:off x="4666775" y="1845404"/>
-            <a:ext cx="2312916" cy="4111851"/>
-          </a:xfrm>
-          <a:prstGeom prst="rect">
-            <a:avLst/>
-          </a:prstGeom>
-          <a:ln>
-            <a:solidFill>
-              <a:schemeClr val="bg1">
-                <a:lumMod val="65000"/>
-              </a:schemeClr>
-            </a:solidFill>
-          </a:ln>
           <a:effectLst>
-            <a:outerShdw blurRad="50800" dist="38100" dir="2700000" sx="1000" sy="1000" algn="tl" rotWithShape="0">
+            <a:outerShdw blurRad="50800" dist="38100" dir="2700000" algn="tl" rotWithShape="0">
               <a:prstClr val="black">
                 <a:alpha val="40000"/>
               </a:prstClr>
             </a:outerShdw>
           </a:effectLst>
         </p:spPr>
-      </p:pic>
+        <p:txBody>
+          <a:bodyPr wrap="none" tIns="36000" bIns="36000" rtlCol="0" anchor="ctr" anchorCtr="1">
+            <a:spAutoFit/>
+          </a:bodyPr>
+          <a:lstStyle/>
+          <a:p>
+            <a:pPr algn="ctr"/>
+            <a:r>
+              <a:rPr lang="en-US" sz="1400" i="1" dirty="0" smtClean="0">
+                <a:latin typeface="Arial" panose="020B0604020202020204" pitchFamily="34" charset="0"/>
+                <a:cs typeface="Arial" panose="020B0604020202020204" pitchFamily="34" charset="0"/>
+              </a:rPr>
+              <a:t>Unified</a:t>
+            </a:r>
+            <a:r>
+              <a:rPr lang="en-US" sz="1400" dirty="0" smtClean="0">
+                <a:latin typeface="Arial" panose="020B0604020202020204" pitchFamily="34" charset="0"/>
+                <a:cs typeface="Arial" panose="020B0604020202020204" pitchFamily="34" charset="0"/>
+              </a:rPr>
+              <a:t> High level End-to-End Secured JSON based Web Protocol</a:t>
+            </a:r>
+            <a:endParaRPr lang="en-US" sz="1400" dirty="0">
+              <a:latin typeface="Arial" panose="020B0604020202020204" pitchFamily="34" charset="0"/>
+              <a:cs typeface="Arial" panose="020B0604020202020204" pitchFamily="34" charset="0"/>
+            </a:endParaRPr>
+          </a:p>
+        </p:txBody>
+      </p:sp>
       <p:cxnSp>
         <p:nvCxnSpPr>
-          <p:cNvPr id="52" name="Straight Arrow Connector 51"/>
+          <p:cNvPr id="74" name="Straight Arrow Connector 73"/>
           <p:cNvCxnSpPr/>
           <p:nvPr/>
         </p:nvCxnSpPr>
         <p:spPr>
           <a:xfrm flipH="1">
-            <a:off x="7099369" y="5518418"/>
+            <a:off x="6394052" y="5502686"/>
             <a:ext cx="547666" cy="0"/>
           </a:xfrm>
           <a:prstGeom prst="straightConnector1">
@@ -3987,7 +3991,7 @@
       </p:cxnSp>
       <p:pic>
         <p:nvPicPr>
-          <p:cNvPr id="51" name="Picture 8" descr="key"/>
+          <p:cNvPr id="75" name="Picture 8" descr="key"/>
           <p:cNvPicPr>
             <a:picLocks noChangeAspect="1" noChangeArrowheads="1"/>
           </p:cNvPicPr>
@@ -4017,7 +4021,7 @@
         </p:blipFill>
         <p:spPr bwMode="auto">
           <a:xfrm rot="20680384">
-            <a:off x="7894419" y="5192837"/>
+            <a:off x="7189102" y="5177105"/>
             <a:ext cx="360040" cy="356341"/>
           </a:xfrm>
           <a:prstGeom prst="rect">
@@ -4050,7 +4054,7 @@
       </p:pic>
       <p:pic>
         <p:nvPicPr>
-          <p:cNvPr id="54" name="Picture 8" descr="key"/>
+          <p:cNvPr id="76" name="Picture 8" descr="key"/>
           <p:cNvPicPr>
             <a:picLocks noChangeAspect="1" noChangeArrowheads="1"/>
           </p:cNvPicPr>
@@ -4080,7 +4084,7 @@
         </p:blipFill>
         <p:spPr bwMode="auto">
           <a:xfrm rot="20680384">
-            <a:off x="7741026" y="5368432"/>
+            <a:off x="7035709" y="5352700"/>
             <a:ext cx="360040" cy="356341"/>
           </a:xfrm>
           <a:prstGeom prst="rect">
@@ -4113,7 +4117,7 @@
       </p:pic>
       <p:pic>
         <p:nvPicPr>
-          <p:cNvPr id="55" name="Picture 8" descr="key"/>
+          <p:cNvPr id="77" name="Picture 8" descr="key"/>
           <p:cNvPicPr>
             <a:picLocks noChangeAspect="1" noChangeArrowheads="1"/>
           </p:cNvPicPr>
@@ -4143,7 +4147,7 @@
         </p:blipFill>
         <p:spPr bwMode="auto">
           <a:xfrm rot="20680384">
-            <a:off x="7597009" y="5559666"/>
+            <a:off x="6891692" y="5543934"/>
             <a:ext cx="360040" cy="356341"/>
           </a:xfrm>
           <a:prstGeom prst="rect">
@@ -4176,13 +4180,13 @@
       </p:pic>
       <p:sp>
         <p:nvSpPr>
-          <p:cNvPr id="56" name="TextBox 55"/>
+          <p:cNvPr id="78" name="TextBox 77"/>
           <p:cNvSpPr txBox="1"/>
           <p:nvPr/>
         </p:nvSpPr>
         <p:spPr>
           <a:xfrm>
-            <a:off x="7208752" y="5849949"/>
+            <a:off x="6470593" y="5846604"/>
             <a:ext cx="1798890" cy="307777"/>
           </a:xfrm>
           <a:prstGeom prst="rect">
@@ -4213,14 +4217,14 @@
       </p:sp>
       <p:cxnSp>
         <p:nvCxnSpPr>
-          <p:cNvPr id="27" name="Straight Arrow Connector 26"/>
+          <p:cNvPr id="79" name="Straight Arrow Connector 78"/>
           <p:cNvCxnSpPr/>
           <p:nvPr/>
         </p:nvCxnSpPr>
         <p:spPr>
-          <a:xfrm flipH="1" flipV="1">
-            <a:off x="6377673" y="3078189"/>
-            <a:ext cx="836551" cy="5453"/>
+          <a:xfrm flipH="1">
+            <a:off x="5670017" y="3143806"/>
+            <a:ext cx="828000" cy="0"/>
           </a:xfrm>
           <a:prstGeom prst="straightConnector1">
             <a:avLst/>
@@ -4251,14 +4255,14 @@
       </p:cxnSp>
       <p:sp>
         <p:nvSpPr>
-          <p:cNvPr id="30" name="TextBox 29"/>
+          <p:cNvPr id="80" name="TextBox 79"/>
           <p:cNvSpPr txBox="1"/>
           <p:nvPr/>
         </p:nvSpPr>
         <p:spPr>
           <a:xfrm>
-            <a:off x="7208752" y="2929753"/>
-            <a:ext cx="1624098" cy="307777"/>
+            <a:off x="6470593" y="2903398"/>
+            <a:ext cx="2691839" cy="954107"/>
           </a:xfrm>
           <a:prstGeom prst="rect">
             <a:avLst/>
@@ -4266,19 +4270,80 @@
           <a:noFill/>
         </p:spPr>
         <p:txBody>
-          <a:bodyPr wrap="none" rtlCol="0">
+          <a:bodyPr wrap="square" rtlCol="0">
             <a:spAutoFit/>
           </a:bodyPr>
           <a:lstStyle/>
           <a:p>
-            <a:pPr algn="ctr"/>
             <a:r>
               <a:rPr lang="en-US" sz="1400" dirty="0" smtClean="0">
                 <a:latin typeface="Arial" panose="020B0604020202020204" pitchFamily="34" charset="0"/>
                 <a:cs typeface="Arial" panose="020B0604020202020204" pitchFamily="34" charset="0"/>
               </a:rPr>
-              <a:t>Virtual Card Logo</a:t>
-            </a:r>
+              <a:t>Virtual Card Logotype &amp;</a:t>
+            </a:r>
+            <a:br>
+              <a:rPr lang="en-US" sz="1400" dirty="0" smtClean="0">
+                <a:latin typeface="Arial" panose="020B0604020202020204" pitchFamily="34" charset="0"/>
+                <a:cs typeface="Arial" panose="020B0604020202020204" pitchFamily="34" charset="0"/>
+              </a:rPr>
+            </a:br>
+            <a:r>
+              <a:rPr lang="en-US" sz="1400" dirty="0" smtClean="0">
+                <a:latin typeface="Arial" panose="020B0604020202020204" pitchFamily="34" charset="0"/>
+                <a:cs typeface="Arial" panose="020B0604020202020204" pitchFamily="34" charset="0"/>
+              </a:rPr>
+              <a:t>Account </a:t>
+            </a:r>
+            <a:r>
+              <a:rPr lang="en-US" sz="1400" dirty="0" smtClean="0">
+                <a:latin typeface="Arial" panose="020B0604020202020204" pitchFamily="34" charset="0"/>
+                <a:cs typeface="Arial" panose="020B0604020202020204" pitchFamily="34" charset="0"/>
+              </a:rPr>
+              <a:t>Selection </a:t>
+            </a:r>
+            <a:r>
+              <a:rPr lang="en-US" sz="1400" dirty="0" smtClean="0">
+                <a:latin typeface="Arial" panose="020B0604020202020204" pitchFamily="34" charset="0"/>
+                <a:cs typeface="Arial" panose="020B0604020202020204" pitchFamily="34" charset="0"/>
+              </a:rPr>
+              <a:t>(</a:t>
+            </a:r>
+            <a:r>
+              <a:rPr lang="en-US" sz="1400" dirty="0" err="1" smtClean="0">
+                <a:latin typeface="Wingdings" panose="05000000000000000000" pitchFamily="2" charset="2"/>
+              </a:rPr>
+              <a:t>ï</a:t>
+            </a:r>
+            <a:r>
+              <a:rPr lang="en-US" sz="1400" dirty="0" err="1">
+                <a:latin typeface="Arial" panose="020B0604020202020204" pitchFamily="34" charset="0"/>
+                <a:cs typeface="Arial" panose="020B0604020202020204" pitchFamily="34" charset="0"/>
+              </a:rPr>
+              <a:t>S</a:t>
+            </a:r>
+            <a:r>
+              <a:rPr lang="en-US" sz="1400" dirty="0" err="1" smtClean="0">
+                <a:latin typeface="Arial" panose="020B0604020202020204" pitchFamily="34" charset="0"/>
+                <a:cs typeface="Arial" panose="020B0604020202020204" pitchFamily="34" charset="0"/>
+              </a:rPr>
+              <a:t>wipe</a:t>
+            </a:r>
+            <a:r>
+              <a:rPr lang="en-US" sz="1400" dirty="0" err="1" smtClean="0">
+                <a:latin typeface="Wingdings" panose="05000000000000000000" pitchFamily="2" charset="2"/>
+              </a:rPr>
+              <a:t>ð</a:t>
+            </a:r>
+            <a:r>
+              <a:rPr lang="en-US" sz="1400" dirty="0"/>
+              <a:t>)</a:t>
+            </a:r>
+          </a:p>
+          <a:p>
+            <a:endParaRPr lang="en-US" sz="1400" dirty="0" smtClean="0"/>
+          </a:p>
+          <a:p>
             <a:endParaRPr lang="en-US" sz="1400" dirty="0">
               <a:latin typeface="Arial" panose="020B0604020202020204" pitchFamily="34" charset="0"/>
               <a:cs typeface="Arial" panose="020B0604020202020204" pitchFamily="34" charset="0"/>
@@ -4288,14 +4353,14 @@
       </p:sp>
       <p:cxnSp>
         <p:nvCxnSpPr>
-          <p:cNvPr id="32" name="Straight Arrow Connector 31"/>
+          <p:cNvPr id="81" name="Straight Arrow Connector 80"/>
           <p:cNvCxnSpPr/>
           <p:nvPr/>
         </p:nvCxnSpPr>
         <p:spPr>
-          <a:xfrm flipH="1" flipV="1">
-            <a:off x="6377673" y="3574167"/>
-            <a:ext cx="836551" cy="2040"/>
+          <a:xfrm flipH="1">
+            <a:off x="5670017" y="3571197"/>
+            <a:ext cx="828000" cy="0"/>
           </a:xfrm>
           <a:prstGeom prst="straightConnector1">
             <a:avLst/>
@@ -4326,14 +4391,14 @@
       </p:cxnSp>
       <p:sp>
         <p:nvSpPr>
-          <p:cNvPr id="33" name="TextBox 32"/>
+          <p:cNvPr id="82" name="TextBox 81"/>
           <p:cNvSpPr txBox="1"/>
           <p:nvPr/>
         </p:nvSpPr>
         <p:spPr>
           <a:xfrm>
-            <a:off x="7208752" y="3314597"/>
-            <a:ext cx="1827744" cy="523220"/>
+            <a:off x="6470592" y="3418474"/>
+            <a:ext cx="2619833" cy="307777"/>
           </a:xfrm>
           <a:prstGeom prst="rect">
             <a:avLst/>
@@ -4341,37 +4406,17 @@
           <a:noFill/>
         </p:spPr>
         <p:txBody>
-          <a:bodyPr wrap="none" rtlCol="0">
+          <a:bodyPr wrap="square" rtlCol="0">
             <a:spAutoFit/>
           </a:bodyPr>
           <a:lstStyle/>
           <a:p>
-            <a:r>
-              <a:rPr lang="en-US" sz="1400" i="1" dirty="0" smtClean="0">
-                <a:latin typeface="Arial" panose="020B0604020202020204" pitchFamily="34" charset="0"/>
-                <a:cs typeface="Arial" panose="020B0604020202020204" pitchFamily="34" charset="0"/>
-              </a:rPr>
-              <a:t>Optional</a:t>
-            </a:r>
             <a:r>
               <a:rPr lang="en-US" sz="1400" dirty="0" smtClean="0">
                 <a:latin typeface="Arial" panose="020B0604020202020204" pitchFamily="34" charset="0"/>
                 <a:cs typeface="Arial" panose="020B0604020202020204" pitchFamily="34" charset="0"/>
               </a:rPr>
-              <a:t>: Real-Time</a:t>
-            </a:r>
-            <a:br>
-              <a:rPr lang="en-US" sz="1400" dirty="0" smtClean="0">
-                <a:latin typeface="Arial" panose="020B0604020202020204" pitchFamily="34" charset="0"/>
-                <a:cs typeface="Arial" panose="020B0604020202020204" pitchFamily="34" charset="0"/>
-              </a:rPr>
-            </a:br>
-            <a:r>
-              <a:rPr lang="en-US" sz="1400" dirty="0" smtClean="0">
-                <a:latin typeface="Arial" panose="020B0604020202020204" pitchFamily="34" charset="0"/>
-                <a:cs typeface="Arial" panose="020B0604020202020204" pitchFamily="34" charset="0"/>
-              </a:rPr>
-              <a:t>Account Balance</a:t>
+              <a:t>Real-Time Account Balance</a:t>
             </a:r>
             <a:endParaRPr lang="en-US" sz="1400" dirty="0">
               <a:latin typeface="Arial" panose="020B0604020202020204" pitchFamily="34" charset="0"/>
@@ -4382,13 +4427,13 @@
       </p:sp>
       <p:cxnSp>
         <p:nvCxnSpPr>
-          <p:cNvPr id="43" name="Straight Arrow Connector 42"/>
+          <p:cNvPr id="83" name="Straight Arrow Connector 82"/>
           <p:cNvCxnSpPr/>
           <p:nvPr/>
         </p:nvCxnSpPr>
         <p:spPr>
           <a:xfrm flipH="1" flipV="1">
-            <a:off x="6660232" y="2355024"/>
+            <a:off x="5944145" y="2334530"/>
             <a:ext cx="553992" cy="4229"/>
           </a:xfrm>
           <a:prstGeom prst="straightConnector1">
@@ -4420,14 +4465,14 @@
       </p:cxnSp>
       <p:sp>
         <p:nvSpPr>
-          <p:cNvPr id="44" name="TextBox 43"/>
+          <p:cNvPr id="84" name="TextBox 83"/>
           <p:cNvSpPr txBox="1"/>
           <p:nvPr/>
         </p:nvSpPr>
         <p:spPr>
           <a:xfrm>
-            <a:off x="7208752" y="1987299"/>
-            <a:ext cx="1543436" cy="738664"/>
+            <a:off x="6470593" y="1966833"/>
+            <a:ext cx="1577420" cy="738664"/>
           </a:xfrm>
           <a:prstGeom prst="rect">
             <a:avLst/>
@@ -4445,18 +4490,11 @@
                 <a:latin typeface="Arial" panose="020B0604020202020204" pitchFamily="34" charset="0"/>
                 <a:cs typeface="Arial" panose="020B0604020202020204" pitchFamily="34" charset="0"/>
               </a:rPr>
-              <a:t>Adapted to</a:t>
-            </a:r>
-            <a:r>
-              <a:rPr lang="en-US" sz="1400" dirty="0" smtClean="0">
-                <a:latin typeface="Arial" panose="020B0604020202020204" pitchFamily="34" charset="0"/>
-                <a:cs typeface="Arial" panose="020B0604020202020204" pitchFamily="34" charset="0"/>
-              </a:rPr>
-              <a:t>:</a:t>
-            </a:r>
-          </a:p>
-          <a:p>
-            <a:pPr marL="144000" indent="-144000">
+              <a:t>Adapted to:</a:t>
+            </a:r>
+          </a:p>
+          <a:p>
+            <a:pPr marL="162000" indent="-162000">
               <a:buFont typeface="Arial" panose="020B0604020202020204" pitchFamily="34" charset="0"/>
               <a:buChar char="•"/>
             </a:pPr>
@@ -4476,7 +4514,7 @@
             </a:r>
           </a:p>
           <a:p>
-            <a:pPr marL="144000" indent="-144000">
+            <a:pPr marL="162000" indent="-162000">
               <a:buFont typeface="Arial" panose="020B0604020202020204" pitchFamily="34" charset="0"/>
               <a:buChar char="•"/>
             </a:pPr>
@@ -4492,14 +4530,7 @@
                 <a:latin typeface="Arial" panose="020B0604020202020204" pitchFamily="34" charset="0"/>
                 <a:cs typeface="Arial" panose="020B0604020202020204" pitchFamily="34" charset="0"/>
               </a:rPr>
-              <a:t> </a:t>
-            </a:r>
-            <a:r>
-              <a:rPr lang="en-US" sz="1400" dirty="0" smtClean="0">
-                <a:latin typeface="Arial" panose="020B0604020202020204" pitchFamily="34" charset="0"/>
-                <a:cs typeface="Arial" panose="020B0604020202020204" pitchFamily="34" charset="0"/>
-              </a:rPr>
-              <a:t>Disability</a:t>
+              <a:t> Disability</a:t>
             </a:r>
             <a:endParaRPr lang="en-US" sz="1400" dirty="0">
               <a:latin typeface="Arial" panose="020B0604020202020204" pitchFamily="34" charset="0"/>
@@ -4510,13 +4541,13 @@
       </p:sp>
       <p:cxnSp>
         <p:nvCxnSpPr>
-          <p:cNvPr id="46" name="Straight Arrow Connector 45"/>
+          <p:cNvPr id="85" name="Straight Arrow Connector 84"/>
           <p:cNvCxnSpPr/>
           <p:nvPr/>
         </p:nvCxnSpPr>
         <p:spPr>
           <a:xfrm flipH="1">
-            <a:off x="6494224" y="4228406"/>
+            <a:off x="5778137" y="4207912"/>
             <a:ext cx="720000" cy="0"/>
           </a:xfrm>
           <a:prstGeom prst="straightConnector1">
@@ -4548,14 +4579,14 @@
       </p:cxnSp>
       <p:sp>
         <p:nvSpPr>
-          <p:cNvPr id="47" name="TextBox 46"/>
+          <p:cNvPr id="86" name="TextBox 85"/>
           <p:cNvSpPr txBox="1"/>
           <p:nvPr/>
         </p:nvSpPr>
         <p:spPr>
           <a:xfrm>
-            <a:off x="7208752" y="3858331"/>
-            <a:ext cx="1588897" cy="1169551"/>
+            <a:off x="6470593" y="3837837"/>
+            <a:ext cx="1588897" cy="1384995"/>
           </a:xfrm>
           <a:prstGeom prst="rect">
             <a:avLst/>
@@ -4629,6 +4660,19 @@
                 <a:latin typeface="Arial" panose="020B0604020202020204" pitchFamily="34" charset="0"/>
                 <a:cs typeface="Arial" panose="020B0604020202020204" pitchFamily="34" charset="0"/>
               </a:rPr>
+              <a:t>Subscription</a:t>
+            </a:r>
+          </a:p>
+          <a:p>
+            <a:pPr marL="177800" indent="-177800">
+              <a:buFont typeface="Arial" panose="020B0604020202020204" pitchFamily="34" charset="0"/>
+              <a:buChar char="•"/>
+            </a:pPr>
+            <a:r>
+              <a:rPr lang="en-US" sz="1400" dirty="0" smtClean="0">
+                <a:latin typeface="Arial" panose="020B0604020202020204" pitchFamily="34" charset="0"/>
+                <a:cs typeface="Arial" panose="020B0604020202020204" pitchFamily="34" charset="0"/>
+              </a:rPr>
               <a:t>Etc.</a:t>
             </a:r>
             <a:endParaRPr lang="en-US" sz="1400" dirty="0">
@@ -4638,696 +4682,867 @@
           </a:p>
         </p:txBody>
       </p:sp>
-      <p:sp>
-        <p:nvSpPr>
-          <p:cNvPr id="57" name="TextBox 56"/>
+      <p:grpSp>
+        <p:nvGrpSpPr>
+          <p:cNvPr id="87" name="Group 86"/>
+          <p:cNvGrpSpPr/>
+          <p:nvPr/>
+        </p:nvGrpSpPr>
+        <p:grpSpPr>
+          <a:xfrm>
+            <a:off x="3552429" y="5247086"/>
+            <a:ext cx="4130678" cy="1416182"/>
+            <a:chOff x="4257746" y="5387398"/>
+            <a:chExt cx="4130678" cy="1416182"/>
+          </a:xfrm>
+        </p:grpSpPr>
+        <p:sp>
+          <p:nvSpPr>
+            <p:cNvPr id="88" name="TextBox 87"/>
+            <p:cNvSpPr txBox="1"/>
+            <p:nvPr/>
+          </p:nvSpPr>
+          <p:spPr>
+            <a:xfrm>
+              <a:off x="4819319" y="6311137"/>
+              <a:ext cx="3569105" cy="492443"/>
+            </a:xfrm>
+            <a:prstGeom prst="rect">
+              <a:avLst/>
+            </a:prstGeom>
+            <a:noFill/>
+          </p:spPr>
+          <p:txBody>
+            <a:bodyPr wrap="square" rtlCol="0">
+              <a:spAutoFit/>
+            </a:bodyPr>
+            <a:lstStyle/>
+            <a:p>
+              <a:r>
+                <a:rPr lang="en-US" sz="1400" dirty="0" smtClean="0">
+                  <a:latin typeface="Arial" panose="020B0604020202020204" pitchFamily="34" charset="0"/>
+                  <a:cs typeface="Arial" panose="020B0604020202020204" pitchFamily="34" charset="0"/>
+                </a:rPr>
+                <a:t>PIN or Biometric</a:t>
+              </a:r>
+              <a:r>
+                <a:rPr lang="en-US" sz="1400" dirty="0">
+                  <a:latin typeface="Arial" panose="020B0604020202020204" pitchFamily="34" charset="0"/>
+                  <a:cs typeface="Arial" panose="020B0604020202020204" pitchFamily="34" charset="0"/>
+                </a:rPr>
+                <a:t> </a:t>
+              </a:r>
+              <a:r>
+                <a:rPr lang="en-US" sz="1400" dirty="0" smtClean="0">
+                  <a:latin typeface="Arial" panose="020B0604020202020204" pitchFamily="34" charset="0"/>
+                  <a:cs typeface="Arial" panose="020B0604020202020204" pitchFamily="34" charset="0"/>
+                </a:rPr>
+                <a:t>for User Authorization</a:t>
+              </a:r>
+              <a:r>
+                <a:rPr lang="en-US" sz="1200" dirty="0" smtClean="0">
+                  <a:latin typeface="Arial" panose="020B0604020202020204" pitchFamily="34" charset="0"/>
+                  <a:cs typeface="Arial" panose="020B0604020202020204" pitchFamily="34" charset="0"/>
+                </a:rPr>
+                <a:t/>
+              </a:r>
+              <a:br>
+                <a:rPr lang="en-US" sz="1200" dirty="0" smtClean="0">
+                  <a:latin typeface="Arial" panose="020B0604020202020204" pitchFamily="34" charset="0"/>
+                  <a:cs typeface="Arial" panose="020B0604020202020204" pitchFamily="34" charset="0"/>
+                </a:rPr>
+              </a:br>
+              <a:r>
+                <a:rPr lang="en-US" sz="1200" dirty="0" smtClean="0">
+                  <a:latin typeface="Arial" panose="020B0604020202020204" pitchFamily="34" charset="0"/>
+                  <a:cs typeface="Arial" panose="020B0604020202020204" pitchFamily="34" charset="0"/>
+                </a:rPr>
+                <a:t>(as defined by the </a:t>
+              </a:r>
+              <a:r>
+                <a:rPr lang="en-US" sz="1200" i="1" dirty="0" smtClean="0">
+                  <a:latin typeface="Arial" panose="020B0604020202020204" pitchFamily="34" charset="0"/>
+                  <a:cs typeface="Arial" panose="020B0604020202020204" pitchFamily="34" charset="0"/>
+                </a:rPr>
+                <a:t>virtual card issuer</a:t>
+              </a:r>
+              <a:r>
+                <a:rPr lang="en-US" sz="1200" dirty="0" smtClean="0">
+                  <a:latin typeface="Arial" panose="020B0604020202020204" pitchFamily="34" charset="0"/>
+                  <a:cs typeface="Arial" panose="020B0604020202020204" pitchFamily="34" charset="0"/>
+                </a:rPr>
+                <a:t>)</a:t>
+              </a:r>
+              <a:endParaRPr lang="en-US" sz="1200" dirty="0">
+                <a:latin typeface="Arial" panose="020B0604020202020204" pitchFamily="34" charset="0"/>
+                <a:cs typeface="Arial" panose="020B0604020202020204" pitchFamily="34" charset="0"/>
+              </a:endParaRPr>
+            </a:p>
+          </p:txBody>
+        </p:sp>
+        <p:sp>
+          <p:nvSpPr>
+            <p:cNvPr id="89" name="Freeform 88"/>
+            <p:cNvSpPr/>
+            <p:nvPr/>
+          </p:nvSpPr>
+          <p:spPr>
+            <a:xfrm>
+              <a:off x="4257746" y="5387398"/>
+              <a:ext cx="588099" cy="1081570"/>
+            </a:xfrm>
+            <a:custGeom>
+              <a:avLst/>
+              <a:gdLst>
+                <a:gd name="connsiteX0" fmla="*/ 0 w 377851"/>
+                <a:gd name="connsiteY0" fmla="*/ 128473 h 128473"/>
+                <a:gd name="connsiteX1" fmla="*/ 83127 w 377851"/>
+                <a:gd name="connsiteY1" fmla="*/ 83131 h 128473"/>
+                <a:gd name="connsiteX2" fmla="*/ 173811 w 377851"/>
+                <a:gd name="connsiteY2" fmla="*/ 60460 h 128473"/>
+                <a:gd name="connsiteX3" fmla="*/ 309838 w 377851"/>
+                <a:gd name="connsiteY3" fmla="*/ 15118 h 128473"/>
+                <a:gd name="connsiteX4" fmla="*/ 377851 w 377851"/>
+                <a:gd name="connsiteY4" fmla="*/ 3 h 128473"/>
+                <a:gd name="connsiteX0" fmla="*/ 0 w 778373"/>
+                <a:gd name="connsiteY0" fmla="*/ 816159 h 816159"/>
+                <a:gd name="connsiteX1" fmla="*/ 83127 w 778373"/>
+                <a:gd name="connsiteY1" fmla="*/ 770817 h 816159"/>
+                <a:gd name="connsiteX2" fmla="*/ 173811 w 778373"/>
+                <a:gd name="connsiteY2" fmla="*/ 748146 h 816159"/>
+                <a:gd name="connsiteX3" fmla="*/ 309838 w 778373"/>
+                <a:gd name="connsiteY3" fmla="*/ 702804 h 816159"/>
+                <a:gd name="connsiteX4" fmla="*/ 778373 w 778373"/>
+                <a:gd name="connsiteY4" fmla="*/ 0 h 816159"/>
+                <a:gd name="connsiteX0" fmla="*/ 0 w 778373"/>
+                <a:gd name="connsiteY0" fmla="*/ 820394 h 820394"/>
+                <a:gd name="connsiteX1" fmla="*/ 83127 w 778373"/>
+                <a:gd name="connsiteY1" fmla="*/ 775052 h 820394"/>
+                <a:gd name="connsiteX2" fmla="*/ 173811 w 778373"/>
+                <a:gd name="connsiteY2" fmla="*/ 752381 h 820394"/>
+                <a:gd name="connsiteX3" fmla="*/ 302281 w 778373"/>
+                <a:gd name="connsiteY3" fmla="*/ 94920 h 820394"/>
+                <a:gd name="connsiteX4" fmla="*/ 778373 w 778373"/>
+                <a:gd name="connsiteY4" fmla="*/ 4235 h 820394"/>
+                <a:gd name="connsiteX0" fmla="*/ 656097 w 724109"/>
+                <a:gd name="connsiteY0" fmla="*/ 752380 h 809393"/>
+                <a:gd name="connsiteX1" fmla="*/ 28863 w 724109"/>
+                <a:gd name="connsiteY1" fmla="*/ 775052 h 809393"/>
+                <a:gd name="connsiteX2" fmla="*/ 119547 w 724109"/>
+                <a:gd name="connsiteY2" fmla="*/ 752381 h 809393"/>
+                <a:gd name="connsiteX3" fmla="*/ 248017 w 724109"/>
+                <a:gd name="connsiteY3" fmla="*/ 94920 h 809393"/>
+                <a:gd name="connsiteX4" fmla="*/ 724109 w 724109"/>
+                <a:gd name="connsiteY4" fmla="*/ 4235 h 809393"/>
+                <a:gd name="connsiteX0" fmla="*/ 642713 w 710725"/>
+                <a:gd name="connsiteY0" fmla="*/ 753327 h 815624"/>
+                <a:gd name="connsiteX1" fmla="*/ 15479 w 710725"/>
+                <a:gd name="connsiteY1" fmla="*/ 775999 h 815624"/>
+                <a:gd name="connsiteX2" fmla="*/ 234633 w 710725"/>
+                <a:gd name="connsiteY2" fmla="*/ 95867 h 815624"/>
+                <a:gd name="connsiteX3" fmla="*/ 710725 w 710725"/>
+                <a:gd name="connsiteY3" fmla="*/ 5182 h 815624"/>
+                <a:gd name="connsiteX0" fmla="*/ 650546 w 718558"/>
+                <a:gd name="connsiteY0" fmla="*/ 764075 h 828252"/>
+                <a:gd name="connsiteX1" fmla="*/ 23312 w 718558"/>
+                <a:gd name="connsiteY1" fmla="*/ 786747 h 828252"/>
+                <a:gd name="connsiteX2" fmla="*/ 190078 w 718558"/>
+                <a:gd name="connsiteY2" fmla="*/ 80421 h 828252"/>
+                <a:gd name="connsiteX3" fmla="*/ 718558 w 718558"/>
+                <a:gd name="connsiteY3" fmla="*/ 15930 h 828252"/>
+                <a:gd name="connsiteX0" fmla="*/ 650546 w 718558"/>
+                <a:gd name="connsiteY0" fmla="*/ 764075 h 828252"/>
+                <a:gd name="connsiteX1" fmla="*/ 23312 w 718558"/>
+                <a:gd name="connsiteY1" fmla="*/ 786747 h 828252"/>
+                <a:gd name="connsiteX2" fmla="*/ 190078 w 718558"/>
+                <a:gd name="connsiteY2" fmla="*/ 80421 h 828252"/>
+                <a:gd name="connsiteX3" fmla="*/ 718558 w 718558"/>
+                <a:gd name="connsiteY3" fmla="*/ 15930 h 828252"/>
+                <a:gd name="connsiteX0" fmla="*/ 650546 w 718558"/>
+                <a:gd name="connsiteY0" fmla="*/ 748145 h 812322"/>
+                <a:gd name="connsiteX1" fmla="*/ 23312 w 718558"/>
+                <a:gd name="connsiteY1" fmla="*/ 770817 h 812322"/>
+                <a:gd name="connsiteX2" fmla="*/ 190078 w 718558"/>
+                <a:gd name="connsiteY2" fmla="*/ 64491 h 812322"/>
+                <a:gd name="connsiteX3" fmla="*/ 718558 w 718558"/>
+                <a:gd name="connsiteY3" fmla="*/ 0 h 812322"/>
+                <a:gd name="connsiteX0" fmla="*/ 650546 w 718558"/>
+                <a:gd name="connsiteY0" fmla="*/ 748145 h 812322"/>
+                <a:gd name="connsiteX1" fmla="*/ 23312 w 718558"/>
+                <a:gd name="connsiteY1" fmla="*/ 770817 h 812322"/>
+                <a:gd name="connsiteX2" fmla="*/ 190078 w 718558"/>
+                <a:gd name="connsiteY2" fmla="*/ 64491 h 812322"/>
+                <a:gd name="connsiteX3" fmla="*/ 718558 w 718558"/>
+                <a:gd name="connsiteY3" fmla="*/ 0 h 812322"/>
+                <a:gd name="connsiteX0" fmla="*/ 641397 w 709409"/>
+                <a:gd name="connsiteY0" fmla="*/ 748145 h 812322"/>
+                <a:gd name="connsiteX1" fmla="*/ 14163 w 709409"/>
+                <a:gd name="connsiteY1" fmla="*/ 770817 h 812322"/>
+                <a:gd name="connsiteX2" fmla="*/ 180929 w 709409"/>
+                <a:gd name="connsiteY2" fmla="*/ 64491 h 812322"/>
+                <a:gd name="connsiteX3" fmla="*/ 709409 w 709409"/>
+                <a:gd name="connsiteY3" fmla="*/ 0 h 812322"/>
+                <a:gd name="connsiteX0" fmla="*/ 657796 w 725808"/>
+                <a:gd name="connsiteY0" fmla="*/ 748145 h 773366"/>
+                <a:gd name="connsiteX1" fmla="*/ 30562 w 725808"/>
+                <a:gd name="connsiteY1" fmla="*/ 770817 h 773366"/>
+                <a:gd name="connsiteX2" fmla="*/ 197328 w 725808"/>
+                <a:gd name="connsiteY2" fmla="*/ 64491 h 773366"/>
+                <a:gd name="connsiteX3" fmla="*/ 725808 w 725808"/>
+                <a:gd name="connsiteY3" fmla="*/ 0 h 773366"/>
+                <a:gd name="connsiteX0" fmla="*/ 627313 w 695325"/>
+                <a:gd name="connsiteY0" fmla="*/ 748145 h 770867"/>
+                <a:gd name="connsiteX1" fmla="*/ 79 w 695325"/>
+                <a:gd name="connsiteY1" fmla="*/ 770817 h 770867"/>
+                <a:gd name="connsiteX2" fmla="*/ 166845 w 695325"/>
+                <a:gd name="connsiteY2" fmla="*/ 64491 h 770867"/>
+                <a:gd name="connsiteX3" fmla="*/ 695325 w 695325"/>
+                <a:gd name="connsiteY3" fmla="*/ 0 h 770867"/>
+                <a:gd name="connsiteX0" fmla="*/ 647487 w 715499"/>
+                <a:gd name="connsiteY0" fmla="*/ 748145 h 770817"/>
+                <a:gd name="connsiteX1" fmla="*/ 20253 w 715499"/>
+                <a:gd name="connsiteY1" fmla="*/ 770817 h 770817"/>
+                <a:gd name="connsiteX2" fmla="*/ 156757 w 715499"/>
+                <a:gd name="connsiteY2" fmla="*/ 218064 h 770817"/>
+                <a:gd name="connsiteX3" fmla="*/ 187019 w 715499"/>
+                <a:gd name="connsiteY3" fmla="*/ 64491 h 770817"/>
+                <a:gd name="connsiteX4" fmla="*/ 715499 w 715499"/>
+                <a:gd name="connsiteY4" fmla="*/ 0 h 770817"/>
+                <a:gd name="connsiteX0" fmla="*/ 647487 w 715499"/>
+                <a:gd name="connsiteY0" fmla="*/ 748145 h 770817"/>
+                <a:gd name="connsiteX1" fmla="*/ 20253 w 715499"/>
+                <a:gd name="connsiteY1" fmla="*/ 770817 h 770817"/>
+                <a:gd name="connsiteX2" fmla="*/ 156757 w 715499"/>
+                <a:gd name="connsiteY2" fmla="*/ 218064 h 770817"/>
+                <a:gd name="connsiteX3" fmla="*/ 187019 w 715499"/>
+                <a:gd name="connsiteY3" fmla="*/ 64491 h 770817"/>
+                <a:gd name="connsiteX4" fmla="*/ 715499 w 715499"/>
+                <a:gd name="connsiteY4" fmla="*/ 0 h 770817"/>
+                <a:gd name="connsiteX0" fmla="*/ 650546 w 718558"/>
+                <a:gd name="connsiteY0" fmla="*/ 748145 h 812322"/>
+                <a:gd name="connsiteX1" fmla="*/ 23312 w 718558"/>
+                <a:gd name="connsiteY1" fmla="*/ 770817 h 812322"/>
+                <a:gd name="connsiteX2" fmla="*/ 190078 w 718558"/>
+                <a:gd name="connsiteY2" fmla="*/ 64491 h 812322"/>
+                <a:gd name="connsiteX3" fmla="*/ 718558 w 718558"/>
+                <a:gd name="connsiteY3" fmla="*/ 0 h 812322"/>
+                <a:gd name="connsiteX0" fmla="*/ 641987 w 709999"/>
+                <a:gd name="connsiteY0" fmla="*/ 748145 h 812322"/>
+                <a:gd name="connsiteX1" fmla="*/ 14753 w 709999"/>
+                <a:gd name="connsiteY1" fmla="*/ 770817 h 812322"/>
+                <a:gd name="connsiteX2" fmla="*/ 181519 w 709999"/>
+                <a:gd name="connsiteY2" fmla="*/ 64491 h 812322"/>
+                <a:gd name="connsiteX3" fmla="*/ 709999 w 709999"/>
+                <a:gd name="connsiteY3" fmla="*/ 0 h 812322"/>
+                <a:gd name="connsiteX0" fmla="*/ 641801 w 709813"/>
+                <a:gd name="connsiteY0" fmla="*/ 748145 h 772383"/>
+                <a:gd name="connsiteX1" fmla="*/ 14567 w 709813"/>
+                <a:gd name="connsiteY1" fmla="*/ 770817 h 772383"/>
+                <a:gd name="connsiteX2" fmla="*/ 181333 w 709813"/>
+                <a:gd name="connsiteY2" fmla="*/ 64491 h 772383"/>
+                <a:gd name="connsiteX3" fmla="*/ 709813 w 709813"/>
+                <a:gd name="connsiteY3" fmla="*/ 0 h 772383"/>
+                <a:gd name="connsiteX0" fmla="*/ 627328 w 695340"/>
+                <a:gd name="connsiteY0" fmla="*/ 748145 h 771993"/>
+                <a:gd name="connsiteX1" fmla="*/ 94 w 695340"/>
+                <a:gd name="connsiteY1" fmla="*/ 770817 h 771993"/>
+                <a:gd name="connsiteX2" fmla="*/ 166860 w 695340"/>
+                <a:gd name="connsiteY2" fmla="*/ 64491 h 771993"/>
+                <a:gd name="connsiteX3" fmla="*/ 695340 w 695340"/>
+                <a:gd name="connsiteY3" fmla="*/ 0 h 771993"/>
+                <a:gd name="connsiteX0" fmla="*/ 627277 w 695289"/>
+                <a:gd name="connsiteY0" fmla="*/ 748145 h 770819"/>
+                <a:gd name="connsiteX1" fmla="*/ 43 w 695289"/>
+                <a:gd name="connsiteY1" fmla="*/ 770817 h 770819"/>
+                <a:gd name="connsiteX2" fmla="*/ 166809 w 695289"/>
+                <a:gd name="connsiteY2" fmla="*/ 64491 h 770819"/>
+                <a:gd name="connsiteX3" fmla="*/ 695289 w 695289"/>
+                <a:gd name="connsiteY3" fmla="*/ 0 h 770819"/>
+                <a:gd name="connsiteX0" fmla="*/ 644267 w 712279"/>
+                <a:gd name="connsiteY0" fmla="*/ 748145 h 816007"/>
+                <a:gd name="connsiteX1" fmla="*/ 17033 w 712279"/>
+                <a:gd name="connsiteY1" fmla="*/ 770817 h 816007"/>
+                <a:gd name="connsiteX2" fmla="*/ 162367 w 712279"/>
+                <a:gd name="connsiteY2" fmla="*/ 13294 h 816007"/>
+                <a:gd name="connsiteX3" fmla="*/ 712279 w 712279"/>
+                <a:gd name="connsiteY3" fmla="*/ 0 h 816007"/>
+                <a:gd name="connsiteX0" fmla="*/ 630695 w 698707"/>
+                <a:gd name="connsiteY0" fmla="*/ 748145 h 771675"/>
+                <a:gd name="connsiteX1" fmla="*/ 3461 w 698707"/>
+                <a:gd name="connsiteY1" fmla="*/ 770817 h 771675"/>
+                <a:gd name="connsiteX2" fmla="*/ 148795 w 698707"/>
+                <a:gd name="connsiteY2" fmla="*/ 13294 h 771675"/>
+                <a:gd name="connsiteX3" fmla="*/ 698707 w 698707"/>
+                <a:gd name="connsiteY3" fmla="*/ 0 h 771675"/>
+                <a:gd name="connsiteX0" fmla="*/ 627301 w 695313"/>
+                <a:gd name="connsiteY0" fmla="*/ 748145 h 770838"/>
+                <a:gd name="connsiteX1" fmla="*/ 67 w 695313"/>
+                <a:gd name="connsiteY1" fmla="*/ 770817 h 770838"/>
+                <a:gd name="connsiteX2" fmla="*/ 145401 w 695313"/>
+                <a:gd name="connsiteY2" fmla="*/ 13294 h 770838"/>
+                <a:gd name="connsiteX3" fmla="*/ 695313 w 695313"/>
+                <a:gd name="connsiteY3" fmla="*/ 0 h 770838"/>
+                <a:gd name="connsiteX0" fmla="*/ 627301 w 695313"/>
+                <a:gd name="connsiteY0" fmla="*/ 748145 h 770838"/>
+                <a:gd name="connsiteX1" fmla="*/ 67 w 695313"/>
+                <a:gd name="connsiteY1" fmla="*/ 770817 h 770838"/>
+                <a:gd name="connsiteX2" fmla="*/ 145401 w 695313"/>
+                <a:gd name="connsiteY2" fmla="*/ 13294 h 770838"/>
+                <a:gd name="connsiteX3" fmla="*/ 695313 w 695313"/>
+                <a:gd name="connsiteY3" fmla="*/ 0 h 770838"/>
+                <a:gd name="connsiteX0" fmla="*/ 627301 w 695313"/>
+                <a:gd name="connsiteY0" fmla="*/ 748145 h 770838"/>
+                <a:gd name="connsiteX1" fmla="*/ 67 w 695313"/>
+                <a:gd name="connsiteY1" fmla="*/ 770817 h 770838"/>
+                <a:gd name="connsiteX2" fmla="*/ 145401 w 695313"/>
+                <a:gd name="connsiteY2" fmla="*/ 13294 h 770838"/>
+                <a:gd name="connsiteX3" fmla="*/ 695313 w 695313"/>
+                <a:gd name="connsiteY3" fmla="*/ 0 h 770838"/>
+                <a:gd name="connsiteX0" fmla="*/ 627301 w 695313"/>
+                <a:gd name="connsiteY0" fmla="*/ 748145 h 770838"/>
+                <a:gd name="connsiteX1" fmla="*/ 67 w 695313"/>
+                <a:gd name="connsiteY1" fmla="*/ 770817 h 770838"/>
+                <a:gd name="connsiteX2" fmla="*/ 145401 w 695313"/>
+                <a:gd name="connsiteY2" fmla="*/ 13294 h 770838"/>
+                <a:gd name="connsiteX3" fmla="*/ 695313 w 695313"/>
+                <a:gd name="connsiteY3" fmla="*/ 0 h 770838"/>
+                <a:gd name="connsiteX0" fmla="*/ 627301 w 695313"/>
+                <a:gd name="connsiteY0" fmla="*/ 748145 h 770838"/>
+                <a:gd name="connsiteX1" fmla="*/ 67 w 695313"/>
+                <a:gd name="connsiteY1" fmla="*/ 770817 h 770838"/>
+                <a:gd name="connsiteX2" fmla="*/ 145401 w 695313"/>
+                <a:gd name="connsiteY2" fmla="*/ 13294 h 770838"/>
+                <a:gd name="connsiteX3" fmla="*/ 695313 w 695313"/>
+                <a:gd name="connsiteY3" fmla="*/ 0 h 770838"/>
+                <a:gd name="connsiteX0" fmla="*/ 627301 w 695313"/>
+                <a:gd name="connsiteY0" fmla="*/ 748145 h 770838"/>
+                <a:gd name="connsiteX1" fmla="*/ 67 w 695313"/>
+                <a:gd name="connsiteY1" fmla="*/ 770817 h 770838"/>
+                <a:gd name="connsiteX2" fmla="*/ 145401 w 695313"/>
+                <a:gd name="connsiteY2" fmla="*/ 13294 h 770838"/>
+                <a:gd name="connsiteX3" fmla="*/ 695313 w 695313"/>
+                <a:gd name="connsiteY3" fmla="*/ 0 h 770838"/>
+                <a:gd name="connsiteX0" fmla="*/ 627355 w 695367"/>
+                <a:gd name="connsiteY0" fmla="*/ 748145 h 770856"/>
+                <a:gd name="connsiteX1" fmla="*/ 121 w 695367"/>
+                <a:gd name="connsiteY1" fmla="*/ 770817 h 770856"/>
+                <a:gd name="connsiteX2" fmla="*/ 145455 w 695367"/>
+                <a:gd name="connsiteY2" fmla="*/ 13294 h 770856"/>
+                <a:gd name="connsiteX3" fmla="*/ 695367 w 695367"/>
+                <a:gd name="connsiteY3" fmla="*/ 0 h 770856"/>
+                <a:gd name="connsiteX0" fmla="*/ 627355 w 695367"/>
+                <a:gd name="connsiteY0" fmla="*/ 748145 h 770856"/>
+                <a:gd name="connsiteX1" fmla="*/ 121 w 695367"/>
+                <a:gd name="connsiteY1" fmla="*/ 770817 h 770856"/>
+                <a:gd name="connsiteX2" fmla="*/ 145455 w 695367"/>
+                <a:gd name="connsiteY2" fmla="*/ 13294 h 770856"/>
+                <a:gd name="connsiteX3" fmla="*/ 695367 w 695367"/>
+                <a:gd name="connsiteY3" fmla="*/ 0 h 770856"/>
+                <a:gd name="connsiteX0" fmla="*/ 627235 w 695247"/>
+                <a:gd name="connsiteY0" fmla="*/ 748145 h 772339"/>
+                <a:gd name="connsiteX1" fmla="*/ 1 w 695247"/>
+                <a:gd name="connsiteY1" fmla="*/ 770817 h 772339"/>
+                <a:gd name="connsiteX2" fmla="*/ 145335 w 695247"/>
+                <a:gd name="connsiteY2" fmla="*/ 13294 h 772339"/>
+                <a:gd name="connsiteX3" fmla="*/ 695247 w 695247"/>
+                <a:gd name="connsiteY3" fmla="*/ 0 h 772339"/>
+                <a:gd name="connsiteX0" fmla="*/ 627235 w 695247"/>
+                <a:gd name="connsiteY0" fmla="*/ 748145 h 772339"/>
+                <a:gd name="connsiteX1" fmla="*/ 1 w 695247"/>
+                <a:gd name="connsiteY1" fmla="*/ 770817 h 772339"/>
+                <a:gd name="connsiteX2" fmla="*/ 145335 w 695247"/>
+                <a:gd name="connsiteY2" fmla="*/ 13294 h 772339"/>
+                <a:gd name="connsiteX3" fmla="*/ 695247 w 695247"/>
+                <a:gd name="connsiteY3" fmla="*/ 0 h 772339"/>
+                <a:gd name="connsiteX0" fmla="*/ 627234 w 695246"/>
+                <a:gd name="connsiteY0" fmla="*/ 748145 h 770817"/>
+                <a:gd name="connsiteX1" fmla="*/ 0 w 695246"/>
+                <a:gd name="connsiteY1" fmla="*/ 770817 h 770817"/>
+                <a:gd name="connsiteX2" fmla="*/ 145334 w 695246"/>
+                <a:gd name="connsiteY2" fmla="*/ 13294 h 770817"/>
+                <a:gd name="connsiteX3" fmla="*/ 695246 w 695246"/>
+                <a:gd name="connsiteY3" fmla="*/ 0 h 770817"/>
+                <a:gd name="connsiteX0" fmla="*/ 627234 w 695246"/>
+                <a:gd name="connsiteY0" fmla="*/ 748145 h 770817"/>
+                <a:gd name="connsiteX1" fmla="*/ 0 w 695246"/>
+                <a:gd name="connsiteY1" fmla="*/ 770817 h 770817"/>
+                <a:gd name="connsiteX2" fmla="*/ 145334 w 695246"/>
+                <a:gd name="connsiteY2" fmla="*/ 13294 h 770817"/>
+                <a:gd name="connsiteX3" fmla="*/ 695246 w 695246"/>
+                <a:gd name="connsiteY3" fmla="*/ 0 h 770817"/>
+                <a:gd name="connsiteX0" fmla="*/ 627234 w 695246"/>
+                <a:gd name="connsiteY0" fmla="*/ 748145 h 770817"/>
+                <a:gd name="connsiteX1" fmla="*/ 0 w 695246"/>
+                <a:gd name="connsiteY1" fmla="*/ 770817 h 770817"/>
+                <a:gd name="connsiteX2" fmla="*/ 145334 w 695246"/>
+                <a:gd name="connsiteY2" fmla="*/ 13294 h 770817"/>
+                <a:gd name="connsiteX3" fmla="*/ 695246 w 695246"/>
+                <a:gd name="connsiteY3" fmla="*/ 0 h 770817"/>
+                <a:gd name="connsiteX0" fmla="*/ 486740 w 554752"/>
+                <a:gd name="connsiteY0" fmla="*/ 748145 h 748195"/>
+                <a:gd name="connsiteX1" fmla="*/ 0 w 554752"/>
+                <a:gd name="connsiteY1" fmla="*/ 748195 h 748195"/>
+                <a:gd name="connsiteX2" fmla="*/ 4840 w 554752"/>
+                <a:gd name="connsiteY2" fmla="*/ 13294 h 748195"/>
+                <a:gd name="connsiteX3" fmla="*/ 554752 w 554752"/>
+                <a:gd name="connsiteY3" fmla="*/ 0 h 748195"/>
+                <a:gd name="connsiteX0" fmla="*/ 484359 w 552371"/>
+                <a:gd name="connsiteY0" fmla="*/ 748145 h 820823"/>
+                <a:gd name="connsiteX1" fmla="*/ 0 w 552371"/>
+                <a:gd name="connsiteY1" fmla="*/ 820823 h 820823"/>
+                <a:gd name="connsiteX2" fmla="*/ 2459 w 552371"/>
+                <a:gd name="connsiteY2" fmla="*/ 13294 h 820823"/>
+                <a:gd name="connsiteX3" fmla="*/ 552371 w 552371"/>
+                <a:gd name="connsiteY3" fmla="*/ 0 h 820823"/>
+                <a:gd name="connsiteX0" fmla="*/ 484359 w 552371"/>
+                <a:gd name="connsiteY0" fmla="*/ 748145 h 881293"/>
+                <a:gd name="connsiteX1" fmla="*/ 486546 w 552371"/>
+                <a:gd name="connsiteY1" fmla="*/ 831236 h 881293"/>
+                <a:gd name="connsiteX2" fmla="*/ 0 w 552371"/>
+                <a:gd name="connsiteY2" fmla="*/ 820823 h 881293"/>
+                <a:gd name="connsiteX3" fmla="*/ 2459 w 552371"/>
+                <a:gd name="connsiteY3" fmla="*/ 13294 h 881293"/>
+                <a:gd name="connsiteX4" fmla="*/ 552371 w 552371"/>
+                <a:gd name="connsiteY4" fmla="*/ 0 h 881293"/>
+                <a:gd name="connsiteX0" fmla="*/ 486546 w 552371"/>
+                <a:gd name="connsiteY0" fmla="*/ 831236 h 881293"/>
+                <a:gd name="connsiteX1" fmla="*/ 0 w 552371"/>
+                <a:gd name="connsiteY1" fmla="*/ 820823 h 881293"/>
+                <a:gd name="connsiteX2" fmla="*/ 2459 w 552371"/>
+                <a:gd name="connsiteY2" fmla="*/ 13294 h 881293"/>
+                <a:gd name="connsiteX3" fmla="*/ 552371 w 552371"/>
+                <a:gd name="connsiteY3" fmla="*/ 0 h 881293"/>
+                <a:gd name="connsiteX0" fmla="*/ 505596 w 552371"/>
+                <a:gd name="connsiteY0" fmla="*/ 866954 h 894719"/>
+                <a:gd name="connsiteX1" fmla="*/ 0 w 552371"/>
+                <a:gd name="connsiteY1" fmla="*/ 820823 h 894719"/>
+                <a:gd name="connsiteX2" fmla="*/ 2459 w 552371"/>
+                <a:gd name="connsiteY2" fmla="*/ 13294 h 894719"/>
+                <a:gd name="connsiteX3" fmla="*/ 552371 w 552371"/>
+                <a:gd name="connsiteY3" fmla="*/ 0 h 894719"/>
+                <a:gd name="connsiteX0" fmla="*/ 594893 w 594893"/>
+                <a:gd name="connsiteY0" fmla="*/ 1087220 h 1087885"/>
+                <a:gd name="connsiteX1" fmla="*/ 0 w 594893"/>
+                <a:gd name="connsiteY1" fmla="*/ 820823 h 1087885"/>
+                <a:gd name="connsiteX2" fmla="*/ 2459 w 594893"/>
+                <a:gd name="connsiteY2" fmla="*/ 13294 h 1087885"/>
+                <a:gd name="connsiteX3" fmla="*/ 552371 w 594893"/>
+                <a:gd name="connsiteY3" fmla="*/ 0 h 1087885"/>
+                <a:gd name="connsiteX0" fmla="*/ 593694 w 593694"/>
+                <a:gd name="connsiteY0" fmla="*/ 1087220 h 1139755"/>
+                <a:gd name="connsiteX1" fmla="*/ 9517 w 593694"/>
+                <a:gd name="connsiteY1" fmla="*/ 1080379 h 1139755"/>
+                <a:gd name="connsiteX2" fmla="*/ 1260 w 593694"/>
+                <a:gd name="connsiteY2" fmla="*/ 13294 h 1139755"/>
+                <a:gd name="connsiteX3" fmla="*/ 551172 w 593694"/>
+                <a:gd name="connsiteY3" fmla="*/ 0 h 1139755"/>
+                <a:gd name="connsiteX0" fmla="*/ 593694 w 593694"/>
+                <a:gd name="connsiteY0" fmla="*/ 1087220 h 1092028"/>
+                <a:gd name="connsiteX1" fmla="*/ 9517 w 593694"/>
+                <a:gd name="connsiteY1" fmla="*/ 1080379 h 1092028"/>
+                <a:gd name="connsiteX2" fmla="*/ 1260 w 593694"/>
+                <a:gd name="connsiteY2" fmla="*/ 13294 h 1092028"/>
+                <a:gd name="connsiteX3" fmla="*/ 551172 w 593694"/>
+                <a:gd name="connsiteY3" fmla="*/ 0 h 1092028"/>
+                <a:gd name="connsiteX0" fmla="*/ 593694 w 593694"/>
+                <a:gd name="connsiteY0" fmla="*/ 1087220 h 1099405"/>
+                <a:gd name="connsiteX1" fmla="*/ 9517 w 593694"/>
+                <a:gd name="connsiteY1" fmla="*/ 1097048 h 1099405"/>
+                <a:gd name="connsiteX2" fmla="*/ 1260 w 593694"/>
+                <a:gd name="connsiteY2" fmla="*/ 13294 h 1099405"/>
+                <a:gd name="connsiteX3" fmla="*/ 551172 w 593694"/>
+                <a:gd name="connsiteY3" fmla="*/ 0 h 1099405"/>
+                <a:gd name="connsiteX0" fmla="*/ 593694 w 593694"/>
+                <a:gd name="connsiteY0" fmla="*/ 1087220 h 1098408"/>
+                <a:gd name="connsiteX1" fmla="*/ 9517 w 593694"/>
+                <a:gd name="connsiteY1" fmla="*/ 1097048 h 1098408"/>
+                <a:gd name="connsiteX2" fmla="*/ 1260 w 593694"/>
+                <a:gd name="connsiteY2" fmla="*/ 13294 h 1098408"/>
+                <a:gd name="connsiteX3" fmla="*/ 551172 w 593694"/>
+                <a:gd name="connsiteY3" fmla="*/ 0 h 1098408"/>
+                <a:gd name="connsiteX0" fmla="*/ 591313 w 591313"/>
+                <a:gd name="connsiteY0" fmla="*/ 1095554 h 1100106"/>
+                <a:gd name="connsiteX1" fmla="*/ 9517 w 591313"/>
+                <a:gd name="connsiteY1" fmla="*/ 1097048 h 1100106"/>
+                <a:gd name="connsiteX2" fmla="*/ 1260 w 591313"/>
+                <a:gd name="connsiteY2" fmla="*/ 13294 h 1100106"/>
+                <a:gd name="connsiteX3" fmla="*/ 551172 w 591313"/>
+                <a:gd name="connsiteY3" fmla="*/ 0 h 1100106"/>
+                <a:gd name="connsiteX0" fmla="*/ 591313 w 591313"/>
+                <a:gd name="connsiteY0" fmla="*/ 1095554 h 1099753"/>
+                <a:gd name="connsiteX1" fmla="*/ 9517 w 591313"/>
+                <a:gd name="connsiteY1" fmla="*/ 1097048 h 1099753"/>
+                <a:gd name="connsiteX2" fmla="*/ 1260 w 591313"/>
+                <a:gd name="connsiteY2" fmla="*/ 13294 h 1099753"/>
+                <a:gd name="connsiteX3" fmla="*/ 551172 w 591313"/>
+                <a:gd name="connsiteY3" fmla="*/ 0 h 1099753"/>
+                <a:gd name="connsiteX0" fmla="*/ 591313 w 591313"/>
+                <a:gd name="connsiteY0" fmla="*/ 1095554 h 1099753"/>
+                <a:gd name="connsiteX1" fmla="*/ 9517 w 591313"/>
+                <a:gd name="connsiteY1" fmla="*/ 1097048 h 1099753"/>
+                <a:gd name="connsiteX2" fmla="*/ 1260 w 591313"/>
+                <a:gd name="connsiteY2" fmla="*/ 13294 h 1099753"/>
+                <a:gd name="connsiteX3" fmla="*/ 551172 w 591313"/>
+                <a:gd name="connsiteY3" fmla="*/ 0 h 1099753"/>
+                <a:gd name="connsiteX0" fmla="*/ 591313 w 591313"/>
+                <a:gd name="connsiteY0" fmla="*/ 1082260 h 1086459"/>
+                <a:gd name="connsiteX1" fmla="*/ 9517 w 591313"/>
+                <a:gd name="connsiteY1" fmla="*/ 1083754 h 1086459"/>
+                <a:gd name="connsiteX2" fmla="*/ 1260 w 591313"/>
+                <a:gd name="connsiteY2" fmla="*/ 0 h 1086459"/>
+                <a:gd name="connsiteX3" fmla="*/ 551172 w 591313"/>
+                <a:gd name="connsiteY3" fmla="*/ 994 h 1086459"/>
+                <a:gd name="connsiteX0" fmla="*/ 586870 w 586870"/>
+                <a:gd name="connsiteY0" fmla="*/ 1081266 h 1085465"/>
+                <a:gd name="connsiteX1" fmla="*/ 5074 w 586870"/>
+                <a:gd name="connsiteY1" fmla="*/ 1082760 h 1085465"/>
+                <a:gd name="connsiteX2" fmla="*/ 1579 w 586870"/>
+                <a:gd name="connsiteY2" fmla="*/ 15674 h 1085465"/>
+                <a:gd name="connsiteX3" fmla="*/ 546729 w 586870"/>
+                <a:gd name="connsiteY3" fmla="*/ 0 h 1085465"/>
+                <a:gd name="connsiteX0" fmla="*/ 590188 w 590188"/>
+                <a:gd name="connsiteY0" fmla="*/ 1081266 h 1085465"/>
+                <a:gd name="connsiteX1" fmla="*/ 8392 w 590188"/>
+                <a:gd name="connsiteY1" fmla="*/ 1082760 h 1085465"/>
+                <a:gd name="connsiteX2" fmla="*/ 1326 w 590188"/>
+                <a:gd name="connsiteY2" fmla="*/ 10911 h 1085465"/>
+                <a:gd name="connsiteX3" fmla="*/ 550047 w 590188"/>
+                <a:gd name="connsiteY3" fmla="*/ 0 h 1085465"/>
+                <a:gd name="connsiteX0" fmla="*/ 592442 w 592442"/>
+                <a:gd name="connsiteY0" fmla="*/ 1081266 h 1085465"/>
+                <a:gd name="connsiteX1" fmla="*/ 10646 w 592442"/>
+                <a:gd name="connsiteY1" fmla="*/ 1082760 h 1085465"/>
+                <a:gd name="connsiteX2" fmla="*/ 1199 w 592442"/>
+                <a:gd name="connsiteY2" fmla="*/ 2577 h 1085465"/>
+                <a:gd name="connsiteX3" fmla="*/ 552301 w 592442"/>
+                <a:gd name="connsiteY3" fmla="*/ 0 h 1085465"/>
+                <a:gd name="connsiteX0" fmla="*/ 591351 w 591351"/>
+                <a:gd name="connsiteY0" fmla="*/ 1081266 h 1085465"/>
+                <a:gd name="connsiteX1" fmla="*/ 9555 w 591351"/>
+                <a:gd name="connsiteY1" fmla="*/ 1082760 h 1085465"/>
+                <a:gd name="connsiteX2" fmla="*/ 108 w 591351"/>
+                <a:gd name="connsiteY2" fmla="*/ 2577 h 1085465"/>
+                <a:gd name="connsiteX3" fmla="*/ 551210 w 591351"/>
+                <a:gd name="connsiteY3" fmla="*/ 0 h 1085465"/>
+                <a:gd name="connsiteX0" fmla="*/ 591405 w 591405"/>
+                <a:gd name="connsiteY0" fmla="*/ 1081266 h 1085465"/>
+                <a:gd name="connsiteX1" fmla="*/ 9609 w 591405"/>
+                <a:gd name="connsiteY1" fmla="*/ 1082760 h 1085465"/>
+                <a:gd name="connsiteX2" fmla="*/ 162 w 591405"/>
+                <a:gd name="connsiteY2" fmla="*/ 2577 h 1085465"/>
+                <a:gd name="connsiteX3" fmla="*/ 551264 w 591405"/>
+                <a:gd name="connsiteY3" fmla="*/ 0 h 1085465"/>
+                <a:gd name="connsiteX0" fmla="*/ 591405 w 591405"/>
+                <a:gd name="connsiteY0" fmla="*/ 1081266 h 1084480"/>
+                <a:gd name="connsiteX1" fmla="*/ 9609 w 591405"/>
+                <a:gd name="connsiteY1" fmla="*/ 1082760 h 1084480"/>
+                <a:gd name="connsiteX2" fmla="*/ 162 w 591405"/>
+                <a:gd name="connsiteY2" fmla="*/ 2577 h 1084480"/>
+                <a:gd name="connsiteX3" fmla="*/ 551264 w 591405"/>
+                <a:gd name="connsiteY3" fmla="*/ 0 h 1084480"/>
+                <a:gd name="connsiteX0" fmla="*/ 586642 w 586642"/>
+                <a:gd name="connsiteY0" fmla="*/ 1081266 h 1084480"/>
+                <a:gd name="connsiteX1" fmla="*/ 9609 w 586642"/>
+                <a:gd name="connsiteY1" fmla="*/ 1082760 h 1084480"/>
+                <a:gd name="connsiteX2" fmla="*/ 162 w 586642"/>
+                <a:gd name="connsiteY2" fmla="*/ 2577 h 1084480"/>
+                <a:gd name="connsiteX3" fmla="*/ 551264 w 586642"/>
+                <a:gd name="connsiteY3" fmla="*/ 0 h 1084480"/>
+                <a:gd name="connsiteX0" fmla="*/ 587818 w 587818"/>
+                <a:gd name="connsiteY0" fmla="*/ 1089405 h 1092619"/>
+                <a:gd name="connsiteX1" fmla="*/ 10785 w 587818"/>
+                <a:gd name="connsiteY1" fmla="*/ 1090899 h 1092619"/>
+                <a:gd name="connsiteX2" fmla="*/ 147 w 587818"/>
+                <a:gd name="connsiteY2" fmla="*/ 0 h 1092619"/>
+                <a:gd name="connsiteX3" fmla="*/ 552440 w 587818"/>
+                <a:gd name="connsiteY3" fmla="*/ 8139 h 1092619"/>
+                <a:gd name="connsiteX0" fmla="*/ 587818 w 587818"/>
+                <a:gd name="connsiteY0" fmla="*/ 1081266 h 1084480"/>
+                <a:gd name="connsiteX1" fmla="*/ 10785 w 587818"/>
+                <a:gd name="connsiteY1" fmla="*/ 1082760 h 1084480"/>
+                <a:gd name="connsiteX2" fmla="*/ 147 w 587818"/>
+                <a:gd name="connsiteY2" fmla="*/ 196 h 1084480"/>
+                <a:gd name="connsiteX3" fmla="*/ 552440 w 587818"/>
+                <a:gd name="connsiteY3" fmla="*/ 0 h 1084480"/>
+                <a:gd name="connsiteX0" fmla="*/ 591416 w 591416"/>
+                <a:gd name="connsiteY0" fmla="*/ 1081266 h 1084480"/>
+                <a:gd name="connsiteX1" fmla="*/ 96 w 591416"/>
+                <a:gd name="connsiteY1" fmla="*/ 1082760 h 1084480"/>
+                <a:gd name="connsiteX2" fmla="*/ 3745 w 591416"/>
+                <a:gd name="connsiteY2" fmla="*/ 196 h 1084480"/>
+                <a:gd name="connsiteX3" fmla="*/ 556038 w 591416"/>
+                <a:gd name="connsiteY3" fmla="*/ 0 h 1084480"/>
+                <a:gd name="connsiteX0" fmla="*/ 591416 w 591416"/>
+                <a:gd name="connsiteY0" fmla="*/ 1081266 h 1084480"/>
+                <a:gd name="connsiteX1" fmla="*/ 96 w 591416"/>
+                <a:gd name="connsiteY1" fmla="*/ 1082760 h 1084480"/>
+                <a:gd name="connsiteX2" fmla="*/ 3745 w 591416"/>
+                <a:gd name="connsiteY2" fmla="*/ 196 h 1084480"/>
+                <a:gd name="connsiteX3" fmla="*/ 556038 w 591416"/>
+                <a:gd name="connsiteY3" fmla="*/ 0 h 1084480"/>
+                <a:gd name="connsiteX0" fmla="*/ 591416 w 591416"/>
+                <a:gd name="connsiteY0" fmla="*/ 1081266 h 1082760"/>
+                <a:gd name="connsiteX1" fmla="*/ 96 w 591416"/>
+                <a:gd name="connsiteY1" fmla="*/ 1082760 h 1082760"/>
+                <a:gd name="connsiteX2" fmla="*/ 3745 w 591416"/>
+                <a:gd name="connsiteY2" fmla="*/ 196 h 1082760"/>
+                <a:gd name="connsiteX3" fmla="*/ 556038 w 591416"/>
+                <a:gd name="connsiteY3" fmla="*/ 0 h 1082760"/>
+                <a:gd name="connsiteX0" fmla="*/ 588565 w 588565"/>
+                <a:gd name="connsiteY0" fmla="*/ 1081266 h 1081266"/>
+                <a:gd name="connsiteX1" fmla="*/ 817 w 588565"/>
+                <a:gd name="connsiteY1" fmla="*/ 1077998 h 1081266"/>
+                <a:gd name="connsiteX2" fmla="*/ 894 w 588565"/>
+                <a:gd name="connsiteY2" fmla="*/ 196 h 1081266"/>
+                <a:gd name="connsiteX3" fmla="*/ 553187 w 588565"/>
+                <a:gd name="connsiteY3" fmla="*/ 0 h 1081266"/>
+                <a:gd name="connsiteX0" fmla="*/ 588099 w 588099"/>
+                <a:gd name="connsiteY0" fmla="*/ 1081266 h 1081570"/>
+                <a:gd name="connsiteX1" fmla="*/ 2732 w 588099"/>
+                <a:gd name="connsiteY1" fmla="*/ 1081570 h 1081570"/>
+                <a:gd name="connsiteX2" fmla="*/ 428 w 588099"/>
+                <a:gd name="connsiteY2" fmla="*/ 196 h 1081570"/>
+                <a:gd name="connsiteX3" fmla="*/ 552721 w 588099"/>
+                <a:gd name="connsiteY3" fmla="*/ 0 h 1081570"/>
+              </a:gdLst>
+              <a:ahLst/>
+              <a:cxnLst>
+                <a:cxn ang="0">
+                  <a:pos x="connsiteX0" y="connsiteY0"/>
+                </a:cxn>
+                <a:cxn ang="0">
+                  <a:pos x="connsiteX1" y="connsiteY1"/>
+                </a:cxn>
+                <a:cxn ang="0">
+                  <a:pos x="connsiteX2" y="connsiteY2"/>
+                </a:cxn>
+                <a:cxn ang="0">
+                  <a:pos x="connsiteX3" y="connsiteY3"/>
+                </a:cxn>
+              </a:cxnLst>
+              <a:rect l="l" t="t" r="r" b="b"/>
+              <a:pathLst>
+                <a:path w="588099" h="1081570">
+                  <a:moveTo>
+                    <a:pt x="588099" y="1081266"/>
+                  </a:moveTo>
+                  <a:lnTo>
+                    <a:pt x="2732" y="1081570"/>
+                  </a:lnTo>
+                  <a:cubicBezTo>
+                    <a:pt x="2090" y="977592"/>
+                    <a:pt x="-1146" y="267969"/>
+                    <a:pt x="428" y="196"/>
+                  </a:cubicBezTo>
+                  <a:lnTo>
+                    <a:pt x="552721" y="0"/>
+                  </a:lnTo>
+                </a:path>
+              </a:pathLst>
+            </a:custGeom>
+            <a:noFill/>
+            <a:ln w="12700">
+              <a:solidFill>
+                <a:schemeClr val="accent6">
+                  <a:lumMod val="75000"/>
+                </a:schemeClr>
+              </a:solidFill>
+              <a:tailEnd type="triangle" w="sm" len="sm"/>
+            </a:ln>
+          </p:spPr>
+          <p:style>
+            <a:lnRef idx="2">
+              <a:schemeClr val="accent1">
+                <a:shade val="50000"/>
+              </a:schemeClr>
+            </a:lnRef>
+            <a:fillRef idx="1">
+              <a:schemeClr val="accent1"/>
+            </a:fillRef>
+            <a:effectRef idx="0">
+              <a:schemeClr val="accent1"/>
+            </a:effectRef>
+            <a:fontRef idx="minor">
+              <a:schemeClr val="lt1"/>
+            </a:fontRef>
+          </p:style>
+          <p:txBody>
+            <a:bodyPr rtlCol="0" anchor="ctr"/>
+            <a:lstStyle/>
+            <a:p>
+              <a:pPr algn="ctr"/>
+              <a:endParaRPr lang="en-US"/>
+            </a:p>
+          </p:txBody>
+        </p:sp>
+      </p:grpSp>
+      <p:sp>
+        <p:nvSpPr>
+          <p:cNvPr id="90" name="TextBox 89"/>
           <p:cNvSpPr txBox="1"/>
           <p:nvPr/>
         </p:nvSpPr>
         <p:spPr>
           <a:xfrm>
-            <a:off x="4819319" y="6229756"/>
-            <a:ext cx="3857137" cy="461665"/>
+            <a:off x="251520" y="843529"/>
+            <a:ext cx="2719413" cy="318801"/>
           </a:xfrm>
-          <a:prstGeom prst="rect">
+          <a:prstGeom prst="roundRect">
             <a:avLst/>
           </a:prstGeom>
-          <a:noFill/>
+          <a:gradFill>
+            <a:gsLst>
+              <a:gs pos="0">
+                <a:schemeClr val="accent6">
+                  <a:lumMod val="60000"/>
+                  <a:lumOff val="40000"/>
+                </a:schemeClr>
+              </a:gs>
+              <a:gs pos="50000">
+                <a:schemeClr val="accent6">
+                  <a:lumMod val="20000"/>
+                  <a:lumOff val="80000"/>
+                </a:schemeClr>
+              </a:gs>
+              <a:gs pos="100000">
+                <a:schemeClr val="accent6">
+                  <a:lumMod val="60000"/>
+                  <a:lumOff val="40000"/>
+                </a:schemeClr>
+              </a:gs>
+            </a:gsLst>
+            <a:lin ang="5400000" scaled="0"/>
+          </a:gradFill>
+          <a:ln w="3175">
+            <a:solidFill>
+              <a:schemeClr val="tx1"/>
+            </a:solidFill>
+          </a:ln>
+          <a:effectLst>
+            <a:outerShdw blurRad="50800" dist="38100" dir="2700000" algn="tl" rotWithShape="0">
+              <a:prstClr val="black">
+                <a:alpha val="40000"/>
+              </a:prstClr>
+            </a:outerShdw>
+          </a:effectLst>
         </p:spPr>
         <p:txBody>
-          <a:bodyPr wrap="square" rtlCol="0">
+          <a:bodyPr wrap="none" tIns="36000" bIns="36000" rtlCol="0" anchor="ctr" anchorCtr="1">
             <a:spAutoFit/>
           </a:bodyPr>
           <a:lstStyle/>
           <a:p>
+            <a:pPr algn="ctr"/>
             <a:r>
               <a:rPr lang="en-US" sz="1400" dirty="0" smtClean="0">
                 <a:latin typeface="Arial" panose="020B0604020202020204" pitchFamily="34" charset="0"/>
                 <a:cs typeface="Arial" panose="020B0604020202020204" pitchFamily="34" charset="0"/>
               </a:rPr>
-              <a:t>PIN or Biometric</a:t>
-            </a:r>
-            <a:r>
-              <a:rPr lang="en-US" sz="1400" dirty="0">
-                <a:latin typeface="Arial" panose="020B0604020202020204" pitchFamily="34" charset="0"/>
-                <a:cs typeface="Arial" panose="020B0604020202020204" pitchFamily="34" charset="0"/>
-              </a:rPr>
-              <a:t> </a:t>
+              <a:t>Medium </a:t>
             </a:r>
             <a:r>
               <a:rPr lang="en-US" sz="1400" dirty="0" smtClean="0">
                 <a:latin typeface="Arial" panose="020B0604020202020204" pitchFamily="34" charset="0"/>
                 <a:cs typeface="Arial" panose="020B0604020202020204" pitchFamily="34" charset="0"/>
               </a:rPr>
-              <a:t>for User </a:t>
+              <a:t>level </a:t>
             </a:r>
             <a:r>
               <a:rPr lang="en-US" sz="1400" dirty="0" smtClean="0">
                 <a:latin typeface="Arial" panose="020B0604020202020204" pitchFamily="34" charset="0"/>
                 <a:cs typeface="Arial" panose="020B0604020202020204" pitchFamily="34" charset="0"/>
               </a:rPr>
-              <a:t>Authorization</a:t>
-            </a:r>
-            <a:br>
+              <a:t>Security Protocol</a:t>
+            </a:r>
+            <a:endParaRPr lang="en-US" sz="1400" dirty="0">
+              <a:latin typeface="Arial" panose="020B0604020202020204" pitchFamily="34" charset="0"/>
+              <a:cs typeface="Arial" panose="020B0604020202020204" pitchFamily="34" charset="0"/>
+            </a:endParaRPr>
+          </a:p>
+        </p:txBody>
+      </p:sp>
+      <p:sp>
+        <p:nvSpPr>
+          <p:cNvPr id="91" name="TextBox 90"/>
+          <p:cNvSpPr txBox="1"/>
+          <p:nvPr/>
+        </p:nvSpPr>
+        <p:spPr>
+          <a:xfrm>
+            <a:off x="251520" y="4910399"/>
+            <a:ext cx="2961930" cy="318801"/>
+          </a:xfrm>
+          <a:prstGeom prst="roundRect">
+            <a:avLst/>
+          </a:prstGeom>
+          <a:gradFill>
+            <a:gsLst>
+              <a:gs pos="0">
+                <a:schemeClr val="accent6">
+                  <a:lumMod val="60000"/>
+                  <a:lumOff val="40000"/>
+                </a:schemeClr>
+              </a:gs>
+              <a:gs pos="50000">
+                <a:schemeClr val="accent6">
+                  <a:lumMod val="20000"/>
+                  <a:lumOff val="80000"/>
+                </a:schemeClr>
+              </a:gs>
+              <a:gs pos="100000">
+                <a:schemeClr val="accent6">
+                  <a:lumMod val="60000"/>
+                  <a:lumOff val="40000"/>
+                </a:schemeClr>
+              </a:gs>
+            </a:gsLst>
+            <a:lin ang="5400000" scaled="0"/>
+          </a:gradFill>
+          <a:ln w="3175">
+            <a:solidFill>
+              <a:schemeClr val="tx1"/>
+            </a:solidFill>
+          </a:ln>
+          <a:effectLst>
+            <a:outerShdw blurRad="50800" dist="38100" dir="2700000" algn="tl" rotWithShape="0">
+              <a:prstClr val="black">
+                <a:alpha val="40000"/>
+              </a:prstClr>
+            </a:outerShdw>
+          </a:effectLst>
+        </p:spPr>
+        <p:txBody>
+          <a:bodyPr wrap="none" tIns="36000" bIns="36000" rtlCol="0" anchor="ctr" anchorCtr="1">
+            <a:spAutoFit/>
+          </a:bodyPr>
+          <a:lstStyle/>
+          <a:p>
+            <a:pPr algn="ctr"/>
+            <a:r>
               <a:rPr lang="en-US" sz="1400" dirty="0" smtClean="0">
                 <a:latin typeface="Arial" panose="020B0604020202020204" pitchFamily="34" charset="0"/>
                 <a:cs typeface="Arial" panose="020B0604020202020204" pitchFamily="34" charset="0"/>
               </a:rPr>
-            </a:br>
-            <a:r>
-              <a:rPr lang="en-US" sz="1000" dirty="0" smtClean="0">
+              <a:t>Low </a:t>
+            </a:r>
+            <a:r>
+              <a:rPr lang="en-US" sz="1400" dirty="0" smtClean="0">
                 <a:latin typeface="Arial" panose="020B0604020202020204" pitchFamily="34" charset="0"/>
                 <a:cs typeface="Arial" panose="020B0604020202020204" pitchFamily="34" charset="0"/>
               </a:rPr>
-              <a:t>(as defined by the </a:t>
-            </a:r>
-            <a:r>
-              <a:rPr lang="en-US" sz="1000" i="1" dirty="0" smtClean="0">
+              <a:t>level </a:t>
+            </a:r>
+            <a:r>
+              <a:rPr lang="en-US" sz="1400" dirty="0" smtClean="0">
                 <a:latin typeface="Arial" panose="020B0604020202020204" pitchFamily="34" charset="0"/>
                 <a:cs typeface="Arial" panose="020B0604020202020204" pitchFamily="34" charset="0"/>
               </a:rPr>
-              <a:t>virtual card issuer</a:t>
-            </a:r>
-            <a:r>
-              <a:rPr lang="en-US" sz="1000" dirty="0" smtClean="0">
-                <a:latin typeface="Arial" panose="020B0604020202020204" pitchFamily="34" charset="0"/>
-                <a:cs typeface="Arial" panose="020B0604020202020204" pitchFamily="34" charset="0"/>
-              </a:rPr>
-              <a:t>, not t</a:t>
-            </a:r>
-            <a:r>
-              <a:rPr lang="en-US" sz="1000" dirty="0" smtClean="0">
-                <a:latin typeface="Arial" panose="020B0604020202020204" pitchFamily="34" charset="0"/>
-                <a:cs typeface="Arial" panose="020B0604020202020204" pitchFamily="34" charset="0"/>
-              </a:rPr>
-              <a:t>he payment terminal</a:t>
-            </a:r>
-            <a:r>
-              <a:rPr lang="en-US" sz="1000" dirty="0" smtClean="0">
-                <a:latin typeface="Arial" panose="020B0604020202020204" pitchFamily="34" charset="0"/>
-                <a:cs typeface="Arial" panose="020B0604020202020204" pitchFamily="34" charset="0"/>
-              </a:rPr>
-              <a:t>)</a:t>
-            </a:r>
-            <a:endParaRPr lang="en-US" sz="1000" dirty="0">
+              <a:t>“Trusted” Card Protocol</a:t>
+            </a:r>
+            <a:endParaRPr lang="en-US" sz="1400" dirty="0">
               <a:latin typeface="Arial" panose="020B0604020202020204" pitchFamily="34" charset="0"/>
               <a:cs typeface="Arial" panose="020B0604020202020204" pitchFamily="34" charset="0"/>
             </a:endParaRPr>
-          </a:p>
-        </p:txBody>
-      </p:sp>
-      <p:sp>
-        <p:nvSpPr>
-          <p:cNvPr id="3" name="Freeform 2"/>
-          <p:cNvSpPr/>
-          <p:nvPr/>
-        </p:nvSpPr>
-        <p:spPr>
-          <a:xfrm>
-            <a:off x="4257746" y="5306017"/>
-            <a:ext cx="588099" cy="1081570"/>
-          </a:xfrm>
-          <a:custGeom>
-            <a:avLst/>
-            <a:gdLst>
-              <a:gd name="connsiteX0" fmla="*/ 0 w 377851"/>
-              <a:gd name="connsiteY0" fmla="*/ 128473 h 128473"/>
-              <a:gd name="connsiteX1" fmla="*/ 83127 w 377851"/>
-              <a:gd name="connsiteY1" fmla="*/ 83131 h 128473"/>
-              <a:gd name="connsiteX2" fmla="*/ 173811 w 377851"/>
-              <a:gd name="connsiteY2" fmla="*/ 60460 h 128473"/>
-              <a:gd name="connsiteX3" fmla="*/ 309838 w 377851"/>
-              <a:gd name="connsiteY3" fmla="*/ 15118 h 128473"/>
-              <a:gd name="connsiteX4" fmla="*/ 377851 w 377851"/>
-              <a:gd name="connsiteY4" fmla="*/ 3 h 128473"/>
-              <a:gd name="connsiteX0" fmla="*/ 0 w 778373"/>
-              <a:gd name="connsiteY0" fmla="*/ 816159 h 816159"/>
-              <a:gd name="connsiteX1" fmla="*/ 83127 w 778373"/>
-              <a:gd name="connsiteY1" fmla="*/ 770817 h 816159"/>
-              <a:gd name="connsiteX2" fmla="*/ 173811 w 778373"/>
-              <a:gd name="connsiteY2" fmla="*/ 748146 h 816159"/>
-              <a:gd name="connsiteX3" fmla="*/ 309838 w 778373"/>
-              <a:gd name="connsiteY3" fmla="*/ 702804 h 816159"/>
-              <a:gd name="connsiteX4" fmla="*/ 778373 w 778373"/>
-              <a:gd name="connsiteY4" fmla="*/ 0 h 816159"/>
-              <a:gd name="connsiteX0" fmla="*/ 0 w 778373"/>
-              <a:gd name="connsiteY0" fmla="*/ 820394 h 820394"/>
-              <a:gd name="connsiteX1" fmla="*/ 83127 w 778373"/>
-              <a:gd name="connsiteY1" fmla="*/ 775052 h 820394"/>
-              <a:gd name="connsiteX2" fmla="*/ 173811 w 778373"/>
-              <a:gd name="connsiteY2" fmla="*/ 752381 h 820394"/>
-              <a:gd name="connsiteX3" fmla="*/ 302281 w 778373"/>
-              <a:gd name="connsiteY3" fmla="*/ 94920 h 820394"/>
-              <a:gd name="connsiteX4" fmla="*/ 778373 w 778373"/>
-              <a:gd name="connsiteY4" fmla="*/ 4235 h 820394"/>
-              <a:gd name="connsiteX0" fmla="*/ 656097 w 724109"/>
-              <a:gd name="connsiteY0" fmla="*/ 752380 h 809393"/>
-              <a:gd name="connsiteX1" fmla="*/ 28863 w 724109"/>
-              <a:gd name="connsiteY1" fmla="*/ 775052 h 809393"/>
-              <a:gd name="connsiteX2" fmla="*/ 119547 w 724109"/>
-              <a:gd name="connsiteY2" fmla="*/ 752381 h 809393"/>
-              <a:gd name="connsiteX3" fmla="*/ 248017 w 724109"/>
-              <a:gd name="connsiteY3" fmla="*/ 94920 h 809393"/>
-              <a:gd name="connsiteX4" fmla="*/ 724109 w 724109"/>
-              <a:gd name="connsiteY4" fmla="*/ 4235 h 809393"/>
-              <a:gd name="connsiteX0" fmla="*/ 642713 w 710725"/>
-              <a:gd name="connsiteY0" fmla="*/ 753327 h 815624"/>
-              <a:gd name="connsiteX1" fmla="*/ 15479 w 710725"/>
-              <a:gd name="connsiteY1" fmla="*/ 775999 h 815624"/>
-              <a:gd name="connsiteX2" fmla="*/ 234633 w 710725"/>
-              <a:gd name="connsiteY2" fmla="*/ 95867 h 815624"/>
-              <a:gd name="connsiteX3" fmla="*/ 710725 w 710725"/>
-              <a:gd name="connsiteY3" fmla="*/ 5182 h 815624"/>
-              <a:gd name="connsiteX0" fmla="*/ 650546 w 718558"/>
-              <a:gd name="connsiteY0" fmla="*/ 764075 h 828252"/>
-              <a:gd name="connsiteX1" fmla="*/ 23312 w 718558"/>
-              <a:gd name="connsiteY1" fmla="*/ 786747 h 828252"/>
-              <a:gd name="connsiteX2" fmla="*/ 190078 w 718558"/>
-              <a:gd name="connsiteY2" fmla="*/ 80421 h 828252"/>
-              <a:gd name="connsiteX3" fmla="*/ 718558 w 718558"/>
-              <a:gd name="connsiteY3" fmla="*/ 15930 h 828252"/>
-              <a:gd name="connsiteX0" fmla="*/ 650546 w 718558"/>
-              <a:gd name="connsiteY0" fmla="*/ 764075 h 828252"/>
-              <a:gd name="connsiteX1" fmla="*/ 23312 w 718558"/>
-              <a:gd name="connsiteY1" fmla="*/ 786747 h 828252"/>
-              <a:gd name="connsiteX2" fmla="*/ 190078 w 718558"/>
-              <a:gd name="connsiteY2" fmla="*/ 80421 h 828252"/>
-              <a:gd name="connsiteX3" fmla="*/ 718558 w 718558"/>
-              <a:gd name="connsiteY3" fmla="*/ 15930 h 828252"/>
-              <a:gd name="connsiteX0" fmla="*/ 650546 w 718558"/>
-              <a:gd name="connsiteY0" fmla="*/ 748145 h 812322"/>
-              <a:gd name="connsiteX1" fmla="*/ 23312 w 718558"/>
-              <a:gd name="connsiteY1" fmla="*/ 770817 h 812322"/>
-              <a:gd name="connsiteX2" fmla="*/ 190078 w 718558"/>
-              <a:gd name="connsiteY2" fmla="*/ 64491 h 812322"/>
-              <a:gd name="connsiteX3" fmla="*/ 718558 w 718558"/>
-              <a:gd name="connsiteY3" fmla="*/ 0 h 812322"/>
-              <a:gd name="connsiteX0" fmla="*/ 650546 w 718558"/>
-              <a:gd name="connsiteY0" fmla="*/ 748145 h 812322"/>
-              <a:gd name="connsiteX1" fmla="*/ 23312 w 718558"/>
-              <a:gd name="connsiteY1" fmla="*/ 770817 h 812322"/>
-              <a:gd name="connsiteX2" fmla="*/ 190078 w 718558"/>
-              <a:gd name="connsiteY2" fmla="*/ 64491 h 812322"/>
-              <a:gd name="connsiteX3" fmla="*/ 718558 w 718558"/>
-              <a:gd name="connsiteY3" fmla="*/ 0 h 812322"/>
-              <a:gd name="connsiteX0" fmla="*/ 641397 w 709409"/>
-              <a:gd name="connsiteY0" fmla="*/ 748145 h 812322"/>
-              <a:gd name="connsiteX1" fmla="*/ 14163 w 709409"/>
-              <a:gd name="connsiteY1" fmla="*/ 770817 h 812322"/>
-              <a:gd name="connsiteX2" fmla="*/ 180929 w 709409"/>
-              <a:gd name="connsiteY2" fmla="*/ 64491 h 812322"/>
-              <a:gd name="connsiteX3" fmla="*/ 709409 w 709409"/>
-              <a:gd name="connsiteY3" fmla="*/ 0 h 812322"/>
-              <a:gd name="connsiteX0" fmla="*/ 657796 w 725808"/>
-              <a:gd name="connsiteY0" fmla="*/ 748145 h 773366"/>
-              <a:gd name="connsiteX1" fmla="*/ 30562 w 725808"/>
-              <a:gd name="connsiteY1" fmla="*/ 770817 h 773366"/>
-              <a:gd name="connsiteX2" fmla="*/ 197328 w 725808"/>
-              <a:gd name="connsiteY2" fmla="*/ 64491 h 773366"/>
-              <a:gd name="connsiteX3" fmla="*/ 725808 w 725808"/>
-              <a:gd name="connsiteY3" fmla="*/ 0 h 773366"/>
-              <a:gd name="connsiteX0" fmla="*/ 627313 w 695325"/>
-              <a:gd name="connsiteY0" fmla="*/ 748145 h 770867"/>
-              <a:gd name="connsiteX1" fmla="*/ 79 w 695325"/>
-              <a:gd name="connsiteY1" fmla="*/ 770817 h 770867"/>
-              <a:gd name="connsiteX2" fmla="*/ 166845 w 695325"/>
-              <a:gd name="connsiteY2" fmla="*/ 64491 h 770867"/>
-              <a:gd name="connsiteX3" fmla="*/ 695325 w 695325"/>
-              <a:gd name="connsiteY3" fmla="*/ 0 h 770867"/>
-              <a:gd name="connsiteX0" fmla="*/ 647487 w 715499"/>
-              <a:gd name="connsiteY0" fmla="*/ 748145 h 770817"/>
-              <a:gd name="connsiteX1" fmla="*/ 20253 w 715499"/>
-              <a:gd name="connsiteY1" fmla="*/ 770817 h 770817"/>
-              <a:gd name="connsiteX2" fmla="*/ 156757 w 715499"/>
-              <a:gd name="connsiteY2" fmla="*/ 218064 h 770817"/>
-              <a:gd name="connsiteX3" fmla="*/ 187019 w 715499"/>
-              <a:gd name="connsiteY3" fmla="*/ 64491 h 770817"/>
-              <a:gd name="connsiteX4" fmla="*/ 715499 w 715499"/>
-              <a:gd name="connsiteY4" fmla="*/ 0 h 770817"/>
-              <a:gd name="connsiteX0" fmla="*/ 647487 w 715499"/>
-              <a:gd name="connsiteY0" fmla="*/ 748145 h 770817"/>
-              <a:gd name="connsiteX1" fmla="*/ 20253 w 715499"/>
-              <a:gd name="connsiteY1" fmla="*/ 770817 h 770817"/>
-              <a:gd name="connsiteX2" fmla="*/ 156757 w 715499"/>
-              <a:gd name="connsiteY2" fmla="*/ 218064 h 770817"/>
-              <a:gd name="connsiteX3" fmla="*/ 187019 w 715499"/>
-              <a:gd name="connsiteY3" fmla="*/ 64491 h 770817"/>
-              <a:gd name="connsiteX4" fmla="*/ 715499 w 715499"/>
-              <a:gd name="connsiteY4" fmla="*/ 0 h 770817"/>
-              <a:gd name="connsiteX0" fmla="*/ 650546 w 718558"/>
-              <a:gd name="connsiteY0" fmla="*/ 748145 h 812322"/>
-              <a:gd name="connsiteX1" fmla="*/ 23312 w 718558"/>
-              <a:gd name="connsiteY1" fmla="*/ 770817 h 812322"/>
-              <a:gd name="connsiteX2" fmla="*/ 190078 w 718558"/>
-              <a:gd name="connsiteY2" fmla="*/ 64491 h 812322"/>
-              <a:gd name="connsiteX3" fmla="*/ 718558 w 718558"/>
-              <a:gd name="connsiteY3" fmla="*/ 0 h 812322"/>
-              <a:gd name="connsiteX0" fmla="*/ 641987 w 709999"/>
-              <a:gd name="connsiteY0" fmla="*/ 748145 h 812322"/>
-              <a:gd name="connsiteX1" fmla="*/ 14753 w 709999"/>
-              <a:gd name="connsiteY1" fmla="*/ 770817 h 812322"/>
-              <a:gd name="connsiteX2" fmla="*/ 181519 w 709999"/>
-              <a:gd name="connsiteY2" fmla="*/ 64491 h 812322"/>
-              <a:gd name="connsiteX3" fmla="*/ 709999 w 709999"/>
-              <a:gd name="connsiteY3" fmla="*/ 0 h 812322"/>
-              <a:gd name="connsiteX0" fmla="*/ 641801 w 709813"/>
-              <a:gd name="connsiteY0" fmla="*/ 748145 h 772383"/>
-              <a:gd name="connsiteX1" fmla="*/ 14567 w 709813"/>
-              <a:gd name="connsiteY1" fmla="*/ 770817 h 772383"/>
-              <a:gd name="connsiteX2" fmla="*/ 181333 w 709813"/>
-              <a:gd name="connsiteY2" fmla="*/ 64491 h 772383"/>
-              <a:gd name="connsiteX3" fmla="*/ 709813 w 709813"/>
-              <a:gd name="connsiteY3" fmla="*/ 0 h 772383"/>
-              <a:gd name="connsiteX0" fmla="*/ 627328 w 695340"/>
-              <a:gd name="connsiteY0" fmla="*/ 748145 h 771993"/>
-              <a:gd name="connsiteX1" fmla="*/ 94 w 695340"/>
-              <a:gd name="connsiteY1" fmla="*/ 770817 h 771993"/>
-              <a:gd name="connsiteX2" fmla="*/ 166860 w 695340"/>
-              <a:gd name="connsiteY2" fmla="*/ 64491 h 771993"/>
-              <a:gd name="connsiteX3" fmla="*/ 695340 w 695340"/>
-              <a:gd name="connsiteY3" fmla="*/ 0 h 771993"/>
-              <a:gd name="connsiteX0" fmla="*/ 627277 w 695289"/>
-              <a:gd name="connsiteY0" fmla="*/ 748145 h 770819"/>
-              <a:gd name="connsiteX1" fmla="*/ 43 w 695289"/>
-              <a:gd name="connsiteY1" fmla="*/ 770817 h 770819"/>
-              <a:gd name="connsiteX2" fmla="*/ 166809 w 695289"/>
-              <a:gd name="connsiteY2" fmla="*/ 64491 h 770819"/>
-              <a:gd name="connsiteX3" fmla="*/ 695289 w 695289"/>
-              <a:gd name="connsiteY3" fmla="*/ 0 h 770819"/>
-              <a:gd name="connsiteX0" fmla="*/ 644267 w 712279"/>
-              <a:gd name="connsiteY0" fmla="*/ 748145 h 816007"/>
-              <a:gd name="connsiteX1" fmla="*/ 17033 w 712279"/>
-              <a:gd name="connsiteY1" fmla="*/ 770817 h 816007"/>
-              <a:gd name="connsiteX2" fmla="*/ 162367 w 712279"/>
-              <a:gd name="connsiteY2" fmla="*/ 13294 h 816007"/>
-              <a:gd name="connsiteX3" fmla="*/ 712279 w 712279"/>
-              <a:gd name="connsiteY3" fmla="*/ 0 h 816007"/>
-              <a:gd name="connsiteX0" fmla="*/ 630695 w 698707"/>
-              <a:gd name="connsiteY0" fmla="*/ 748145 h 771675"/>
-              <a:gd name="connsiteX1" fmla="*/ 3461 w 698707"/>
-              <a:gd name="connsiteY1" fmla="*/ 770817 h 771675"/>
-              <a:gd name="connsiteX2" fmla="*/ 148795 w 698707"/>
-              <a:gd name="connsiteY2" fmla="*/ 13294 h 771675"/>
-              <a:gd name="connsiteX3" fmla="*/ 698707 w 698707"/>
-              <a:gd name="connsiteY3" fmla="*/ 0 h 771675"/>
-              <a:gd name="connsiteX0" fmla="*/ 627301 w 695313"/>
-              <a:gd name="connsiteY0" fmla="*/ 748145 h 770838"/>
-              <a:gd name="connsiteX1" fmla="*/ 67 w 695313"/>
-              <a:gd name="connsiteY1" fmla="*/ 770817 h 770838"/>
-              <a:gd name="connsiteX2" fmla="*/ 145401 w 695313"/>
-              <a:gd name="connsiteY2" fmla="*/ 13294 h 770838"/>
-              <a:gd name="connsiteX3" fmla="*/ 695313 w 695313"/>
-              <a:gd name="connsiteY3" fmla="*/ 0 h 770838"/>
-              <a:gd name="connsiteX0" fmla="*/ 627301 w 695313"/>
-              <a:gd name="connsiteY0" fmla="*/ 748145 h 770838"/>
-              <a:gd name="connsiteX1" fmla="*/ 67 w 695313"/>
-              <a:gd name="connsiteY1" fmla="*/ 770817 h 770838"/>
-              <a:gd name="connsiteX2" fmla="*/ 145401 w 695313"/>
-              <a:gd name="connsiteY2" fmla="*/ 13294 h 770838"/>
-              <a:gd name="connsiteX3" fmla="*/ 695313 w 695313"/>
-              <a:gd name="connsiteY3" fmla="*/ 0 h 770838"/>
-              <a:gd name="connsiteX0" fmla="*/ 627301 w 695313"/>
-              <a:gd name="connsiteY0" fmla="*/ 748145 h 770838"/>
-              <a:gd name="connsiteX1" fmla="*/ 67 w 695313"/>
-              <a:gd name="connsiteY1" fmla="*/ 770817 h 770838"/>
-              <a:gd name="connsiteX2" fmla="*/ 145401 w 695313"/>
-              <a:gd name="connsiteY2" fmla="*/ 13294 h 770838"/>
-              <a:gd name="connsiteX3" fmla="*/ 695313 w 695313"/>
-              <a:gd name="connsiteY3" fmla="*/ 0 h 770838"/>
-              <a:gd name="connsiteX0" fmla="*/ 627301 w 695313"/>
-              <a:gd name="connsiteY0" fmla="*/ 748145 h 770838"/>
-              <a:gd name="connsiteX1" fmla="*/ 67 w 695313"/>
-              <a:gd name="connsiteY1" fmla="*/ 770817 h 770838"/>
-              <a:gd name="connsiteX2" fmla="*/ 145401 w 695313"/>
-              <a:gd name="connsiteY2" fmla="*/ 13294 h 770838"/>
-              <a:gd name="connsiteX3" fmla="*/ 695313 w 695313"/>
-              <a:gd name="connsiteY3" fmla="*/ 0 h 770838"/>
-              <a:gd name="connsiteX0" fmla="*/ 627301 w 695313"/>
-              <a:gd name="connsiteY0" fmla="*/ 748145 h 770838"/>
-              <a:gd name="connsiteX1" fmla="*/ 67 w 695313"/>
-              <a:gd name="connsiteY1" fmla="*/ 770817 h 770838"/>
-              <a:gd name="connsiteX2" fmla="*/ 145401 w 695313"/>
-              <a:gd name="connsiteY2" fmla="*/ 13294 h 770838"/>
-              <a:gd name="connsiteX3" fmla="*/ 695313 w 695313"/>
-              <a:gd name="connsiteY3" fmla="*/ 0 h 770838"/>
-              <a:gd name="connsiteX0" fmla="*/ 627301 w 695313"/>
-              <a:gd name="connsiteY0" fmla="*/ 748145 h 770838"/>
-              <a:gd name="connsiteX1" fmla="*/ 67 w 695313"/>
-              <a:gd name="connsiteY1" fmla="*/ 770817 h 770838"/>
-              <a:gd name="connsiteX2" fmla="*/ 145401 w 695313"/>
-              <a:gd name="connsiteY2" fmla="*/ 13294 h 770838"/>
-              <a:gd name="connsiteX3" fmla="*/ 695313 w 695313"/>
-              <a:gd name="connsiteY3" fmla="*/ 0 h 770838"/>
-              <a:gd name="connsiteX0" fmla="*/ 627355 w 695367"/>
-              <a:gd name="connsiteY0" fmla="*/ 748145 h 770856"/>
-              <a:gd name="connsiteX1" fmla="*/ 121 w 695367"/>
-              <a:gd name="connsiteY1" fmla="*/ 770817 h 770856"/>
-              <a:gd name="connsiteX2" fmla="*/ 145455 w 695367"/>
-              <a:gd name="connsiteY2" fmla="*/ 13294 h 770856"/>
-              <a:gd name="connsiteX3" fmla="*/ 695367 w 695367"/>
-              <a:gd name="connsiteY3" fmla="*/ 0 h 770856"/>
-              <a:gd name="connsiteX0" fmla="*/ 627355 w 695367"/>
-              <a:gd name="connsiteY0" fmla="*/ 748145 h 770856"/>
-              <a:gd name="connsiteX1" fmla="*/ 121 w 695367"/>
-              <a:gd name="connsiteY1" fmla="*/ 770817 h 770856"/>
-              <a:gd name="connsiteX2" fmla="*/ 145455 w 695367"/>
-              <a:gd name="connsiteY2" fmla="*/ 13294 h 770856"/>
-              <a:gd name="connsiteX3" fmla="*/ 695367 w 695367"/>
-              <a:gd name="connsiteY3" fmla="*/ 0 h 770856"/>
-              <a:gd name="connsiteX0" fmla="*/ 627235 w 695247"/>
-              <a:gd name="connsiteY0" fmla="*/ 748145 h 772339"/>
-              <a:gd name="connsiteX1" fmla="*/ 1 w 695247"/>
-              <a:gd name="connsiteY1" fmla="*/ 770817 h 772339"/>
-              <a:gd name="connsiteX2" fmla="*/ 145335 w 695247"/>
-              <a:gd name="connsiteY2" fmla="*/ 13294 h 772339"/>
-              <a:gd name="connsiteX3" fmla="*/ 695247 w 695247"/>
-              <a:gd name="connsiteY3" fmla="*/ 0 h 772339"/>
-              <a:gd name="connsiteX0" fmla="*/ 627235 w 695247"/>
-              <a:gd name="connsiteY0" fmla="*/ 748145 h 772339"/>
-              <a:gd name="connsiteX1" fmla="*/ 1 w 695247"/>
-              <a:gd name="connsiteY1" fmla="*/ 770817 h 772339"/>
-              <a:gd name="connsiteX2" fmla="*/ 145335 w 695247"/>
-              <a:gd name="connsiteY2" fmla="*/ 13294 h 772339"/>
-              <a:gd name="connsiteX3" fmla="*/ 695247 w 695247"/>
-              <a:gd name="connsiteY3" fmla="*/ 0 h 772339"/>
-              <a:gd name="connsiteX0" fmla="*/ 627234 w 695246"/>
-              <a:gd name="connsiteY0" fmla="*/ 748145 h 770817"/>
-              <a:gd name="connsiteX1" fmla="*/ 0 w 695246"/>
-              <a:gd name="connsiteY1" fmla="*/ 770817 h 770817"/>
-              <a:gd name="connsiteX2" fmla="*/ 145334 w 695246"/>
-              <a:gd name="connsiteY2" fmla="*/ 13294 h 770817"/>
-              <a:gd name="connsiteX3" fmla="*/ 695246 w 695246"/>
-              <a:gd name="connsiteY3" fmla="*/ 0 h 770817"/>
-              <a:gd name="connsiteX0" fmla="*/ 627234 w 695246"/>
-              <a:gd name="connsiteY0" fmla="*/ 748145 h 770817"/>
-              <a:gd name="connsiteX1" fmla="*/ 0 w 695246"/>
-              <a:gd name="connsiteY1" fmla="*/ 770817 h 770817"/>
-              <a:gd name="connsiteX2" fmla="*/ 145334 w 695246"/>
-              <a:gd name="connsiteY2" fmla="*/ 13294 h 770817"/>
-              <a:gd name="connsiteX3" fmla="*/ 695246 w 695246"/>
-              <a:gd name="connsiteY3" fmla="*/ 0 h 770817"/>
-              <a:gd name="connsiteX0" fmla="*/ 627234 w 695246"/>
-              <a:gd name="connsiteY0" fmla="*/ 748145 h 770817"/>
-              <a:gd name="connsiteX1" fmla="*/ 0 w 695246"/>
-              <a:gd name="connsiteY1" fmla="*/ 770817 h 770817"/>
-              <a:gd name="connsiteX2" fmla="*/ 145334 w 695246"/>
-              <a:gd name="connsiteY2" fmla="*/ 13294 h 770817"/>
-              <a:gd name="connsiteX3" fmla="*/ 695246 w 695246"/>
-              <a:gd name="connsiteY3" fmla="*/ 0 h 770817"/>
-              <a:gd name="connsiteX0" fmla="*/ 486740 w 554752"/>
-              <a:gd name="connsiteY0" fmla="*/ 748145 h 748195"/>
-              <a:gd name="connsiteX1" fmla="*/ 0 w 554752"/>
-              <a:gd name="connsiteY1" fmla="*/ 748195 h 748195"/>
-              <a:gd name="connsiteX2" fmla="*/ 4840 w 554752"/>
-              <a:gd name="connsiteY2" fmla="*/ 13294 h 748195"/>
-              <a:gd name="connsiteX3" fmla="*/ 554752 w 554752"/>
-              <a:gd name="connsiteY3" fmla="*/ 0 h 748195"/>
-              <a:gd name="connsiteX0" fmla="*/ 484359 w 552371"/>
-              <a:gd name="connsiteY0" fmla="*/ 748145 h 820823"/>
-              <a:gd name="connsiteX1" fmla="*/ 0 w 552371"/>
-              <a:gd name="connsiteY1" fmla="*/ 820823 h 820823"/>
-              <a:gd name="connsiteX2" fmla="*/ 2459 w 552371"/>
-              <a:gd name="connsiteY2" fmla="*/ 13294 h 820823"/>
-              <a:gd name="connsiteX3" fmla="*/ 552371 w 552371"/>
-              <a:gd name="connsiteY3" fmla="*/ 0 h 820823"/>
-              <a:gd name="connsiteX0" fmla="*/ 484359 w 552371"/>
-              <a:gd name="connsiteY0" fmla="*/ 748145 h 881293"/>
-              <a:gd name="connsiteX1" fmla="*/ 486546 w 552371"/>
-              <a:gd name="connsiteY1" fmla="*/ 831236 h 881293"/>
-              <a:gd name="connsiteX2" fmla="*/ 0 w 552371"/>
-              <a:gd name="connsiteY2" fmla="*/ 820823 h 881293"/>
-              <a:gd name="connsiteX3" fmla="*/ 2459 w 552371"/>
-              <a:gd name="connsiteY3" fmla="*/ 13294 h 881293"/>
-              <a:gd name="connsiteX4" fmla="*/ 552371 w 552371"/>
-              <a:gd name="connsiteY4" fmla="*/ 0 h 881293"/>
-              <a:gd name="connsiteX0" fmla="*/ 486546 w 552371"/>
-              <a:gd name="connsiteY0" fmla="*/ 831236 h 881293"/>
-              <a:gd name="connsiteX1" fmla="*/ 0 w 552371"/>
-              <a:gd name="connsiteY1" fmla="*/ 820823 h 881293"/>
-              <a:gd name="connsiteX2" fmla="*/ 2459 w 552371"/>
-              <a:gd name="connsiteY2" fmla="*/ 13294 h 881293"/>
-              <a:gd name="connsiteX3" fmla="*/ 552371 w 552371"/>
-              <a:gd name="connsiteY3" fmla="*/ 0 h 881293"/>
-              <a:gd name="connsiteX0" fmla="*/ 505596 w 552371"/>
-              <a:gd name="connsiteY0" fmla="*/ 866954 h 894719"/>
-              <a:gd name="connsiteX1" fmla="*/ 0 w 552371"/>
-              <a:gd name="connsiteY1" fmla="*/ 820823 h 894719"/>
-              <a:gd name="connsiteX2" fmla="*/ 2459 w 552371"/>
-              <a:gd name="connsiteY2" fmla="*/ 13294 h 894719"/>
-              <a:gd name="connsiteX3" fmla="*/ 552371 w 552371"/>
-              <a:gd name="connsiteY3" fmla="*/ 0 h 894719"/>
-              <a:gd name="connsiteX0" fmla="*/ 594893 w 594893"/>
-              <a:gd name="connsiteY0" fmla="*/ 1087220 h 1087885"/>
-              <a:gd name="connsiteX1" fmla="*/ 0 w 594893"/>
-              <a:gd name="connsiteY1" fmla="*/ 820823 h 1087885"/>
-              <a:gd name="connsiteX2" fmla="*/ 2459 w 594893"/>
-              <a:gd name="connsiteY2" fmla="*/ 13294 h 1087885"/>
-              <a:gd name="connsiteX3" fmla="*/ 552371 w 594893"/>
-              <a:gd name="connsiteY3" fmla="*/ 0 h 1087885"/>
-              <a:gd name="connsiteX0" fmla="*/ 593694 w 593694"/>
-              <a:gd name="connsiteY0" fmla="*/ 1087220 h 1139755"/>
-              <a:gd name="connsiteX1" fmla="*/ 9517 w 593694"/>
-              <a:gd name="connsiteY1" fmla="*/ 1080379 h 1139755"/>
-              <a:gd name="connsiteX2" fmla="*/ 1260 w 593694"/>
-              <a:gd name="connsiteY2" fmla="*/ 13294 h 1139755"/>
-              <a:gd name="connsiteX3" fmla="*/ 551172 w 593694"/>
-              <a:gd name="connsiteY3" fmla="*/ 0 h 1139755"/>
-              <a:gd name="connsiteX0" fmla="*/ 593694 w 593694"/>
-              <a:gd name="connsiteY0" fmla="*/ 1087220 h 1092028"/>
-              <a:gd name="connsiteX1" fmla="*/ 9517 w 593694"/>
-              <a:gd name="connsiteY1" fmla="*/ 1080379 h 1092028"/>
-              <a:gd name="connsiteX2" fmla="*/ 1260 w 593694"/>
-              <a:gd name="connsiteY2" fmla="*/ 13294 h 1092028"/>
-              <a:gd name="connsiteX3" fmla="*/ 551172 w 593694"/>
-              <a:gd name="connsiteY3" fmla="*/ 0 h 1092028"/>
-              <a:gd name="connsiteX0" fmla="*/ 593694 w 593694"/>
-              <a:gd name="connsiteY0" fmla="*/ 1087220 h 1099405"/>
-              <a:gd name="connsiteX1" fmla="*/ 9517 w 593694"/>
-              <a:gd name="connsiteY1" fmla="*/ 1097048 h 1099405"/>
-              <a:gd name="connsiteX2" fmla="*/ 1260 w 593694"/>
-              <a:gd name="connsiteY2" fmla="*/ 13294 h 1099405"/>
-              <a:gd name="connsiteX3" fmla="*/ 551172 w 593694"/>
-              <a:gd name="connsiteY3" fmla="*/ 0 h 1099405"/>
-              <a:gd name="connsiteX0" fmla="*/ 593694 w 593694"/>
-              <a:gd name="connsiteY0" fmla="*/ 1087220 h 1098408"/>
-              <a:gd name="connsiteX1" fmla="*/ 9517 w 593694"/>
-              <a:gd name="connsiteY1" fmla="*/ 1097048 h 1098408"/>
-              <a:gd name="connsiteX2" fmla="*/ 1260 w 593694"/>
-              <a:gd name="connsiteY2" fmla="*/ 13294 h 1098408"/>
-              <a:gd name="connsiteX3" fmla="*/ 551172 w 593694"/>
-              <a:gd name="connsiteY3" fmla="*/ 0 h 1098408"/>
-              <a:gd name="connsiteX0" fmla="*/ 591313 w 591313"/>
-              <a:gd name="connsiteY0" fmla="*/ 1095554 h 1100106"/>
-              <a:gd name="connsiteX1" fmla="*/ 9517 w 591313"/>
-              <a:gd name="connsiteY1" fmla="*/ 1097048 h 1100106"/>
-              <a:gd name="connsiteX2" fmla="*/ 1260 w 591313"/>
-              <a:gd name="connsiteY2" fmla="*/ 13294 h 1100106"/>
-              <a:gd name="connsiteX3" fmla="*/ 551172 w 591313"/>
-              <a:gd name="connsiteY3" fmla="*/ 0 h 1100106"/>
-              <a:gd name="connsiteX0" fmla="*/ 591313 w 591313"/>
-              <a:gd name="connsiteY0" fmla="*/ 1095554 h 1099753"/>
-              <a:gd name="connsiteX1" fmla="*/ 9517 w 591313"/>
-              <a:gd name="connsiteY1" fmla="*/ 1097048 h 1099753"/>
-              <a:gd name="connsiteX2" fmla="*/ 1260 w 591313"/>
-              <a:gd name="connsiteY2" fmla="*/ 13294 h 1099753"/>
-              <a:gd name="connsiteX3" fmla="*/ 551172 w 591313"/>
-              <a:gd name="connsiteY3" fmla="*/ 0 h 1099753"/>
-              <a:gd name="connsiteX0" fmla="*/ 591313 w 591313"/>
-              <a:gd name="connsiteY0" fmla="*/ 1095554 h 1099753"/>
-              <a:gd name="connsiteX1" fmla="*/ 9517 w 591313"/>
-              <a:gd name="connsiteY1" fmla="*/ 1097048 h 1099753"/>
-              <a:gd name="connsiteX2" fmla="*/ 1260 w 591313"/>
-              <a:gd name="connsiteY2" fmla="*/ 13294 h 1099753"/>
-              <a:gd name="connsiteX3" fmla="*/ 551172 w 591313"/>
-              <a:gd name="connsiteY3" fmla="*/ 0 h 1099753"/>
-              <a:gd name="connsiteX0" fmla="*/ 591313 w 591313"/>
-              <a:gd name="connsiteY0" fmla="*/ 1082260 h 1086459"/>
-              <a:gd name="connsiteX1" fmla="*/ 9517 w 591313"/>
-              <a:gd name="connsiteY1" fmla="*/ 1083754 h 1086459"/>
-              <a:gd name="connsiteX2" fmla="*/ 1260 w 591313"/>
-              <a:gd name="connsiteY2" fmla="*/ 0 h 1086459"/>
-              <a:gd name="connsiteX3" fmla="*/ 551172 w 591313"/>
-              <a:gd name="connsiteY3" fmla="*/ 994 h 1086459"/>
-              <a:gd name="connsiteX0" fmla="*/ 586870 w 586870"/>
-              <a:gd name="connsiteY0" fmla="*/ 1081266 h 1085465"/>
-              <a:gd name="connsiteX1" fmla="*/ 5074 w 586870"/>
-              <a:gd name="connsiteY1" fmla="*/ 1082760 h 1085465"/>
-              <a:gd name="connsiteX2" fmla="*/ 1579 w 586870"/>
-              <a:gd name="connsiteY2" fmla="*/ 15674 h 1085465"/>
-              <a:gd name="connsiteX3" fmla="*/ 546729 w 586870"/>
-              <a:gd name="connsiteY3" fmla="*/ 0 h 1085465"/>
-              <a:gd name="connsiteX0" fmla="*/ 590188 w 590188"/>
-              <a:gd name="connsiteY0" fmla="*/ 1081266 h 1085465"/>
-              <a:gd name="connsiteX1" fmla="*/ 8392 w 590188"/>
-              <a:gd name="connsiteY1" fmla="*/ 1082760 h 1085465"/>
-              <a:gd name="connsiteX2" fmla="*/ 1326 w 590188"/>
-              <a:gd name="connsiteY2" fmla="*/ 10911 h 1085465"/>
-              <a:gd name="connsiteX3" fmla="*/ 550047 w 590188"/>
-              <a:gd name="connsiteY3" fmla="*/ 0 h 1085465"/>
-              <a:gd name="connsiteX0" fmla="*/ 592442 w 592442"/>
-              <a:gd name="connsiteY0" fmla="*/ 1081266 h 1085465"/>
-              <a:gd name="connsiteX1" fmla="*/ 10646 w 592442"/>
-              <a:gd name="connsiteY1" fmla="*/ 1082760 h 1085465"/>
-              <a:gd name="connsiteX2" fmla="*/ 1199 w 592442"/>
-              <a:gd name="connsiteY2" fmla="*/ 2577 h 1085465"/>
-              <a:gd name="connsiteX3" fmla="*/ 552301 w 592442"/>
-              <a:gd name="connsiteY3" fmla="*/ 0 h 1085465"/>
-              <a:gd name="connsiteX0" fmla="*/ 591351 w 591351"/>
-              <a:gd name="connsiteY0" fmla="*/ 1081266 h 1085465"/>
-              <a:gd name="connsiteX1" fmla="*/ 9555 w 591351"/>
-              <a:gd name="connsiteY1" fmla="*/ 1082760 h 1085465"/>
-              <a:gd name="connsiteX2" fmla="*/ 108 w 591351"/>
-              <a:gd name="connsiteY2" fmla="*/ 2577 h 1085465"/>
-              <a:gd name="connsiteX3" fmla="*/ 551210 w 591351"/>
-              <a:gd name="connsiteY3" fmla="*/ 0 h 1085465"/>
-              <a:gd name="connsiteX0" fmla="*/ 591405 w 591405"/>
-              <a:gd name="connsiteY0" fmla="*/ 1081266 h 1085465"/>
-              <a:gd name="connsiteX1" fmla="*/ 9609 w 591405"/>
-              <a:gd name="connsiteY1" fmla="*/ 1082760 h 1085465"/>
-              <a:gd name="connsiteX2" fmla="*/ 162 w 591405"/>
-              <a:gd name="connsiteY2" fmla="*/ 2577 h 1085465"/>
-              <a:gd name="connsiteX3" fmla="*/ 551264 w 591405"/>
-              <a:gd name="connsiteY3" fmla="*/ 0 h 1085465"/>
-              <a:gd name="connsiteX0" fmla="*/ 591405 w 591405"/>
-              <a:gd name="connsiteY0" fmla="*/ 1081266 h 1084480"/>
-              <a:gd name="connsiteX1" fmla="*/ 9609 w 591405"/>
-              <a:gd name="connsiteY1" fmla="*/ 1082760 h 1084480"/>
-              <a:gd name="connsiteX2" fmla="*/ 162 w 591405"/>
-              <a:gd name="connsiteY2" fmla="*/ 2577 h 1084480"/>
-              <a:gd name="connsiteX3" fmla="*/ 551264 w 591405"/>
-              <a:gd name="connsiteY3" fmla="*/ 0 h 1084480"/>
-              <a:gd name="connsiteX0" fmla="*/ 586642 w 586642"/>
-              <a:gd name="connsiteY0" fmla="*/ 1081266 h 1084480"/>
-              <a:gd name="connsiteX1" fmla="*/ 9609 w 586642"/>
-              <a:gd name="connsiteY1" fmla="*/ 1082760 h 1084480"/>
-              <a:gd name="connsiteX2" fmla="*/ 162 w 586642"/>
-              <a:gd name="connsiteY2" fmla="*/ 2577 h 1084480"/>
-              <a:gd name="connsiteX3" fmla="*/ 551264 w 586642"/>
-              <a:gd name="connsiteY3" fmla="*/ 0 h 1084480"/>
-              <a:gd name="connsiteX0" fmla="*/ 587818 w 587818"/>
-              <a:gd name="connsiteY0" fmla="*/ 1089405 h 1092619"/>
-              <a:gd name="connsiteX1" fmla="*/ 10785 w 587818"/>
-              <a:gd name="connsiteY1" fmla="*/ 1090899 h 1092619"/>
-              <a:gd name="connsiteX2" fmla="*/ 147 w 587818"/>
-              <a:gd name="connsiteY2" fmla="*/ 0 h 1092619"/>
-              <a:gd name="connsiteX3" fmla="*/ 552440 w 587818"/>
-              <a:gd name="connsiteY3" fmla="*/ 8139 h 1092619"/>
-              <a:gd name="connsiteX0" fmla="*/ 587818 w 587818"/>
-              <a:gd name="connsiteY0" fmla="*/ 1081266 h 1084480"/>
-              <a:gd name="connsiteX1" fmla="*/ 10785 w 587818"/>
-              <a:gd name="connsiteY1" fmla="*/ 1082760 h 1084480"/>
-              <a:gd name="connsiteX2" fmla="*/ 147 w 587818"/>
-              <a:gd name="connsiteY2" fmla="*/ 196 h 1084480"/>
-              <a:gd name="connsiteX3" fmla="*/ 552440 w 587818"/>
-              <a:gd name="connsiteY3" fmla="*/ 0 h 1084480"/>
-              <a:gd name="connsiteX0" fmla="*/ 591416 w 591416"/>
-              <a:gd name="connsiteY0" fmla="*/ 1081266 h 1084480"/>
-              <a:gd name="connsiteX1" fmla="*/ 96 w 591416"/>
-              <a:gd name="connsiteY1" fmla="*/ 1082760 h 1084480"/>
-              <a:gd name="connsiteX2" fmla="*/ 3745 w 591416"/>
-              <a:gd name="connsiteY2" fmla="*/ 196 h 1084480"/>
-              <a:gd name="connsiteX3" fmla="*/ 556038 w 591416"/>
-              <a:gd name="connsiteY3" fmla="*/ 0 h 1084480"/>
-              <a:gd name="connsiteX0" fmla="*/ 591416 w 591416"/>
-              <a:gd name="connsiteY0" fmla="*/ 1081266 h 1084480"/>
-              <a:gd name="connsiteX1" fmla="*/ 96 w 591416"/>
-              <a:gd name="connsiteY1" fmla="*/ 1082760 h 1084480"/>
-              <a:gd name="connsiteX2" fmla="*/ 3745 w 591416"/>
-              <a:gd name="connsiteY2" fmla="*/ 196 h 1084480"/>
-              <a:gd name="connsiteX3" fmla="*/ 556038 w 591416"/>
-              <a:gd name="connsiteY3" fmla="*/ 0 h 1084480"/>
-              <a:gd name="connsiteX0" fmla="*/ 591416 w 591416"/>
-              <a:gd name="connsiteY0" fmla="*/ 1081266 h 1082760"/>
-              <a:gd name="connsiteX1" fmla="*/ 96 w 591416"/>
-              <a:gd name="connsiteY1" fmla="*/ 1082760 h 1082760"/>
-              <a:gd name="connsiteX2" fmla="*/ 3745 w 591416"/>
-              <a:gd name="connsiteY2" fmla="*/ 196 h 1082760"/>
-              <a:gd name="connsiteX3" fmla="*/ 556038 w 591416"/>
-              <a:gd name="connsiteY3" fmla="*/ 0 h 1082760"/>
-              <a:gd name="connsiteX0" fmla="*/ 588565 w 588565"/>
-              <a:gd name="connsiteY0" fmla="*/ 1081266 h 1081266"/>
-              <a:gd name="connsiteX1" fmla="*/ 817 w 588565"/>
-              <a:gd name="connsiteY1" fmla="*/ 1077998 h 1081266"/>
-              <a:gd name="connsiteX2" fmla="*/ 894 w 588565"/>
-              <a:gd name="connsiteY2" fmla="*/ 196 h 1081266"/>
-              <a:gd name="connsiteX3" fmla="*/ 553187 w 588565"/>
-              <a:gd name="connsiteY3" fmla="*/ 0 h 1081266"/>
-              <a:gd name="connsiteX0" fmla="*/ 588099 w 588099"/>
-              <a:gd name="connsiteY0" fmla="*/ 1081266 h 1081570"/>
-              <a:gd name="connsiteX1" fmla="*/ 2732 w 588099"/>
-              <a:gd name="connsiteY1" fmla="*/ 1081570 h 1081570"/>
-              <a:gd name="connsiteX2" fmla="*/ 428 w 588099"/>
-              <a:gd name="connsiteY2" fmla="*/ 196 h 1081570"/>
-              <a:gd name="connsiteX3" fmla="*/ 552721 w 588099"/>
-              <a:gd name="connsiteY3" fmla="*/ 0 h 1081570"/>
-            </a:gdLst>
-            <a:ahLst/>
-            <a:cxnLst>
-              <a:cxn ang="0">
-                <a:pos x="connsiteX0" y="connsiteY0"/>
-              </a:cxn>
-              <a:cxn ang="0">
-                <a:pos x="connsiteX1" y="connsiteY1"/>
-              </a:cxn>
-              <a:cxn ang="0">
-                <a:pos x="connsiteX2" y="connsiteY2"/>
-              </a:cxn>
-              <a:cxn ang="0">
-                <a:pos x="connsiteX3" y="connsiteY3"/>
-              </a:cxn>
-            </a:cxnLst>
-            <a:rect l="l" t="t" r="r" b="b"/>
-            <a:pathLst>
-              <a:path w="588099" h="1081570">
-                <a:moveTo>
-                  <a:pt x="588099" y="1081266"/>
-                </a:moveTo>
-                <a:lnTo>
-                  <a:pt x="2732" y="1081570"/>
-                </a:lnTo>
-                <a:cubicBezTo>
-                  <a:pt x="2090" y="977592"/>
-                  <a:pt x="-1146" y="267969"/>
-                  <a:pt x="428" y="196"/>
-                </a:cubicBezTo>
-                <a:lnTo>
-                  <a:pt x="552721" y="0"/>
-                </a:lnTo>
-              </a:path>
-            </a:pathLst>
-          </a:custGeom>
-          <a:noFill/>
-          <a:ln w="12700">
-            <a:solidFill>
-              <a:schemeClr val="accent6">
-                <a:lumMod val="75000"/>
-              </a:schemeClr>
-            </a:solidFill>
-            <a:tailEnd type="triangle" w="sm" len="sm"/>
-          </a:ln>
-        </p:spPr>
-        <p:style>
-          <a:lnRef idx="2">
-            <a:schemeClr val="accent1">
-              <a:shade val="50000"/>
-            </a:schemeClr>
-          </a:lnRef>
-          <a:fillRef idx="1">
-            <a:schemeClr val="accent1"/>
-          </a:fillRef>
-          <a:effectRef idx="0">
-            <a:schemeClr val="accent1"/>
-          </a:effectRef>
-          <a:fontRef idx="minor">
-            <a:schemeClr val="lt1"/>
-          </a:fontRef>
-        </p:style>
-        <p:txBody>
-          <a:bodyPr rtlCol="0" anchor="ctr"/>
-          <a:lstStyle/>
-          <a:p>
-            <a:pPr algn="ctr"/>
-            <a:endParaRPr lang="en-US"/>
           </a:p>
         </p:txBody>
       </p:sp>

--- a/saturn/personal-payment-terminal.pptx
+++ b/saturn/personal-payment-terminal.pptx
@@ -288,7 +288,7 @@
           <a:p>
             <a:fld id="{FC080E38-6FF2-48B3-BDAB-4FA23B840E92}" type="datetimeFigureOut">
               <a:rPr lang="en-US" smtClean="0"/>
-              <a:t>2020-04-18</a:t>
+              <a:t>2020-04-19</a:t>
             </a:fld>
             <a:endParaRPr lang="en-US"/>
           </a:p>
@@ -458,7 +458,7 @@
           <a:p>
             <a:fld id="{FC080E38-6FF2-48B3-BDAB-4FA23B840E92}" type="datetimeFigureOut">
               <a:rPr lang="en-US" smtClean="0"/>
-              <a:t>2020-04-18</a:t>
+              <a:t>2020-04-19</a:t>
             </a:fld>
             <a:endParaRPr lang="en-US"/>
           </a:p>
@@ -638,7 +638,7 @@
           <a:p>
             <a:fld id="{FC080E38-6FF2-48B3-BDAB-4FA23B840E92}" type="datetimeFigureOut">
               <a:rPr lang="en-US" smtClean="0"/>
-              <a:t>2020-04-18</a:t>
+              <a:t>2020-04-19</a:t>
             </a:fld>
             <a:endParaRPr lang="en-US"/>
           </a:p>
@@ -808,7 +808,7 @@
           <a:p>
             <a:fld id="{FC080E38-6FF2-48B3-BDAB-4FA23B840E92}" type="datetimeFigureOut">
               <a:rPr lang="en-US" smtClean="0"/>
-              <a:t>2020-04-18</a:t>
+              <a:t>2020-04-19</a:t>
             </a:fld>
             <a:endParaRPr lang="en-US"/>
           </a:p>
@@ -1054,7 +1054,7 @@
           <a:p>
             <a:fld id="{FC080E38-6FF2-48B3-BDAB-4FA23B840E92}" type="datetimeFigureOut">
               <a:rPr lang="en-US" smtClean="0"/>
-              <a:t>2020-04-18</a:t>
+              <a:t>2020-04-19</a:t>
             </a:fld>
             <a:endParaRPr lang="en-US"/>
           </a:p>
@@ -1342,7 +1342,7 @@
           <a:p>
             <a:fld id="{FC080E38-6FF2-48B3-BDAB-4FA23B840E92}" type="datetimeFigureOut">
               <a:rPr lang="en-US" smtClean="0"/>
-              <a:t>2020-04-18</a:t>
+              <a:t>2020-04-19</a:t>
             </a:fld>
             <a:endParaRPr lang="en-US"/>
           </a:p>
@@ -1764,7 +1764,7 @@
           <a:p>
             <a:fld id="{FC080E38-6FF2-48B3-BDAB-4FA23B840E92}" type="datetimeFigureOut">
               <a:rPr lang="en-US" smtClean="0"/>
-              <a:t>2020-04-18</a:t>
+              <a:t>2020-04-19</a:t>
             </a:fld>
             <a:endParaRPr lang="en-US"/>
           </a:p>
@@ -1882,7 +1882,7 @@
           <a:p>
             <a:fld id="{FC080E38-6FF2-48B3-BDAB-4FA23B840E92}" type="datetimeFigureOut">
               <a:rPr lang="en-US" smtClean="0"/>
-              <a:t>2020-04-18</a:t>
+              <a:t>2020-04-19</a:t>
             </a:fld>
             <a:endParaRPr lang="en-US"/>
           </a:p>
@@ -1977,7 +1977,7 @@
           <a:p>
             <a:fld id="{FC080E38-6FF2-48B3-BDAB-4FA23B840E92}" type="datetimeFigureOut">
               <a:rPr lang="en-US" smtClean="0"/>
-              <a:t>2020-04-18</a:t>
+              <a:t>2020-04-19</a:t>
             </a:fld>
             <a:endParaRPr lang="en-US"/>
           </a:p>
@@ -2254,7 +2254,7 @@
           <a:p>
             <a:fld id="{FC080E38-6FF2-48B3-BDAB-4FA23B840E92}" type="datetimeFigureOut">
               <a:rPr lang="en-US" smtClean="0"/>
-              <a:t>2020-04-18</a:t>
+              <a:t>2020-04-19</a:t>
             </a:fld>
             <a:endParaRPr lang="en-US"/>
           </a:p>
@@ -2507,7 +2507,7 @@
           <a:p>
             <a:fld id="{FC080E38-6FF2-48B3-BDAB-4FA23B840E92}" type="datetimeFigureOut">
               <a:rPr lang="en-US" smtClean="0"/>
-              <a:t>2020-04-18</a:t>
+              <a:t>2020-04-19</a:t>
             </a:fld>
             <a:endParaRPr lang="en-US"/>
           </a:p>
@@ -2720,7 +2720,7 @@
           <a:p>
             <a:fld id="{FC080E38-6FF2-48B3-BDAB-4FA23B840E92}" type="datetimeFigureOut">
               <a:rPr lang="en-US" smtClean="0"/>
-              <a:t>2020-04-18</a:t>
+              <a:t>2020-04-19</a:t>
             </a:fld>
             <a:endParaRPr lang="en-US"/>
           </a:p>
@@ -3117,7 +3117,7 @@
         </p:blipFill>
         <p:spPr>
           <a:xfrm>
-            <a:off x="42006" y="1277328"/>
+            <a:off x="467544" y="1277328"/>
             <a:ext cx="2236040" cy="3513778"/>
           </a:xfrm>
           <a:prstGeom prst="rect">
@@ -3133,7 +3133,7 @@
         </p:nvSpPr>
         <p:spPr>
           <a:xfrm>
-            <a:off x="1072655" y="4627669"/>
+            <a:off x="1498193" y="4627669"/>
             <a:ext cx="198210" cy="900000"/>
           </a:xfrm>
           <a:prstGeom prst="upDownArrow">
@@ -3196,7 +3196,7 @@
         </p:blipFill>
         <p:spPr>
           <a:xfrm>
-            <a:off x="366624" y="5543252"/>
+            <a:off x="792162" y="5543252"/>
             <a:ext cx="1584175" cy="1013331"/>
           </a:xfrm>
           <a:prstGeom prst="rect">
@@ -3212,7 +3212,7 @@
         </p:nvSpPr>
         <p:spPr>
           <a:xfrm>
-            <a:off x="1483277" y="1814761"/>
+            <a:off x="1672004" y="1484784"/>
             <a:ext cx="1387828" cy="925398"/>
           </a:xfrm>
           <a:prstGeom prst="irregularSeal1">
@@ -3289,7 +3289,7 @@
         </p:nvSpPr>
         <p:spPr>
           <a:xfrm>
-            <a:off x="1584132" y="5415161"/>
+            <a:off x="1672004" y="5373216"/>
             <a:ext cx="1387828" cy="925398"/>
           </a:xfrm>
           <a:prstGeom prst="irregularSeal1">
@@ -3366,7 +3366,7 @@
         </p:nvSpPr>
         <p:spPr>
           <a:xfrm>
-            <a:off x="1081423" y="579919"/>
+            <a:off x="1506961" y="579919"/>
             <a:ext cx="198210" cy="858877"/>
           </a:xfrm>
           <a:prstGeom prst="upDownArrow">
@@ -3477,14 +3477,7 @@
                 <a:latin typeface="Arial" panose="020B0604020202020204" pitchFamily="34" charset="0"/>
                 <a:cs typeface="Arial" panose="020B0604020202020204" pitchFamily="34" charset="0"/>
               </a:rPr>
-              <a:t> </a:t>
-            </a:r>
-            <a:r>
-              <a:rPr lang="en-US" sz="800" dirty="0" smtClean="0">
-                <a:latin typeface="Arial" panose="020B0604020202020204" pitchFamily="34" charset="0"/>
-                <a:cs typeface="Arial" panose="020B0604020202020204" pitchFamily="34" charset="0"/>
-              </a:rPr>
-              <a:t>2020-04-18</a:t>
+              <a:t> 2020-04-18</a:t>
             </a:r>
             <a:endParaRPr lang="en-US" sz="800" dirty="0">
               <a:latin typeface="Arial" panose="020B0604020202020204" pitchFamily="34" charset="0"/>
@@ -3501,7 +3494,7 @@
         </p:nvSpPr>
         <p:spPr>
           <a:xfrm>
-            <a:off x="4067944" y="117443"/>
+            <a:off x="4312365" y="117443"/>
             <a:ext cx="3572003" cy="461665"/>
           </a:xfrm>
           <a:prstGeom prst="rect">
@@ -3881,7 +3874,7 @@
         </p:nvSpPr>
         <p:spPr>
           <a:xfrm>
-            <a:off x="3347864" y="843529"/>
+            <a:off x="3428850" y="843529"/>
             <a:ext cx="5439246" cy="318801"/>
           </a:xfrm>
           <a:prstGeom prst="roundRect">
@@ -4293,21 +4286,7 @@
                 <a:latin typeface="Arial" panose="020B0604020202020204" pitchFamily="34" charset="0"/>
                 <a:cs typeface="Arial" panose="020B0604020202020204" pitchFamily="34" charset="0"/>
               </a:rPr>
-              <a:t>Account </a:t>
-            </a:r>
-            <a:r>
-              <a:rPr lang="en-US" sz="1400" dirty="0" smtClean="0">
-                <a:latin typeface="Arial" panose="020B0604020202020204" pitchFamily="34" charset="0"/>
-                <a:cs typeface="Arial" panose="020B0604020202020204" pitchFamily="34" charset="0"/>
-              </a:rPr>
-              <a:t>Selection </a:t>
-            </a:r>
-            <a:r>
-              <a:rPr lang="en-US" sz="1400" dirty="0" smtClean="0">
-                <a:latin typeface="Arial" panose="020B0604020202020204" pitchFamily="34" charset="0"/>
-                <a:cs typeface="Arial" panose="020B0604020202020204" pitchFamily="34" charset="0"/>
-              </a:rPr>
-              <a:t>(</a:t>
+              <a:t>Account Selection (</a:t>
             </a:r>
             <a:r>
               <a:rPr lang="en-US" sz="1400" dirty="0" err="1" smtClean="0">
@@ -5438,21 +5417,7 @@
                 <a:latin typeface="Arial" panose="020B0604020202020204" pitchFamily="34" charset="0"/>
                 <a:cs typeface="Arial" panose="020B0604020202020204" pitchFamily="34" charset="0"/>
               </a:rPr>
-              <a:t>Medium </a:t>
-            </a:r>
-            <a:r>
-              <a:rPr lang="en-US" sz="1400" dirty="0" smtClean="0">
-                <a:latin typeface="Arial" panose="020B0604020202020204" pitchFamily="34" charset="0"/>
-                <a:cs typeface="Arial" panose="020B0604020202020204" pitchFamily="34" charset="0"/>
-              </a:rPr>
-              <a:t>level </a:t>
-            </a:r>
-            <a:r>
-              <a:rPr lang="en-US" sz="1400" dirty="0" smtClean="0">
-                <a:latin typeface="Arial" panose="020B0604020202020204" pitchFamily="34" charset="0"/>
-                <a:cs typeface="Arial" panose="020B0604020202020204" pitchFamily="34" charset="0"/>
-              </a:rPr>
-              <a:t>Security Protocol</a:t>
+              <a:t>Medium level Security Protocol</a:t>
             </a:r>
             <a:endParaRPr lang="en-US" sz="1400" dirty="0">
               <a:latin typeface="Arial" panose="020B0604020202020204" pitchFamily="34" charset="0"/>
@@ -5523,26 +5488,148 @@
                 <a:latin typeface="Arial" panose="020B0604020202020204" pitchFamily="34" charset="0"/>
                 <a:cs typeface="Arial" panose="020B0604020202020204" pitchFamily="34" charset="0"/>
               </a:rPr>
-              <a:t>Low </a:t>
-            </a:r>
-            <a:r>
-              <a:rPr lang="en-US" sz="1400" dirty="0" smtClean="0">
-                <a:latin typeface="Arial" panose="020B0604020202020204" pitchFamily="34" charset="0"/>
-                <a:cs typeface="Arial" panose="020B0604020202020204" pitchFamily="34" charset="0"/>
-              </a:rPr>
-              <a:t>level </a:t>
-            </a:r>
-            <a:r>
-              <a:rPr lang="en-US" sz="1400" dirty="0" smtClean="0">
-                <a:latin typeface="Arial" panose="020B0604020202020204" pitchFamily="34" charset="0"/>
-                <a:cs typeface="Arial" panose="020B0604020202020204" pitchFamily="34" charset="0"/>
-              </a:rPr>
-              <a:t>“Trusted” Card Protocol</a:t>
+              <a:t>Low level “Trusted” Card Protocol</a:t>
             </a:r>
             <a:endParaRPr lang="en-US" sz="1400" dirty="0">
               <a:latin typeface="Arial" panose="020B0604020202020204" pitchFamily="34" charset="0"/>
               <a:cs typeface="Arial" panose="020B0604020202020204" pitchFamily="34" charset="0"/>
             </a:endParaRPr>
+          </a:p>
+        </p:txBody>
+      </p:sp>
+      <p:sp>
+        <p:nvSpPr>
+          <p:cNvPr id="37" name="TextBox 1"/>
+          <p:cNvSpPr txBox="1"/>
+          <p:nvPr/>
+        </p:nvSpPr>
+        <p:spPr>
+          <a:xfrm>
+            <a:off x="8009456" y="122728"/>
+            <a:ext cx="1015992" cy="442674"/>
+          </a:xfrm>
+          <a:prstGeom prst="roundRect">
+            <a:avLst/>
+          </a:prstGeom>
+          <a:noFill/>
+          <a:ln>
+            <a:solidFill>
+              <a:schemeClr val="accent1"/>
+            </a:solidFill>
+          </a:ln>
+        </p:spPr>
+        <p:txBody>
+          <a:bodyPr wrap="none" rtlCol="0">
+            <a:spAutoFit/>
+          </a:bodyPr>
+          <a:lstStyle>
+            <a:defPPr>
+              <a:defRPr lang="en-US"/>
+            </a:defPPr>
+            <a:lvl1pPr marL="0" algn="l" defTabSz="914400" rtl="0" eaLnBrk="1" latinLnBrk="0" hangingPunct="1">
+              <a:defRPr sz="1800" kern="1200">
+                <a:solidFill>
+                  <a:schemeClr val="tx1"/>
+                </a:solidFill>
+                <a:latin typeface="+mn-lt"/>
+                <a:ea typeface="+mn-ea"/>
+                <a:cs typeface="+mn-cs"/>
+              </a:defRPr>
+            </a:lvl1pPr>
+            <a:lvl2pPr marL="457200" algn="l" defTabSz="914400" rtl="0" eaLnBrk="1" latinLnBrk="0" hangingPunct="1">
+              <a:defRPr sz="1800" kern="1200">
+                <a:solidFill>
+                  <a:schemeClr val="tx1"/>
+                </a:solidFill>
+                <a:latin typeface="+mn-lt"/>
+                <a:ea typeface="+mn-ea"/>
+                <a:cs typeface="+mn-cs"/>
+              </a:defRPr>
+            </a:lvl2pPr>
+            <a:lvl3pPr marL="914400" algn="l" defTabSz="914400" rtl="0" eaLnBrk="1" latinLnBrk="0" hangingPunct="1">
+              <a:defRPr sz="1800" kern="1200">
+                <a:solidFill>
+                  <a:schemeClr val="tx1"/>
+                </a:solidFill>
+                <a:latin typeface="+mn-lt"/>
+                <a:ea typeface="+mn-ea"/>
+                <a:cs typeface="+mn-cs"/>
+              </a:defRPr>
+            </a:lvl3pPr>
+            <a:lvl4pPr marL="1371600" algn="l" defTabSz="914400" rtl="0" eaLnBrk="1" latinLnBrk="0" hangingPunct="1">
+              <a:defRPr sz="1800" kern="1200">
+                <a:solidFill>
+                  <a:schemeClr val="tx1"/>
+                </a:solidFill>
+                <a:latin typeface="+mn-lt"/>
+                <a:ea typeface="+mn-ea"/>
+                <a:cs typeface="+mn-cs"/>
+              </a:defRPr>
+            </a:lvl4pPr>
+            <a:lvl5pPr marL="1828800" algn="l" defTabSz="914400" rtl="0" eaLnBrk="1" latinLnBrk="0" hangingPunct="1">
+              <a:defRPr sz="1800" kern="1200">
+                <a:solidFill>
+                  <a:schemeClr val="tx1"/>
+                </a:solidFill>
+                <a:latin typeface="+mn-lt"/>
+                <a:ea typeface="+mn-ea"/>
+                <a:cs typeface="+mn-cs"/>
+              </a:defRPr>
+            </a:lvl5pPr>
+            <a:lvl6pPr marL="2286000" algn="l" defTabSz="914400" rtl="0" eaLnBrk="1" latinLnBrk="0" hangingPunct="1">
+              <a:defRPr sz="1800" kern="1200">
+                <a:solidFill>
+                  <a:schemeClr val="tx1"/>
+                </a:solidFill>
+                <a:latin typeface="+mn-lt"/>
+                <a:ea typeface="+mn-ea"/>
+                <a:cs typeface="+mn-cs"/>
+              </a:defRPr>
+            </a:lvl6pPr>
+            <a:lvl7pPr marL="2743200" algn="l" defTabSz="914400" rtl="0" eaLnBrk="1" latinLnBrk="0" hangingPunct="1">
+              <a:defRPr sz="1800" kern="1200">
+                <a:solidFill>
+                  <a:schemeClr val="tx1"/>
+                </a:solidFill>
+                <a:latin typeface="+mn-lt"/>
+                <a:ea typeface="+mn-ea"/>
+                <a:cs typeface="+mn-cs"/>
+              </a:defRPr>
+            </a:lvl7pPr>
+            <a:lvl8pPr marL="3200400" algn="l" defTabSz="914400" rtl="0" eaLnBrk="1" latinLnBrk="0" hangingPunct="1">
+              <a:defRPr sz="1800" kern="1200">
+                <a:solidFill>
+                  <a:schemeClr val="tx1"/>
+                </a:solidFill>
+                <a:latin typeface="+mn-lt"/>
+                <a:ea typeface="+mn-ea"/>
+                <a:cs typeface="+mn-cs"/>
+              </a:defRPr>
+            </a:lvl8pPr>
+            <a:lvl9pPr marL="3657600" algn="l" defTabSz="914400" rtl="0" eaLnBrk="1" latinLnBrk="0" hangingPunct="1">
+              <a:defRPr sz="1800" kern="1200">
+                <a:solidFill>
+                  <a:schemeClr val="tx1"/>
+                </a:solidFill>
+                <a:latin typeface="+mn-lt"/>
+                <a:ea typeface="+mn-ea"/>
+                <a:cs typeface="+mn-cs"/>
+              </a:defRPr>
+            </a:lvl9pPr>
+          </a:lstStyle>
+          <a:p>
+            <a:r>
+              <a:rPr lang="en-US" sz="1000" dirty="0" smtClean="0"/>
+              <a:t>Non-normative</a:t>
+            </a:r>
+            <a:br>
+              <a:rPr lang="en-US" sz="1000" dirty="0" smtClean="0"/>
+            </a:br>
+            <a:r>
+              <a:rPr lang="en-US" sz="1000" dirty="0" smtClean="0"/>
+              <a:t>sample layout</a:t>
+            </a:r>
+            <a:endParaRPr lang="en-US" sz="1000" dirty="0"/>
           </a:p>
         </p:txBody>
       </p:sp>

--- a/saturn/personal-payment-terminal.pptx
+++ b/saturn/personal-payment-terminal.pptx
@@ -288,7 +288,7 @@
           <a:p>
             <a:fld id="{FC080E38-6FF2-48B3-BDAB-4FA23B840E92}" type="datetimeFigureOut">
               <a:rPr lang="en-US" smtClean="0"/>
-              <a:t>2020-04-19</a:t>
+              <a:t>2020-09-21</a:t>
             </a:fld>
             <a:endParaRPr lang="en-US"/>
           </a:p>
@@ -458,7 +458,7 @@
           <a:p>
             <a:fld id="{FC080E38-6FF2-48B3-BDAB-4FA23B840E92}" type="datetimeFigureOut">
               <a:rPr lang="en-US" smtClean="0"/>
-              <a:t>2020-04-19</a:t>
+              <a:t>2020-09-21</a:t>
             </a:fld>
             <a:endParaRPr lang="en-US"/>
           </a:p>
@@ -638,7 +638,7 @@
           <a:p>
             <a:fld id="{FC080E38-6FF2-48B3-BDAB-4FA23B840E92}" type="datetimeFigureOut">
               <a:rPr lang="en-US" smtClean="0"/>
-              <a:t>2020-04-19</a:t>
+              <a:t>2020-09-21</a:t>
             </a:fld>
             <a:endParaRPr lang="en-US"/>
           </a:p>
@@ -808,7 +808,7 @@
           <a:p>
             <a:fld id="{FC080E38-6FF2-48B3-BDAB-4FA23B840E92}" type="datetimeFigureOut">
               <a:rPr lang="en-US" smtClean="0"/>
-              <a:t>2020-04-19</a:t>
+              <a:t>2020-09-21</a:t>
             </a:fld>
             <a:endParaRPr lang="en-US"/>
           </a:p>
@@ -1054,7 +1054,7 @@
           <a:p>
             <a:fld id="{FC080E38-6FF2-48B3-BDAB-4FA23B840E92}" type="datetimeFigureOut">
               <a:rPr lang="en-US" smtClean="0"/>
-              <a:t>2020-04-19</a:t>
+              <a:t>2020-09-21</a:t>
             </a:fld>
             <a:endParaRPr lang="en-US"/>
           </a:p>
@@ -1342,7 +1342,7 @@
           <a:p>
             <a:fld id="{FC080E38-6FF2-48B3-BDAB-4FA23B840E92}" type="datetimeFigureOut">
               <a:rPr lang="en-US" smtClean="0"/>
-              <a:t>2020-04-19</a:t>
+              <a:t>2020-09-21</a:t>
             </a:fld>
             <a:endParaRPr lang="en-US"/>
           </a:p>
@@ -1764,7 +1764,7 @@
           <a:p>
             <a:fld id="{FC080E38-6FF2-48B3-BDAB-4FA23B840E92}" type="datetimeFigureOut">
               <a:rPr lang="en-US" smtClean="0"/>
-              <a:t>2020-04-19</a:t>
+              <a:t>2020-09-21</a:t>
             </a:fld>
             <a:endParaRPr lang="en-US"/>
           </a:p>
@@ -1882,7 +1882,7 @@
           <a:p>
             <a:fld id="{FC080E38-6FF2-48B3-BDAB-4FA23B840E92}" type="datetimeFigureOut">
               <a:rPr lang="en-US" smtClean="0"/>
-              <a:t>2020-04-19</a:t>
+              <a:t>2020-09-21</a:t>
             </a:fld>
             <a:endParaRPr lang="en-US"/>
           </a:p>
@@ -1977,7 +1977,7 @@
           <a:p>
             <a:fld id="{FC080E38-6FF2-48B3-BDAB-4FA23B840E92}" type="datetimeFigureOut">
               <a:rPr lang="en-US" smtClean="0"/>
-              <a:t>2020-04-19</a:t>
+              <a:t>2020-09-21</a:t>
             </a:fld>
             <a:endParaRPr lang="en-US"/>
           </a:p>
@@ -2254,7 +2254,7 @@
           <a:p>
             <a:fld id="{FC080E38-6FF2-48B3-BDAB-4FA23B840E92}" type="datetimeFigureOut">
               <a:rPr lang="en-US" smtClean="0"/>
-              <a:t>2020-04-19</a:t>
+              <a:t>2020-09-21</a:t>
             </a:fld>
             <a:endParaRPr lang="en-US"/>
           </a:p>
@@ -2507,7 +2507,7 @@
           <a:p>
             <a:fld id="{FC080E38-6FF2-48B3-BDAB-4FA23B840E92}" type="datetimeFigureOut">
               <a:rPr lang="en-US" smtClean="0"/>
-              <a:t>2020-04-19</a:t>
+              <a:t>2020-09-21</a:t>
             </a:fld>
             <a:endParaRPr lang="en-US"/>
           </a:p>
@@ -2720,7 +2720,7 @@
           <a:p>
             <a:fld id="{FC080E38-6FF2-48B3-BDAB-4FA23B840E92}" type="datetimeFigureOut">
               <a:rPr lang="en-US" smtClean="0"/>
-              <a:t>2020-04-19</a:t>
+              <a:t>2020-09-21</a:t>
             </a:fld>
             <a:endParaRPr lang="en-US"/>
           </a:p>
@@ -3095,433 +3095,6 @@
           <a:chExt cx="0" cy="0"/>
         </a:xfrm>
       </p:grpSpPr>
-      <p:pic>
-        <p:nvPicPr>
-          <p:cNvPr id="2" name="Picture 1"/>
-          <p:cNvPicPr>
-            <a:picLocks noChangeAspect="1"/>
-          </p:cNvPicPr>
-          <p:nvPr/>
-        </p:nvPicPr>
-        <p:blipFill>
-          <a:blip r:embed="rId2">
-            <a:extLst>
-              <a:ext uri="{28A0092B-C50C-407E-A947-70E740481C1C}">
-                <a14:useLocalDpi xmlns:a14="http://schemas.microsoft.com/office/drawing/2010/main" val="0"/>
-              </a:ext>
-            </a:extLst>
-          </a:blip>
-          <a:stretch>
-            <a:fillRect/>
-          </a:stretch>
-        </p:blipFill>
-        <p:spPr>
-          <a:xfrm>
-            <a:off x="467544" y="1277328"/>
-            <a:ext cx="2236040" cy="3513778"/>
-          </a:xfrm>
-          <a:prstGeom prst="rect">
-            <a:avLst/>
-          </a:prstGeom>
-        </p:spPr>
-      </p:pic>
-      <p:sp>
-        <p:nvSpPr>
-          <p:cNvPr id="17" name="Up-Down Arrow 16"/>
-          <p:cNvSpPr/>
-          <p:nvPr/>
-        </p:nvSpPr>
-        <p:spPr>
-          <a:xfrm>
-            <a:off x="1498193" y="4627669"/>
-            <a:ext cx="198210" cy="900000"/>
-          </a:xfrm>
-          <a:prstGeom prst="upDownArrow">
-            <a:avLst/>
-          </a:prstGeom>
-          <a:solidFill>
-            <a:schemeClr val="tx2">
-              <a:lumMod val="40000"/>
-              <a:lumOff val="60000"/>
-            </a:schemeClr>
-          </a:solidFill>
-          <a:ln>
-            <a:noFill/>
-          </a:ln>
-        </p:spPr>
-        <p:style>
-          <a:lnRef idx="2">
-            <a:schemeClr val="accent1">
-              <a:shade val="50000"/>
-            </a:schemeClr>
-          </a:lnRef>
-          <a:fillRef idx="1">
-            <a:schemeClr val="accent1"/>
-          </a:fillRef>
-          <a:effectRef idx="0">
-            <a:schemeClr val="accent1"/>
-          </a:effectRef>
-          <a:fontRef idx="minor">
-            <a:schemeClr val="lt1"/>
-          </a:fontRef>
-        </p:style>
-        <p:txBody>
-          <a:bodyPr rtlCol="0" anchor="ctr"/>
-          <a:lstStyle/>
-          <a:p>
-            <a:pPr algn="ctr"/>
-            <a:endParaRPr lang="en-US"/>
-          </a:p>
-        </p:txBody>
-      </p:sp>
-      <p:pic>
-        <p:nvPicPr>
-          <p:cNvPr id="12" name="Picture 11"/>
-          <p:cNvPicPr>
-            <a:picLocks noChangeAspect="1"/>
-          </p:cNvPicPr>
-          <p:nvPr/>
-        </p:nvPicPr>
-        <p:blipFill>
-          <a:blip r:embed="rId3" cstate="print">
-            <a:extLst>
-              <a:ext uri="{28A0092B-C50C-407E-A947-70E740481C1C}">
-                <a14:useLocalDpi xmlns:a14="http://schemas.microsoft.com/office/drawing/2010/main" val="0"/>
-              </a:ext>
-            </a:extLst>
-          </a:blip>
-          <a:stretch>
-            <a:fillRect/>
-          </a:stretch>
-        </p:blipFill>
-        <p:spPr>
-          <a:xfrm>
-            <a:off x="792162" y="5543252"/>
-            <a:ext cx="1584175" cy="1013331"/>
-          </a:xfrm>
-          <a:prstGeom prst="rect">
-            <a:avLst/>
-          </a:prstGeom>
-        </p:spPr>
-      </p:pic>
-      <p:sp>
-        <p:nvSpPr>
-          <p:cNvPr id="14" name="Explosion 1 13"/>
-          <p:cNvSpPr/>
-          <p:nvPr/>
-        </p:nvSpPr>
-        <p:spPr>
-          <a:xfrm>
-            <a:off x="1672004" y="1484784"/>
-            <a:ext cx="1387828" cy="925398"/>
-          </a:xfrm>
-          <a:prstGeom prst="irregularSeal1">
-            <a:avLst/>
-          </a:prstGeom>
-          <a:gradFill flip="none" rotWithShape="1">
-            <a:gsLst>
-              <a:gs pos="50000">
-                <a:srgbClr val="FBF7C9"/>
-              </a:gs>
-              <a:gs pos="1000">
-                <a:srgbClr val="F2E648"/>
-              </a:gs>
-              <a:gs pos="100000">
-                <a:srgbClr val="EDE437"/>
-              </a:gs>
-            </a:gsLst>
-            <a:path path="circle">
-              <a:fillToRect l="100000" t="100000"/>
-            </a:path>
-            <a:tileRect r="-100000" b="-100000"/>
-          </a:gradFill>
-          <a:ln w="6350"/>
-          <a:effectLst>
-            <a:outerShdw blurRad="50800" dist="38100" dir="2700000" algn="tl" rotWithShape="0">
-              <a:prstClr val="black">
-                <a:alpha val="40000"/>
-              </a:prstClr>
-            </a:outerShdw>
-          </a:effectLst>
-        </p:spPr>
-        <p:style>
-          <a:lnRef idx="2">
-            <a:schemeClr val="accent1">
-              <a:shade val="50000"/>
-            </a:schemeClr>
-          </a:lnRef>
-          <a:fillRef idx="1">
-            <a:schemeClr val="accent1"/>
-          </a:fillRef>
-          <a:effectRef idx="0">
-            <a:schemeClr val="accent1"/>
-          </a:effectRef>
-          <a:fontRef idx="minor">
-            <a:schemeClr val="lt1"/>
-          </a:fontRef>
-        </p:style>
-        <p:txBody>
-          <a:bodyPr lIns="0" rIns="0" rtlCol="0" anchor="ctr"/>
-          <a:lstStyle/>
-          <a:p>
-            <a:pPr algn="ctr"/>
-            <a:r>
-              <a:rPr lang="en-US" dirty="0" smtClean="0">
-                <a:solidFill>
-                  <a:schemeClr val="tx1"/>
-                </a:solidFill>
-              </a:rPr>
-              <a:t>POOF!</a:t>
-            </a:r>
-            <a:endParaRPr lang="en-US" dirty="0">
-              <a:solidFill>
-                <a:schemeClr val="tx1"/>
-              </a:solidFill>
-            </a:endParaRPr>
-          </a:p>
-        </p:txBody>
-      </p:sp>
-      <p:sp>
-        <p:nvSpPr>
-          <p:cNvPr id="15" name="Explosion 1 14"/>
-          <p:cNvSpPr/>
-          <p:nvPr/>
-        </p:nvSpPr>
-        <p:spPr>
-          <a:xfrm>
-            <a:off x="1672004" y="5373216"/>
-            <a:ext cx="1387828" cy="925398"/>
-          </a:xfrm>
-          <a:prstGeom prst="irregularSeal1">
-            <a:avLst/>
-          </a:prstGeom>
-          <a:gradFill flip="none" rotWithShape="1">
-            <a:gsLst>
-              <a:gs pos="50000">
-                <a:srgbClr val="FBF7C9"/>
-              </a:gs>
-              <a:gs pos="1000">
-                <a:srgbClr val="F2E648"/>
-              </a:gs>
-              <a:gs pos="100000">
-                <a:srgbClr val="EDE437"/>
-              </a:gs>
-            </a:gsLst>
-            <a:path path="circle">
-              <a:fillToRect l="100000" t="100000"/>
-            </a:path>
-            <a:tileRect r="-100000" b="-100000"/>
-          </a:gradFill>
-          <a:ln w="6350"/>
-          <a:effectLst>
-            <a:outerShdw blurRad="50800" dist="38100" dir="2700000" algn="tl" rotWithShape="0">
-              <a:prstClr val="black">
-                <a:alpha val="40000"/>
-              </a:prstClr>
-            </a:outerShdw>
-          </a:effectLst>
-        </p:spPr>
-        <p:style>
-          <a:lnRef idx="2">
-            <a:schemeClr val="accent1">
-              <a:shade val="50000"/>
-            </a:schemeClr>
-          </a:lnRef>
-          <a:fillRef idx="1">
-            <a:schemeClr val="accent1"/>
-          </a:fillRef>
-          <a:effectRef idx="0">
-            <a:schemeClr val="accent1"/>
-          </a:effectRef>
-          <a:fontRef idx="minor">
-            <a:schemeClr val="lt1"/>
-          </a:fontRef>
-        </p:style>
-        <p:txBody>
-          <a:bodyPr lIns="0" rIns="0" rtlCol="0" anchor="ctr"/>
-          <a:lstStyle/>
-          <a:p>
-            <a:pPr algn="ctr"/>
-            <a:r>
-              <a:rPr lang="en-US" dirty="0" smtClean="0">
-                <a:solidFill>
-                  <a:schemeClr val="tx1"/>
-                </a:solidFill>
-              </a:rPr>
-              <a:t>POOF!</a:t>
-            </a:r>
-            <a:endParaRPr lang="en-US" dirty="0">
-              <a:solidFill>
-                <a:schemeClr val="tx1"/>
-              </a:solidFill>
-            </a:endParaRPr>
-          </a:p>
-        </p:txBody>
-      </p:sp>
-      <p:sp>
-        <p:nvSpPr>
-          <p:cNvPr id="19" name="Up-Down Arrow 18"/>
-          <p:cNvSpPr/>
-          <p:nvPr/>
-        </p:nvSpPr>
-        <p:spPr>
-          <a:xfrm>
-            <a:off x="1506961" y="579919"/>
-            <a:ext cx="198210" cy="858877"/>
-          </a:xfrm>
-          <a:prstGeom prst="upDownArrow">
-            <a:avLst/>
-          </a:prstGeom>
-          <a:solidFill>
-            <a:schemeClr val="tx2">
-              <a:lumMod val="40000"/>
-              <a:lumOff val="60000"/>
-            </a:schemeClr>
-          </a:solidFill>
-          <a:ln>
-            <a:noFill/>
-          </a:ln>
-        </p:spPr>
-        <p:style>
-          <a:lnRef idx="2">
-            <a:schemeClr val="accent1">
-              <a:shade val="50000"/>
-            </a:schemeClr>
-          </a:lnRef>
-          <a:fillRef idx="1">
-            <a:schemeClr val="accent1"/>
-          </a:fillRef>
-          <a:effectRef idx="0">
-            <a:schemeClr val="accent1"/>
-          </a:effectRef>
-          <a:fontRef idx="minor">
-            <a:schemeClr val="lt1"/>
-          </a:fontRef>
-        </p:style>
-        <p:txBody>
-          <a:bodyPr rtlCol="0" anchor="ctr"/>
-          <a:lstStyle/>
-          <a:p>
-            <a:pPr algn="ctr"/>
-            <a:endParaRPr lang="en-US"/>
-          </a:p>
-        </p:txBody>
-      </p:sp>
-      <p:sp>
-        <p:nvSpPr>
-          <p:cNvPr id="24" name="TextBox 23"/>
-          <p:cNvSpPr txBox="1"/>
-          <p:nvPr/>
-        </p:nvSpPr>
-        <p:spPr>
-          <a:xfrm>
-            <a:off x="131473" y="117443"/>
-            <a:ext cx="3360407" cy="461665"/>
-          </a:xfrm>
-          <a:prstGeom prst="rect">
-            <a:avLst/>
-          </a:prstGeom>
-          <a:noFill/>
-        </p:spPr>
-        <p:txBody>
-          <a:bodyPr wrap="none" rtlCol="0">
-            <a:spAutoFit/>
-          </a:bodyPr>
-          <a:lstStyle/>
-          <a:p>
-            <a:r>
-              <a:rPr lang="en-US" sz="2400" dirty="0" smtClean="0">
-                <a:latin typeface="Times New Roman" panose="02020603050405020304" pitchFamily="18" charset="0"/>
-                <a:cs typeface="Times New Roman" panose="02020603050405020304" pitchFamily="18" charset="0"/>
-              </a:rPr>
-              <a:t>Payment Terminal + Card</a:t>
-            </a:r>
-            <a:endParaRPr lang="en-US" sz="2400" dirty="0">
-              <a:latin typeface="Times New Roman" panose="02020603050405020304" pitchFamily="18" charset="0"/>
-              <a:cs typeface="Times New Roman" panose="02020603050405020304" pitchFamily="18" charset="0"/>
-            </a:endParaRPr>
-          </a:p>
-        </p:txBody>
-      </p:sp>
-      <p:sp>
-        <p:nvSpPr>
-          <p:cNvPr id="13" name="TextBox 12"/>
-          <p:cNvSpPr txBox="1"/>
-          <p:nvPr/>
-        </p:nvSpPr>
-        <p:spPr>
-          <a:xfrm>
-            <a:off x="-27548" y="6662094"/>
-            <a:ext cx="1293944" cy="215444"/>
-          </a:xfrm>
-          <a:prstGeom prst="rect">
-            <a:avLst/>
-          </a:prstGeom>
-          <a:noFill/>
-        </p:spPr>
-        <p:txBody>
-          <a:bodyPr wrap="none" rtlCol="0">
-            <a:spAutoFit/>
-          </a:bodyPr>
-          <a:lstStyle/>
-          <a:p>
-            <a:r>
-              <a:rPr lang="en-US" sz="800" dirty="0" err="1" smtClean="0">
-                <a:latin typeface="Arial" panose="020B0604020202020204" pitchFamily="34" charset="0"/>
-                <a:cs typeface="Arial" panose="020B0604020202020204" pitchFamily="34" charset="0"/>
-              </a:rPr>
-              <a:t>A.Rundgren</a:t>
-            </a:r>
-            <a:r>
-              <a:rPr lang="en-US" sz="800" dirty="0" smtClean="0">
-                <a:latin typeface="Arial" panose="020B0604020202020204" pitchFamily="34" charset="0"/>
-                <a:cs typeface="Arial" panose="020B0604020202020204" pitchFamily="34" charset="0"/>
-              </a:rPr>
-              <a:t> 2020-04-18</a:t>
-            </a:r>
-            <a:endParaRPr lang="en-US" sz="800" dirty="0">
-              <a:latin typeface="Arial" panose="020B0604020202020204" pitchFamily="34" charset="0"/>
-              <a:cs typeface="Arial" panose="020B0604020202020204" pitchFamily="34" charset="0"/>
-            </a:endParaRPr>
-          </a:p>
-        </p:txBody>
-      </p:sp>
-      <p:sp>
-        <p:nvSpPr>
-          <p:cNvPr id="25" name="TextBox 24"/>
-          <p:cNvSpPr txBox="1"/>
-          <p:nvPr/>
-        </p:nvSpPr>
-        <p:spPr>
-          <a:xfrm>
-            <a:off x="4312365" y="117443"/>
-            <a:ext cx="3572003" cy="461665"/>
-          </a:xfrm>
-          <a:prstGeom prst="rect">
-            <a:avLst/>
-          </a:prstGeom>
-          <a:noFill/>
-        </p:spPr>
-        <p:txBody>
-          <a:bodyPr wrap="none" rtlCol="0">
-            <a:spAutoFit/>
-          </a:bodyPr>
-          <a:lstStyle/>
-          <a:p>
-            <a:r>
-              <a:rPr lang="en-US" sz="2400" dirty="0" smtClean="0">
-                <a:latin typeface="Times New Roman" panose="02020603050405020304" pitchFamily="18" charset="0"/>
-                <a:cs typeface="Times New Roman" panose="02020603050405020304" pitchFamily="18" charset="0"/>
-              </a:rPr>
-              <a:t>Personal Payment Terminal</a:t>
-            </a:r>
-            <a:endParaRPr lang="en-US" sz="2400" dirty="0">
-              <a:latin typeface="Times New Roman" panose="02020603050405020304" pitchFamily="18" charset="0"/>
-              <a:cs typeface="Times New Roman" panose="02020603050405020304" pitchFamily="18" charset="0"/>
-            </a:endParaRPr>
-          </a:p>
-        </p:txBody>
-      </p:sp>
       <p:grpSp>
         <p:nvGrpSpPr>
           <p:cNvPr id="66" name="Group 65"/>
@@ -3782,7 +3355,123 @@
       </p:grpSp>
       <p:pic>
         <p:nvPicPr>
-          <p:cNvPr id="71" name="Picture 70"/>
+          <p:cNvPr id="38" name="Picture 37"/>
+          <p:cNvPicPr>
+            <a:picLocks noChangeAspect="1"/>
+          </p:cNvPicPr>
+          <p:nvPr/>
+        </p:nvPicPr>
+        <p:blipFill>
+          <a:blip r:embed="rId2" cstate="print">
+            <a:extLst>
+              <a:ext uri="{28A0092B-C50C-407E-A947-70E740481C1C}">
+                <a14:useLocalDpi xmlns:a14="http://schemas.microsoft.com/office/drawing/2010/main" val="0"/>
+              </a:ext>
+            </a:extLst>
+          </a:blip>
+          <a:stretch>
+            <a:fillRect/>
+          </a:stretch>
+        </p:blipFill>
+        <p:spPr>
+          <a:xfrm>
+            <a:off x="3965033" y="1844824"/>
+            <a:ext cx="2314375" cy="4114999"/>
+          </a:xfrm>
+          <a:prstGeom prst="rect">
+            <a:avLst/>
+          </a:prstGeom>
+          <a:ln>
+            <a:solidFill>
+              <a:schemeClr val="bg1">
+                <a:lumMod val="50000"/>
+              </a:schemeClr>
+            </a:solidFill>
+          </a:ln>
+        </p:spPr>
+      </p:pic>
+      <p:pic>
+        <p:nvPicPr>
+          <p:cNvPr id="2" name="Picture 1"/>
+          <p:cNvPicPr>
+            <a:picLocks noChangeAspect="1"/>
+          </p:cNvPicPr>
+          <p:nvPr/>
+        </p:nvPicPr>
+        <p:blipFill>
+          <a:blip r:embed="rId3">
+            <a:extLst>
+              <a:ext uri="{28A0092B-C50C-407E-A947-70E740481C1C}">
+                <a14:useLocalDpi xmlns:a14="http://schemas.microsoft.com/office/drawing/2010/main" val="0"/>
+              </a:ext>
+            </a:extLst>
+          </a:blip>
+          <a:stretch>
+            <a:fillRect/>
+          </a:stretch>
+        </p:blipFill>
+        <p:spPr>
+          <a:xfrm>
+            <a:off x="467544" y="1277328"/>
+            <a:ext cx="2236040" cy="3513778"/>
+          </a:xfrm>
+          <a:prstGeom prst="rect">
+            <a:avLst/>
+          </a:prstGeom>
+        </p:spPr>
+      </p:pic>
+      <p:sp>
+        <p:nvSpPr>
+          <p:cNvPr id="17" name="Up-Down Arrow 16"/>
+          <p:cNvSpPr/>
+          <p:nvPr/>
+        </p:nvSpPr>
+        <p:spPr>
+          <a:xfrm>
+            <a:off x="1498193" y="4627669"/>
+            <a:ext cx="198210" cy="900000"/>
+          </a:xfrm>
+          <a:prstGeom prst="upDownArrow">
+            <a:avLst/>
+          </a:prstGeom>
+          <a:solidFill>
+            <a:schemeClr val="tx2">
+              <a:lumMod val="40000"/>
+              <a:lumOff val="60000"/>
+            </a:schemeClr>
+          </a:solidFill>
+          <a:ln>
+            <a:noFill/>
+          </a:ln>
+        </p:spPr>
+        <p:style>
+          <a:lnRef idx="2">
+            <a:schemeClr val="accent1">
+              <a:shade val="50000"/>
+            </a:schemeClr>
+          </a:lnRef>
+          <a:fillRef idx="1">
+            <a:schemeClr val="accent1"/>
+          </a:fillRef>
+          <a:effectRef idx="0">
+            <a:schemeClr val="accent1"/>
+          </a:effectRef>
+          <a:fontRef idx="minor">
+            <a:schemeClr val="lt1"/>
+          </a:fontRef>
+        </p:style>
+        <p:txBody>
+          <a:bodyPr rtlCol="0" anchor="ctr"/>
+          <a:lstStyle/>
+          <a:p>
+            <a:pPr algn="ctr"/>
+            <a:endParaRPr lang="en-US"/>
+          </a:p>
+        </p:txBody>
+      </p:sp>
+      <p:pic>
+        <p:nvPicPr>
+          <p:cNvPr id="12" name="Picture 11"/>
           <p:cNvPicPr>
             <a:picLocks noChangeAspect="1"/>
           </p:cNvPicPr>
@@ -3802,21 +3491,332 @@
         </p:blipFill>
         <p:spPr>
           <a:xfrm>
-            <a:off x="3965949" y="1855102"/>
-            <a:ext cx="2314375" cy="4114999"/>
+            <a:off x="792162" y="5543252"/>
+            <a:ext cx="1584175" cy="1013331"/>
           </a:xfrm>
           <a:prstGeom prst="rect">
             <a:avLst/>
           </a:prstGeom>
+        </p:spPr>
+      </p:pic>
+      <p:sp>
+        <p:nvSpPr>
+          <p:cNvPr id="14" name="Explosion 1 13"/>
+          <p:cNvSpPr/>
+          <p:nvPr/>
+        </p:nvSpPr>
+        <p:spPr>
+          <a:xfrm>
+            <a:off x="1672004" y="1484784"/>
+            <a:ext cx="1387828" cy="925398"/>
+          </a:xfrm>
+          <a:prstGeom prst="irregularSeal1">
+            <a:avLst/>
+          </a:prstGeom>
+          <a:gradFill flip="none" rotWithShape="1">
+            <a:gsLst>
+              <a:gs pos="50000">
+                <a:srgbClr val="FBF7C9"/>
+              </a:gs>
+              <a:gs pos="1000">
+                <a:srgbClr val="F2E648"/>
+              </a:gs>
+              <a:gs pos="100000">
+                <a:srgbClr val="EDE437"/>
+              </a:gs>
+            </a:gsLst>
+            <a:path path="circle">
+              <a:fillToRect l="100000" t="100000"/>
+            </a:path>
+            <a:tileRect r="-100000" b="-100000"/>
+          </a:gradFill>
+          <a:ln w="6350"/>
+          <a:effectLst>
+            <a:outerShdw blurRad="50800" dist="38100" dir="2700000" algn="tl" rotWithShape="0">
+              <a:prstClr val="black">
+                <a:alpha val="40000"/>
+              </a:prstClr>
+            </a:outerShdw>
+          </a:effectLst>
+        </p:spPr>
+        <p:style>
+          <a:lnRef idx="2">
+            <a:schemeClr val="accent1">
+              <a:shade val="50000"/>
+            </a:schemeClr>
+          </a:lnRef>
+          <a:fillRef idx="1">
+            <a:schemeClr val="accent1"/>
+          </a:fillRef>
+          <a:effectRef idx="0">
+            <a:schemeClr val="accent1"/>
+          </a:effectRef>
+          <a:fontRef idx="minor">
+            <a:schemeClr val="lt1"/>
+          </a:fontRef>
+        </p:style>
+        <p:txBody>
+          <a:bodyPr lIns="0" rIns="0" rtlCol="0" anchor="ctr"/>
+          <a:lstStyle/>
+          <a:p>
+            <a:pPr algn="ctr"/>
+            <a:r>
+              <a:rPr lang="en-US" dirty="0" smtClean="0">
+                <a:solidFill>
+                  <a:schemeClr val="tx1"/>
+                </a:solidFill>
+              </a:rPr>
+              <a:t>POOF!</a:t>
+            </a:r>
+            <a:endParaRPr lang="en-US" dirty="0">
+              <a:solidFill>
+                <a:schemeClr val="tx1"/>
+              </a:solidFill>
+            </a:endParaRPr>
+          </a:p>
+        </p:txBody>
+      </p:sp>
+      <p:sp>
+        <p:nvSpPr>
+          <p:cNvPr id="15" name="Explosion 1 14"/>
+          <p:cNvSpPr/>
+          <p:nvPr/>
+        </p:nvSpPr>
+        <p:spPr>
+          <a:xfrm>
+            <a:off x="1672004" y="5373216"/>
+            <a:ext cx="1387828" cy="925398"/>
+          </a:xfrm>
+          <a:prstGeom prst="irregularSeal1">
+            <a:avLst/>
+          </a:prstGeom>
+          <a:gradFill flip="none" rotWithShape="1">
+            <a:gsLst>
+              <a:gs pos="50000">
+                <a:srgbClr val="FBF7C9"/>
+              </a:gs>
+              <a:gs pos="1000">
+                <a:srgbClr val="F2E648"/>
+              </a:gs>
+              <a:gs pos="100000">
+                <a:srgbClr val="EDE437"/>
+              </a:gs>
+            </a:gsLst>
+            <a:path path="circle">
+              <a:fillToRect l="100000" t="100000"/>
+            </a:path>
+            <a:tileRect r="-100000" b="-100000"/>
+          </a:gradFill>
+          <a:ln w="6350"/>
+          <a:effectLst>
+            <a:outerShdw blurRad="50800" dist="38100" dir="2700000" algn="tl" rotWithShape="0">
+              <a:prstClr val="black">
+                <a:alpha val="40000"/>
+              </a:prstClr>
+            </a:outerShdw>
+          </a:effectLst>
+        </p:spPr>
+        <p:style>
+          <a:lnRef idx="2">
+            <a:schemeClr val="accent1">
+              <a:shade val="50000"/>
+            </a:schemeClr>
+          </a:lnRef>
+          <a:fillRef idx="1">
+            <a:schemeClr val="accent1"/>
+          </a:fillRef>
+          <a:effectRef idx="0">
+            <a:schemeClr val="accent1"/>
+          </a:effectRef>
+          <a:fontRef idx="minor">
+            <a:schemeClr val="lt1"/>
+          </a:fontRef>
+        </p:style>
+        <p:txBody>
+          <a:bodyPr lIns="0" rIns="0" rtlCol="0" anchor="ctr"/>
+          <a:lstStyle/>
+          <a:p>
+            <a:pPr algn="ctr"/>
+            <a:r>
+              <a:rPr lang="en-US" dirty="0" smtClean="0">
+                <a:solidFill>
+                  <a:schemeClr val="tx1"/>
+                </a:solidFill>
+              </a:rPr>
+              <a:t>POOF!</a:t>
+            </a:r>
+            <a:endParaRPr lang="en-US" dirty="0">
+              <a:solidFill>
+                <a:schemeClr val="tx1"/>
+              </a:solidFill>
+            </a:endParaRPr>
+          </a:p>
+        </p:txBody>
+      </p:sp>
+      <p:sp>
+        <p:nvSpPr>
+          <p:cNvPr id="19" name="Up-Down Arrow 18"/>
+          <p:cNvSpPr/>
+          <p:nvPr/>
+        </p:nvSpPr>
+        <p:spPr>
+          <a:xfrm>
+            <a:off x="1506961" y="579919"/>
+            <a:ext cx="198210" cy="858877"/>
+          </a:xfrm>
+          <a:prstGeom prst="upDownArrow">
+            <a:avLst/>
+          </a:prstGeom>
+          <a:solidFill>
+            <a:schemeClr val="tx2">
+              <a:lumMod val="40000"/>
+              <a:lumOff val="60000"/>
+            </a:schemeClr>
+          </a:solidFill>
           <a:ln>
-            <a:solidFill>
-              <a:schemeClr val="bg1">
-                <a:lumMod val="50000"/>
-              </a:schemeClr>
-            </a:solidFill>
+            <a:noFill/>
           </a:ln>
         </p:spPr>
-      </p:pic>
+        <p:style>
+          <a:lnRef idx="2">
+            <a:schemeClr val="accent1">
+              <a:shade val="50000"/>
+            </a:schemeClr>
+          </a:lnRef>
+          <a:fillRef idx="1">
+            <a:schemeClr val="accent1"/>
+          </a:fillRef>
+          <a:effectRef idx="0">
+            <a:schemeClr val="accent1"/>
+          </a:effectRef>
+          <a:fontRef idx="minor">
+            <a:schemeClr val="lt1"/>
+          </a:fontRef>
+        </p:style>
+        <p:txBody>
+          <a:bodyPr rtlCol="0" anchor="ctr"/>
+          <a:lstStyle/>
+          <a:p>
+            <a:pPr algn="ctr"/>
+            <a:endParaRPr lang="en-US"/>
+          </a:p>
+        </p:txBody>
+      </p:sp>
+      <p:sp>
+        <p:nvSpPr>
+          <p:cNvPr id="24" name="TextBox 23"/>
+          <p:cNvSpPr txBox="1"/>
+          <p:nvPr/>
+        </p:nvSpPr>
+        <p:spPr>
+          <a:xfrm>
+            <a:off x="131473" y="117443"/>
+            <a:ext cx="3360407" cy="461665"/>
+          </a:xfrm>
+          <a:prstGeom prst="rect">
+            <a:avLst/>
+          </a:prstGeom>
+          <a:noFill/>
+        </p:spPr>
+        <p:txBody>
+          <a:bodyPr wrap="none" rtlCol="0">
+            <a:spAutoFit/>
+          </a:bodyPr>
+          <a:lstStyle/>
+          <a:p>
+            <a:r>
+              <a:rPr lang="en-US" sz="2400" dirty="0" smtClean="0">
+                <a:latin typeface="Times New Roman" panose="02020603050405020304" pitchFamily="18" charset="0"/>
+                <a:cs typeface="Times New Roman" panose="02020603050405020304" pitchFamily="18" charset="0"/>
+              </a:rPr>
+              <a:t>Payment Terminal + Card</a:t>
+            </a:r>
+            <a:endParaRPr lang="en-US" sz="2400" dirty="0">
+              <a:latin typeface="Times New Roman" panose="02020603050405020304" pitchFamily="18" charset="0"/>
+              <a:cs typeface="Times New Roman" panose="02020603050405020304" pitchFamily="18" charset="0"/>
+            </a:endParaRPr>
+          </a:p>
+        </p:txBody>
+      </p:sp>
+      <p:sp>
+        <p:nvSpPr>
+          <p:cNvPr id="13" name="TextBox 12"/>
+          <p:cNvSpPr txBox="1"/>
+          <p:nvPr/>
+        </p:nvSpPr>
+        <p:spPr>
+          <a:xfrm>
+            <a:off x="-27548" y="6662094"/>
+            <a:ext cx="1293944" cy="215444"/>
+          </a:xfrm>
+          <a:prstGeom prst="rect">
+            <a:avLst/>
+          </a:prstGeom>
+          <a:noFill/>
+        </p:spPr>
+        <p:txBody>
+          <a:bodyPr wrap="none" rtlCol="0">
+            <a:spAutoFit/>
+          </a:bodyPr>
+          <a:lstStyle/>
+          <a:p>
+            <a:r>
+              <a:rPr lang="en-US" sz="800" dirty="0" err="1" smtClean="0">
+                <a:latin typeface="Arial" panose="020B0604020202020204" pitchFamily="34" charset="0"/>
+                <a:cs typeface="Arial" panose="020B0604020202020204" pitchFamily="34" charset="0"/>
+              </a:rPr>
+              <a:t>A.Rundgren</a:t>
+            </a:r>
+            <a:r>
+              <a:rPr lang="en-US" sz="800" dirty="0" smtClean="0">
+                <a:latin typeface="Arial" panose="020B0604020202020204" pitchFamily="34" charset="0"/>
+                <a:cs typeface="Arial" panose="020B0604020202020204" pitchFamily="34" charset="0"/>
+              </a:rPr>
+              <a:t> 2020-04-18</a:t>
+            </a:r>
+            <a:endParaRPr lang="en-US" sz="800" dirty="0">
+              <a:latin typeface="Arial" panose="020B0604020202020204" pitchFamily="34" charset="0"/>
+              <a:cs typeface="Arial" panose="020B0604020202020204" pitchFamily="34" charset="0"/>
+            </a:endParaRPr>
+          </a:p>
+        </p:txBody>
+      </p:sp>
+      <p:sp>
+        <p:nvSpPr>
+          <p:cNvPr id="25" name="TextBox 24"/>
+          <p:cNvSpPr txBox="1"/>
+          <p:nvPr/>
+        </p:nvSpPr>
+        <p:spPr>
+          <a:xfrm>
+            <a:off x="4312365" y="117443"/>
+            <a:ext cx="3572003" cy="461665"/>
+          </a:xfrm>
+          <a:prstGeom prst="rect">
+            <a:avLst/>
+          </a:prstGeom>
+          <a:noFill/>
+        </p:spPr>
+        <p:txBody>
+          <a:bodyPr wrap="none" rtlCol="0">
+            <a:spAutoFit/>
+          </a:bodyPr>
+          <a:lstStyle/>
+          <a:p>
+            <a:r>
+              <a:rPr lang="en-US" sz="2400" dirty="0" smtClean="0">
+                <a:latin typeface="Times New Roman" panose="02020603050405020304" pitchFamily="18" charset="0"/>
+                <a:cs typeface="Times New Roman" panose="02020603050405020304" pitchFamily="18" charset="0"/>
+              </a:rPr>
+              <a:t>Personal Payment Terminal</a:t>
+            </a:r>
+            <a:endParaRPr lang="en-US" sz="2400" dirty="0">
+              <a:latin typeface="Times New Roman" panose="02020603050405020304" pitchFamily="18" charset="0"/>
+              <a:cs typeface="Times New Roman" panose="02020603050405020304" pitchFamily="18" charset="0"/>
+            </a:endParaRPr>
+          </a:p>
+        </p:txBody>
+      </p:sp>
       <p:sp>
         <p:nvSpPr>
           <p:cNvPr id="72" name="Up-Down Arrow 71"/>

--- a/saturn/personal-payment-terminal.pptx
+++ b/saturn/personal-payment-terminal.pptx
@@ -288,7 +288,7 @@
           <a:p>
             <a:fld id="{FC080E38-6FF2-48B3-BDAB-4FA23B840E92}" type="datetimeFigureOut">
               <a:rPr lang="en-US" smtClean="0"/>
-              <a:t>2020-09-21</a:t>
+              <a:t>2020-12-22</a:t>
             </a:fld>
             <a:endParaRPr lang="en-US"/>
           </a:p>
@@ -458,7 +458,7 @@
           <a:p>
             <a:fld id="{FC080E38-6FF2-48B3-BDAB-4FA23B840E92}" type="datetimeFigureOut">
               <a:rPr lang="en-US" smtClean="0"/>
-              <a:t>2020-09-21</a:t>
+              <a:t>2020-12-22</a:t>
             </a:fld>
             <a:endParaRPr lang="en-US"/>
           </a:p>
@@ -638,7 +638,7 @@
           <a:p>
             <a:fld id="{FC080E38-6FF2-48B3-BDAB-4FA23B840E92}" type="datetimeFigureOut">
               <a:rPr lang="en-US" smtClean="0"/>
-              <a:t>2020-09-21</a:t>
+              <a:t>2020-12-22</a:t>
             </a:fld>
             <a:endParaRPr lang="en-US"/>
           </a:p>
@@ -808,7 +808,7 @@
           <a:p>
             <a:fld id="{FC080E38-6FF2-48B3-BDAB-4FA23B840E92}" type="datetimeFigureOut">
               <a:rPr lang="en-US" smtClean="0"/>
-              <a:t>2020-09-21</a:t>
+              <a:t>2020-12-22</a:t>
             </a:fld>
             <a:endParaRPr lang="en-US"/>
           </a:p>
@@ -1054,7 +1054,7 @@
           <a:p>
             <a:fld id="{FC080E38-6FF2-48B3-BDAB-4FA23B840E92}" type="datetimeFigureOut">
               <a:rPr lang="en-US" smtClean="0"/>
-              <a:t>2020-09-21</a:t>
+              <a:t>2020-12-22</a:t>
             </a:fld>
             <a:endParaRPr lang="en-US"/>
           </a:p>
@@ -1342,7 +1342,7 @@
           <a:p>
             <a:fld id="{FC080E38-6FF2-48B3-BDAB-4FA23B840E92}" type="datetimeFigureOut">
               <a:rPr lang="en-US" smtClean="0"/>
-              <a:t>2020-09-21</a:t>
+              <a:t>2020-12-22</a:t>
             </a:fld>
             <a:endParaRPr lang="en-US"/>
           </a:p>
@@ -1764,7 +1764,7 @@
           <a:p>
             <a:fld id="{FC080E38-6FF2-48B3-BDAB-4FA23B840E92}" type="datetimeFigureOut">
               <a:rPr lang="en-US" smtClean="0"/>
-              <a:t>2020-09-21</a:t>
+              <a:t>2020-12-22</a:t>
             </a:fld>
             <a:endParaRPr lang="en-US"/>
           </a:p>
@@ -1882,7 +1882,7 @@
           <a:p>
             <a:fld id="{FC080E38-6FF2-48B3-BDAB-4FA23B840E92}" type="datetimeFigureOut">
               <a:rPr lang="en-US" smtClean="0"/>
-              <a:t>2020-09-21</a:t>
+              <a:t>2020-12-22</a:t>
             </a:fld>
             <a:endParaRPr lang="en-US"/>
           </a:p>
@@ -1977,7 +1977,7 @@
           <a:p>
             <a:fld id="{FC080E38-6FF2-48B3-BDAB-4FA23B840E92}" type="datetimeFigureOut">
               <a:rPr lang="en-US" smtClean="0"/>
-              <a:t>2020-09-21</a:t>
+              <a:t>2020-12-22</a:t>
             </a:fld>
             <a:endParaRPr lang="en-US"/>
           </a:p>
@@ -2254,7 +2254,7 @@
           <a:p>
             <a:fld id="{FC080E38-6FF2-48B3-BDAB-4FA23B840E92}" type="datetimeFigureOut">
               <a:rPr lang="en-US" smtClean="0"/>
-              <a:t>2020-09-21</a:t>
+              <a:t>2020-12-22</a:t>
             </a:fld>
             <a:endParaRPr lang="en-US"/>
           </a:p>
@@ -2507,7 +2507,7 @@
           <a:p>
             <a:fld id="{FC080E38-6FF2-48B3-BDAB-4FA23B840E92}" type="datetimeFigureOut">
               <a:rPr lang="en-US" smtClean="0"/>
-              <a:t>2020-09-21</a:t>
+              <a:t>2020-12-22</a:t>
             </a:fld>
             <a:endParaRPr lang="en-US"/>
           </a:p>
@@ -2720,7 +2720,7 @@
           <a:p>
             <a:fld id="{FC080E38-6FF2-48B3-BDAB-4FA23B840E92}" type="datetimeFigureOut">
               <a:rPr lang="en-US" smtClean="0"/>
-              <a:t>2020-09-21</a:t>
+              <a:t>2020-12-22</a:t>
             </a:fld>
             <a:endParaRPr lang="en-US"/>
           </a:p>
@@ -3355,7 +3355,7 @@
       </p:grpSp>
       <p:pic>
         <p:nvPicPr>
-          <p:cNvPr id="38" name="Picture 37"/>
+          <p:cNvPr id="3" name="Picture 2"/>
           <p:cNvPicPr>
             <a:picLocks noChangeAspect="1"/>
           </p:cNvPicPr>
@@ -3375,13 +3375,13 @@
         </p:blipFill>
         <p:spPr>
           <a:xfrm>
-            <a:off x="3965033" y="1844824"/>
+            <a:off x="3966216" y="1844824"/>
             <a:ext cx="2314375" cy="4114999"/>
           </a:xfrm>
           <a:prstGeom prst="rect">
             <a:avLst/>
           </a:prstGeom>
-          <a:ln>
+          <a:ln w="9525">
             <a:solidFill>
               <a:schemeClr val="bg1">
                 <a:lumMod val="50000"/>
@@ -4526,7 +4526,7 @@
         </p:nvCxnSpPr>
         <p:spPr>
           <a:xfrm flipH="1">
-            <a:off x="5778137" y="4207912"/>
+            <a:off x="5778137" y="4347724"/>
             <a:ext cx="720000" cy="0"/>
           </a:xfrm>
           <a:prstGeom prst="straightConnector1">
@@ -4564,7 +4564,7 @@
         </p:nvSpPr>
         <p:spPr>
           <a:xfrm>
-            <a:off x="6470593" y="3837837"/>
+            <a:off x="6470593" y="3977649"/>
             <a:ext cx="1588897" cy="1384995"/>
           </a:xfrm>
           <a:prstGeom prst="rect">
@@ -4669,10 +4669,10 @@
         </p:nvGrpSpPr>
         <p:grpSpPr>
           <a:xfrm>
-            <a:off x="3552429" y="5247086"/>
-            <a:ext cx="4130678" cy="1416182"/>
-            <a:chOff x="4257746" y="5387398"/>
-            <a:chExt cx="4130678" cy="1416182"/>
+            <a:off x="3552429" y="5013176"/>
+            <a:ext cx="4130678" cy="1650092"/>
+            <a:chOff x="4257746" y="5153488"/>
+            <a:chExt cx="4130678" cy="1650092"/>
           </a:xfrm>
         </p:grpSpPr>
         <p:sp>
@@ -4767,8 +4767,8 @@
           </p:nvSpPr>
           <p:spPr>
             <a:xfrm>
-              <a:off x="4257746" y="5387398"/>
-              <a:ext cx="588099" cy="1081570"/>
+              <a:off x="4257746" y="5153488"/>
+              <a:ext cx="588099" cy="1315480"/>
             </a:xfrm>
             <a:custGeom>
               <a:avLst/>
